--- a/Presentation DS - drt.pptx
+++ b/Presentation DS - drt.pptx
@@ -247,6 +247,11 @@
       </a:defRPr>
     </a:lvl9pPr>
   </p:defaultTextStyle>
+  <p:extLst>
+    <p:ext uri="{EFAFB233-063F-42B5-8137-9DF3F51BA10A}">
+      <p15:sldGuideLst xmlns:p15="http://schemas.microsoft.com/office/powerpoint/2012/main"/>
+    </p:ext>
+  </p:extLst>
 </p:presentation>
 </file>
 
@@ -7954,38 +7959,53 @@
             </a:p>
           </p:txBody>
         </p:sp>
-        <p:sp>
-          <p:nvSpPr>
-            <p:cNvPr id="205" name="Shape 205"/>
-            <p:cNvSpPr/>
-            <p:nvPr/>
-          </p:nvSpPr>
-          <p:spPr>
-            <a:xfrm>
-              <a:off x="1586925" y="3705950"/>
-              <a:ext cx="1790699" cy="767699"/>
-            </a:xfrm>
-            <a:prstGeom prst="rect">
-              <a:avLst/>
-            </a:prstGeom>
-            <a:solidFill>
-              <a:srgbClr val="CFE2F3"/>
-            </a:solidFill>
-            <a:ln>
-              <a:noFill/>
-            </a:ln>
-          </p:spPr>
-          <p:txBody>
-            <a:bodyPr lIns="91425" tIns="91425" rIns="91425" bIns="91425" anchor="ctr" anchorCtr="0">
-              <a:noAutofit/>
-            </a:bodyPr>
-            <a:lstStyle/>
-            <a:p>
-              <a:endParaRPr/>
-            </a:p>
-          </p:txBody>
-        </p:sp>
       </p:grpSp>
+      <p:sp>
+        <p:nvSpPr>
+          <p:cNvPr id="2" name="Rectangle 1"/>
+          <p:cNvSpPr/>
+          <p:nvPr/>
+        </p:nvSpPr>
+        <p:spPr>
+          <a:xfrm>
+            <a:off x="1625603" y="3956049"/>
+            <a:ext cx="1821318" cy="352955"/>
+          </a:xfrm>
+          <a:prstGeom prst="rect">
+            <a:avLst/>
+          </a:prstGeom>
+          <a:solidFill>
+            <a:srgbClr val="CFE2F3"/>
+          </a:solidFill>
+          <a:ln>
+            <a:noFill/>
+          </a:ln>
+        </p:spPr>
+        <p:style>
+          <a:lnRef idx="2">
+            <a:schemeClr val="accent1">
+              <a:shade val="50000"/>
+            </a:schemeClr>
+          </a:lnRef>
+          <a:fillRef idx="1">
+            <a:schemeClr val="accent1"/>
+          </a:fillRef>
+          <a:effectRef idx="0">
+            <a:schemeClr val="accent1"/>
+          </a:effectRef>
+          <a:fontRef idx="minor">
+            <a:schemeClr val="lt1"/>
+          </a:fontRef>
+        </p:style>
+        <p:txBody>
+          <a:bodyPr rtlCol="0" anchor="ctr"/>
+          <a:lstStyle/>
+          <a:p>
+            <a:pPr algn="ctr"/>
+            <a:endParaRPr lang="fr-FR"/>
+          </a:p>
+        </p:txBody>
+      </p:sp>
     </p:spTree>
   </p:cSld>
   <p:clrMapOvr>
@@ -13377,7 +13397,11 @@
               <a:buNone/>
             </a:pPr>
             <a:r>
-              <a:rPr lang="en" sz="4800" dirty="0"/>
+              <a:rPr lang="en" sz="4800" dirty="0">
+                <a:solidFill>
+                  <a:schemeClr val="bg1"/>
+                </a:solidFill>
+              </a:rPr>
               <a:t>Thanks  for listening</a:t>
             </a:r>
           </a:p>

--- a/Presentation DS - drt.pptx
+++ b/Presentation DS - drt.pptx
@@ -5,34 +5,30 @@
     <p:sldMasterId id="2147483654" r:id="rId1"/>
   </p:sldMasterIdLst>
   <p:notesMasterIdLst>
-    <p:notesMasterId r:id="rId27"/>
+    <p:notesMasterId r:id="rId23"/>
   </p:notesMasterIdLst>
   <p:sldIdLst>
     <p:sldId id="256" r:id="rId2"/>
     <p:sldId id="257" r:id="rId3"/>
-    <p:sldId id="258" r:id="rId4"/>
-    <p:sldId id="259" r:id="rId5"/>
-    <p:sldId id="260" r:id="rId6"/>
-    <p:sldId id="261" r:id="rId7"/>
-    <p:sldId id="262" r:id="rId8"/>
-    <p:sldId id="263" r:id="rId9"/>
-    <p:sldId id="264" r:id="rId10"/>
-    <p:sldId id="265" r:id="rId11"/>
-    <p:sldId id="266" r:id="rId12"/>
-    <p:sldId id="267" r:id="rId13"/>
-    <p:sldId id="268" r:id="rId14"/>
-    <p:sldId id="269" r:id="rId15"/>
-    <p:sldId id="270" r:id="rId16"/>
-    <p:sldId id="271" r:id="rId17"/>
-    <p:sldId id="272" r:id="rId18"/>
-    <p:sldId id="273" r:id="rId19"/>
-    <p:sldId id="274" r:id="rId20"/>
-    <p:sldId id="275" r:id="rId21"/>
-    <p:sldId id="276" r:id="rId22"/>
-    <p:sldId id="277" r:id="rId23"/>
-    <p:sldId id="278" r:id="rId24"/>
-    <p:sldId id="279" r:id="rId25"/>
-    <p:sldId id="280" r:id="rId26"/>
+    <p:sldId id="259" r:id="rId4"/>
+    <p:sldId id="260" r:id="rId5"/>
+    <p:sldId id="262" r:id="rId6"/>
+    <p:sldId id="281" r:id="rId7"/>
+    <p:sldId id="273" r:id="rId8"/>
+    <p:sldId id="274" r:id="rId9"/>
+    <p:sldId id="275" r:id="rId10"/>
+    <p:sldId id="276" r:id="rId11"/>
+    <p:sldId id="268" r:id="rId12"/>
+    <p:sldId id="269" r:id="rId13"/>
+    <p:sldId id="270" r:id="rId14"/>
+    <p:sldId id="271" r:id="rId15"/>
+    <p:sldId id="272" r:id="rId16"/>
+    <p:sldId id="263" r:id="rId17"/>
+    <p:sldId id="265" r:id="rId18"/>
+    <p:sldId id="267" r:id="rId19"/>
+    <p:sldId id="278" r:id="rId20"/>
+    <p:sldId id="279" r:id="rId21"/>
+    <p:sldId id="280" r:id="rId22"/>
   </p:sldIdLst>
   <p:sldSz cx="9144000" cy="5143500" type="screen16x9"/>
   <p:notesSz cx="6858000" cy="9144000"/>
@@ -581,7 +577,7 @@
   <p:cSld>
     <p:spTree>
       <p:nvGrpSpPr>
-        <p:cNvPr id="1" name="Shape 168"/>
+        <p:cNvPr id="1" name="Shape 317"/>
         <p:cNvGrpSpPr/>
         <p:nvPr/>
       </p:nvGrpSpPr>
@@ -595,7 +591,7 @@
       </p:grpSpPr>
       <p:sp>
         <p:nvSpPr>
-          <p:cNvPr id="169" name="Shape 169"/>
+          <p:cNvPr id="318" name="Shape 318"/>
           <p:cNvSpPr>
             <a:spLocks noGrp="1" noRot="1" noChangeAspect="1"/>
           </p:cNvSpPr>
@@ -636,7 +632,7 @@
       </p:sp>
       <p:sp>
         <p:nvSpPr>
-          <p:cNvPr id="170" name="Shape 170"/>
+          <p:cNvPr id="319" name="Shape 319"/>
           <p:cNvSpPr txBox="1">
             <a:spLocks noGrp="1"/>
           </p:cNvSpPr>
@@ -666,7 +662,7 @@
     </p:spTree>
     <p:extLst>
       <p:ext uri="{BB962C8B-B14F-4D97-AF65-F5344CB8AC3E}">
-        <p14:creationId xmlns:p14="http://schemas.microsoft.com/office/powerpoint/2010/main" val="1253420605"/>
+        <p14:creationId xmlns:p14="http://schemas.microsoft.com/office/powerpoint/2010/main" val="2169152919"/>
       </p:ext>
     </p:extLst>
   </p:cSld>
@@ -681,7 +677,7 @@
   <p:cSld>
     <p:spTree>
       <p:nvGrpSpPr>
-        <p:cNvPr id="1" name="Shape 174"/>
+        <p:cNvPr id="1" name="Shape 206"/>
         <p:cNvGrpSpPr/>
         <p:nvPr/>
       </p:nvGrpSpPr>
@@ -695,7 +691,7 @@
       </p:grpSpPr>
       <p:sp>
         <p:nvSpPr>
-          <p:cNvPr id="175" name="Shape 175"/>
+          <p:cNvPr id="207" name="Shape 207"/>
           <p:cNvSpPr>
             <a:spLocks noGrp="1" noRot="1" noChangeAspect="1"/>
           </p:cNvSpPr>
@@ -736,7 +732,7 @@
       </p:sp>
       <p:sp>
         <p:nvSpPr>
-          <p:cNvPr id="176" name="Shape 176"/>
+          <p:cNvPr id="208" name="Shape 208"/>
           <p:cNvSpPr txBox="1">
             <a:spLocks noGrp="1"/>
           </p:cNvSpPr>
@@ -766,7 +762,7 @@
     </p:spTree>
     <p:extLst>
       <p:ext uri="{BB962C8B-B14F-4D97-AF65-F5344CB8AC3E}">
-        <p14:creationId xmlns:p14="http://schemas.microsoft.com/office/powerpoint/2010/main" val="1702963185"/>
+        <p14:creationId xmlns:p14="http://schemas.microsoft.com/office/powerpoint/2010/main" val="2635353748"/>
       </p:ext>
     </p:extLst>
   </p:cSld>
@@ -781,7 +777,7 @@
   <p:cSld>
     <p:spTree>
       <p:nvGrpSpPr>
-        <p:cNvPr id="1" name="Shape 193"/>
+        <p:cNvPr id="1" name="Shape 220"/>
         <p:cNvGrpSpPr/>
         <p:nvPr/>
       </p:nvGrpSpPr>
@@ -795,7 +791,7 @@
       </p:grpSpPr>
       <p:sp>
         <p:nvSpPr>
-          <p:cNvPr id="194" name="Shape 194"/>
+          <p:cNvPr id="221" name="Shape 221"/>
           <p:cNvSpPr>
             <a:spLocks noGrp="1" noRot="1" noChangeAspect="1"/>
           </p:cNvSpPr>
@@ -836,7 +832,7 @@
       </p:sp>
       <p:sp>
         <p:nvSpPr>
-          <p:cNvPr id="195" name="Shape 195"/>
+          <p:cNvPr id="222" name="Shape 222"/>
           <p:cNvSpPr txBox="1">
             <a:spLocks noGrp="1"/>
           </p:cNvSpPr>
@@ -866,7 +862,7 @@
     </p:spTree>
     <p:extLst>
       <p:ext uri="{BB962C8B-B14F-4D97-AF65-F5344CB8AC3E}">
-        <p14:creationId xmlns:p14="http://schemas.microsoft.com/office/powerpoint/2010/main" val="1033013205"/>
+        <p14:creationId xmlns:p14="http://schemas.microsoft.com/office/powerpoint/2010/main" val="4291357202"/>
       </p:ext>
     </p:extLst>
   </p:cSld>
@@ -881,7 +877,7 @@
   <p:cSld>
     <p:spTree>
       <p:nvGrpSpPr>
-        <p:cNvPr id="1" name="Shape 206"/>
+        <p:cNvPr id="1" name="Shape 232"/>
         <p:cNvGrpSpPr/>
         <p:nvPr/>
       </p:nvGrpSpPr>
@@ -895,7 +891,7 @@
       </p:grpSpPr>
       <p:sp>
         <p:nvSpPr>
-          <p:cNvPr id="207" name="Shape 207"/>
+          <p:cNvPr id="233" name="Shape 233"/>
           <p:cNvSpPr>
             <a:spLocks noGrp="1" noRot="1" noChangeAspect="1"/>
           </p:cNvSpPr>
@@ -905,8 +901,8 @@
         </p:nvSpPr>
         <p:spPr>
           <a:xfrm>
-            <a:off x="381000" y="685800"/>
-            <a:ext cx="6096000" cy="3429000"/>
+            <a:off x="381187" y="685800"/>
+            <a:ext cx="6096299" cy="3429000"/>
           </a:xfrm>
           <a:custGeom>
             <a:avLst/>
@@ -936,7 +932,7 @@
       </p:sp>
       <p:sp>
         <p:nvSpPr>
-          <p:cNvPr id="208" name="Shape 208"/>
+          <p:cNvPr id="234" name="Shape 234"/>
           <p:cNvSpPr txBox="1">
             <a:spLocks noGrp="1"/>
           </p:cNvSpPr>
@@ -966,7 +962,7 @@
     </p:spTree>
     <p:extLst>
       <p:ext uri="{BB962C8B-B14F-4D97-AF65-F5344CB8AC3E}">
-        <p14:creationId xmlns:p14="http://schemas.microsoft.com/office/powerpoint/2010/main" val="2635353748"/>
+        <p14:creationId xmlns:p14="http://schemas.microsoft.com/office/powerpoint/2010/main" val="459734069"/>
       </p:ext>
     </p:extLst>
   </p:cSld>
@@ -981,7 +977,7 @@
   <p:cSld>
     <p:spTree>
       <p:nvGrpSpPr>
-        <p:cNvPr id="1" name="Shape 220"/>
+        <p:cNvPr id="1" name="Shape 261"/>
         <p:cNvGrpSpPr/>
         <p:nvPr/>
       </p:nvGrpSpPr>
@@ -995,7 +991,7 @@
       </p:grpSpPr>
       <p:sp>
         <p:nvSpPr>
-          <p:cNvPr id="221" name="Shape 221"/>
+          <p:cNvPr id="262" name="Shape 262"/>
           <p:cNvSpPr>
             <a:spLocks noGrp="1" noRot="1" noChangeAspect="1"/>
           </p:cNvSpPr>
@@ -1005,8 +1001,8 @@
         </p:nvSpPr>
         <p:spPr>
           <a:xfrm>
-            <a:off x="381000" y="685800"/>
-            <a:ext cx="6096000" cy="3429000"/>
+            <a:off x="381187" y="685800"/>
+            <a:ext cx="6096299" cy="3429000"/>
           </a:xfrm>
           <a:custGeom>
             <a:avLst/>
@@ -1036,7 +1032,7 @@
       </p:sp>
       <p:sp>
         <p:nvSpPr>
-          <p:cNvPr id="222" name="Shape 222"/>
+          <p:cNvPr id="263" name="Shape 263"/>
           <p:cNvSpPr txBox="1">
             <a:spLocks noGrp="1"/>
           </p:cNvSpPr>
@@ -1066,7 +1062,7 @@
     </p:spTree>
     <p:extLst>
       <p:ext uri="{BB962C8B-B14F-4D97-AF65-F5344CB8AC3E}">
-        <p14:creationId xmlns:p14="http://schemas.microsoft.com/office/powerpoint/2010/main" val="4291357202"/>
+        <p14:creationId xmlns:p14="http://schemas.microsoft.com/office/powerpoint/2010/main" val="1748550126"/>
       </p:ext>
     </p:extLst>
   </p:cSld>
@@ -1081,7 +1077,7 @@
   <p:cSld>
     <p:spTree>
       <p:nvGrpSpPr>
-        <p:cNvPr id="1" name="Shape 232"/>
+        <p:cNvPr id="1" name="Shape 280"/>
         <p:cNvGrpSpPr/>
         <p:nvPr/>
       </p:nvGrpSpPr>
@@ -1095,7 +1091,7 @@
       </p:grpSpPr>
       <p:sp>
         <p:nvSpPr>
-          <p:cNvPr id="233" name="Shape 233"/>
+          <p:cNvPr id="281" name="Shape 281"/>
           <p:cNvSpPr>
             <a:spLocks noGrp="1" noRot="1" noChangeAspect="1"/>
           </p:cNvSpPr>
@@ -1105,8 +1101,8 @@
         </p:nvSpPr>
         <p:spPr>
           <a:xfrm>
-            <a:off x="381187" y="685800"/>
-            <a:ext cx="6096299" cy="3429000"/>
+            <a:off x="381000" y="685800"/>
+            <a:ext cx="6096000" cy="3429000"/>
           </a:xfrm>
           <a:custGeom>
             <a:avLst/>
@@ -1136,7 +1132,7 @@
       </p:sp>
       <p:sp>
         <p:nvSpPr>
-          <p:cNvPr id="234" name="Shape 234"/>
+          <p:cNvPr id="282" name="Shape 282"/>
           <p:cNvSpPr txBox="1">
             <a:spLocks noGrp="1"/>
           </p:cNvSpPr>
@@ -1166,7 +1162,7 @@
     </p:spTree>
     <p:extLst>
       <p:ext uri="{BB962C8B-B14F-4D97-AF65-F5344CB8AC3E}">
-        <p14:creationId xmlns:p14="http://schemas.microsoft.com/office/powerpoint/2010/main" val="459734069"/>
+        <p14:creationId xmlns:p14="http://schemas.microsoft.com/office/powerpoint/2010/main" val="714751750"/>
       </p:ext>
     </p:extLst>
   </p:cSld>
@@ -1181,7 +1177,7 @@
   <p:cSld>
     <p:spTree>
       <p:nvGrpSpPr>
-        <p:cNvPr id="1" name="Shape 261"/>
+        <p:cNvPr id="1" name="Shape 143"/>
         <p:cNvGrpSpPr/>
         <p:nvPr/>
       </p:nvGrpSpPr>
@@ -1195,7 +1191,7 @@
       </p:grpSpPr>
       <p:sp>
         <p:nvSpPr>
-          <p:cNvPr id="262" name="Shape 262"/>
+          <p:cNvPr id="144" name="Shape 144"/>
           <p:cNvSpPr>
             <a:spLocks noGrp="1" noRot="1" noChangeAspect="1"/>
           </p:cNvSpPr>
@@ -1205,8 +1201,8 @@
         </p:nvSpPr>
         <p:spPr>
           <a:xfrm>
-            <a:off x="381187" y="685800"/>
-            <a:ext cx="6096299" cy="3429000"/>
+            <a:off x="381000" y="685800"/>
+            <a:ext cx="6096000" cy="3429000"/>
           </a:xfrm>
           <a:custGeom>
             <a:avLst/>
@@ -1236,7 +1232,7 @@
       </p:sp>
       <p:sp>
         <p:nvSpPr>
-          <p:cNvPr id="263" name="Shape 263"/>
+          <p:cNvPr id="145" name="Shape 145"/>
           <p:cNvSpPr txBox="1">
             <a:spLocks noGrp="1"/>
           </p:cNvSpPr>
@@ -1266,7 +1262,7 @@
     </p:spTree>
     <p:extLst>
       <p:ext uri="{BB962C8B-B14F-4D97-AF65-F5344CB8AC3E}">
-        <p14:creationId xmlns:p14="http://schemas.microsoft.com/office/powerpoint/2010/main" val="1748550126"/>
+        <p14:creationId xmlns:p14="http://schemas.microsoft.com/office/powerpoint/2010/main" val="2985260490"/>
       </p:ext>
     </p:extLst>
   </p:cSld>
@@ -1281,7 +1277,7 @@
   <p:cSld>
     <p:spTree>
       <p:nvGrpSpPr>
-        <p:cNvPr id="1" name="Shape 280"/>
+        <p:cNvPr id="1" name="Shape 168"/>
         <p:cNvGrpSpPr/>
         <p:nvPr/>
       </p:nvGrpSpPr>
@@ -1295,7 +1291,7 @@
       </p:grpSpPr>
       <p:sp>
         <p:nvSpPr>
-          <p:cNvPr id="281" name="Shape 281"/>
+          <p:cNvPr id="169" name="Shape 169"/>
           <p:cNvSpPr>
             <a:spLocks noGrp="1" noRot="1" noChangeAspect="1"/>
           </p:cNvSpPr>
@@ -1305,8 +1301,8 @@
         </p:nvSpPr>
         <p:spPr>
           <a:xfrm>
-            <a:off x="381000" y="685800"/>
-            <a:ext cx="6096000" cy="3429000"/>
+            <a:off x="381187" y="685800"/>
+            <a:ext cx="6096299" cy="3429000"/>
           </a:xfrm>
           <a:custGeom>
             <a:avLst/>
@@ -1336,7 +1332,7 @@
       </p:sp>
       <p:sp>
         <p:nvSpPr>
-          <p:cNvPr id="282" name="Shape 282"/>
+          <p:cNvPr id="170" name="Shape 170"/>
           <p:cNvSpPr txBox="1">
             <a:spLocks noGrp="1"/>
           </p:cNvSpPr>
@@ -1366,7 +1362,7 @@
     </p:spTree>
     <p:extLst>
       <p:ext uri="{BB962C8B-B14F-4D97-AF65-F5344CB8AC3E}">
-        <p14:creationId xmlns:p14="http://schemas.microsoft.com/office/powerpoint/2010/main" val="714751750"/>
+        <p14:creationId xmlns:p14="http://schemas.microsoft.com/office/powerpoint/2010/main" val="1253420605"/>
       </p:ext>
     </p:extLst>
   </p:cSld>
@@ -1381,7 +1377,7 @@
   <p:cSld>
     <p:spTree>
       <p:nvGrpSpPr>
-        <p:cNvPr id="1" name="Shape 286"/>
+        <p:cNvPr id="1" name="Shape 193"/>
         <p:cNvGrpSpPr/>
         <p:nvPr/>
       </p:nvGrpSpPr>
@@ -1395,7 +1391,7 @@
       </p:grpSpPr>
       <p:sp>
         <p:nvSpPr>
-          <p:cNvPr id="287" name="Shape 287"/>
+          <p:cNvPr id="194" name="Shape 194"/>
           <p:cNvSpPr>
             <a:spLocks noGrp="1" noRot="1" noChangeAspect="1"/>
           </p:cNvSpPr>
@@ -1405,8 +1401,8 @@
         </p:nvSpPr>
         <p:spPr>
           <a:xfrm>
-            <a:off x="381187" y="685800"/>
-            <a:ext cx="6096299" cy="3429000"/>
+            <a:off x="381000" y="685800"/>
+            <a:ext cx="6096000" cy="3429000"/>
           </a:xfrm>
           <a:custGeom>
             <a:avLst/>
@@ -1436,7 +1432,7 @@
       </p:sp>
       <p:sp>
         <p:nvSpPr>
-          <p:cNvPr id="288" name="Shape 288"/>
+          <p:cNvPr id="195" name="Shape 195"/>
           <p:cNvSpPr txBox="1">
             <a:spLocks noGrp="1"/>
           </p:cNvSpPr>
@@ -1466,7 +1462,7 @@
     </p:spTree>
     <p:extLst>
       <p:ext uri="{BB962C8B-B14F-4D97-AF65-F5344CB8AC3E}">
-        <p14:creationId xmlns:p14="http://schemas.microsoft.com/office/powerpoint/2010/main" val="360319267"/>
+        <p14:creationId xmlns:p14="http://schemas.microsoft.com/office/powerpoint/2010/main" val="1033013205"/>
       </p:ext>
     </p:extLst>
   </p:cSld>
@@ -1481,7 +1477,7 @@
   <p:cSld>
     <p:spTree>
       <p:nvGrpSpPr>
-        <p:cNvPr id="1" name="Shape 293"/>
+        <p:cNvPr id="1" name="Shape 342"/>
         <p:cNvGrpSpPr/>
         <p:nvPr/>
       </p:nvGrpSpPr>
@@ -1495,7 +1491,7 @@
       </p:grpSpPr>
       <p:sp>
         <p:nvSpPr>
-          <p:cNvPr id="294" name="Shape 294"/>
+          <p:cNvPr id="343" name="Shape 343"/>
           <p:cNvSpPr>
             <a:spLocks noGrp="1" noRot="1" noChangeAspect="1"/>
           </p:cNvSpPr>
@@ -1536,7 +1532,7 @@
       </p:sp>
       <p:sp>
         <p:nvSpPr>
-          <p:cNvPr id="295" name="Shape 295"/>
+          <p:cNvPr id="344" name="Shape 344"/>
           <p:cNvSpPr txBox="1">
             <a:spLocks noGrp="1"/>
           </p:cNvSpPr>
@@ -1566,7 +1562,7 @@
     </p:spTree>
     <p:extLst>
       <p:ext uri="{BB962C8B-B14F-4D97-AF65-F5344CB8AC3E}">
-        <p14:creationId xmlns:p14="http://schemas.microsoft.com/office/powerpoint/2010/main" val="1233854786"/>
+        <p14:creationId xmlns:p14="http://schemas.microsoft.com/office/powerpoint/2010/main" val="225962873"/>
       </p:ext>
     </p:extLst>
   </p:cSld>
@@ -1659,7 +1655,22 @@
           </a:bodyPr>
           <a:lstStyle/>
           <a:p>
-            <a:endParaRPr/>
+            <a:r>
+              <a:rPr lang="en-US" dirty="0" smtClean="0"/>
+              <a:t>Talk about </a:t>
+            </a:r>
+            <a:r>
+              <a:rPr lang="en-US" dirty="0" err="1" smtClean="0"/>
+              <a:t>Git</a:t>
+            </a:r>
+            <a:endParaRPr lang="en-US" dirty="0" smtClean="0"/>
+          </a:p>
+          <a:p>
+            <a:r>
+              <a:rPr lang="en-US" dirty="0" smtClean="0"/>
+              <a:t>Present C# &amp; C++</a:t>
+            </a:r>
+            <a:endParaRPr dirty="0"/>
           </a:p>
         </p:txBody>
       </p:sp>
@@ -1681,7 +1692,7 @@
   <p:cSld>
     <p:spTree>
       <p:nvGrpSpPr>
-        <p:cNvPr id="1" name="Shape 305"/>
+        <p:cNvPr id="1" name="Shape 348"/>
         <p:cNvGrpSpPr/>
         <p:nvPr/>
       </p:nvGrpSpPr>
@@ -1695,7 +1706,7 @@
       </p:grpSpPr>
       <p:sp>
         <p:nvSpPr>
-          <p:cNvPr id="306" name="Shape 306"/>
+          <p:cNvPr id="349" name="Shape 349"/>
           <p:cNvSpPr>
             <a:spLocks noGrp="1" noRot="1" noChangeAspect="1"/>
           </p:cNvSpPr>
@@ -1705,8 +1716,8 @@
         </p:nvSpPr>
         <p:spPr>
           <a:xfrm>
-            <a:off x="381000" y="685800"/>
-            <a:ext cx="6096000" cy="3429000"/>
+            <a:off x="381187" y="685800"/>
+            <a:ext cx="6096299" cy="3429000"/>
           </a:xfrm>
           <a:custGeom>
             <a:avLst/>
@@ -1736,7 +1747,7 @@
       </p:sp>
       <p:sp>
         <p:nvSpPr>
-          <p:cNvPr id="307" name="Shape 307"/>
+          <p:cNvPr id="350" name="Shape 350"/>
           <p:cNvSpPr txBox="1">
             <a:spLocks noGrp="1"/>
           </p:cNvSpPr>
@@ -1766,7 +1777,7 @@
     </p:spTree>
     <p:extLst>
       <p:ext uri="{BB962C8B-B14F-4D97-AF65-F5344CB8AC3E}">
-        <p14:creationId xmlns:p14="http://schemas.microsoft.com/office/powerpoint/2010/main" val="1825059250"/>
+        <p14:creationId xmlns:p14="http://schemas.microsoft.com/office/powerpoint/2010/main" val="3791236969"/>
       </p:ext>
     </p:extLst>
   </p:cSld>
@@ -1781,7 +1792,7 @@
   <p:cSld>
     <p:spTree>
       <p:nvGrpSpPr>
-        <p:cNvPr id="1" name="Shape 317"/>
+        <p:cNvPr id="1" name="Shape 354"/>
         <p:cNvGrpSpPr/>
         <p:nvPr/>
       </p:nvGrpSpPr>
@@ -1795,7 +1806,7 @@
       </p:grpSpPr>
       <p:sp>
         <p:nvSpPr>
-          <p:cNvPr id="318" name="Shape 318"/>
+          <p:cNvPr id="355" name="Shape 355"/>
           <p:cNvSpPr>
             <a:spLocks noGrp="1" noRot="1" noChangeAspect="1"/>
           </p:cNvSpPr>
@@ -1805,8 +1816,8 @@
         </p:nvSpPr>
         <p:spPr>
           <a:xfrm>
-            <a:off x="381187" y="685800"/>
-            <a:ext cx="6096299" cy="3429000"/>
+            <a:off x="381000" y="685800"/>
+            <a:ext cx="6096000" cy="3429000"/>
           </a:xfrm>
           <a:custGeom>
             <a:avLst/>
@@ -1836,7 +1847,7 @@
       </p:sp>
       <p:sp>
         <p:nvSpPr>
-          <p:cNvPr id="319" name="Shape 319"/>
+          <p:cNvPr id="356" name="Shape 356"/>
           <p:cNvSpPr txBox="1">
             <a:spLocks noGrp="1"/>
           </p:cNvSpPr>
@@ -1866,7 +1877,7 @@
     </p:spTree>
     <p:extLst>
       <p:ext uri="{BB962C8B-B14F-4D97-AF65-F5344CB8AC3E}">
-        <p14:creationId xmlns:p14="http://schemas.microsoft.com/office/powerpoint/2010/main" val="2169152919"/>
+        <p14:creationId xmlns:p14="http://schemas.microsoft.com/office/powerpoint/2010/main" val="904625289"/>
       </p:ext>
     </p:extLst>
   </p:cSld>
@@ -1876,12 +1887,12 @@
 </p:notes>
 </file>
 
-<file path=ppt/notesSlides/notesSlide22.xml><?xml version="1.0" encoding="utf-8"?>
+<file path=ppt/notesSlides/notesSlide3.xml><?xml version="1.0" encoding="utf-8"?>
 <p:notes xmlns:a="http://schemas.openxmlformats.org/drawingml/2006/main" xmlns:r="http://schemas.openxmlformats.org/officeDocument/2006/relationships" xmlns:p="http://schemas.openxmlformats.org/presentationml/2006/main" showMasterSp="0" showMasterPhAnim="0">
   <p:cSld>
     <p:spTree>
       <p:nvGrpSpPr>
-        <p:cNvPr id="1" name="Shape 337"/>
+        <p:cNvPr id="1" name="Shape 96"/>
         <p:cNvGrpSpPr/>
         <p:nvPr/>
       </p:nvGrpSpPr>
@@ -1895,7 +1906,7 @@
       </p:grpSpPr>
       <p:sp>
         <p:nvSpPr>
-          <p:cNvPr id="338" name="Shape 338"/>
+          <p:cNvPr id="97" name="Shape 97"/>
           <p:cNvSpPr>
             <a:spLocks noGrp="1" noRot="1" noChangeAspect="1"/>
           </p:cNvSpPr>
@@ -1905,8 +1916,8 @@
         </p:nvSpPr>
         <p:spPr>
           <a:xfrm>
-            <a:off x="381187" y="685800"/>
-            <a:ext cx="6096299" cy="3429000"/>
+            <a:off x="381000" y="685800"/>
+            <a:ext cx="6096000" cy="3429000"/>
           </a:xfrm>
           <a:custGeom>
             <a:avLst/>
@@ -1936,7 +1947,7 @@
       </p:sp>
       <p:sp>
         <p:nvSpPr>
-          <p:cNvPr id="339" name="Shape 339"/>
+          <p:cNvPr id="98" name="Shape 98"/>
           <p:cNvSpPr txBox="1">
             <a:spLocks noGrp="1"/>
           </p:cNvSpPr>
@@ -1966,7 +1977,7 @@
     </p:spTree>
     <p:extLst>
       <p:ext uri="{BB962C8B-B14F-4D97-AF65-F5344CB8AC3E}">
-        <p14:creationId xmlns:p14="http://schemas.microsoft.com/office/powerpoint/2010/main" val="709338343"/>
+        <p14:creationId xmlns:p14="http://schemas.microsoft.com/office/powerpoint/2010/main" val="127480615"/>
       </p:ext>
     </p:extLst>
   </p:cSld>
@@ -1976,12 +1987,12 @@
 </p:notes>
 </file>
 
-<file path=ppt/notesSlides/notesSlide23.xml><?xml version="1.0" encoding="utf-8"?>
+<file path=ppt/notesSlides/notesSlide4.xml><?xml version="1.0" encoding="utf-8"?>
 <p:notes xmlns:a="http://schemas.openxmlformats.org/drawingml/2006/main" xmlns:r="http://schemas.openxmlformats.org/officeDocument/2006/relationships" xmlns:p="http://schemas.openxmlformats.org/presentationml/2006/main" showMasterSp="0" showMasterPhAnim="0">
   <p:cSld>
     <p:spTree>
       <p:nvGrpSpPr>
-        <p:cNvPr id="1" name="Shape 342"/>
+        <p:cNvPr id="1" name="Shape 108"/>
         <p:cNvGrpSpPr/>
         <p:nvPr/>
       </p:nvGrpSpPr>
@@ -1995,7 +2006,7 @@
       </p:grpSpPr>
       <p:sp>
         <p:nvSpPr>
-          <p:cNvPr id="343" name="Shape 343"/>
+          <p:cNvPr id="109" name="Shape 109"/>
           <p:cNvSpPr>
             <a:spLocks noGrp="1" noRot="1" noChangeAspect="1"/>
           </p:cNvSpPr>
@@ -2036,7 +2047,7 @@
       </p:sp>
       <p:sp>
         <p:nvSpPr>
-          <p:cNvPr id="344" name="Shape 344"/>
+          <p:cNvPr id="110" name="Shape 110"/>
           <p:cNvSpPr txBox="1">
             <a:spLocks noGrp="1"/>
           </p:cNvSpPr>
@@ -2059,14 +2070,18 @@
           </a:bodyPr>
           <a:lstStyle/>
           <a:p>
-            <a:endParaRPr/>
+            <a:r>
+              <a:rPr lang="en-US" dirty="0" smtClean="0"/>
+              <a:t>Server map</a:t>
+            </a:r>
+            <a:endParaRPr dirty="0"/>
           </a:p>
         </p:txBody>
       </p:sp>
     </p:spTree>
     <p:extLst>
       <p:ext uri="{BB962C8B-B14F-4D97-AF65-F5344CB8AC3E}">
-        <p14:creationId xmlns:p14="http://schemas.microsoft.com/office/powerpoint/2010/main" val="225962873"/>
+        <p14:creationId xmlns:p14="http://schemas.microsoft.com/office/powerpoint/2010/main" val="356990474"/>
       </p:ext>
     </p:extLst>
   </p:cSld>
@@ -2076,12 +2091,12 @@
 </p:notes>
 </file>
 
-<file path=ppt/notesSlides/notesSlide24.xml><?xml version="1.0" encoding="utf-8"?>
+<file path=ppt/notesSlides/notesSlide5.xml><?xml version="1.0" encoding="utf-8"?>
 <p:notes xmlns:a="http://schemas.openxmlformats.org/drawingml/2006/main" xmlns:r="http://schemas.openxmlformats.org/officeDocument/2006/relationships" xmlns:p="http://schemas.openxmlformats.org/presentationml/2006/main" showMasterSp="0" showMasterPhAnim="0">
   <p:cSld>
     <p:spTree>
       <p:nvGrpSpPr>
-        <p:cNvPr id="1" name="Shape 348"/>
+        <p:cNvPr id="1" name="Shape 137"/>
         <p:cNvGrpSpPr/>
         <p:nvPr/>
       </p:nvGrpSpPr>
@@ -2095,7 +2110,7 @@
       </p:grpSpPr>
       <p:sp>
         <p:nvSpPr>
-          <p:cNvPr id="349" name="Shape 349"/>
+          <p:cNvPr id="138" name="Shape 138"/>
           <p:cNvSpPr>
             <a:spLocks noGrp="1" noRot="1" noChangeAspect="1"/>
           </p:cNvSpPr>
@@ -2136,7 +2151,7 @@
       </p:sp>
       <p:sp>
         <p:nvSpPr>
-          <p:cNvPr id="350" name="Shape 350"/>
+          <p:cNvPr id="139" name="Shape 139"/>
           <p:cNvSpPr txBox="1">
             <a:spLocks noGrp="1"/>
           </p:cNvSpPr>
@@ -2166,7 +2181,7 @@
     </p:spTree>
     <p:extLst>
       <p:ext uri="{BB962C8B-B14F-4D97-AF65-F5344CB8AC3E}">
-        <p14:creationId xmlns:p14="http://schemas.microsoft.com/office/powerpoint/2010/main" val="3791236969"/>
+        <p14:creationId xmlns:p14="http://schemas.microsoft.com/office/powerpoint/2010/main" val="2124378295"/>
       </p:ext>
     </p:extLst>
   </p:cSld>
@@ -2176,12 +2191,12 @@
 </p:notes>
 </file>
 
-<file path=ppt/notesSlides/notesSlide25.xml><?xml version="1.0" encoding="utf-8"?>
-<p:notes xmlns:a="http://schemas.openxmlformats.org/drawingml/2006/main" xmlns:r="http://schemas.openxmlformats.org/officeDocument/2006/relationships" xmlns:p="http://schemas.openxmlformats.org/presentationml/2006/main" showMasterSp="0" showMasterPhAnim="0">
+<file path=ppt/notesSlides/notesSlide6.xml><?xml version="1.0" encoding="utf-8"?>
+<p:notes xmlns:a="http://schemas.openxmlformats.org/drawingml/2006/main" xmlns:r="http://schemas.openxmlformats.org/officeDocument/2006/relationships" xmlns:p="http://schemas.openxmlformats.org/presentationml/2006/main">
   <p:cSld>
     <p:spTree>
       <p:nvGrpSpPr>
-        <p:cNvPr id="1" name="Shape 354"/>
+        <p:cNvPr id="1" name=""/>
         <p:cNvGrpSpPr/>
         <p:nvPr/>
       </p:nvGrpSpPr>
@@ -2195,7 +2210,73 @@
       </p:grpSpPr>
       <p:sp>
         <p:nvSpPr>
-          <p:cNvPr id="355" name="Shape 355"/>
+          <p:cNvPr id="2" name="Slide Image Placeholder 1"/>
+          <p:cNvSpPr>
+            <a:spLocks noGrp="1" noRot="1" noChangeAspect="1"/>
+          </p:cNvSpPr>
+          <p:nvPr>
+            <p:ph type="sldImg"/>
+          </p:nvPr>
+        </p:nvSpPr>
+        <p:spPr>
+          <a:xfrm>
+            <a:off x="381000" y="685800"/>
+            <a:ext cx="6096000" cy="3429000"/>
+          </a:xfrm>
+        </p:spPr>
+      </p:sp>
+      <p:sp>
+        <p:nvSpPr>
+          <p:cNvPr id="3" name="Notes Placeholder 2"/>
+          <p:cNvSpPr>
+            <a:spLocks noGrp="1"/>
+          </p:cNvSpPr>
+          <p:nvPr>
+            <p:ph type="body" idx="1"/>
+          </p:nvPr>
+        </p:nvSpPr>
+        <p:spPr/>
+        <p:txBody>
+          <a:bodyPr/>
+          <a:lstStyle/>
+          <a:p>
+            <a:endParaRPr lang="fr-FR" dirty="0"/>
+          </a:p>
+        </p:txBody>
+      </p:sp>
+    </p:spTree>
+    <p:extLst>
+      <p:ext uri="{BB962C8B-B14F-4D97-AF65-F5344CB8AC3E}">
+        <p14:creationId xmlns:p14="http://schemas.microsoft.com/office/powerpoint/2010/main" val="3063469759"/>
+      </p:ext>
+    </p:extLst>
+  </p:cSld>
+  <p:clrMapOvr>
+    <a:masterClrMapping/>
+  </p:clrMapOvr>
+</p:notes>
+</file>
+
+<file path=ppt/notesSlides/notesSlide7.xml><?xml version="1.0" encoding="utf-8"?>
+<p:notes xmlns:a="http://schemas.openxmlformats.org/drawingml/2006/main" xmlns:r="http://schemas.openxmlformats.org/officeDocument/2006/relationships" xmlns:p="http://schemas.openxmlformats.org/presentationml/2006/main" showMasterSp="0" showMasterPhAnim="0">
+  <p:cSld>
+    <p:spTree>
+      <p:nvGrpSpPr>
+        <p:cNvPr id="1" name="Shape 286"/>
+        <p:cNvGrpSpPr/>
+        <p:nvPr/>
+      </p:nvGrpSpPr>
+      <p:grpSpPr>
+        <a:xfrm>
+          <a:off x="0" y="0"/>
+          <a:ext cx="0" cy="0"/>
+          <a:chOff x="0" y="0"/>
+          <a:chExt cx="0" cy="0"/>
+        </a:xfrm>
+      </p:grpSpPr>
+      <p:sp>
+        <p:nvSpPr>
+          <p:cNvPr id="287" name="Shape 287"/>
           <p:cNvSpPr>
             <a:spLocks noGrp="1" noRot="1" noChangeAspect="1"/>
           </p:cNvSpPr>
@@ -2205,8 +2286,8 @@
         </p:nvSpPr>
         <p:spPr>
           <a:xfrm>
-            <a:off x="381000" y="685800"/>
-            <a:ext cx="6096000" cy="3429000"/>
+            <a:off x="381187" y="685800"/>
+            <a:ext cx="6096299" cy="3429000"/>
           </a:xfrm>
           <a:custGeom>
             <a:avLst/>
@@ -2236,7 +2317,7 @@
       </p:sp>
       <p:sp>
         <p:nvSpPr>
-          <p:cNvPr id="356" name="Shape 356"/>
+          <p:cNvPr id="288" name="Shape 288"/>
           <p:cNvSpPr txBox="1">
             <a:spLocks noGrp="1"/>
           </p:cNvSpPr>
@@ -2259,14 +2340,24 @@
           </a:bodyPr>
           <a:lstStyle/>
           <a:p>
-            <a:endParaRPr/>
+            <a:r>
+              <a:rPr lang="en-US" dirty="0" smtClean="0"/>
+              <a:t>TIME !</a:t>
+            </a:r>
+          </a:p>
+          <a:p>
+            <a:r>
+              <a:rPr lang="en-US" dirty="0" smtClean="0"/>
+              <a:t>Image from &lt;RANDOM movie&gt;</a:t>
+            </a:r>
+            <a:endParaRPr dirty="0"/>
           </a:p>
         </p:txBody>
       </p:sp>
     </p:spTree>
     <p:extLst>
       <p:ext uri="{BB962C8B-B14F-4D97-AF65-F5344CB8AC3E}">
-        <p14:creationId xmlns:p14="http://schemas.microsoft.com/office/powerpoint/2010/main" val="904625289"/>
+        <p14:creationId xmlns:p14="http://schemas.microsoft.com/office/powerpoint/2010/main" val="360319267"/>
       </p:ext>
     </p:extLst>
   </p:cSld>
@@ -2276,12 +2367,12 @@
 </p:notes>
 </file>
 
-<file path=ppt/notesSlides/notesSlide3.xml><?xml version="1.0" encoding="utf-8"?>
+<file path=ppt/notesSlides/notesSlide8.xml><?xml version="1.0" encoding="utf-8"?>
 <p:notes xmlns:a="http://schemas.openxmlformats.org/drawingml/2006/main" xmlns:r="http://schemas.openxmlformats.org/officeDocument/2006/relationships" xmlns:p="http://schemas.openxmlformats.org/presentationml/2006/main" showMasterSp="0" showMasterPhAnim="0">
   <p:cSld>
     <p:spTree>
       <p:nvGrpSpPr>
-        <p:cNvPr id="1" name="Shape 77"/>
+        <p:cNvPr id="1" name="Shape 293"/>
         <p:cNvGrpSpPr/>
         <p:nvPr/>
       </p:nvGrpSpPr>
@@ -2295,7 +2386,7 @@
       </p:grpSpPr>
       <p:sp>
         <p:nvSpPr>
-          <p:cNvPr id="78" name="Shape 78"/>
+          <p:cNvPr id="294" name="Shape 294"/>
           <p:cNvSpPr>
             <a:spLocks noGrp="1" noRot="1" noChangeAspect="1"/>
           </p:cNvSpPr>
@@ -2305,8 +2396,8 @@
         </p:nvSpPr>
         <p:spPr>
           <a:xfrm>
-            <a:off x="381187" y="685800"/>
-            <a:ext cx="6096299" cy="3429000"/>
+            <a:off x="381000" y="685800"/>
+            <a:ext cx="6096000" cy="3429000"/>
           </a:xfrm>
           <a:custGeom>
             <a:avLst/>
@@ -2336,7 +2427,7 @@
       </p:sp>
       <p:sp>
         <p:nvSpPr>
-          <p:cNvPr id="79" name="Shape 79"/>
+          <p:cNvPr id="295" name="Shape 295"/>
           <p:cNvSpPr txBox="1">
             <a:spLocks noGrp="1"/>
           </p:cNvSpPr>
@@ -2359,14 +2450,37 @@
           </a:bodyPr>
           <a:lstStyle/>
           <a:p>
-            <a:endParaRPr/>
+            <a:pPr marL="0" marR="0" indent="0" algn="l" defTabSz="914400" rtl="0" eaLnBrk="1" fontAlgn="auto" latinLnBrk="0" hangingPunct="1">
+              <a:lnSpc>
+                <a:spcPct val="100000"/>
+              </a:lnSpc>
+              <a:spcBef>
+                <a:spcPts val="0"/>
+              </a:spcBef>
+              <a:spcAft>
+                <a:spcPts val="0"/>
+              </a:spcAft>
+              <a:buClrTx/>
+              <a:buSzTx/>
+              <a:buFontTx/>
+              <a:buNone/>
+              <a:tabLst/>
+              <a:defRPr/>
+            </a:pPr>
+            <a:r>
+              <a:rPr lang="en-US" dirty="0" smtClean="0"/>
+              <a:t>Draw the schema while talking</a:t>
+            </a:r>
+          </a:p>
+          <a:p>
+            <a:endParaRPr dirty="0"/>
           </a:p>
         </p:txBody>
       </p:sp>
     </p:spTree>
     <p:extLst>
       <p:ext uri="{BB962C8B-B14F-4D97-AF65-F5344CB8AC3E}">
-        <p14:creationId xmlns:p14="http://schemas.microsoft.com/office/powerpoint/2010/main" val="3485172776"/>
+        <p14:creationId xmlns:p14="http://schemas.microsoft.com/office/powerpoint/2010/main" val="1233854786"/>
       </p:ext>
     </p:extLst>
   </p:cSld>
@@ -2376,12 +2490,12 @@
 </p:notes>
 </file>
 
-<file path=ppt/notesSlides/notesSlide4.xml><?xml version="1.0" encoding="utf-8"?>
+<file path=ppt/notesSlides/notesSlide9.xml><?xml version="1.0" encoding="utf-8"?>
 <p:notes xmlns:a="http://schemas.openxmlformats.org/drawingml/2006/main" xmlns:r="http://schemas.openxmlformats.org/officeDocument/2006/relationships" xmlns:p="http://schemas.openxmlformats.org/presentationml/2006/main" showMasterSp="0" showMasterPhAnim="0">
   <p:cSld>
     <p:spTree>
       <p:nvGrpSpPr>
-        <p:cNvPr id="1" name="Shape 96"/>
+        <p:cNvPr id="1" name="Shape 305"/>
         <p:cNvGrpSpPr/>
         <p:nvPr/>
       </p:nvGrpSpPr>
@@ -2395,7 +2509,7 @@
       </p:grpSpPr>
       <p:sp>
         <p:nvSpPr>
-          <p:cNvPr id="97" name="Shape 97"/>
+          <p:cNvPr id="306" name="Shape 306"/>
           <p:cNvSpPr>
             <a:spLocks noGrp="1" noRot="1" noChangeAspect="1"/>
           </p:cNvSpPr>
@@ -2436,7 +2550,7 @@
       </p:sp>
       <p:sp>
         <p:nvSpPr>
-          <p:cNvPr id="98" name="Shape 98"/>
+          <p:cNvPr id="307" name="Shape 307"/>
           <p:cNvSpPr txBox="1">
             <a:spLocks noGrp="1"/>
           </p:cNvSpPr>
@@ -2466,513 +2580,7 @@
     </p:spTree>
     <p:extLst>
       <p:ext uri="{BB962C8B-B14F-4D97-AF65-F5344CB8AC3E}">
-        <p14:creationId xmlns:p14="http://schemas.microsoft.com/office/powerpoint/2010/main" val="127480615"/>
-      </p:ext>
-    </p:extLst>
-  </p:cSld>
-  <p:clrMapOvr>
-    <a:masterClrMapping/>
-  </p:clrMapOvr>
-</p:notes>
-</file>
-
-<file path=ppt/notesSlides/notesSlide5.xml><?xml version="1.0" encoding="utf-8"?>
-<p:notes xmlns:a="http://schemas.openxmlformats.org/drawingml/2006/main" xmlns:r="http://schemas.openxmlformats.org/officeDocument/2006/relationships" xmlns:p="http://schemas.openxmlformats.org/presentationml/2006/main" showMasterSp="0" showMasterPhAnim="0">
-  <p:cSld>
-    <p:spTree>
-      <p:nvGrpSpPr>
-        <p:cNvPr id="1" name="Shape 108"/>
-        <p:cNvGrpSpPr/>
-        <p:nvPr/>
-      </p:nvGrpSpPr>
-      <p:grpSpPr>
-        <a:xfrm>
-          <a:off x="0" y="0"/>
-          <a:ext cx="0" cy="0"/>
-          <a:chOff x="0" y="0"/>
-          <a:chExt cx="0" cy="0"/>
-        </a:xfrm>
-      </p:grpSpPr>
-      <p:sp>
-        <p:nvSpPr>
-          <p:cNvPr id="109" name="Shape 109"/>
-          <p:cNvSpPr>
-            <a:spLocks noGrp="1" noRot="1" noChangeAspect="1"/>
-          </p:cNvSpPr>
-          <p:nvPr>
-            <p:ph type="sldImg" idx="2"/>
-          </p:nvPr>
-        </p:nvSpPr>
-        <p:spPr>
-          <a:xfrm>
-            <a:off x="381187" y="685800"/>
-            <a:ext cx="6096299" cy="3429000"/>
-          </a:xfrm>
-          <a:custGeom>
-            <a:avLst/>
-            <a:gdLst/>
-            <a:ahLst/>
-            <a:cxnLst/>
-            <a:rect l="0" t="0" r="0" b="0"/>
-            <a:pathLst>
-              <a:path w="120000" h="120000" extrusionOk="0">
-                <a:moveTo>
-                  <a:pt x="0" y="0"/>
-                </a:moveTo>
-                <a:lnTo>
-                  <a:pt x="120000" y="0"/>
-                </a:lnTo>
-                <a:lnTo>
-                  <a:pt x="120000" y="120000"/>
-                </a:lnTo>
-                <a:lnTo>
-                  <a:pt x="0" y="120000"/>
-                </a:lnTo>
-                <a:close/>
-              </a:path>
-            </a:pathLst>
-          </a:custGeom>
-        </p:spPr>
-      </p:sp>
-      <p:sp>
-        <p:nvSpPr>
-          <p:cNvPr id="110" name="Shape 110"/>
-          <p:cNvSpPr txBox="1">
-            <a:spLocks noGrp="1"/>
-          </p:cNvSpPr>
-          <p:nvPr>
-            <p:ph type="body" idx="1"/>
-          </p:nvPr>
-        </p:nvSpPr>
-        <p:spPr>
-          <a:xfrm>
-            <a:off x="685800" y="4343400"/>
-            <a:ext cx="5486399" cy="4114800"/>
-          </a:xfrm>
-          <a:prstGeom prst="rect">
-            <a:avLst/>
-          </a:prstGeom>
-        </p:spPr>
-        <p:txBody>
-          <a:bodyPr lIns="91425" tIns="91425" rIns="91425" bIns="91425" anchor="t" anchorCtr="0">
-            <a:noAutofit/>
-          </a:bodyPr>
-          <a:lstStyle/>
-          <a:p>
-            <a:endParaRPr/>
-          </a:p>
-        </p:txBody>
-      </p:sp>
-    </p:spTree>
-    <p:extLst>
-      <p:ext uri="{BB962C8B-B14F-4D97-AF65-F5344CB8AC3E}">
-        <p14:creationId xmlns:p14="http://schemas.microsoft.com/office/powerpoint/2010/main" val="356990474"/>
-      </p:ext>
-    </p:extLst>
-  </p:cSld>
-  <p:clrMapOvr>
-    <a:masterClrMapping/>
-  </p:clrMapOvr>
-</p:notes>
-</file>
-
-<file path=ppt/notesSlides/notesSlide6.xml><?xml version="1.0" encoding="utf-8"?>
-<p:notes xmlns:a="http://schemas.openxmlformats.org/drawingml/2006/main" xmlns:r="http://schemas.openxmlformats.org/officeDocument/2006/relationships" xmlns:p="http://schemas.openxmlformats.org/presentationml/2006/main" showMasterSp="0" showMasterPhAnim="0">
-  <p:cSld>
-    <p:spTree>
-      <p:nvGrpSpPr>
-        <p:cNvPr id="1" name="Shape 114"/>
-        <p:cNvGrpSpPr/>
-        <p:nvPr/>
-      </p:nvGrpSpPr>
-      <p:grpSpPr>
-        <a:xfrm>
-          <a:off x="0" y="0"/>
-          <a:ext cx="0" cy="0"/>
-          <a:chOff x="0" y="0"/>
-          <a:chExt cx="0" cy="0"/>
-        </a:xfrm>
-      </p:grpSpPr>
-      <p:sp>
-        <p:nvSpPr>
-          <p:cNvPr id="115" name="Shape 115"/>
-          <p:cNvSpPr>
-            <a:spLocks noGrp="1" noRot="1" noChangeAspect="1"/>
-          </p:cNvSpPr>
-          <p:nvPr>
-            <p:ph type="sldImg" idx="2"/>
-          </p:nvPr>
-        </p:nvSpPr>
-        <p:spPr>
-          <a:xfrm>
-            <a:off x="381187" y="685800"/>
-            <a:ext cx="6096299" cy="3429000"/>
-          </a:xfrm>
-          <a:custGeom>
-            <a:avLst/>
-            <a:gdLst/>
-            <a:ahLst/>
-            <a:cxnLst/>
-            <a:rect l="0" t="0" r="0" b="0"/>
-            <a:pathLst>
-              <a:path w="120000" h="120000" extrusionOk="0">
-                <a:moveTo>
-                  <a:pt x="0" y="0"/>
-                </a:moveTo>
-                <a:lnTo>
-                  <a:pt x="120000" y="0"/>
-                </a:lnTo>
-                <a:lnTo>
-                  <a:pt x="120000" y="120000"/>
-                </a:lnTo>
-                <a:lnTo>
-                  <a:pt x="0" y="120000"/>
-                </a:lnTo>
-                <a:close/>
-              </a:path>
-            </a:pathLst>
-          </a:custGeom>
-        </p:spPr>
-      </p:sp>
-      <p:sp>
-        <p:nvSpPr>
-          <p:cNvPr id="116" name="Shape 116"/>
-          <p:cNvSpPr txBox="1">
-            <a:spLocks noGrp="1"/>
-          </p:cNvSpPr>
-          <p:nvPr>
-            <p:ph type="body" idx="1"/>
-          </p:nvPr>
-        </p:nvSpPr>
-        <p:spPr>
-          <a:xfrm>
-            <a:off x="685800" y="4343400"/>
-            <a:ext cx="5486399" cy="4114800"/>
-          </a:xfrm>
-          <a:prstGeom prst="rect">
-            <a:avLst/>
-          </a:prstGeom>
-        </p:spPr>
-        <p:txBody>
-          <a:bodyPr lIns="91425" tIns="91425" rIns="91425" bIns="91425" anchor="t" anchorCtr="0">
-            <a:noAutofit/>
-          </a:bodyPr>
-          <a:lstStyle/>
-          <a:p>
-            <a:pPr>
-              <a:buNone/>
-            </a:pPr>
-            <a:r>
-              <a:rPr lang="en"/>
-              <a:t>Here I’ll draw packet-recursion sending schema on whiteboard</a:t>
-            </a:r>
-          </a:p>
-        </p:txBody>
-      </p:sp>
-    </p:spTree>
-    <p:extLst>
-      <p:ext uri="{BB962C8B-B14F-4D97-AF65-F5344CB8AC3E}">
-        <p14:creationId xmlns:p14="http://schemas.microsoft.com/office/powerpoint/2010/main" val="2412665058"/>
-      </p:ext>
-    </p:extLst>
-  </p:cSld>
-  <p:clrMapOvr>
-    <a:masterClrMapping/>
-  </p:clrMapOvr>
-</p:notes>
-</file>
-
-<file path=ppt/notesSlides/notesSlide7.xml><?xml version="1.0" encoding="utf-8"?>
-<p:notes xmlns:a="http://schemas.openxmlformats.org/drawingml/2006/main" xmlns:r="http://schemas.openxmlformats.org/officeDocument/2006/relationships" xmlns:p="http://schemas.openxmlformats.org/presentationml/2006/main" showMasterSp="0" showMasterPhAnim="0">
-  <p:cSld>
-    <p:spTree>
-      <p:nvGrpSpPr>
-        <p:cNvPr id="1" name="Shape 137"/>
-        <p:cNvGrpSpPr/>
-        <p:nvPr/>
-      </p:nvGrpSpPr>
-      <p:grpSpPr>
-        <a:xfrm>
-          <a:off x="0" y="0"/>
-          <a:ext cx="0" cy="0"/>
-          <a:chOff x="0" y="0"/>
-          <a:chExt cx="0" cy="0"/>
-        </a:xfrm>
-      </p:grpSpPr>
-      <p:sp>
-        <p:nvSpPr>
-          <p:cNvPr id="138" name="Shape 138"/>
-          <p:cNvSpPr>
-            <a:spLocks noGrp="1" noRot="1" noChangeAspect="1"/>
-          </p:cNvSpPr>
-          <p:nvPr>
-            <p:ph type="sldImg" idx="2"/>
-          </p:nvPr>
-        </p:nvSpPr>
-        <p:spPr>
-          <a:xfrm>
-            <a:off x="381187" y="685800"/>
-            <a:ext cx="6096299" cy="3429000"/>
-          </a:xfrm>
-          <a:custGeom>
-            <a:avLst/>
-            <a:gdLst/>
-            <a:ahLst/>
-            <a:cxnLst/>
-            <a:rect l="0" t="0" r="0" b="0"/>
-            <a:pathLst>
-              <a:path w="120000" h="120000" extrusionOk="0">
-                <a:moveTo>
-                  <a:pt x="0" y="0"/>
-                </a:moveTo>
-                <a:lnTo>
-                  <a:pt x="120000" y="0"/>
-                </a:lnTo>
-                <a:lnTo>
-                  <a:pt x="120000" y="120000"/>
-                </a:lnTo>
-                <a:lnTo>
-                  <a:pt x="0" y="120000"/>
-                </a:lnTo>
-                <a:close/>
-              </a:path>
-            </a:pathLst>
-          </a:custGeom>
-        </p:spPr>
-      </p:sp>
-      <p:sp>
-        <p:nvSpPr>
-          <p:cNvPr id="139" name="Shape 139"/>
-          <p:cNvSpPr txBox="1">
-            <a:spLocks noGrp="1"/>
-          </p:cNvSpPr>
-          <p:nvPr>
-            <p:ph type="body" idx="1"/>
-          </p:nvPr>
-        </p:nvSpPr>
-        <p:spPr>
-          <a:xfrm>
-            <a:off x="685800" y="4343400"/>
-            <a:ext cx="5486399" cy="4114800"/>
-          </a:xfrm>
-          <a:prstGeom prst="rect">
-            <a:avLst/>
-          </a:prstGeom>
-        </p:spPr>
-        <p:txBody>
-          <a:bodyPr lIns="91425" tIns="91425" rIns="91425" bIns="91425" anchor="t" anchorCtr="0">
-            <a:noAutofit/>
-          </a:bodyPr>
-          <a:lstStyle/>
-          <a:p>
-            <a:endParaRPr/>
-          </a:p>
-        </p:txBody>
-      </p:sp>
-    </p:spTree>
-    <p:extLst>
-      <p:ext uri="{BB962C8B-B14F-4D97-AF65-F5344CB8AC3E}">
-        <p14:creationId xmlns:p14="http://schemas.microsoft.com/office/powerpoint/2010/main" val="2124378295"/>
-      </p:ext>
-    </p:extLst>
-  </p:cSld>
-  <p:clrMapOvr>
-    <a:masterClrMapping/>
-  </p:clrMapOvr>
-</p:notes>
-</file>
-
-<file path=ppt/notesSlides/notesSlide8.xml><?xml version="1.0" encoding="utf-8"?>
-<p:notes xmlns:a="http://schemas.openxmlformats.org/drawingml/2006/main" xmlns:r="http://schemas.openxmlformats.org/officeDocument/2006/relationships" xmlns:p="http://schemas.openxmlformats.org/presentationml/2006/main" showMasterSp="0" showMasterPhAnim="0">
-  <p:cSld>
-    <p:spTree>
-      <p:nvGrpSpPr>
-        <p:cNvPr id="1" name="Shape 143"/>
-        <p:cNvGrpSpPr/>
-        <p:nvPr/>
-      </p:nvGrpSpPr>
-      <p:grpSpPr>
-        <a:xfrm>
-          <a:off x="0" y="0"/>
-          <a:ext cx="0" cy="0"/>
-          <a:chOff x="0" y="0"/>
-          <a:chExt cx="0" cy="0"/>
-        </a:xfrm>
-      </p:grpSpPr>
-      <p:sp>
-        <p:nvSpPr>
-          <p:cNvPr id="144" name="Shape 144"/>
-          <p:cNvSpPr>
-            <a:spLocks noGrp="1" noRot="1" noChangeAspect="1"/>
-          </p:cNvSpPr>
-          <p:nvPr>
-            <p:ph type="sldImg" idx="2"/>
-          </p:nvPr>
-        </p:nvSpPr>
-        <p:spPr>
-          <a:xfrm>
-            <a:off x="381000" y="685800"/>
-            <a:ext cx="6096000" cy="3429000"/>
-          </a:xfrm>
-          <a:custGeom>
-            <a:avLst/>
-            <a:gdLst/>
-            <a:ahLst/>
-            <a:cxnLst/>
-            <a:rect l="0" t="0" r="0" b="0"/>
-            <a:pathLst>
-              <a:path w="120000" h="120000" extrusionOk="0">
-                <a:moveTo>
-                  <a:pt x="0" y="0"/>
-                </a:moveTo>
-                <a:lnTo>
-                  <a:pt x="120000" y="0"/>
-                </a:lnTo>
-                <a:lnTo>
-                  <a:pt x="120000" y="120000"/>
-                </a:lnTo>
-                <a:lnTo>
-                  <a:pt x="0" y="120000"/>
-                </a:lnTo>
-                <a:close/>
-              </a:path>
-            </a:pathLst>
-          </a:custGeom>
-        </p:spPr>
-      </p:sp>
-      <p:sp>
-        <p:nvSpPr>
-          <p:cNvPr id="145" name="Shape 145"/>
-          <p:cNvSpPr txBox="1">
-            <a:spLocks noGrp="1"/>
-          </p:cNvSpPr>
-          <p:nvPr>
-            <p:ph type="body" idx="1"/>
-          </p:nvPr>
-        </p:nvSpPr>
-        <p:spPr>
-          <a:xfrm>
-            <a:off x="685800" y="4343400"/>
-            <a:ext cx="5486399" cy="4114800"/>
-          </a:xfrm>
-          <a:prstGeom prst="rect">
-            <a:avLst/>
-          </a:prstGeom>
-        </p:spPr>
-        <p:txBody>
-          <a:bodyPr lIns="91425" tIns="91425" rIns="91425" bIns="91425" anchor="t" anchorCtr="0">
-            <a:noAutofit/>
-          </a:bodyPr>
-          <a:lstStyle/>
-          <a:p>
-            <a:endParaRPr/>
-          </a:p>
-        </p:txBody>
-      </p:sp>
-    </p:spTree>
-    <p:extLst>
-      <p:ext uri="{BB962C8B-B14F-4D97-AF65-F5344CB8AC3E}">
-        <p14:creationId xmlns:p14="http://schemas.microsoft.com/office/powerpoint/2010/main" val="2985260490"/>
-      </p:ext>
-    </p:extLst>
-  </p:cSld>
-  <p:clrMapOvr>
-    <a:masterClrMapping/>
-  </p:clrMapOvr>
-</p:notes>
-</file>
-
-<file path=ppt/notesSlides/notesSlide9.xml><?xml version="1.0" encoding="utf-8"?>
-<p:notes xmlns:a="http://schemas.openxmlformats.org/drawingml/2006/main" xmlns:r="http://schemas.openxmlformats.org/officeDocument/2006/relationships" xmlns:p="http://schemas.openxmlformats.org/presentationml/2006/main" showMasterSp="0" showMasterPhAnim="0">
-  <p:cSld>
-    <p:spTree>
-      <p:nvGrpSpPr>
-        <p:cNvPr id="1" name="Shape 150"/>
-        <p:cNvGrpSpPr/>
-        <p:nvPr/>
-      </p:nvGrpSpPr>
-      <p:grpSpPr>
-        <a:xfrm>
-          <a:off x="0" y="0"/>
-          <a:ext cx="0" cy="0"/>
-          <a:chOff x="0" y="0"/>
-          <a:chExt cx="0" cy="0"/>
-        </a:xfrm>
-      </p:grpSpPr>
-      <p:sp>
-        <p:nvSpPr>
-          <p:cNvPr id="151" name="Shape 151"/>
-          <p:cNvSpPr>
-            <a:spLocks noGrp="1" noRot="1" noChangeAspect="1"/>
-          </p:cNvSpPr>
-          <p:nvPr>
-            <p:ph type="sldImg" idx="2"/>
-          </p:nvPr>
-        </p:nvSpPr>
-        <p:spPr>
-          <a:xfrm>
-            <a:off x="381000" y="685800"/>
-            <a:ext cx="6096000" cy="3429000"/>
-          </a:xfrm>
-          <a:custGeom>
-            <a:avLst/>
-            <a:gdLst/>
-            <a:ahLst/>
-            <a:cxnLst/>
-            <a:rect l="0" t="0" r="0" b="0"/>
-            <a:pathLst>
-              <a:path w="120000" h="120000" extrusionOk="0">
-                <a:moveTo>
-                  <a:pt x="0" y="0"/>
-                </a:moveTo>
-                <a:lnTo>
-                  <a:pt x="120000" y="0"/>
-                </a:lnTo>
-                <a:lnTo>
-                  <a:pt x="120000" y="120000"/>
-                </a:lnTo>
-                <a:lnTo>
-                  <a:pt x="0" y="120000"/>
-                </a:lnTo>
-                <a:close/>
-              </a:path>
-            </a:pathLst>
-          </a:custGeom>
-        </p:spPr>
-      </p:sp>
-      <p:sp>
-        <p:nvSpPr>
-          <p:cNvPr id="152" name="Shape 152"/>
-          <p:cNvSpPr txBox="1">
-            <a:spLocks noGrp="1"/>
-          </p:cNvSpPr>
-          <p:nvPr>
-            <p:ph type="body" idx="1"/>
-          </p:nvPr>
-        </p:nvSpPr>
-        <p:spPr>
-          <a:xfrm>
-            <a:off x="685800" y="4343400"/>
-            <a:ext cx="5486399" cy="4114800"/>
-          </a:xfrm>
-          <a:prstGeom prst="rect">
-            <a:avLst/>
-          </a:prstGeom>
-        </p:spPr>
-        <p:txBody>
-          <a:bodyPr lIns="91425" tIns="91425" rIns="91425" bIns="91425" anchor="t" anchorCtr="0">
-            <a:noAutofit/>
-          </a:bodyPr>
-          <a:lstStyle/>
-          <a:p>
-            <a:endParaRPr/>
-          </a:p>
-        </p:txBody>
-      </p:sp>
-    </p:spTree>
-    <p:extLst>
-      <p:ext uri="{BB962C8B-B14F-4D97-AF65-F5344CB8AC3E}">
-        <p14:creationId xmlns:p14="http://schemas.microsoft.com/office/powerpoint/2010/main" val="1273966670"/>
+        <p14:creationId xmlns:p14="http://schemas.microsoft.com/office/powerpoint/2010/main" val="1825059250"/>
       </p:ext>
     </p:extLst>
   </p:cSld>
@@ -5757,7 +5365,7 @@
   <p:cSld>
     <p:spTree>
       <p:nvGrpSpPr>
-        <p:cNvPr id="1" name="Shape 153"/>
+        <p:cNvPr id="1" name="Shape 308"/>
         <p:cNvGrpSpPr/>
         <p:nvPr/>
       </p:nvGrpSpPr>
@@ -5771,7 +5379,7 @@
       </p:grpSpPr>
       <p:sp>
         <p:nvSpPr>
-          <p:cNvPr id="154" name="Shape 154"/>
+          <p:cNvPr id="309" name="Shape 309"/>
           <p:cNvSpPr txBox="1">
             <a:spLocks noGrp="1"/>
           </p:cNvSpPr>
@@ -5799,29 +5407,37 @@
             </a:pPr>
             <a:r>
               <a:rPr lang="en"/>
-              <a:t>Server: Modular</a:t>
-            </a:r>
-          </a:p>
-        </p:txBody>
-      </p:sp>
-      <p:sp>
-        <p:nvSpPr>
-          <p:cNvPr id="155" name="Shape 155"/>
-          <p:cNvSpPr txBox="1">
-            <a:spLocks noGrp="1"/>
-          </p:cNvSpPr>
-          <p:nvPr>
-            <p:ph type="body" idx="1"/>
-          </p:nvPr>
-        </p:nvSpPr>
-        <p:spPr>
-          <a:xfrm>
-            <a:off x="3757100" y="1200150"/>
-            <a:ext cx="5158200" cy="3201300"/>
-          </a:xfrm>
-          <a:prstGeom prst="rect">
-            <a:avLst/>
-          </a:prstGeom>
+              <a:t>Light</a:t>
+            </a:r>
+          </a:p>
+        </p:txBody>
+      </p:sp>
+      <p:sp>
+        <p:nvSpPr>
+          <p:cNvPr id="310" name="Shape 310"/>
+          <p:cNvSpPr/>
+          <p:nvPr/>
+        </p:nvSpPr>
+        <p:spPr>
+          <a:xfrm>
+            <a:off x="3141075" y="2794250"/>
+            <a:ext cx="1479000" cy="1459200"/>
+          </a:xfrm>
+          <a:prstGeom prst="ellipse">
+            <a:avLst/>
+          </a:prstGeom>
+          <a:solidFill>
+            <a:schemeClr val="lt2"/>
+          </a:solidFill>
+          <a:ln w="19050" cap="flat">
+            <a:solidFill>
+              <a:schemeClr val="dk2"/>
+            </a:solidFill>
+            <a:prstDash val="solid"/>
+            <a:round/>
+            <a:headEnd type="none" w="med" len="med"/>
+            <a:tailEnd type="none" w="med" len="med"/>
+          </a:ln>
         </p:spPr>
         <p:txBody>
           <a:bodyPr lIns="91425" tIns="91425" rIns="91425" bIns="91425" anchor="ctr" anchorCtr="0">
@@ -5829,345 +5445,20 @@
           </a:bodyPr>
           <a:lstStyle/>
           <a:p>
-            <a:pPr lvl="0" rtl="0">
-              <a:buNone/>
-            </a:pPr>
-            <a:r>
-              <a:rPr lang="en" sz="1800"/>
-              <a:t>When started, the server  will search for all dynamic libraries from the “Modules” directory, and try to load them.</a:t>
-            </a:r>
-          </a:p>
-          <a:p>
-            <a:endParaRPr lang="en" sz="1800"/>
-          </a:p>
-          <a:p>
-            <a:pPr lvl="0" rtl="0">
-              <a:buNone/>
-            </a:pPr>
-            <a:r>
-              <a:rPr lang="en" sz="1800"/>
-              <a:t>These modules include features such as :</a:t>
-            </a:r>
-          </a:p>
-          <a:p>
-            <a:pPr marL="457200" lvl="0" indent="-342900" rtl="0">
-              <a:buClr>
-                <a:schemeClr val="dk1"/>
-              </a:buClr>
-              <a:buSzPct val="166666"/>
-              <a:buFont typeface="Arial"/>
-              <a:buChar char="•"/>
-            </a:pPr>
-            <a:r>
-              <a:rPr lang="en" sz="1800"/>
-              <a:t>3D objects, like sphere or cylinder</a:t>
-            </a:r>
-          </a:p>
-          <a:p>
-            <a:pPr marL="457200" lvl="0" indent="-342900" rtl="0">
-              <a:buClr>
-                <a:schemeClr val="dk1"/>
-              </a:buClr>
-              <a:buSzPct val="166666"/>
-              <a:buFont typeface="Arial"/>
-              <a:buChar char="•"/>
-            </a:pPr>
-            <a:r>
-              <a:rPr lang="en" sz="1800"/>
-              <a:t>Transformations, like translation or rotation</a:t>
-            </a:r>
-          </a:p>
-          <a:p>
-            <a:pPr marL="457200" lvl="0" indent="-342900" rtl="0">
-              <a:buClr>
-                <a:schemeClr val="dk1"/>
-              </a:buClr>
-              <a:buSzPct val="166666"/>
-              <a:buFont typeface="Arial"/>
-              <a:buChar char="•"/>
-            </a:pPr>
-            <a:r>
-              <a:rPr lang="en" sz="1800"/>
-              <a:t>Shaders, like opacity or textures</a:t>
-            </a:r>
-          </a:p>
-        </p:txBody>
-      </p:sp>
-      <p:pic>
-        <p:nvPicPr>
-          <p:cNvPr id="156" name="Shape 156"/>
-          <p:cNvPicPr preferRelativeResize="0"/>
-          <p:nvPr/>
-        </p:nvPicPr>
-        <p:blipFill>
-          <a:blip r:embed="rId3"/>
-          <a:stretch>
-            <a:fillRect/>
-          </a:stretch>
-        </p:blipFill>
-        <p:spPr>
-          <a:xfrm>
-            <a:off x="457200" y="1386450"/>
-            <a:ext cx="400391" cy="371133"/>
-          </a:xfrm>
-          <a:prstGeom prst="rect">
-            <a:avLst/>
-          </a:prstGeom>
-          <a:noFill/>
-          <a:ln>
-            <a:noFill/>
-          </a:ln>
-        </p:spPr>
-      </p:pic>
-      <p:pic>
-        <p:nvPicPr>
-          <p:cNvPr id="157" name="Shape 157"/>
-          <p:cNvPicPr preferRelativeResize="0"/>
-          <p:nvPr/>
-        </p:nvPicPr>
-        <p:blipFill>
-          <a:blip r:embed="rId4"/>
-          <a:stretch>
-            <a:fillRect/>
-          </a:stretch>
-        </p:blipFill>
-        <p:spPr>
-          <a:xfrm>
-            <a:off x="861083" y="1858779"/>
-            <a:ext cx="400391" cy="491065"/>
-          </a:xfrm>
-          <a:prstGeom prst="rect">
-            <a:avLst/>
-          </a:prstGeom>
-          <a:noFill/>
-          <a:ln>
-            <a:noFill/>
-          </a:ln>
-        </p:spPr>
-      </p:pic>
-      <p:pic>
-        <p:nvPicPr>
-          <p:cNvPr id="158" name="Shape 158"/>
-          <p:cNvPicPr preferRelativeResize="0"/>
-          <p:nvPr/>
-        </p:nvPicPr>
-        <p:blipFill>
-          <a:blip r:embed="rId4"/>
-          <a:stretch>
-            <a:fillRect/>
-          </a:stretch>
-        </p:blipFill>
-        <p:spPr>
-          <a:xfrm>
-            <a:off x="861083" y="2451049"/>
-            <a:ext cx="400391" cy="491065"/>
-          </a:xfrm>
-          <a:prstGeom prst="rect">
-            <a:avLst/>
-          </a:prstGeom>
-          <a:noFill/>
-          <a:ln>
-            <a:noFill/>
-          </a:ln>
-        </p:spPr>
-      </p:pic>
-      <p:pic>
-        <p:nvPicPr>
-          <p:cNvPr id="159" name="Shape 159"/>
-          <p:cNvPicPr preferRelativeResize="0"/>
-          <p:nvPr/>
-        </p:nvPicPr>
-        <p:blipFill>
-          <a:blip r:embed="rId4"/>
-          <a:stretch>
-            <a:fillRect/>
-          </a:stretch>
-        </p:blipFill>
-        <p:spPr>
-          <a:xfrm>
-            <a:off x="861083" y="3043298"/>
-            <a:ext cx="400391" cy="491065"/>
-          </a:xfrm>
-          <a:prstGeom prst="rect">
-            <a:avLst/>
-          </a:prstGeom>
-          <a:noFill/>
-          <a:ln>
-            <a:noFill/>
-          </a:ln>
-        </p:spPr>
-      </p:pic>
-      <p:pic>
-        <p:nvPicPr>
-          <p:cNvPr id="160" name="Shape 160"/>
-          <p:cNvPicPr preferRelativeResize="0"/>
-          <p:nvPr/>
-        </p:nvPicPr>
-        <p:blipFill>
-          <a:blip r:embed="rId4"/>
-          <a:stretch>
-            <a:fillRect/>
-          </a:stretch>
-        </p:blipFill>
-        <p:spPr>
-          <a:xfrm>
-            <a:off x="861083" y="3635559"/>
-            <a:ext cx="400391" cy="491065"/>
-          </a:xfrm>
-          <a:prstGeom prst="rect">
-            <a:avLst/>
-          </a:prstGeom>
-          <a:noFill/>
-          <a:ln>
-            <a:noFill/>
-          </a:ln>
-        </p:spPr>
-      </p:pic>
-      <p:sp>
-        <p:nvSpPr>
-          <p:cNvPr id="161" name="Shape 161"/>
-          <p:cNvSpPr txBox="1"/>
-          <p:nvPr/>
-        </p:nvSpPr>
-        <p:spPr>
-          <a:xfrm>
-            <a:off x="1054725" y="1326475"/>
-            <a:ext cx="989699" cy="491099"/>
-          </a:xfrm>
-          <a:prstGeom prst="rect">
-            <a:avLst/>
-          </a:prstGeom>
-        </p:spPr>
-        <p:txBody>
-          <a:bodyPr lIns="91425" tIns="91425" rIns="91425" bIns="91425" anchor="ctr" anchorCtr="0">
-            <a:noAutofit/>
-          </a:bodyPr>
-          <a:lstStyle/>
-          <a:p>
-            <a:pPr lvl="0" rtl="0">
-              <a:buNone/>
-            </a:pPr>
-            <a:r>
-              <a:rPr lang="en"/>
-              <a:t>Modules/</a:t>
-            </a:r>
-          </a:p>
-        </p:txBody>
-      </p:sp>
-      <p:sp>
-        <p:nvSpPr>
-          <p:cNvPr id="162" name="Shape 162"/>
-          <p:cNvSpPr txBox="1"/>
-          <p:nvPr/>
-        </p:nvSpPr>
-        <p:spPr>
-          <a:xfrm>
-            <a:off x="1341525" y="1898525"/>
-            <a:ext cx="1841099" cy="2169899"/>
-          </a:xfrm>
-          <a:prstGeom prst="rect">
-            <a:avLst/>
-          </a:prstGeom>
-        </p:spPr>
-        <p:txBody>
-          <a:bodyPr lIns="91425" tIns="91425" rIns="91425" bIns="91425" anchor="t" anchorCtr="0">
-            <a:noAutofit/>
-          </a:bodyPr>
-          <a:lstStyle/>
-          <a:p>
-            <a:pPr lvl="0" rtl="0">
-              <a:buNone/>
-            </a:pPr>
-            <a:r>
-              <a:rPr lang="en"/>
-              <a:t>BasicLight.so</a:t>
-            </a:r>
-          </a:p>
-          <a:p>
-            <a:endParaRPr lang="en"/>
-          </a:p>
-          <a:p>
-            <a:endParaRPr lang="en"/>
-          </a:p>
-          <a:p>
-            <a:pPr lvl="0" rtl="0">
-              <a:buNone/>
-            </a:pPr>
-            <a:r>
-              <a:rPr lang="en"/>
-              <a:t>BasicObject.so</a:t>
-            </a:r>
-          </a:p>
-          <a:p>
-            <a:endParaRPr lang="en"/>
-          </a:p>
-          <a:p>
-            <a:endParaRPr lang="en"/>
-          </a:p>
-          <a:p>
-            <a:pPr lvl="0" rtl="0">
-              <a:buNone/>
-            </a:pPr>
-            <a:r>
-              <a:rPr lang="en"/>
-              <a:t>BasicTransform.so</a:t>
-            </a:r>
-          </a:p>
-          <a:p>
-            <a:endParaRPr lang="en"/>
-          </a:p>
-          <a:p>
-            <a:endParaRPr lang="en"/>
-          </a:p>
-          <a:p>
-            <a:pPr lvl="0" rtl="0">
-              <a:buNone/>
-            </a:pPr>
-            <a:r>
-              <a:rPr lang="en"/>
-              <a:t>AdvancedLight.so</a:t>
-            </a:r>
+            <a:endParaRPr/>
           </a:p>
         </p:txBody>
       </p:sp>
       <p:cxnSp>
         <p:nvCxnSpPr>
-          <p:cNvPr id="163" name="Shape 163"/>
+          <p:cNvPr id="311" name="Shape 311"/>
           <p:cNvCxnSpPr/>
           <p:nvPr/>
         </p:nvCxnSpPr>
         <p:spPr>
-          <a:xfrm>
-            <a:off x="676650" y="1767925"/>
-            <a:ext cx="0" cy="2109899"/>
-          </a:xfrm>
-          <a:prstGeom prst="straightConnector1">
-            <a:avLst/>
-          </a:prstGeom>
-          <a:noFill/>
-          <a:ln w="28575" cap="flat">
-            <a:solidFill>
-              <a:schemeClr val="dk2"/>
-            </a:solidFill>
-            <a:prstDash val="dot"/>
-            <a:round/>
-            <a:headEnd type="none" w="lg" len="lg"/>
-            <a:tailEnd type="none" w="lg" len="lg"/>
-          </a:ln>
-        </p:spPr>
-      </p:cxnSp>
-      <p:cxnSp>
-        <p:nvCxnSpPr>
-          <p:cNvPr id="164" name="Shape 164"/>
-          <p:cNvCxnSpPr>
-            <a:stCxn id="157" idx="1"/>
-          </p:cNvCxnSpPr>
-          <p:nvPr/>
-        </p:nvCxnSpPr>
-        <p:spPr>
           <a:xfrm rot="10800000">
-            <a:off x="676583" y="2104312"/>
-            <a:ext cx="184500" cy="0"/>
+            <a:off x="2768174" y="2440874"/>
+            <a:ext cx="1105800" cy="1086300"/>
           </a:xfrm>
           <a:prstGeom prst="straightConnector1">
             <a:avLst/>
@@ -6184,16 +5475,57 @@
           </a:ln>
         </p:spPr>
       </p:cxnSp>
+      <p:sp>
+        <p:nvSpPr>
+          <p:cNvPr id="312" name="Shape 312"/>
+          <p:cNvSpPr/>
+          <p:nvPr/>
+        </p:nvSpPr>
+        <p:spPr>
+          <a:xfrm>
+            <a:off x="713275" y="2794250"/>
+            <a:ext cx="196199" cy="202799"/>
+          </a:xfrm>
+          <a:prstGeom prst="sun">
+            <a:avLst>
+              <a:gd name="adj" fmla="val 25000"/>
+            </a:avLst>
+          </a:prstGeom>
+          <a:solidFill>
+            <a:schemeClr val="lt2"/>
+          </a:solidFill>
+          <a:ln w="19050" cap="flat">
+            <a:solidFill>
+              <a:schemeClr val="dk2"/>
+            </a:solidFill>
+            <a:prstDash val="solid"/>
+            <a:round/>
+            <a:headEnd type="none" w="med" len="med"/>
+            <a:tailEnd type="none" w="med" len="med"/>
+          </a:ln>
+        </p:spPr>
+        <p:txBody>
+          <a:bodyPr lIns="91425" tIns="91425" rIns="91425" bIns="91425" anchor="ctr" anchorCtr="0">
+            <a:noAutofit/>
+          </a:bodyPr>
+          <a:lstStyle/>
+          <a:p>
+            <a:endParaRPr/>
+          </a:p>
+        </p:txBody>
+      </p:sp>
       <p:cxnSp>
         <p:nvCxnSpPr>
-          <p:cNvPr id="165" name="Shape 165"/>
-          <p:cNvCxnSpPr/>
+          <p:cNvPr id="313" name="Shape 313"/>
+          <p:cNvCxnSpPr>
+            <a:stCxn id="312" idx="3"/>
+          </p:cNvCxnSpPr>
           <p:nvPr/>
         </p:nvCxnSpPr>
         <p:spPr>
-          <a:xfrm rot="10800000">
-            <a:off x="676583" y="2713912"/>
-            <a:ext cx="184500" cy="0"/>
+          <a:xfrm>
+            <a:off x="909474" y="2895649"/>
+            <a:ext cx="2454000" cy="127500"/>
           </a:xfrm>
           <a:prstGeom prst="straightConnector1">
             <a:avLst/>
@@ -6210,19 +5542,22 @@
           </a:ln>
         </p:spPr>
       </p:cxnSp>
-      <p:cxnSp>
-        <p:nvCxnSpPr>
-          <p:cNvPr id="166" name="Shape 166"/>
-          <p:cNvCxnSpPr/>
+      <p:sp>
+        <p:nvSpPr>
+          <p:cNvPr id="314" name="Shape 314"/>
+          <p:cNvSpPr/>
           <p:nvPr/>
-        </p:nvCxnSpPr>
-        <p:spPr>
-          <a:xfrm rot="10800000">
-            <a:off x="676583" y="3323512"/>
-            <a:ext cx="184500" cy="0"/>
-          </a:xfrm>
-          <a:prstGeom prst="straightConnector1">
-            <a:avLst/>
+        </p:nvSpPr>
+        <p:spPr>
+          <a:xfrm>
+            <a:off x="2799408" y="2465683"/>
+            <a:ext cx="1128300" cy="1128300"/>
+          </a:xfrm>
+          <a:prstGeom prst="arc">
+            <a:avLst>
+              <a:gd name="adj1" fmla="val 11039373"/>
+              <a:gd name="adj2" fmla="val 13500000"/>
+            </a:avLst>
           </a:prstGeom>
           <a:noFill/>
           <a:ln w="19050" cap="flat">
@@ -6231,37 +5566,85 @@
             </a:solidFill>
             <a:prstDash val="solid"/>
             <a:round/>
-            <a:headEnd type="none" w="lg" len="lg"/>
-            <a:tailEnd type="none" w="lg" len="lg"/>
+            <a:headEnd type="none" w="med" len="med"/>
+            <a:tailEnd type="none" w="med" len="med"/>
           </a:ln>
         </p:spPr>
-      </p:cxnSp>
-      <p:cxnSp>
-        <p:nvCxnSpPr>
-          <p:cNvPr id="167" name="Shape 167"/>
-          <p:cNvCxnSpPr/>
+        <p:txBody>
+          <a:bodyPr lIns="91425" tIns="91425" rIns="91425" bIns="91425" anchor="ctr" anchorCtr="0">
+            <a:noAutofit/>
+          </a:bodyPr>
+          <a:lstStyle/>
+          <a:p>
+            <a:endParaRPr/>
+          </a:p>
+        </p:txBody>
+      </p:sp>
+      <p:sp>
+        <p:nvSpPr>
+          <p:cNvPr id="315" name="Shape 315"/>
+          <p:cNvSpPr txBox="1"/>
           <p:nvPr/>
-        </p:nvCxnSpPr>
-        <p:spPr>
-          <a:xfrm rot="10800000">
-            <a:off x="676583" y="3856912"/>
-            <a:ext cx="184500" cy="0"/>
-          </a:xfrm>
-          <a:prstGeom prst="straightConnector1">
-            <a:avLst/>
-          </a:prstGeom>
-          <a:noFill/>
-          <a:ln w="19050" cap="flat">
-            <a:solidFill>
-              <a:schemeClr val="dk2"/>
-            </a:solidFill>
-            <a:prstDash val="solid"/>
-            <a:round/>
-            <a:headEnd type="none" w="lg" len="lg"/>
-            <a:tailEnd type="none" w="lg" len="lg"/>
-          </a:ln>
-        </p:spPr>
-      </p:cxnSp>
+        </p:nvSpPr>
+        <p:spPr>
+          <a:xfrm>
+            <a:off x="2499750" y="2539050"/>
+            <a:ext cx="228900" cy="202799"/>
+          </a:xfrm>
+          <a:prstGeom prst="rect">
+            <a:avLst/>
+          </a:prstGeom>
+        </p:spPr>
+        <p:txBody>
+          <a:bodyPr lIns="91425" tIns="91425" rIns="91425" bIns="91425" anchor="t" anchorCtr="0">
+            <a:noAutofit/>
+          </a:bodyPr>
+          <a:lstStyle/>
+          <a:p>
+            <a:pPr lvl="0" rtl="0">
+              <a:buNone/>
+            </a:pPr>
+            <a:r>
+              <a:rPr lang="en"/>
+              <a:t>A</a:t>
+            </a:r>
+          </a:p>
+        </p:txBody>
+      </p:sp>
+      <p:sp>
+        <p:nvSpPr>
+          <p:cNvPr id="316" name="Shape 316"/>
+          <p:cNvSpPr txBox="1"/>
+          <p:nvPr/>
+        </p:nvSpPr>
+        <p:spPr>
+          <a:xfrm>
+            <a:off x="556350" y="1642525"/>
+            <a:ext cx="6098999" cy="1727700"/>
+          </a:xfrm>
+          <a:prstGeom prst="rect">
+            <a:avLst/>
+          </a:prstGeom>
+        </p:spPr>
+        <p:txBody>
+          <a:bodyPr lIns="91425" tIns="91425" rIns="91425" bIns="91425" anchor="t" anchorCtr="0">
+            <a:noAutofit/>
+          </a:bodyPr>
+          <a:lstStyle/>
+          <a:p>
+            <a:pPr lvl="0" rtl="0">
+              <a:buNone/>
+            </a:pPr>
+            <a:r>
+              <a:rPr lang="en"/>
+              <a:t>color = (object color) x (cosinus of A) + (spot color) x brightness</a:t>
+            </a:r>
+          </a:p>
+          <a:p>
+            <a:endParaRPr lang="en"/>
+          </a:p>
+        </p:txBody>
+      </p:sp>
     </p:spTree>
   </p:cSld>
   <p:clrMapOvr>
@@ -6281,1367 +5664,6 @@
 </file>
 
 <file path=ppt/slides/slide11.xml><?xml version="1.0" encoding="utf-8"?>
-<p:sld xmlns:a="http://schemas.openxmlformats.org/drawingml/2006/main" xmlns:r="http://schemas.openxmlformats.org/officeDocument/2006/relationships" xmlns:p="http://schemas.openxmlformats.org/presentationml/2006/main">
-  <p:cSld>
-    <p:spTree>
-      <p:nvGrpSpPr>
-        <p:cNvPr id="1" name="Shape 171"/>
-        <p:cNvGrpSpPr/>
-        <p:nvPr/>
-      </p:nvGrpSpPr>
-      <p:grpSpPr>
-        <a:xfrm>
-          <a:off x="0" y="0"/>
-          <a:ext cx="0" cy="0"/>
-          <a:chOff x="0" y="0"/>
-          <a:chExt cx="0" cy="0"/>
-        </a:xfrm>
-      </p:grpSpPr>
-      <p:sp>
-        <p:nvSpPr>
-          <p:cNvPr id="172" name="Shape 172"/>
-          <p:cNvSpPr txBox="1">
-            <a:spLocks noGrp="1"/>
-          </p:cNvSpPr>
-          <p:nvPr>
-            <p:ph type="title"/>
-          </p:nvPr>
-        </p:nvSpPr>
-        <p:spPr>
-          <a:xfrm>
-            <a:off x="457200" y="205978"/>
-            <a:ext cx="8229600" cy="857400"/>
-          </a:xfrm>
-          <a:prstGeom prst="rect">
-            <a:avLst/>
-          </a:prstGeom>
-        </p:spPr>
-        <p:txBody>
-          <a:bodyPr lIns="91425" tIns="91425" rIns="91425" bIns="91425" anchor="ctr" anchorCtr="0">
-            <a:noAutofit/>
-          </a:bodyPr>
-          <a:lstStyle/>
-          <a:p>
-            <a:pPr lvl="0" rtl="0">
-              <a:buNone/>
-            </a:pPr>
-            <a:r>
-              <a:rPr lang="en"/>
-              <a:t>Server: Modular</a:t>
-            </a:r>
-          </a:p>
-        </p:txBody>
-      </p:sp>
-      <p:graphicFrame>
-        <p:nvGraphicFramePr>
-          <p:cNvPr id="173" name="Shape 173"/>
-          <p:cNvGraphicFramePr/>
-          <p:nvPr>
-            <p:extLst>
-              <p:ext uri="{D42A27DB-BD31-4B8C-83A1-F6EECF244321}">
-                <p14:modId xmlns:p14="http://schemas.microsoft.com/office/powerpoint/2010/main" val="4123728695"/>
-              </p:ext>
-            </p:extLst>
-          </p:nvPr>
-        </p:nvGraphicFramePr>
-        <p:xfrm>
-          <a:off x="692362" y="1176429"/>
-          <a:ext cx="7759275" cy="3474510"/>
-        </p:xfrm>
-        <a:graphic>
-          <a:graphicData uri="http://schemas.openxmlformats.org/drawingml/2006/table">
-            <a:tbl>
-              <a:tblPr>
-                <a:noFill/>
-                <a:tableStyleId>{73002403-9CDC-4820-82BB-AE45B655AD87}</a:tableStyleId>
-              </a:tblPr>
-              <a:tblGrid>
-                <a:gridCol w="1270800"/>
-                <a:gridCol w="1731825"/>
-                <a:gridCol w="1893475"/>
-                <a:gridCol w="2863175"/>
-              </a:tblGrid>
-              <a:tr h="451111">
-                <a:tc gridSpan="4">
-                  <a:txBody>
-                    <a:bodyPr/>
-                    <a:lstStyle/>
-                    <a:p>
-                      <a:pPr algn="ctr" rtl="0">
-                        <a:buNone/>
-                      </a:pPr>
-                      <a:r>
-                        <a:rPr lang="en" sz="1800" dirty="0"/>
-                        <a:t>Common Interface implementation for all modules</a:t>
-                      </a:r>
-                    </a:p>
-                  </a:txBody>
-                  <a:tcPr marL="91425" marR="91425" marT="91425" marB="91425" anchor="ctr">
-                    <a:solidFill>
-                      <a:srgbClr val="A2C4C9"/>
-                    </a:solidFill>
-                  </a:tcPr>
-                </a:tc>
-                <a:tc hMerge="1">
-                  <a:txBody>
-                    <a:bodyPr/>
-                    <a:lstStyle/>
-                    <a:p>
-                      <a:endParaRPr lang="fr-FR"/>
-                    </a:p>
-                  </a:txBody>
-                  <a:tcPr/>
-                </a:tc>
-                <a:tc hMerge="1">
-                  <a:txBody>
-                    <a:bodyPr/>
-                    <a:lstStyle/>
-                    <a:p>
-                      <a:endParaRPr lang="fr-FR"/>
-                    </a:p>
-                  </a:txBody>
-                  <a:tcPr/>
-                </a:tc>
-                <a:tc hMerge="1">
-                  <a:txBody>
-                    <a:bodyPr/>
-                    <a:lstStyle/>
-                    <a:p>
-                      <a:endParaRPr lang="fr-FR"/>
-                    </a:p>
-                  </a:txBody>
-                  <a:tcPr/>
-                </a:tc>
-              </a:tr>
-              <a:tr h="390959">
-                <a:tc>
-                  <a:txBody>
-                    <a:bodyPr/>
-                    <a:lstStyle/>
-                    <a:p>
-                      <a:pPr algn="ctr" rtl="0">
-                        <a:buNone/>
-                      </a:pPr>
-                      <a:r>
-                        <a:rPr lang="en"/>
-                        <a:t>Return type</a:t>
-                      </a:r>
-                    </a:p>
-                  </a:txBody>
-                  <a:tcPr marL="91425" marR="91425" marT="91425" marB="91425" anchor="ctr">
-                    <a:lnB w="28575" cap="flat">
-                      <a:solidFill>
-                        <a:srgbClr val="000000"/>
-                      </a:solidFill>
-                      <a:prstDash val="solid"/>
-                      <a:round/>
-                      <a:headEnd type="none" w="med" len="med"/>
-                      <a:tailEnd type="none" w="med" len="med"/>
-                    </a:lnB>
-                    <a:solidFill>
-                      <a:srgbClr val="A2C4C9"/>
-                    </a:solidFill>
-                  </a:tcPr>
-                </a:tc>
-                <a:tc>
-                  <a:txBody>
-                    <a:bodyPr/>
-                    <a:lstStyle/>
-                    <a:p>
-                      <a:pPr algn="ctr" rtl="0">
-                        <a:buNone/>
-                      </a:pPr>
-                      <a:r>
-                        <a:rPr lang="en">
-                          <a:solidFill>
-                            <a:schemeClr val="dk1"/>
-                          </a:solidFill>
-                        </a:rPr>
-                        <a:t>Function name</a:t>
-                      </a:r>
-                    </a:p>
-                  </a:txBody>
-                  <a:tcPr marL="91425" marR="91425" marT="91425" marB="91425" anchor="ctr">
-                    <a:lnB w="28575" cap="flat">
-                      <a:solidFill>
-                        <a:srgbClr val="000000"/>
-                      </a:solidFill>
-                      <a:prstDash val="solid"/>
-                      <a:round/>
-                      <a:headEnd type="none" w="med" len="med"/>
-                      <a:tailEnd type="none" w="med" len="med"/>
-                    </a:lnB>
-                    <a:solidFill>
-                      <a:srgbClr val="A2C4C9"/>
-                    </a:solidFill>
-                  </a:tcPr>
-                </a:tc>
-                <a:tc gridSpan="2">
-                  <a:txBody>
-                    <a:bodyPr/>
-                    <a:lstStyle/>
-                    <a:p>
-                      <a:pPr lvl="0" algn="ctr" rtl="0">
-                        <a:buNone/>
-                      </a:pPr>
-                      <a:r>
-                        <a:rPr lang="en">
-                          <a:solidFill>
-                            <a:schemeClr val="dk1"/>
-                          </a:solidFill>
-                        </a:rPr>
-                        <a:t>Parameters</a:t>
-                      </a:r>
-                    </a:p>
-                  </a:txBody>
-                  <a:tcPr marL="91425" marR="91425" marT="91425" marB="91425" anchor="ctr">
-                    <a:lnB w="28575" cap="flat">
-                      <a:solidFill>
-                        <a:srgbClr val="000000"/>
-                      </a:solidFill>
-                      <a:prstDash val="solid"/>
-                      <a:round/>
-                      <a:headEnd type="none" w="med" len="med"/>
-                      <a:tailEnd type="none" w="med" len="med"/>
-                    </a:lnB>
-                    <a:solidFill>
-                      <a:srgbClr val="A2C4C9"/>
-                    </a:solidFill>
-                  </a:tcPr>
-                </a:tc>
-                <a:tc hMerge="1">
-                  <a:txBody>
-                    <a:bodyPr/>
-                    <a:lstStyle/>
-                    <a:p>
-                      <a:endParaRPr lang="fr-FR"/>
-                    </a:p>
-                  </a:txBody>
-                  <a:tcPr/>
-                </a:tc>
-              </a:tr>
-              <a:tr h="390959">
-                <a:tc>
-                  <a:txBody>
-                    <a:bodyPr/>
-                    <a:lstStyle/>
-                    <a:p>
-                      <a:pPr>
-                        <a:buNone/>
-                      </a:pPr>
-                      <a:r>
-                        <a:rPr lang="en"/>
-                        <a:t>void</a:t>
-                      </a:r>
-                    </a:p>
-                  </a:txBody>
-                  <a:tcPr marL="91425" marR="91425" marT="91425" marB="91425" anchor="ctr">
-                    <a:lnT w="28575" cap="flat">
-                      <a:solidFill>
-                        <a:srgbClr val="000000"/>
-                      </a:solidFill>
-                      <a:prstDash val="solid"/>
-                      <a:round/>
-                      <a:headEnd type="none" w="med" len="med"/>
-                      <a:tailEnd type="none" w="med" len="med"/>
-                    </a:lnT>
-                    <a:solidFill>
-                      <a:srgbClr val="EFEFEF"/>
-                    </a:solidFill>
-                  </a:tcPr>
-                </a:tc>
-                <a:tc>
-                  <a:txBody>
-                    <a:bodyPr/>
-                    <a:lstStyle/>
-                    <a:p>
-                      <a:pPr>
-                        <a:buNone/>
-                      </a:pPr>
-                      <a:r>
-                        <a:rPr lang="en"/>
-                        <a:t>preProcess</a:t>
-                      </a:r>
-                    </a:p>
-                  </a:txBody>
-                  <a:tcPr marL="91425" marR="91425" marT="91425" marB="91425" anchor="ctr">
-                    <a:lnT w="28575" cap="flat">
-                      <a:solidFill>
-                        <a:srgbClr val="000000"/>
-                      </a:solidFill>
-                      <a:prstDash val="solid"/>
-                      <a:round/>
-                      <a:headEnd type="none" w="med" len="med"/>
-                      <a:tailEnd type="none" w="med" len="med"/>
-                    </a:lnT>
-                    <a:solidFill>
-                      <a:srgbClr val="EFEFEF"/>
-                    </a:solidFill>
-                  </a:tcPr>
-                </a:tc>
-                <a:tc gridSpan="2">
-                  <a:txBody>
-                    <a:bodyPr/>
-                    <a:lstStyle/>
-                    <a:p>
-                      <a:pPr lvl="0" rtl="0">
-                        <a:buNone/>
-                      </a:pPr>
-                      <a:r>
-                        <a:rPr lang="en"/>
-                        <a:t>Camera, Ray</a:t>
-                      </a:r>
-                    </a:p>
-                  </a:txBody>
-                  <a:tcPr marL="91425" marR="91425" marT="91425" marB="91425" anchor="ctr">
-                    <a:lnT w="28575" cap="flat">
-                      <a:solidFill>
-                        <a:srgbClr val="000000"/>
-                      </a:solidFill>
-                      <a:prstDash val="solid"/>
-                      <a:round/>
-                      <a:headEnd type="none" w="med" len="med"/>
-                      <a:tailEnd type="none" w="med" len="med"/>
-                    </a:lnT>
-                    <a:solidFill>
-                      <a:srgbClr val="EFEFEF"/>
-                    </a:solidFill>
-                  </a:tcPr>
-                </a:tc>
-                <a:tc hMerge="1">
-                  <a:txBody>
-                    <a:bodyPr/>
-                    <a:lstStyle/>
-                    <a:p>
-                      <a:endParaRPr lang="fr-FR"/>
-                    </a:p>
-                  </a:txBody>
-                  <a:tcPr/>
-                </a:tc>
-              </a:tr>
-              <a:tr h="390959">
-                <a:tc>
-                  <a:txBody>
-                    <a:bodyPr/>
-                    <a:lstStyle/>
-                    <a:p>
-                      <a:pPr lvl="0" rtl="0">
-                        <a:buNone/>
-                      </a:pPr>
-                      <a:r>
-                        <a:rPr lang="en"/>
-                        <a:t>double</a:t>
-                      </a:r>
-                    </a:p>
-                  </a:txBody>
-                  <a:tcPr marL="91425" marR="91425" marT="91425" marB="91425" anchor="ctr"/>
-                </a:tc>
-                <a:tc>
-                  <a:txBody>
-                    <a:bodyPr/>
-                    <a:lstStyle/>
-                    <a:p>
-                      <a:pPr lvl="0" rtl="0">
-                        <a:buNone/>
-                      </a:pPr>
-                      <a:r>
-                        <a:rPr lang="en">
-                          <a:solidFill>
-                            <a:schemeClr val="dk1"/>
-                          </a:solidFill>
-                        </a:rPr>
-                        <a:t>computeEquation</a:t>
-                      </a:r>
-                    </a:p>
-                  </a:txBody>
-                  <a:tcPr marL="91425" marR="91425" marT="91425" marB="91425" anchor="ctr"/>
-                </a:tc>
-                <a:tc gridSpan="2">
-                  <a:txBody>
-                    <a:bodyPr/>
-                    <a:lstStyle/>
-                    <a:p>
-                      <a:pPr lvl="0" rtl="0">
-                        <a:buNone/>
-                      </a:pPr>
-                      <a:r>
-                        <a:rPr lang="en">
-                          <a:solidFill>
-                            <a:schemeClr val="dk1"/>
-                          </a:solidFill>
-                        </a:rPr>
-                        <a:t>Camera, Ray</a:t>
-                      </a:r>
-                    </a:p>
-                  </a:txBody>
-                  <a:tcPr marL="91425" marR="91425" marT="91425" marB="91425" anchor="ctr"/>
-                </a:tc>
-                <a:tc hMerge="1">
-                  <a:txBody>
-                    <a:bodyPr/>
-                    <a:lstStyle/>
-                    <a:p>
-                      <a:endParaRPr lang="fr-FR"/>
-                    </a:p>
-                  </a:txBody>
-                  <a:tcPr/>
-                </a:tc>
-              </a:tr>
-              <a:tr h="390959">
-                <a:tc>
-                  <a:txBody>
-                    <a:bodyPr/>
-                    <a:lstStyle/>
-                    <a:p>
-                      <a:pPr rtl="0">
-                        <a:buNone/>
-                      </a:pPr>
-                      <a:r>
-                        <a:rPr lang="en"/>
-                        <a:t>Color</a:t>
-                      </a:r>
-                    </a:p>
-                  </a:txBody>
-                  <a:tcPr marL="91425" marR="91425" marT="91425" marB="91425" anchor="ctr">
-                    <a:solidFill>
-                      <a:srgbClr val="EFEFEF"/>
-                    </a:solidFill>
-                  </a:tcPr>
-                </a:tc>
-                <a:tc>
-                  <a:txBody>
-                    <a:bodyPr/>
-                    <a:lstStyle/>
-                    <a:p>
-                      <a:pPr rtl="0">
-                        <a:buNone/>
-                      </a:pPr>
-                      <a:r>
-                        <a:rPr lang="en">
-                          <a:solidFill>
-                            <a:schemeClr val="dk1"/>
-                          </a:solidFill>
-                        </a:rPr>
-                        <a:t>getColor</a:t>
-                      </a:r>
-                    </a:p>
-                  </a:txBody>
-                  <a:tcPr marL="91425" marR="91425" marT="91425" marB="91425" anchor="ctr">
-                    <a:solidFill>
-                      <a:srgbClr val="EFEFEF"/>
-                    </a:solidFill>
-                  </a:tcPr>
-                </a:tc>
-                <a:tc gridSpan="2">
-                  <a:txBody>
-                    <a:bodyPr/>
-                    <a:lstStyle/>
-                    <a:p>
-                      <a:endParaRPr/>
-                    </a:p>
-                  </a:txBody>
-                  <a:tcPr marL="91425" marR="91425" marT="91425" marB="91425" anchor="ctr">
-                    <a:solidFill>
-                      <a:srgbClr val="EFEFEF"/>
-                    </a:solidFill>
-                  </a:tcPr>
-                </a:tc>
-                <a:tc hMerge="1">
-                  <a:txBody>
-                    <a:bodyPr/>
-                    <a:lstStyle/>
-                    <a:p>
-                      <a:endParaRPr lang="fr-FR"/>
-                    </a:p>
-                  </a:txBody>
-                  <a:tcPr/>
-                </a:tc>
-              </a:tr>
-              <a:tr h="1022556">
-                <a:tc>
-                  <a:txBody>
-                    <a:bodyPr/>
-                    <a:lstStyle/>
-                    <a:p>
-                      <a:pPr>
-                        <a:buNone/>
-                      </a:pPr>
-                      <a:r>
-                        <a:rPr lang="en"/>
-                        <a:t>Color</a:t>
-                      </a:r>
-                    </a:p>
-                  </a:txBody>
-                  <a:tcPr marL="91425" marR="91425" marT="91425" marB="91425" anchor="ctr"/>
-                </a:tc>
-                <a:tc>
-                  <a:txBody>
-                    <a:bodyPr/>
-                    <a:lstStyle/>
-                    <a:p>
-                      <a:pPr>
-                        <a:buNone/>
-                      </a:pPr>
-                      <a:r>
-                        <a:rPr lang="en"/>
-                        <a:t>postProcess</a:t>
-                      </a:r>
-                    </a:p>
-                  </a:txBody>
-                  <a:tcPr marL="91425" marR="91425" marT="91425" marB="91425" anchor="ctr"/>
-                </a:tc>
-                <a:tc>
-                  <a:txBody>
-                    <a:bodyPr/>
-                    <a:lstStyle/>
-                    <a:p>
-                      <a:pPr lvl="0" rtl="0">
-                        <a:buNone/>
-                      </a:pPr>
-                      <a:r>
-                        <a:rPr lang="en"/>
-                        <a:t>Scene, Camera, Ray,</a:t>
-                      </a:r>
-                    </a:p>
-                    <a:p>
-                      <a:pPr lvl="0" rtl="0">
-                        <a:buNone/>
-                      </a:pPr>
-                      <a:r>
-                        <a:rPr lang="en"/>
-                        <a:t>Object,</a:t>
-                      </a:r>
-                    </a:p>
-                    <a:p>
-                      <a:pPr lvl="0" rtl="0">
-                        <a:buNone/>
-                      </a:pPr>
-                      <a:r>
-                        <a:rPr lang="en"/>
-                        <a:t>double,</a:t>
-                      </a:r>
-                    </a:p>
-                    <a:p>
-                      <a:pPr>
-                        <a:buNone/>
-                      </a:pPr>
-                      <a:r>
-                        <a:rPr lang="en"/>
-                        <a:t>Color</a:t>
-                      </a:r>
-                    </a:p>
-                  </a:txBody>
-                  <a:tcPr marL="91425" marR="91425" marT="91425" marB="91425" anchor="ctr">
-                    <a:lnR w="9525" cap="flat">
-                      <a:solidFill>
-                        <a:srgbClr val="000000">
-                          <a:alpha val="0"/>
-                        </a:srgbClr>
-                      </a:solidFill>
-                      <a:prstDash val="solid"/>
-                      <a:round/>
-                      <a:headEnd type="none" w="med" len="med"/>
-                      <a:tailEnd type="none" w="med" len="med"/>
-                    </a:lnR>
-                  </a:tcPr>
-                </a:tc>
-                <a:tc>
-                  <a:txBody>
-                    <a:bodyPr/>
-                    <a:lstStyle/>
-                    <a:p>
-                      <a:pPr lvl="0" rtl="0">
-                        <a:buNone/>
-                      </a:pPr>
-                      <a:r>
-                        <a:rPr lang="en"/>
-                        <a:t>
-Object found</a:t>
-                      </a:r>
-                    </a:p>
-                    <a:p>
-                      <a:pPr lvl="0" rtl="0">
-                        <a:buNone/>
-                      </a:pPr>
-                      <a:r>
-                        <a:rPr lang="en"/>
-                        <a:t>Distance eye - object</a:t>
-                      </a:r>
-                    </a:p>
-                    <a:p>
-                      <a:endParaRPr lang="en"/>
-                    </a:p>
-                  </a:txBody>
-                  <a:tcPr marL="91425" marR="91425" marT="91425" marB="91425" anchor="ctr">
-                    <a:lnL w="9525" cap="flat">
-                      <a:solidFill>
-                        <a:srgbClr val="000000">
-                          <a:alpha val="0"/>
-                        </a:srgbClr>
-                      </a:solidFill>
-                      <a:prstDash val="solid"/>
-                      <a:round/>
-                      <a:headEnd type="none" w="med" len="med"/>
-                      <a:tailEnd type="none" w="med" len="med"/>
-                    </a:lnL>
-                  </a:tcPr>
-                </a:tc>
-              </a:tr>
-              <a:tr h="390959">
-                <a:tc>
-                  <a:txBody>
-                    <a:bodyPr/>
-                    <a:lstStyle/>
-                    <a:p>
-                      <a:pPr>
-                        <a:buNone/>
-                      </a:pPr>
-                      <a:r>
-                        <a:rPr lang="en" dirty="0">
-                          <a:solidFill>
-                            <a:schemeClr val="dk1"/>
-                          </a:solidFill>
-                        </a:rPr>
-                        <a:t>3DCoord</a:t>
-                      </a:r>
-                    </a:p>
-                  </a:txBody>
-                  <a:tcPr marL="91425" marR="91425" marT="91425" marB="91425" anchor="ctr">
-                    <a:solidFill>
-                      <a:srgbClr val="EFEFEF"/>
-                    </a:solidFill>
-                  </a:tcPr>
-                </a:tc>
-                <a:tc>
-                  <a:txBody>
-                    <a:bodyPr/>
-                    <a:lstStyle/>
-                    <a:p>
-                      <a:pPr>
-                        <a:buNone/>
-                      </a:pPr>
-                      <a:r>
-                        <a:rPr lang="en"/>
-                        <a:t>getPerpendicular</a:t>
-                      </a:r>
-                    </a:p>
-                  </a:txBody>
-                  <a:tcPr marL="91425" marR="91425" marT="91425" marB="91425" anchor="ctr">
-                    <a:solidFill>
-                      <a:srgbClr val="EFEFEF"/>
-                    </a:solidFill>
-                  </a:tcPr>
-                </a:tc>
-                <a:tc gridSpan="2">
-                  <a:txBody>
-                    <a:bodyPr/>
-                    <a:lstStyle/>
-                    <a:p>
-                      <a:pPr lvl="0" rtl="0">
-                        <a:buNone/>
-                      </a:pPr>
-                      <a:r>
-                        <a:rPr lang="en" dirty="0"/>
-                        <a:t>3DCoord, 3DCoord</a:t>
-                      </a:r>
-                    </a:p>
-                  </a:txBody>
-                  <a:tcPr marL="91425" marR="91425" marT="91425" marB="91425" anchor="ctr">
-                    <a:solidFill>
-                      <a:srgbClr val="EFEFEF"/>
-                    </a:solidFill>
-                  </a:tcPr>
-                </a:tc>
-                <a:tc hMerge="1">
-                  <a:txBody>
-                    <a:bodyPr/>
-                    <a:lstStyle/>
-                    <a:p>
-                      <a:endParaRPr lang="fr-FR"/>
-                    </a:p>
-                  </a:txBody>
-                  <a:tcPr/>
-                </a:tc>
-              </a:tr>
-            </a:tbl>
-          </a:graphicData>
-        </a:graphic>
-      </p:graphicFrame>
-    </p:spTree>
-  </p:cSld>
-  <p:clrMapOvr>
-    <a:masterClrMapping/>
-  </p:clrMapOvr>
-  <p:transition spd="slow">
-    <p:cut/>
-  </p:transition>
-  <p:timing>
-    <p:tnLst>
-      <p:par>
-        <p:cTn id="1" dur="indefinite" restart="never" nodeType="tmRoot"/>
-      </p:par>
-    </p:tnLst>
-  </p:timing>
-</p:sld>
-</file>
-
-<file path=ppt/slides/slide12.xml><?xml version="1.0" encoding="utf-8"?>
-<p:sld xmlns:a="http://schemas.openxmlformats.org/drawingml/2006/main" xmlns:r="http://schemas.openxmlformats.org/officeDocument/2006/relationships" xmlns:p="http://schemas.openxmlformats.org/presentationml/2006/main">
-  <p:cSld>
-    <p:spTree>
-      <p:nvGrpSpPr>
-        <p:cNvPr id="1" name="Shape 177"/>
-        <p:cNvGrpSpPr/>
-        <p:nvPr/>
-      </p:nvGrpSpPr>
-      <p:grpSpPr>
-        <a:xfrm>
-          <a:off x="0" y="0"/>
-          <a:ext cx="0" cy="0"/>
-          <a:chOff x="0" y="0"/>
-          <a:chExt cx="0" cy="0"/>
-        </a:xfrm>
-      </p:grpSpPr>
-      <p:sp>
-        <p:nvSpPr>
-          <p:cNvPr id="178" name="Shape 178"/>
-          <p:cNvSpPr/>
-          <p:nvPr/>
-        </p:nvSpPr>
-        <p:spPr>
-          <a:xfrm>
-            <a:off x="240150" y="1272274"/>
-            <a:ext cx="3957600" cy="3237300"/>
-          </a:xfrm>
-          <a:prstGeom prst="roundRect">
-            <a:avLst>
-              <a:gd name="adj" fmla="val 16667"/>
-            </a:avLst>
-          </a:prstGeom>
-          <a:solidFill>
-            <a:srgbClr val="C9DAF8"/>
-          </a:solidFill>
-          <a:ln w="19050" cap="flat">
-            <a:solidFill>
-              <a:srgbClr val="1155CC"/>
-            </a:solidFill>
-            <a:prstDash val="solid"/>
-            <a:round/>
-            <a:headEnd type="none" w="med" len="med"/>
-            <a:tailEnd type="none" w="med" len="med"/>
-          </a:ln>
-        </p:spPr>
-        <p:txBody>
-          <a:bodyPr lIns="91425" tIns="91425" rIns="91425" bIns="91425" anchor="ctr" anchorCtr="0">
-            <a:noAutofit/>
-          </a:bodyPr>
-          <a:lstStyle/>
-          <a:p>
-            <a:endParaRPr/>
-          </a:p>
-        </p:txBody>
-      </p:sp>
-      <p:sp>
-        <p:nvSpPr>
-          <p:cNvPr id="179" name="Shape 179"/>
-          <p:cNvSpPr txBox="1">
-            <a:spLocks noGrp="1"/>
-          </p:cNvSpPr>
-          <p:nvPr>
-            <p:ph type="title"/>
-          </p:nvPr>
-        </p:nvSpPr>
-        <p:spPr>
-          <a:xfrm>
-            <a:off x="457200" y="205978"/>
-            <a:ext cx="8229600" cy="857400"/>
-          </a:xfrm>
-          <a:prstGeom prst="rect">
-            <a:avLst/>
-          </a:prstGeom>
-        </p:spPr>
-        <p:txBody>
-          <a:bodyPr lIns="91425" tIns="91425" rIns="91425" bIns="91425" anchor="ctr" anchorCtr="0">
-            <a:noAutofit/>
-          </a:bodyPr>
-          <a:lstStyle/>
-          <a:p>
-            <a:pPr lvl="0" rtl="0">
-              <a:buNone/>
-            </a:pPr>
-            <a:r>
-              <a:rPr lang="en"/>
-              <a:t>Server: Threading</a:t>
-            </a:r>
-          </a:p>
-        </p:txBody>
-      </p:sp>
-      <p:sp>
-        <p:nvSpPr>
-          <p:cNvPr id="180" name="Shape 180"/>
-          <p:cNvSpPr/>
-          <p:nvPr/>
-        </p:nvSpPr>
-        <p:spPr>
-          <a:xfrm>
-            <a:off x="457200" y="1415326"/>
-            <a:ext cx="1071300" cy="651899"/>
-          </a:xfrm>
-          <a:prstGeom prst="roundRect">
-            <a:avLst>
-              <a:gd name="adj" fmla="val 16667"/>
-            </a:avLst>
-          </a:prstGeom>
-          <a:solidFill>
-            <a:srgbClr val="D9D9D9"/>
-          </a:solidFill>
-          <a:ln w="19050" cap="flat">
-            <a:solidFill>
-              <a:srgbClr val="1155CC"/>
-            </a:solidFill>
-            <a:prstDash val="solid"/>
-            <a:round/>
-            <a:headEnd type="none" w="med" len="med"/>
-            <a:tailEnd type="none" w="med" len="med"/>
-          </a:ln>
-        </p:spPr>
-        <p:txBody>
-          <a:bodyPr lIns="91425" tIns="91425" rIns="91425" bIns="91425" anchor="ctr" anchorCtr="0">
-            <a:noAutofit/>
-          </a:bodyPr>
-          <a:lstStyle/>
-          <a:p>
-            <a:pPr algn="ctr">
-              <a:buNone/>
-            </a:pPr>
-            <a:r>
-              <a:rPr lang="en"/>
-              <a:t>Worker 1</a:t>
-            </a:r>
-          </a:p>
-        </p:txBody>
-      </p:sp>
-      <p:sp>
-        <p:nvSpPr>
-          <p:cNvPr id="181" name="Shape 181"/>
-          <p:cNvSpPr/>
-          <p:nvPr/>
-        </p:nvSpPr>
-        <p:spPr>
-          <a:xfrm>
-            <a:off x="1675439" y="1415326"/>
-            <a:ext cx="1071300" cy="651899"/>
-          </a:xfrm>
-          <a:prstGeom prst="roundRect">
-            <a:avLst>
-              <a:gd name="adj" fmla="val 16667"/>
-            </a:avLst>
-          </a:prstGeom>
-          <a:solidFill>
-            <a:srgbClr val="D9D9D9"/>
-          </a:solidFill>
-          <a:ln w="19050" cap="flat">
-            <a:solidFill>
-              <a:srgbClr val="1155CC"/>
-            </a:solidFill>
-            <a:prstDash val="solid"/>
-            <a:round/>
-            <a:headEnd type="none" w="med" len="med"/>
-            <a:tailEnd type="none" w="med" len="med"/>
-          </a:ln>
-        </p:spPr>
-        <p:txBody>
-          <a:bodyPr lIns="91425" tIns="91425" rIns="91425" bIns="91425" anchor="ctr" anchorCtr="0">
-            <a:noAutofit/>
-          </a:bodyPr>
-          <a:lstStyle/>
-          <a:p>
-            <a:pPr lvl="0" algn="ctr" rtl="0">
-              <a:buNone/>
-            </a:pPr>
-            <a:r>
-              <a:rPr lang="en"/>
-              <a:t>Worker 2</a:t>
-            </a:r>
-          </a:p>
-        </p:txBody>
-      </p:sp>
-      <p:sp>
-        <p:nvSpPr>
-          <p:cNvPr id="182" name="Shape 182"/>
-          <p:cNvSpPr/>
-          <p:nvPr/>
-        </p:nvSpPr>
-        <p:spPr>
-          <a:xfrm>
-            <a:off x="2893679" y="1415326"/>
-            <a:ext cx="1071300" cy="651899"/>
-          </a:xfrm>
-          <a:prstGeom prst="roundRect">
-            <a:avLst>
-              <a:gd name="adj" fmla="val 16667"/>
-            </a:avLst>
-          </a:prstGeom>
-          <a:solidFill>
-            <a:srgbClr val="D9D9D9"/>
-          </a:solidFill>
-          <a:ln w="19050" cap="flat">
-            <a:solidFill>
-              <a:srgbClr val="1155CC"/>
-            </a:solidFill>
-            <a:prstDash val="solid"/>
-            <a:round/>
-            <a:headEnd type="none" w="med" len="med"/>
-            <a:tailEnd type="none" w="med" len="med"/>
-          </a:ln>
-        </p:spPr>
-        <p:txBody>
-          <a:bodyPr lIns="91425" tIns="91425" rIns="91425" bIns="91425" anchor="ctr" anchorCtr="0">
-            <a:noAutofit/>
-          </a:bodyPr>
-          <a:lstStyle/>
-          <a:p>
-            <a:pPr lvl="0" algn="ctr" rtl="0">
-              <a:buNone/>
-            </a:pPr>
-            <a:r>
-              <a:rPr lang="en"/>
-              <a:t>Worker 3</a:t>
-            </a:r>
-          </a:p>
-        </p:txBody>
-      </p:sp>
-      <p:sp>
-        <p:nvSpPr>
-          <p:cNvPr id="183" name="Shape 183"/>
-          <p:cNvSpPr/>
-          <p:nvPr/>
-        </p:nvSpPr>
-        <p:spPr>
-          <a:xfrm>
-            <a:off x="457150" y="2435218"/>
-            <a:ext cx="3507899" cy="651899"/>
-          </a:xfrm>
-          <a:prstGeom prst="roundRect">
-            <a:avLst>
-              <a:gd name="adj" fmla="val 16667"/>
-            </a:avLst>
-          </a:prstGeom>
-          <a:solidFill>
-            <a:srgbClr val="D9D9D9"/>
-          </a:solidFill>
-          <a:ln w="19050" cap="flat">
-            <a:solidFill>
-              <a:srgbClr val="1155CC"/>
-            </a:solidFill>
-            <a:prstDash val="solid"/>
-            <a:round/>
-            <a:headEnd type="none" w="med" len="med"/>
-            <a:tailEnd type="none" w="med" len="med"/>
-          </a:ln>
-        </p:spPr>
-        <p:txBody>
-          <a:bodyPr lIns="91425" tIns="91425" rIns="91425" bIns="91425" anchor="ctr" anchorCtr="0">
-            <a:noAutofit/>
-          </a:bodyPr>
-          <a:lstStyle/>
-          <a:p>
-            <a:pPr lvl="0" algn="ctr" rtl="0">
-              <a:buNone/>
-            </a:pPr>
-            <a:r>
-              <a:rPr lang="en"/>
-              <a:t>Event bus</a:t>
-            </a:r>
-          </a:p>
-        </p:txBody>
-      </p:sp>
-      <p:sp>
-        <p:nvSpPr>
-          <p:cNvPr id="184" name="Shape 184"/>
-          <p:cNvSpPr/>
-          <p:nvPr/>
-        </p:nvSpPr>
-        <p:spPr>
-          <a:xfrm>
-            <a:off x="457212" y="3455136"/>
-            <a:ext cx="2289599" cy="651899"/>
-          </a:xfrm>
-          <a:prstGeom prst="roundRect">
-            <a:avLst>
-              <a:gd name="adj" fmla="val 16667"/>
-            </a:avLst>
-          </a:prstGeom>
-          <a:solidFill>
-            <a:srgbClr val="D9D9D9"/>
-          </a:solidFill>
-          <a:ln w="19050" cap="flat">
-            <a:solidFill>
-              <a:srgbClr val="1155CC"/>
-            </a:solidFill>
-            <a:prstDash val="solid"/>
-            <a:round/>
-            <a:headEnd type="none" w="med" len="med"/>
-            <a:tailEnd type="none" w="med" len="med"/>
-          </a:ln>
-        </p:spPr>
-        <p:txBody>
-          <a:bodyPr lIns="91425" tIns="91425" rIns="91425" bIns="91425" anchor="ctr" anchorCtr="0">
-            <a:noAutofit/>
-          </a:bodyPr>
-          <a:lstStyle/>
-          <a:p>
-            <a:pPr lvl="0" algn="ctr" rtl="0">
-              <a:buNone/>
-            </a:pPr>
-            <a:r>
-              <a:rPr lang="en"/>
-              <a:t>Network thread</a:t>
-            </a:r>
-          </a:p>
-        </p:txBody>
-      </p:sp>
-      <p:sp>
-        <p:nvSpPr>
-          <p:cNvPr id="185" name="Shape 185"/>
-          <p:cNvSpPr/>
-          <p:nvPr/>
-        </p:nvSpPr>
-        <p:spPr>
-          <a:xfrm>
-            <a:off x="2893666" y="3455136"/>
-            <a:ext cx="1071300" cy="651899"/>
-          </a:xfrm>
-          <a:prstGeom prst="roundRect">
-            <a:avLst>
-              <a:gd name="adj" fmla="val 16667"/>
-            </a:avLst>
-          </a:prstGeom>
-          <a:solidFill>
-            <a:srgbClr val="D9D9D9"/>
-          </a:solidFill>
-          <a:ln w="19050" cap="flat">
-            <a:solidFill>
-              <a:srgbClr val="1155CC"/>
-            </a:solidFill>
-            <a:prstDash val="solid"/>
-            <a:round/>
-            <a:headEnd type="none" w="med" len="med"/>
-            <a:tailEnd type="none" w="med" len="med"/>
-          </a:ln>
-        </p:spPr>
-        <p:txBody>
-          <a:bodyPr lIns="91425" tIns="91425" rIns="91425" bIns="91425" anchor="ctr" anchorCtr="0">
-            <a:noAutofit/>
-          </a:bodyPr>
-          <a:lstStyle/>
-          <a:p>
-            <a:pPr lvl="0" algn="ctr" rtl="0">
-              <a:buNone/>
-            </a:pPr>
-            <a:r>
-              <a:rPr lang="en"/>
-              <a:t>Console</a:t>
-            </a:r>
-          </a:p>
-        </p:txBody>
-      </p:sp>
-      <p:sp>
-        <p:nvSpPr>
-          <p:cNvPr id="186" name="Shape 186"/>
-          <p:cNvSpPr/>
-          <p:nvPr/>
-        </p:nvSpPr>
-        <p:spPr>
-          <a:xfrm>
-            <a:off x="1484175" y="3136201"/>
-            <a:ext cx="160199" cy="260400"/>
-          </a:xfrm>
-          <a:prstGeom prst="upDownArrow">
-            <a:avLst>
-              <a:gd name="adj1" fmla="val 50000"/>
-              <a:gd name="adj2" fmla="val 50000"/>
-            </a:avLst>
-          </a:prstGeom>
-          <a:solidFill>
-            <a:srgbClr val="D9D9D9"/>
-          </a:solidFill>
-          <a:ln w="19050" cap="flat">
-            <a:solidFill>
-              <a:srgbClr val="1155CC"/>
-            </a:solidFill>
-            <a:prstDash val="solid"/>
-            <a:round/>
-            <a:headEnd type="none" w="med" len="med"/>
-            <a:tailEnd type="none" w="med" len="med"/>
-          </a:ln>
-        </p:spPr>
-        <p:txBody>
-          <a:bodyPr lIns="91425" tIns="91425" rIns="91425" bIns="91425" anchor="ctr" anchorCtr="0">
-            <a:noAutofit/>
-          </a:bodyPr>
-          <a:lstStyle/>
-          <a:p>
-            <a:endParaRPr/>
-          </a:p>
-        </p:txBody>
-      </p:sp>
-      <p:sp>
-        <p:nvSpPr>
-          <p:cNvPr id="187" name="Shape 187"/>
-          <p:cNvSpPr/>
-          <p:nvPr/>
-        </p:nvSpPr>
-        <p:spPr>
-          <a:xfrm>
-            <a:off x="3349225" y="3140926"/>
-            <a:ext cx="160199" cy="260400"/>
-          </a:xfrm>
-          <a:prstGeom prst="upDownArrow">
-            <a:avLst>
-              <a:gd name="adj1" fmla="val 50000"/>
-              <a:gd name="adj2" fmla="val 50000"/>
-            </a:avLst>
-          </a:prstGeom>
-          <a:solidFill>
-            <a:srgbClr val="D9D9D9"/>
-          </a:solidFill>
-          <a:ln w="19050" cap="flat">
-            <a:solidFill>
-              <a:srgbClr val="1155CC"/>
-            </a:solidFill>
-            <a:prstDash val="solid"/>
-            <a:round/>
-            <a:headEnd type="none" w="med" len="med"/>
-            <a:tailEnd type="none" w="med" len="med"/>
-          </a:ln>
-        </p:spPr>
-        <p:txBody>
-          <a:bodyPr lIns="91425" tIns="91425" rIns="91425" bIns="91425" anchor="ctr" anchorCtr="0">
-            <a:noAutofit/>
-          </a:bodyPr>
-          <a:lstStyle/>
-          <a:p>
-            <a:endParaRPr/>
-          </a:p>
-        </p:txBody>
-      </p:sp>
-      <p:sp>
-        <p:nvSpPr>
-          <p:cNvPr id="188" name="Shape 188"/>
-          <p:cNvSpPr/>
-          <p:nvPr/>
-        </p:nvSpPr>
-        <p:spPr>
-          <a:xfrm>
-            <a:off x="3349225" y="2121026"/>
-            <a:ext cx="160199" cy="260400"/>
-          </a:xfrm>
-          <a:prstGeom prst="upDownArrow">
-            <a:avLst>
-              <a:gd name="adj1" fmla="val 50000"/>
-              <a:gd name="adj2" fmla="val 50000"/>
-            </a:avLst>
-          </a:prstGeom>
-          <a:solidFill>
-            <a:srgbClr val="D9D9D9"/>
-          </a:solidFill>
-          <a:ln w="19050" cap="flat">
-            <a:solidFill>
-              <a:srgbClr val="1155CC"/>
-            </a:solidFill>
-            <a:prstDash val="solid"/>
-            <a:round/>
-            <a:headEnd type="none" w="med" len="med"/>
-            <a:tailEnd type="none" w="med" len="med"/>
-          </a:ln>
-        </p:spPr>
-        <p:txBody>
-          <a:bodyPr lIns="91425" tIns="91425" rIns="91425" bIns="91425" anchor="ctr" anchorCtr="0">
-            <a:noAutofit/>
-          </a:bodyPr>
-          <a:lstStyle/>
-          <a:p>
-            <a:endParaRPr/>
-          </a:p>
-        </p:txBody>
-      </p:sp>
-      <p:sp>
-        <p:nvSpPr>
-          <p:cNvPr id="189" name="Shape 189"/>
-          <p:cNvSpPr/>
-          <p:nvPr/>
-        </p:nvSpPr>
-        <p:spPr>
-          <a:xfrm>
-            <a:off x="2131000" y="2121026"/>
-            <a:ext cx="160199" cy="260400"/>
-          </a:xfrm>
-          <a:prstGeom prst="upDownArrow">
-            <a:avLst>
-              <a:gd name="adj1" fmla="val 50000"/>
-              <a:gd name="adj2" fmla="val 50000"/>
-            </a:avLst>
-          </a:prstGeom>
-          <a:solidFill>
-            <a:srgbClr val="D9D9D9"/>
-          </a:solidFill>
-          <a:ln w="19050" cap="flat">
-            <a:solidFill>
-              <a:srgbClr val="1155CC"/>
-            </a:solidFill>
-            <a:prstDash val="solid"/>
-            <a:round/>
-            <a:headEnd type="none" w="med" len="med"/>
-            <a:tailEnd type="none" w="med" len="med"/>
-          </a:ln>
-        </p:spPr>
-        <p:txBody>
-          <a:bodyPr lIns="91425" tIns="91425" rIns="91425" bIns="91425" anchor="ctr" anchorCtr="0">
-            <a:noAutofit/>
-          </a:bodyPr>
-          <a:lstStyle/>
-          <a:p>
-            <a:endParaRPr/>
-          </a:p>
-        </p:txBody>
-      </p:sp>
-      <p:sp>
-        <p:nvSpPr>
-          <p:cNvPr id="190" name="Shape 190"/>
-          <p:cNvSpPr/>
-          <p:nvPr/>
-        </p:nvSpPr>
-        <p:spPr>
-          <a:xfrm>
-            <a:off x="912775" y="2121026"/>
-            <a:ext cx="160199" cy="260400"/>
-          </a:xfrm>
-          <a:prstGeom prst="upDownArrow">
-            <a:avLst>
-              <a:gd name="adj1" fmla="val 50000"/>
-              <a:gd name="adj2" fmla="val 50000"/>
-            </a:avLst>
-          </a:prstGeom>
-          <a:solidFill>
-            <a:srgbClr val="D9D9D9"/>
-          </a:solidFill>
-          <a:ln w="19050" cap="flat">
-            <a:solidFill>
-              <a:srgbClr val="1155CC"/>
-            </a:solidFill>
-            <a:prstDash val="solid"/>
-            <a:round/>
-            <a:headEnd type="none" w="med" len="med"/>
-            <a:tailEnd type="none" w="med" len="med"/>
-          </a:ln>
-        </p:spPr>
-        <p:txBody>
-          <a:bodyPr lIns="91425" tIns="91425" rIns="91425" bIns="91425" anchor="ctr" anchorCtr="0">
-            <a:noAutofit/>
-          </a:bodyPr>
-          <a:lstStyle/>
-          <a:p>
-            <a:endParaRPr/>
-          </a:p>
-        </p:txBody>
-      </p:sp>
-      <p:sp>
-        <p:nvSpPr>
-          <p:cNvPr id="191" name="Shape 191"/>
-          <p:cNvSpPr txBox="1"/>
-          <p:nvPr/>
-        </p:nvSpPr>
-        <p:spPr>
-          <a:xfrm>
-            <a:off x="4437875" y="1360525"/>
-            <a:ext cx="4248900" cy="2997599"/>
-          </a:xfrm>
-          <a:prstGeom prst="rect">
-            <a:avLst/>
-          </a:prstGeom>
-        </p:spPr>
-        <p:txBody>
-          <a:bodyPr lIns="91425" tIns="91425" rIns="91425" bIns="91425" anchor="ctr" anchorCtr="0">
-            <a:noAutofit/>
-          </a:bodyPr>
-          <a:lstStyle/>
-          <a:p>
-            <a:pPr lvl="0" rtl="0">
-              <a:buNone/>
-            </a:pPr>
-            <a:r>
-              <a:rPr lang="en" sz="2400"/>
-              <a:t>When the network thread receives a new scene or a compute instruction, events are fired to the workers.</a:t>
-            </a:r>
-          </a:p>
-          <a:p>
-            <a:endParaRPr lang="en" sz="2400"/>
-          </a:p>
-          <a:p>
-            <a:pPr>
-              <a:buNone/>
-            </a:pPr>
-            <a:r>
-              <a:rPr lang="en" sz="2400"/>
-              <a:t>When a worker finishes, an event is fired back to the network thread</a:t>
-            </a:r>
-          </a:p>
-        </p:txBody>
-      </p:sp>
-      <p:sp>
-        <p:nvSpPr>
-          <p:cNvPr id="192" name="Shape 192"/>
-          <p:cNvSpPr txBox="1"/>
-          <p:nvPr/>
-        </p:nvSpPr>
-        <p:spPr>
-          <a:xfrm>
-            <a:off x="1683300" y="4107026"/>
-            <a:ext cx="1071300" cy="385499"/>
-          </a:xfrm>
-          <a:prstGeom prst="rect">
-            <a:avLst/>
-          </a:prstGeom>
-          <a:ln>
-            <a:noFill/>
-          </a:ln>
-        </p:spPr>
-        <p:txBody>
-          <a:bodyPr lIns="91425" tIns="91425" rIns="91425" bIns="91425" anchor="t" anchorCtr="0">
-            <a:noAutofit/>
-          </a:bodyPr>
-          <a:lstStyle/>
-          <a:p>
-            <a:pPr>
-              <a:buNone/>
-            </a:pPr>
-            <a:r>
-              <a:rPr lang="en"/>
-              <a:t>Process</a:t>
-            </a:r>
-          </a:p>
-        </p:txBody>
-      </p:sp>
-    </p:spTree>
-  </p:cSld>
-  <p:clrMapOvr>
-    <a:masterClrMapping/>
-  </p:clrMapOvr>
-  <p:transition spd="slow">
-    <p:cut/>
-  </p:transition>
-  <p:timing>
-    <p:tnLst>
-      <p:par>
-        <p:cTn id="1" dur="indefinite" restart="never" nodeType="tmRoot"/>
-      </p:par>
-    </p:tnLst>
-  </p:timing>
-</p:sld>
-</file>
-
-<file path=ppt/slides/slide13.xml><?xml version="1.0" encoding="utf-8"?>
 <p:sld xmlns:a="http://schemas.openxmlformats.org/drawingml/2006/main" xmlns:r="http://schemas.openxmlformats.org/officeDocument/2006/relationships" xmlns:p="http://schemas.openxmlformats.org/presentationml/2006/main">
   <p:cSld>
     <p:spTree>
@@ -8024,7 +6046,7 @@
 </p:sld>
 </file>
 
-<file path=ppt/slides/slide14.xml><?xml version="1.0" encoding="utf-8"?>
+<file path=ppt/slides/slide12.xml><?xml version="1.0" encoding="utf-8"?>
 <p:sld xmlns:a="http://schemas.openxmlformats.org/drawingml/2006/main" xmlns:r="http://schemas.openxmlformats.org/officeDocument/2006/relationships" xmlns:p="http://schemas.openxmlformats.org/presentationml/2006/main">
   <p:cSld>
     <p:spTree>
@@ -8462,7 +6484,7 @@
 </p:sld>
 </file>
 
-<file path=ppt/slides/slide15.xml><?xml version="1.0" encoding="utf-8"?>
+<file path=ppt/slides/slide13.xml><?xml version="1.0" encoding="utf-8"?>
 <p:sld xmlns:a="http://schemas.openxmlformats.org/drawingml/2006/main" xmlns:r="http://schemas.openxmlformats.org/officeDocument/2006/relationships" xmlns:p="http://schemas.openxmlformats.org/presentationml/2006/main">
   <p:cSld>
     <p:spTree>
@@ -8775,7 +6797,7 @@
 </p:sld>
 </file>
 
-<file path=ppt/slides/slide16.xml><?xml version="1.0" encoding="utf-8"?>
+<file path=ppt/slides/slide14.xml><?xml version="1.0" encoding="utf-8"?>
 <p:sld xmlns:a="http://schemas.openxmlformats.org/drawingml/2006/main" xmlns:r="http://schemas.openxmlformats.org/officeDocument/2006/relationships" xmlns:p="http://schemas.openxmlformats.org/presentationml/2006/main">
   <p:cSld>
     <p:spTree>
@@ -10690,7 +8712,7 @@
 </p:sld>
 </file>
 
-<file path=ppt/slides/slide17.xml><?xml version="1.0" encoding="utf-8"?>
+<file path=ppt/slides/slide15.xml><?xml version="1.0" encoding="utf-8"?>
 <p:sld xmlns:a="http://schemas.openxmlformats.org/drawingml/2006/main" xmlns:r="http://schemas.openxmlformats.org/officeDocument/2006/relationships" xmlns:p="http://schemas.openxmlformats.org/presentationml/2006/main">
   <p:cSld>
     <p:spTree>
@@ -11255,6 +9277,677 @@
           </a:p>
         </p:txBody>
       </p:sp>
+    </p:spTree>
+  </p:cSld>
+  <p:clrMapOvr>
+    <a:masterClrMapping/>
+  </p:clrMapOvr>
+  <p:transition spd="slow">
+    <p:cut/>
+  </p:transition>
+  <p:timing>
+    <p:tnLst>
+      <p:par>
+        <p:cTn id="1" dur="indefinite" restart="never" nodeType="tmRoot"/>
+      </p:par>
+    </p:tnLst>
+  </p:timing>
+</p:sld>
+</file>
+
+<file path=ppt/slides/slide16.xml><?xml version="1.0" encoding="utf-8"?>
+<p:sld xmlns:a="http://schemas.openxmlformats.org/drawingml/2006/main" xmlns:r="http://schemas.openxmlformats.org/officeDocument/2006/relationships" xmlns:p="http://schemas.openxmlformats.org/presentationml/2006/main">
+  <p:cSld>
+    <p:spTree>
+      <p:nvGrpSpPr>
+        <p:cNvPr id="1" name="Shape 140"/>
+        <p:cNvGrpSpPr/>
+        <p:nvPr/>
+      </p:nvGrpSpPr>
+      <p:grpSpPr>
+        <a:xfrm>
+          <a:off x="0" y="0"/>
+          <a:ext cx="0" cy="0"/>
+          <a:chOff x="0" y="0"/>
+          <a:chExt cx="0" cy="0"/>
+        </a:xfrm>
+      </p:grpSpPr>
+      <p:sp>
+        <p:nvSpPr>
+          <p:cNvPr id="141" name="Shape 141"/>
+          <p:cNvSpPr txBox="1">
+            <a:spLocks noGrp="1"/>
+          </p:cNvSpPr>
+          <p:nvPr>
+            <p:ph type="title"/>
+          </p:nvPr>
+        </p:nvSpPr>
+        <p:spPr>
+          <a:xfrm>
+            <a:off x="457200" y="205978"/>
+            <a:ext cx="8229600" cy="857400"/>
+          </a:xfrm>
+          <a:prstGeom prst="rect">
+            <a:avLst/>
+          </a:prstGeom>
+        </p:spPr>
+        <p:txBody>
+          <a:bodyPr lIns="91425" tIns="91425" rIns="91425" bIns="91425" anchor="ctr" anchorCtr="0">
+            <a:noAutofit/>
+          </a:bodyPr>
+          <a:lstStyle/>
+          <a:p>
+            <a:pPr lvl="0" rtl="0">
+              <a:buNone/>
+            </a:pPr>
+            <a:r>
+              <a:rPr lang="en"/>
+              <a:t>Server architecture</a:t>
+            </a:r>
+          </a:p>
+        </p:txBody>
+      </p:sp>
+      <p:sp>
+        <p:nvSpPr>
+          <p:cNvPr id="142" name="Shape 142"/>
+          <p:cNvSpPr txBox="1">
+            <a:spLocks noGrp="1"/>
+          </p:cNvSpPr>
+          <p:nvPr>
+            <p:ph type="body" idx="1"/>
+          </p:nvPr>
+        </p:nvSpPr>
+        <p:spPr>
+          <a:xfrm>
+            <a:off x="457200" y="1200150"/>
+            <a:ext cx="8229600" cy="3172199"/>
+          </a:xfrm>
+          <a:prstGeom prst="rect">
+            <a:avLst/>
+          </a:prstGeom>
+        </p:spPr>
+        <p:txBody>
+          <a:bodyPr lIns="91425" tIns="91425" rIns="91425" bIns="91425" anchor="ctr" anchorCtr="0">
+            <a:noAutofit/>
+          </a:bodyPr>
+          <a:lstStyle/>
+          <a:p>
+            <a:pPr lvl="0" rtl="0">
+              <a:buNone/>
+            </a:pPr>
+            <a:r>
+              <a:rPr lang="en" dirty="0"/>
+              <a:t>The server is:</a:t>
+            </a:r>
+          </a:p>
+          <a:p>
+            <a:endParaRPr lang="en" sz="1050" dirty="0"/>
+          </a:p>
+          <a:p>
+            <a:pPr marL="457200" lvl="0" indent="-381000" rtl="0">
+              <a:lnSpc>
+                <a:spcPct val="150000"/>
+              </a:lnSpc>
+              <a:buClr>
+                <a:schemeClr val="dk1"/>
+              </a:buClr>
+              <a:buSzPct val="166666"/>
+              <a:buFont typeface="Arial"/>
+              <a:buChar char="•"/>
+            </a:pPr>
+            <a:r>
+              <a:rPr lang="en" sz="2400" dirty="0" smtClean="0"/>
+              <a:t>Modular</a:t>
+            </a:r>
+            <a:endParaRPr lang="en" sz="2400" dirty="0"/>
+          </a:p>
+          <a:p>
+            <a:pPr marL="457200" lvl="0" indent="-381000" rtl="0">
+              <a:lnSpc>
+                <a:spcPct val="150000"/>
+              </a:lnSpc>
+              <a:buClr>
+                <a:schemeClr val="dk1"/>
+              </a:buClr>
+              <a:buSzPct val="166666"/>
+              <a:buFont typeface="Arial"/>
+              <a:buChar char="•"/>
+            </a:pPr>
+            <a:r>
+              <a:rPr lang="en" sz="2400" dirty="0"/>
+              <a:t>Using threads</a:t>
+            </a:r>
+          </a:p>
+        </p:txBody>
+      </p:sp>
+    </p:spTree>
+  </p:cSld>
+  <p:clrMapOvr>
+    <a:masterClrMapping/>
+  </p:clrMapOvr>
+  <p:transition spd="slow">
+    <p:cut/>
+  </p:transition>
+  <p:timing>
+    <p:tnLst>
+      <p:par>
+        <p:cTn id="1" dur="indefinite" restart="never" nodeType="tmRoot"/>
+      </p:par>
+    </p:tnLst>
+  </p:timing>
+</p:sld>
+</file>
+
+<file path=ppt/slides/slide17.xml><?xml version="1.0" encoding="utf-8"?>
+<p:sld xmlns:a="http://schemas.openxmlformats.org/drawingml/2006/main" xmlns:r="http://schemas.openxmlformats.org/officeDocument/2006/relationships" xmlns:p="http://schemas.openxmlformats.org/presentationml/2006/main">
+  <p:cSld>
+    <p:spTree>
+      <p:nvGrpSpPr>
+        <p:cNvPr id="1" name="Shape 153"/>
+        <p:cNvGrpSpPr/>
+        <p:nvPr/>
+      </p:nvGrpSpPr>
+      <p:grpSpPr>
+        <a:xfrm>
+          <a:off x="0" y="0"/>
+          <a:ext cx="0" cy="0"/>
+          <a:chOff x="0" y="0"/>
+          <a:chExt cx="0" cy="0"/>
+        </a:xfrm>
+      </p:grpSpPr>
+      <p:sp>
+        <p:nvSpPr>
+          <p:cNvPr id="154" name="Shape 154"/>
+          <p:cNvSpPr txBox="1">
+            <a:spLocks noGrp="1"/>
+          </p:cNvSpPr>
+          <p:nvPr>
+            <p:ph type="title"/>
+          </p:nvPr>
+        </p:nvSpPr>
+        <p:spPr>
+          <a:xfrm>
+            <a:off x="457200" y="205978"/>
+            <a:ext cx="8229600" cy="857400"/>
+          </a:xfrm>
+          <a:prstGeom prst="rect">
+            <a:avLst/>
+          </a:prstGeom>
+        </p:spPr>
+        <p:txBody>
+          <a:bodyPr lIns="91425" tIns="91425" rIns="91425" bIns="91425" anchor="ctr" anchorCtr="0">
+            <a:noAutofit/>
+          </a:bodyPr>
+          <a:lstStyle/>
+          <a:p>
+            <a:pPr lvl="0" rtl="0">
+              <a:buNone/>
+            </a:pPr>
+            <a:r>
+              <a:rPr lang="en"/>
+              <a:t>Server: Modular</a:t>
+            </a:r>
+          </a:p>
+        </p:txBody>
+      </p:sp>
+      <p:sp>
+        <p:nvSpPr>
+          <p:cNvPr id="155" name="Shape 155"/>
+          <p:cNvSpPr txBox="1">
+            <a:spLocks noGrp="1"/>
+          </p:cNvSpPr>
+          <p:nvPr>
+            <p:ph type="body" idx="1"/>
+          </p:nvPr>
+        </p:nvSpPr>
+        <p:spPr>
+          <a:xfrm>
+            <a:off x="3757100" y="1200150"/>
+            <a:ext cx="5158200" cy="3201300"/>
+          </a:xfrm>
+          <a:prstGeom prst="rect">
+            <a:avLst/>
+          </a:prstGeom>
+        </p:spPr>
+        <p:txBody>
+          <a:bodyPr lIns="91425" tIns="91425" rIns="91425" bIns="91425" anchor="ctr" anchorCtr="0">
+            <a:noAutofit/>
+          </a:bodyPr>
+          <a:lstStyle/>
+          <a:p>
+            <a:pPr lvl="0" rtl="0">
+              <a:buNone/>
+            </a:pPr>
+            <a:r>
+              <a:rPr lang="en" sz="1800" dirty="0"/>
+              <a:t>When started, the server  will search for all dynamic libraries from the “Modules” directory, and try to load them.</a:t>
+            </a:r>
+          </a:p>
+          <a:p>
+            <a:endParaRPr lang="en" sz="1800" dirty="0"/>
+          </a:p>
+          <a:p>
+            <a:pPr lvl="0" rtl="0">
+              <a:buNone/>
+            </a:pPr>
+            <a:r>
+              <a:rPr lang="en" sz="1800" dirty="0"/>
+              <a:t>These modules include features such as :</a:t>
+            </a:r>
+          </a:p>
+          <a:p>
+            <a:pPr marL="457200" lvl="0" indent="-342900" rtl="0">
+              <a:buClr>
+                <a:schemeClr val="dk1"/>
+              </a:buClr>
+              <a:buSzPct val="166666"/>
+              <a:buFont typeface="Arial"/>
+              <a:buChar char="•"/>
+            </a:pPr>
+            <a:r>
+              <a:rPr lang="en" sz="1800" dirty="0"/>
+              <a:t>3D objects, like sphere or cylinder</a:t>
+            </a:r>
+          </a:p>
+          <a:p>
+            <a:pPr marL="457200" lvl="0" indent="-342900" rtl="0">
+              <a:buClr>
+                <a:schemeClr val="dk1"/>
+              </a:buClr>
+              <a:buSzPct val="166666"/>
+              <a:buFont typeface="Arial"/>
+              <a:buChar char="•"/>
+            </a:pPr>
+            <a:r>
+              <a:rPr lang="en" sz="1800" dirty="0"/>
+              <a:t>Transformations, like translation or rotation</a:t>
+            </a:r>
+          </a:p>
+          <a:p>
+            <a:pPr marL="457200" lvl="0" indent="-342900" rtl="0">
+              <a:buClr>
+                <a:schemeClr val="dk1"/>
+              </a:buClr>
+              <a:buSzPct val="166666"/>
+              <a:buFont typeface="Arial"/>
+              <a:buChar char="•"/>
+            </a:pPr>
+            <a:r>
+              <a:rPr lang="en" sz="1800" dirty="0"/>
+              <a:t>Shaders, like opacity or textures</a:t>
+            </a:r>
+          </a:p>
+        </p:txBody>
+      </p:sp>
+      <p:pic>
+        <p:nvPicPr>
+          <p:cNvPr id="156" name="Shape 156"/>
+          <p:cNvPicPr preferRelativeResize="0"/>
+          <p:nvPr/>
+        </p:nvPicPr>
+        <p:blipFill>
+          <a:blip r:embed="rId3"/>
+          <a:stretch>
+            <a:fillRect/>
+          </a:stretch>
+        </p:blipFill>
+        <p:spPr>
+          <a:xfrm>
+            <a:off x="457200" y="1386450"/>
+            <a:ext cx="400391" cy="371133"/>
+          </a:xfrm>
+          <a:prstGeom prst="rect">
+            <a:avLst/>
+          </a:prstGeom>
+          <a:noFill/>
+          <a:ln>
+            <a:noFill/>
+          </a:ln>
+        </p:spPr>
+      </p:pic>
+      <p:pic>
+        <p:nvPicPr>
+          <p:cNvPr id="157" name="Shape 157"/>
+          <p:cNvPicPr preferRelativeResize="0"/>
+          <p:nvPr/>
+        </p:nvPicPr>
+        <p:blipFill>
+          <a:blip r:embed="rId4"/>
+          <a:stretch>
+            <a:fillRect/>
+          </a:stretch>
+        </p:blipFill>
+        <p:spPr>
+          <a:xfrm>
+            <a:off x="861083" y="1858779"/>
+            <a:ext cx="400391" cy="491065"/>
+          </a:xfrm>
+          <a:prstGeom prst="rect">
+            <a:avLst/>
+          </a:prstGeom>
+          <a:noFill/>
+          <a:ln>
+            <a:noFill/>
+          </a:ln>
+        </p:spPr>
+      </p:pic>
+      <p:pic>
+        <p:nvPicPr>
+          <p:cNvPr id="158" name="Shape 158"/>
+          <p:cNvPicPr preferRelativeResize="0"/>
+          <p:nvPr/>
+        </p:nvPicPr>
+        <p:blipFill>
+          <a:blip r:embed="rId4"/>
+          <a:stretch>
+            <a:fillRect/>
+          </a:stretch>
+        </p:blipFill>
+        <p:spPr>
+          <a:xfrm>
+            <a:off x="861083" y="2451049"/>
+            <a:ext cx="400391" cy="491065"/>
+          </a:xfrm>
+          <a:prstGeom prst="rect">
+            <a:avLst/>
+          </a:prstGeom>
+          <a:noFill/>
+          <a:ln>
+            <a:noFill/>
+          </a:ln>
+        </p:spPr>
+      </p:pic>
+      <p:pic>
+        <p:nvPicPr>
+          <p:cNvPr id="159" name="Shape 159"/>
+          <p:cNvPicPr preferRelativeResize="0"/>
+          <p:nvPr/>
+        </p:nvPicPr>
+        <p:blipFill>
+          <a:blip r:embed="rId4"/>
+          <a:stretch>
+            <a:fillRect/>
+          </a:stretch>
+        </p:blipFill>
+        <p:spPr>
+          <a:xfrm>
+            <a:off x="861083" y="3043298"/>
+            <a:ext cx="400391" cy="491065"/>
+          </a:xfrm>
+          <a:prstGeom prst="rect">
+            <a:avLst/>
+          </a:prstGeom>
+          <a:noFill/>
+          <a:ln>
+            <a:noFill/>
+          </a:ln>
+        </p:spPr>
+      </p:pic>
+      <p:pic>
+        <p:nvPicPr>
+          <p:cNvPr id="160" name="Shape 160"/>
+          <p:cNvPicPr preferRelativeResize="0"/>
+          <p:nvPr/>
+        </p:nvPicPr>
+        <p:blipFill>
+          <a:blip r:embed="rId4"/>
+          <a:stretch>
+            <a:fillRect/>
+          </a:stretch>
+        </p:blipFill>
+        <p:spPr>
+          <a:xfrm>
+            <a:off x="861083" y="3635559"/>
+            <a:ext cx="400391" cy="491065"/>
+          </a:xfrm>
+          <a:prstGeom prst="rect">
+            <a:avLst/>
+          </a:prstGeom>
+          <a:noFill/>
+          <a:ln>
+            <a:noFill/>
+          </a:ln>
+        </p:spPr>
+      </p:pic>
+      <p:sp>
+        <p:nvSpPr>
+          <p:cNvPr id="161" name="Shape 161"/>
+          <p:cNvSpPr txBox="1"/>
+          <p:nvPr/>
+        </p:nvSpPr>
+        <p:spPr>
+          <a:xfrm>
+            <a:off x="1054725" y="1326475"/>
+            <a:ext cx="989699" cy="491099"/>
+          </a:xfrm>
+          <a:prstGeom prst="rect">
+            <a:avLst/>
+          </a:prstGeom>
+        </p:spPr>
+        <p:txBody>
+          <a:bodyPr lIns="91425" tIns="91425" rIns="91425" bIns="91425" anchor="ctr" anchorCtr="0">
+            <a:noAutofit/>
+          </a:bodyPr>
+          <a:lstStyle/>
+          <a:p>
+            <a:pPr lvl="0" rtl="0">
+              <a:buNone/>
+            </a:pPr>
+            <a:r>
+              <a:rPr lang="en"/>
+              <a:t>Modules/</a:t>
+            </a:r>
+          </a:p>
+        </p:txBody>
+      </p:sp>
+      <p:sp>
+        <p:nvSpPr>
+          <p:cNvPr id="162" name="Shape 162"/>
+          <p:cNvSpPr txBox="1"/>
+          <p:nvPr/>
+        </p:nvSpPr>
+        <p:spPr>
+          <a:xfrm>
+            <a:off x="1341525" y="1898525"/>
+            <a:ext cx="1841099" cy="2169899"/>
+          </a:xfrm>
+          <a:prstGeom prst="rect">
+            <a:avLst/>
+          </a:prstGeom>
+        </p:spPr>
+        <p:txBody>
+          <a:bodyPr lIns="91425" tIns="91425" rIns="91425" bIns="91425" anchor="t" anchorCtr="0">
+            <a:noAutofit/>
+          </a:bodyPr>
+          <a:lstStyle/>
+          <a:p>
+            <a:pPr lvl="0" rtl="0">
+              <a:buNone/>
+            </a:pPr>
+            <a:r>
+              <a:rPr lang="en"/>
+              <a:t>BasicLight.so</a:t>
+            </a:r>
+          </a:p>
+          <a:p>
+            <a:endParaRPr lang="en"/>
+          </a:p>
+          <a:p>
+            <a:endParaRPr lang="en"/>
+          </a:p>
+          <a:p>
+            <a:pPr lvl="0" rtl="0">
+              <a:buNone/>
+            </a:pPr>
+            <a:r>
+              <a:rPr lang="en"/>
+              <a:t>BasicObject.so</a:t>
+            </a:r>
+          </a:p>
+          <a:p>
+            <a:endParaRPr lang="en"/>
+          </a:p>
+          <a:p>
+            <a:endParaRPr lang="en"/>
+          </a:p>
+          <a:p>
+            <a:pPr lvl="0" rtl="0">
+              <a:buNone/>
+            </a:pPr>
+            <a:r>
+              <a:rPr lang="en"/>
+              <a:t>BasicTransform.so</a:t>
+            </a:r>
+          </a:p>
+          <a:p>
+            <a:endParaRPr lang="en"/>
+          </a:p>
+          <a:p>
+            <a:endParaRPr lang="en"/>
+          </a:p>
+          <a:p>
+            <a:pPr lvl="0" rtl="0">
+              <a:buNone/>
+            </a:pPr>
+            <a:r>
+              <a:rPr lang="en"/>
+              <a:t>AdvancedLight.so</a:t>
+            </a:r>
+          </a:p>
+        </p:txBody>
+      </p:sp>
+      <p:cxnSp>
+        <p:nvCxnSpPr>
+          <p:cNvPr id="163" name="Shape 163"/>
+          <p:cNvCxnSpPr/>
+          <p:nvPr/>
+        </p:nvCxnSpPr>
+        <p:spPr>
+          <a:xfrm>
+            <a:off x="676650" y="1767925"/>
+            <a:ext cx="0" cy="2109899"/>
+          </a:xfrm>
+          <a:prstGeom prst="straightConnector1">
+            <a:avLst/>
+          </a:prstGeom>
+          <a:noFill/>
+          <a:ln w="28575" cap="flat">
+            <a:solidFill>
+              <a:schemeClr val="dk2"/>
+            </a:solidFill>
+            <a:prstDash val="dot"/>
+            <a:round/>
+            <a:headEnd type="none" w="lg" len="lg"/>
+            <a:tailEnd type="none" w="lg" len="lg"/>
+          </a:ln>
+        </p:spPr>
+      </p:cxnSp>
+      <p:cxnSp>
+        <p:nvCxnSpPr>
+          <p:cNvPr id="164" name="Shape 164"/>
+          <p:cNvCxnSpPr>
+            <a:stCxn id="157" idx="1"/>
+          </p:cNvCxnSpPr>
+          <p:nvPr/>
+        </p:nvCxnSpPr>
+        <p:spPr>
+          <a:xfrm rot="10800000">
+            <a:off x="676583" y="2104312"/>
+            <a:ext cx="184500" cy="0"/>
+          </a:xfrm>
+          <a:prstGeom prst="straightConnector1">
+            <a:avLst/>
+          </a:prstGeom>
+          <a:noFill/>
+          <a:ln w="19050" cap="flat">
+            <a:solidFill>
+              <a:schemeClr val="dk2"/>
+            </a:solidFill>
+            <a:prstDash val="solid"/>
+            <a:round/>
+            <a:headEnd type="none" w="lg" len="lg"/>
+            <a:tailEnd type="none" w="lg" len="lg"/>
+          </a:ln>
+        </p:spPr>
+      </p:cxnSp>
+      <p:cxnSp>
+        <p:nvCxnSpPr>
+          <p:cNvPr id="165" name="Shape 165"/>
+          <p:cNvCxnSpPr/>
+          <p:nvPr/>
+        </p:nvCxnSpPr>
+        <p:spPr>
+          <a:xfrm rot="10800000">
+            <a:off x="676583" y="2713912"/>
+            <a:ext cx="184500" cy="0"/>
+          </a:xfrm>
+          <a:prstGeom prst="straightConnector1">
+            <a:avLst/>
+          </a:prstGeom>
+          <a:noFill/>
+          <a:ln w="19050" cap="flat">
+            <a:solidFill>
+              <a:schemeClr val="dk2"/>
+            </a:solidFill>
+            <a:prstDash val="solid"/>
+            <a:round/>
+            <a:headEnd type="none" w="lg" len="lg"/>
+            <a:tailEnd type="none" w="lg" len="lg"/>
+          </a:ln>
+        </p:spPr>
+      </p:cxnSp>
+      <p:cxnSp>
+        <p:nvCxnSpPr>
+          <p:cNvPr id="166" name="Shape 166"/>
+          <p:cNvCxnSpPr/>
+          <p:nvPr/>
+        </p:nvCxnSpPr>
+        <p:spPr>
+          <a:xfrm rot="10800000">
+            <a:off x="676583" y="3323512"/>
+            <a:ext cx="184500" cy="0"/>
+          </a:xfrm>
+          <a:prstGeom prst="straightConnector1">
+            <a:avLst/>
+          </a:prstGeom>
+          <a:noFill/>
+          <a:ln w="19050" cap="flat">
+            <a:solidFill>
+              <a:schemeClr val="dk2"/>
+            </a:solidFill>
+            <a:prstDash val="solid"/>
+            <a:round/>
+            <a:headEnd type="none" w="lg" len="lg"/>
+            <a:tailEnd type="none" w="lg" len="lg"/>
+          </a:ln>
+        </p:spPr>
+      </p:cxnSp>
+      <p:cxnSp>
+        <p:nvCxnSpPr>
+          <p:cNvPr id="167" name="Shape 167"/>
+          <p:cNvCxnSpPr/>
+          <p:nvPr/>
+        </p:nvCxnSpPr>
+        <p:spPr>
+          <a:xfrm rot="10800000">
+            <a:off x="676583" y="3856912"/>
+            <a:ext cx="184500" cy="0"/>
+          </a:xfrm>
+          <a:prstGeom prst="straightConnector1">
+            <a:avLst/>
+          </a:prstGeom>
+          <a:noFill/>
+          <a:ln w="19050" cap="flat">
+            <a:solidFill>
+              <a:schemeClr val="dk2"/>
+            </a:solidFill>
+            <a:prstDash val="solid"/>
+            <a:round/>
+            <a:headEnd type="none" w="lg" len="lg"/>
+            <a:tailEnd type="none" w="lg" len="lg"/>
+          </a:ln>
+        </p:spPr>
+      </p:cxnSp>
     </p:spTree>
   </p:cSld>
   <p:clrMapOvr>
@@ -11278,7 +9971,7 @@
   <p:cSld>
     <p:spTree>
       <p:nvGrpSpPr>
-        <p:cNvPr id="1" name="Shape 283"/>
+        <p:cNvPr id="1" name="Shape 177"/>
         <p:cNvGrpSpPr/>
         <p:nvPr/>
       </p:nvGrpSpPr>
@@ -11292,7 +9985,46 @@
       </p:grpSpPr>
       <p:sp>
         <p:nvSpPr>
-          <p:cNvPr id="284" name="Shape 284"/>
+          <p:cNvPr id="178" name="Shape 178"/>
+          <p:cNvSpPr/>
+          <p:nvPr/>
+        </p:nvSpPr>
+        <p:spPr>
+          <a:xfrm>
+            <a:off x="240150" y="1272274"/>
+            <a:ext cx="3957600" cy="3237300"/>
+          </a:xfrm>
+          <a:prstGeom prst="roundRect">
+            <a:avLst>
+              <a:gd name="adj" fmla="val 16667"/>
+            </a:avLst>
+          </a:prstGeom>
+          <a:solidFill>
+            <a:srgbClr val="C9DAF8"/>
+          </a:solidFill>
+          <a:ln w="19050" cap="flat">
+            <a:solidFill>
+              <a:srgbClr val="1155CC"/>
+            </a:solidFill>
+            <a:prstDash val="solid"/>
+            <a:round/>
+            <a:headEnd type="none" w="med" len="med"/>
+            <a:tailEnd type="none" w="med" len="med"/>
+          </a:ln>
+        </p:spPr>
+        <p:txBody>
+          <a:bodyPr lIns="91425" tIns="91425" rIns="91425" bIns="91425" anchor="ctr" anchorCtr="0">
+            <a:noAutofit/>
+          </a:bodyPr>
+          <a:lstStyle/>
+          <a:p>
+            <a:endParaRPr/>
+          </a:p>
+        </p:txBody>
+      </p:sp>
+      <p:sp>
+        <p:nvSpPr>
+          <p:cNvPr id="179" name="Shape 179"/>
           <p:cNvSpPr txBox="1">
             <a:spLocks noGrp="1"/>
           </p:cNvSpPr>
@@ -11320,32 +10052,498 @@
             </a:pPr>
             <a:r>
               <a:rPr lang="en"/>
-              <a:t>Ray Tracing principle</a:t>
-            </a:r>
-          </a:p>
-        </p:txBody>
-      </p:sp>
-      <p:sp>
-        <p:nvSpPr>
-          <p:cNvPr id="285" name="Shape 285"/>
-          <p:cNvSpPr txBox="1">
-            <a:spLocks noGrp="1"/>
-          </p:cNvSpPr>
-          <p:nvPr>
-            <p:ph type="body" idx="1"/>
-          </p:nvPr>
-        </p:nvSpPr>
-        <p:spPr>
-          <a:xfrm>
-            <a:off x="457200" y="1200150"/>
-            <a:ext cx="8229600" cy="3725699"/>
+              <a:t>Server: Threading</a:t>
+            </a:r>
+          </a:p>
+        </p:txBody>
+      </p:sp>
+      <p:sp>
+        <p:nvSpPr>
+          <p:cNvPr id="180" name="Shape 180"/>
+          <p:cNvSpPr/>
+          <p:nvPr/>
+        </p:nvSpPr>
+        <p:spPr>
+          <a:xfrm>
+            <a:off x="457200" y="1415326"/>
+            <a:ext cx="1071300" cy="651899"/>
+          </a:xfrm>
+          <a:prstGeom prst="roundRect">
+            <a:avLst>
+              <a:gd name="adj" fmla="val 16667"/>
+            </a:avLst>
+          </a:prstGeom>
+          <a:solidFill>
+            <a:srgbClr val="D9D9D9"/>
+          </a:solidFill>
+          <a:ln w="19050" cap="flat">
+            <a:solidFill>
+              <a:srgbClr val="1155CC"/>
+            </a:solidFill>
+            <a:prstDash val="solid"/>
+            <a:round/>
+            <a:headEnd type="none" w="med" len="med"/>
+            <a:tailEnd type="none" w="med" len="med"/>
+          </a:ln>
+        </p:spPr>
+        <p:txBody>
+          <a:bodyPr lIns="91425" tIns="91425" rIns="91425" bIns="91425" anchor="ctr" anchorCtr="0">
+            <a:noAutofit/>
+          </a:bodyPr>
+          <a:lstStyle/>
+          <a:p>
+            <a:pPr algn="ctr">
+              <a:buNone/>
+            </a:pPr>
+            <a:r>
+              <a:rPr lang="en"/>
+              <a:t>Worker 1</a:t>
+            </a:r>
+          </a:p>
+        </p:txBody>
+      </p:sp>
+      <p:sp>
+        <p:nvSpPr>
+          <p:cNvPr id="181" name="Shape 181"/>
+          <p:cNvSpPr/>
+          <p:nvPr/>
+        </p:nvSpPr>
+        <p:spPr>
+          <a:xfrm>
+            <a:off x="1675439" y="1415326"/>
+            <a:ext cx="1071300" cy="651899"/>
+          </a:xfrm>
+          <a:prstGeom prst="roundRect">
+            <a:avLst>
+              <a:gd name="adj" fmla="val 16667"/>
+            </a:avLst>
+          </a:prstGeom>
+          <a:solidFill>
+            <a:srgbClr val="D9D9D9"/>
+          </a:solidFill>
+          <a:ln w="19050" cap="flat">
+            <a:solidFill>
+              <a:srgbClr val="1155CC"/>
+            </a:solidFill>
+            <a:prstDash val="solid"/>
+            <a:round/>
+            <a:headEnd type="none" w="med" len="med"/>
+            <a:tailEnd type="none" w="med" len="med"/>
+          </a:ln>
+        </p:spPr>
+        <p:txBody>
+          <a:bodyPr lIns="91425" tIns="91425" rIns="91425" bIns="91425" anchor="ctr" anchorCtr="0">
+            <a:noAutofit/>
+          </a:bodyPr>
+          <a:lstStyle/>
+          <a:p>
+            <a:pPr lvl="0" algn="ctr" rtl="0">
+              <a:buNone/>
+            </a:pPr>
+            <a:r>
+              <a:rPr lang="en"/>
+              <a:t>Worker 2</a:t>
+            </a:r>
+          </a:p>
+        </p:txBody>
+      </p:sp>
+      <p:sp>
+        <p:nvSpPr>
+          <p:cNvPr id="182" name="Shape 182"/>
+          <p:cNvSpPr/>
+          <p:nvPr/>
+        </p:nvSpPr>
+        <p:spPr>
+          <a:xfrm>
+            <a:off x="2893679" y="1415326"/>
+            <a:ext cx="1071300" cy="651899"/>
+          </a:xfrm>
+          <a:prstGeom prst="roundRect">
+            <a:avLst>
+              <a:gd name="adj" fmla="val 16667"/>
+            </a:avLst>
+          </a:prstGeom>
+          <a:solidFill>
+            <a:srgbClr val="D9D9D9"/>
+          </a:solidFill>
+          <a:ln w="19050" cap="flat">
+            <a:solidFill>
+              <a:srgbClr val="1155CC"/>
+            </a:solidFill>
+            <a:prstDash val="solid"/>
+            <a:round/>
+            <a:headEnd type="none" w="med" len="med"/>
+            <a:tailEnd type="none" w="med" len="med"/>
+          </a:ln>
+        </p:spPr>
+        <p:txBody>
+          <a:bodyPr lIns="91425" tIns="91425" rIns="91425" bIns="91425" anchor="ctr" anchorCtr="0">
+            <a:noAutofit/>
+          </a:bodyPr>
+          <a:lstStyle/>
+          <a:p>
+            <a:pPr lvl="0" algn="ctr" rtl="0">
+              <a:buNone/>
+            </a:pPr>
+            <a:r>
+              <a:rPr lang="en"/>
+              <a:t>Worker 3</a:t>
+            </a:r>
+          </a:p>
+        </p:txBody>
+      </p:sp>
+      <p:sp>
+        <p:nvSpPr>
+          <p:cNvPr id="183" name="Shape 183"/>
+          <p:cNvSpPr/>
+          <p:nvPr/>
+        </p:nvSpPr>
+        <p:spPr>
+          <a:xfrm>
+            <a:off x="457150" y="2435218"/>
+            <a:ext cx="3507899" cy="651899"/>
+          </a:xfrm>
+          <a:prstGeom prst="roundRect">
+            <a:avLst>
+              <a:gd name="adj" fmla="val 16667"/>
+            </a:avLst>
+          </a:prstGeom>
+          <a:solidFill>
+            <a:srgbClr val="D9D9D9"/>
+          </a:solidFill>
+          <a:ln w="19050" cap="flat">
+            <a:solidFill>
+              <a:srgbClr val="1155CC"/>
+            </a:solidFill>
+            <a:prstDash val="solid"/>
+            <a:round/>
+            <a:headEnd type="none" w="med" len="med"/>
+            <a:tailEnd type="none" w="med" len="med"/>
+          </a:ln>
+        </p:spPr>
+        <p:txBody>
+          <a:bodyPr lIns="91425" tIns="91425" rIns="91425" bIns="91425" anchor="ctr" anchorCtr="0">
+            <a:noAutofit/>
+          </a:bodyPr>
+          <a:lstStyle/>
+          <a:p>
+            <a:pPr lvl="0" algn="ctr" rtl="0">
+              <a:buNone/>
+            </a:pPr>
+            <a:r>
+              <a:rPr lang="en"/>
+              <a:t>Event bus</a:t>
+            </a:r>
+          </a:p>
+        </p:txBody>
+      </p:sp>
+      <p:sp>
+        <p:nvSpPr>
+          <p:cNvPr id="184" name="Shape 184"/>
+          <p:cNvSpPr/>
+          <p:nvPr/>
+        </p:nvSpPr>
+        <p:spPr>
+          <a:xfrm>
+            <a:off x="457212" y="3455136"/>
+            <a:ext cx="2289599" cy="651899"/>
+          </a:xfrm>
+          <a:prstGeom prst="roundRect">
+            <a:avLst>
+              <a:gd name="adj" fmla="val 16667"/>
+            </a:avLst>
+          </a:prstGeom>
+          <a:solidFill>
+            <a:srgbClr val="D9D9D9"/>
+          </a:solidFill>
+          <a:ln w="19050" cap="flat">
+            <a:solidFill>
+              <a:srgbClr val="1155CC"/>
+            </a:solidFill>
+            <a:prstDash val="solid"/>
+            <a:round/>
+            <a:headEnd type="none" w="med" len="med"/>
+            <a:tailEnd type="none" w="med" len="med"/>
+          </a:ln>
+        </p:spPr>
+        <p:txBody>
+          <a:bodyPr lIns="91425" tIns="91425" rIns="91425" bIns="91425" anchor="ctr" anchorCtr="0">
+            <a:noAutofit/>
+          </a:bodyPr>
+          <a:lstStyle/>
+          <a:p>
+            <a:pPr lvl="0" algn="ctr" rtl="0">
+              <a:buNone/>
+            </a:pPr>
+            <a:r>
+              <a:rPr lang="en"/>
+              <a:t>Network thread</a:t>
+            </a:r>
+          </a:p>
+        </p:txBody>
+      </p:sp>
+      <p:sp>
+        <p:nvSpPr>
+          <p:cNvPr id="185" name="Shape 185"/>
+          <p:cNvSpPr/>
+          <p:nvPr/>
+        </p:nvSpPr>
+        <p:spPr>
+          <a:xfrm>
+            <a:off x="2893666" y="3455136"/>
+            <a:ext cx="1071300" cy="651899"/>
+          </a:xfrm>
+          <a:prstGeom prst="roundRect">
+            <a:avLst>
+              <a:gd name="adj" fmla="val 16667"/>
+            </a:avLst>
+          </a:prstGeom>
+          <a:solidFill>
+            <a:srgbClr val="D9D9D9"/>
+          </a:solidFill>
+          <a:ln w="19050" cap="flat">
+            <a:solidFill>
+              <a:srgbClr val="1155CC"/>
+            </a:solidFill>
+            <a:prstDash val="solid"/>
+            <a:round/>
+            <a:headEnd type="none" w="med" len="med"/>
+            <a:tailEnd type="none" w="med" len="med"/>
+          </a:ln>
+        </p:spPr>
+        <p:txBody>
+          <a:bodyPr lIns="91425" tIns="91425" rIns="91425" bIns="91425" anchor="ctr" anchorCtr="0">
+            <a:noAutofit/>
+          </a:bodyPr>
+          <a:lstStyle/>
+          <a:p>
+            <a:pPr lvl="0" algn="ctr" rtl="0">
+              <a:buNone/>
+            </a:pPr>
+            <a:r>
+              <a:rPr lang="en"/>
+              <a:t>Console</a:t>
+            </a:r>
+          </a:p>
+        </p:txBody>
+      </p:sp>
+      <p:sp>
+        <p:nvSpPr>
+          <p:cNvPr id="186" name="Shape 186"/>
+          <p:cNvSpPr/>
+          <p:nvPr/>
+        </p:nvSpPr>
+        <p:spPr>
+          <a:xfrm>
+            <a:off x="1484175" y="3136201"/>
+            <a:ext cx="160199" cy="260400"/>
+          </a:xfrm>
+          <a:prstGeom prst="upDownArrow">
+            <a:avLst>
+              <a:gd name="adj1" fmla="val 50000"/>
+              <a:gd name="adj2" fmla="val 50000"/>
+            </a:avLst>
+          </a:prstGeom>
+          <a:solidFill>
+            <a:srgbClr val="D9D9D9"/>
+          </a:solidFill>
+          <a:ln w="19050" cap="flat">
+            <a:solidFill>
+              <a:srgbClr val="1155CC"/>
+            </a:solidFill>
+            <a:prstDash val="solid"/>
+            <a:round/>
+            <a:headEnd type="none" w="med" len="med"/>
+            <a:tailEnd type="none" w="med" len="med"/>
+          </a:ln>
+        </p:spPr>
+        <p:txBody>
+          <a:bodyPr lIns="91425" tIns="91425" rIns="91425" bIns="91425" anchor="ctr" anchorCtr="0">
+            <a:noAutofit/>
+          </a:bodyPr>
+          <a:lstStyle/>
+          <a:p>
+            <a:endParaRPr/>
+          </a:p>
+        </p:txBody>
+      </p:sp>
+      <p:sp>
+        <p:nvSpPr>
+          <p:cNvPr id="187" name="Shape 187"/>
+          <p:cNvSpPr/>
+          <p:nvPr/>
+        </p:nvSpPr>
+        <p:spPr>
+          <a:xfrm>
+            <a:off x="3349225" y="3140926"/>
+            <a:ext cx="160199" cy="260400"/>
+          </a:xfrm>
+          <a:prstGeom prst="upDownArrow">
+            <a:avLst>
+              <a:gd name="adj1" fmla="val 50000"/>
+              <a:gd name="adj2" fmla="val 50000"/>
+            </a:avLst>
+          </a:prstGeom>
+          <a:solidFill>
+            <a:srgbClr val="D9D9D9"/>
+          </a:solidFill>
+          <a:ln w="19050" cap="flat">
+            <a:solidFill>
+              <a:srgbClr val="1155CC"/>
+            </a:solidFill>
+            <a:prstDash val="solid"/>
+            <a:round/>
+            <a:headEnd type="none" w="med" len="med"/>
+            <a:tailEnd type="none" w="med" len="med"/>
+          </a:ln>
+        </p:spPr>
+        <p:txBody>
+          <a:bodyPr lIns="91425" tIns="91425" rIns="91425" bIns="91425" anchor="ctr" anchorCtr="0">
+            <a:noAutofit/>
+          </a:bodyPr>
+          <a:lstStyle/>
+          <a:p>
+            <a:endParaRPr/>
+          </a:p>
+        </p:txBody>
+      </p:sp>
+      <p:sp>
+        <p:nvSpPr>
+          <p:cNvPr id="188" name="Shape 188"/>
+          <p:cNvSpPr/>
+          <p:nvPr/>
+        </p:nvSpPr>
+        <p:spPr>
+          <a:xfrm>
+            <a:off x="3349225" y="2121026"/>
+            <a:ext cx="160199" cy="260400"/>
+          </a:xfrm>
+          <a:prstGeom prst="upDownArrow">
+            <a:avLst>
+              <a:gd name="adj1" fmla="val 50000"/>
+              <a:gd name="adj2" fmla="val 50000"/>
+            </a:avLst>
+          </a:prstGeom>
+          <a:solidFill>
+            <a:srgbClr val="D9D9D9"/>
+          </a:solidFill>
+          <a:ln w="19050" cap="flat">
+            <a:solidFill>
+              <a:srgbClr val="1155CC"/>
+            </a:solidFill>
+            <a:prstDash val="solid"/>
+            <a:round/>
+            <a:headEnd type="none" w="med" len="med"/>
+            <a:tailEnd type="none" w="med" len="med"/>
+          </a:ln>
+        </p:spPr>
+        <p:txBody>
+          <a:bodyPr lIns="91425" tIns="91425" rIns="91425" bIns="91425" anchor="ctr" anchorCtr="0">
+            <a:noAutofit/>
+          </a:bodyPr>
+          <a:lstStyle/>
+          <a:p>
+            <a:endParaRPr/>
+          </a:p>
+        </p:txBody>
+      </p:sp>
+      <p:sp>
+        <p:nvSpPr>
+          <p:cNvPr id="189" name="Shape 189"/>
+          <p:cNvSpPr/>
+          <p:nvPr/>
+        </p:nvSpPr>
+        <p:spPr>
+          <a:xfrm>
+            <a:off x="2131000" y="2121026"/>
+            <a:ext cx="160199" cy="260400"/>
+          </a:xfrm>
+          <a:prstGeom prst="upDownArrow">
+            <a:avLst>
+              <a:gd name="adj1" fmla="val 50000"/>
+              <a:gd name="adj2" fmla="val 50000"/>
+            </a:avLst>
+          </a:prstGeom>
+          <a:solidFill>
+            <a:srgbClr val="D9D9D9"/>
+          </a:solidFill>
+          <a:ln w="19050" cap="flat">
+            <a:solidFill>
+              <a:srgbClr val="1155CC"/>
+            </a:solidFill>
+            <a:prstDash val="solid"/>
+            <a:round/>
+            <a:headEnd type="none" w="med" len="med"/>
+            <a:tailEnd type="none" w="med" len="med"/>
+          </a:ln>
+        </p:spPr>
+        <p:txBody>
+          <a:bodyPr lIns="91425" tIns="91425" rIns="91425" bIns="91425" anchor="ctr" anchorCtr="0">
+            <a:noAutofit/>
+          </a:bodyPr>
+          <a:lstStyle/>
+          <a:p>
+            <a:endParaRPr/>
+          </a:p>
+        </p:txBody>
+      </p:sp>
+      <p:sp>
+        <p:nvSpPr>
+          <p:cNvPr id="190" name="Shape 190"/>
+          <p:cNvSpPr/>
+          <p:nvPr/>
+        </p:nvSpPr>
+        <p:spPr>
+          <a:xfrm>
+            <a:off x="912775" y="2121026"/>
+            <a:ext cx="160199" cy="260400"/>
+          </a:xfrm>
+          <a:prstGeom prst="upDownArrow">
+            <a:avLst>
+              <a:gd name="adj1" fmla="val 50000"/>
+              <a:gd name="adj2" fmla="val 50000"/>
+            </a:avLst>
+          </a:prstGeom>
+          <a:solidFill>
+            <a:srgbClr val="D9D9D9"/>
+          </a:solidFill>
+          <a:ln w="19050" cap="flat">
+            <a:solidFill>
+              <a:srgbClr val="1155CC"/>
+            </a:solidFill>
+            <a:prstDash val="solid"/>
+            <a:round/>
+            <a:headEnd type="none" w="med" len="med"/>
+            <a:tailEnd type="none" w="med" len="med"/>
+          </a:ln>
+        </p:spPr>
+        <p:txBody>
+          <a:bodyPr lIns="91425" tIns="91425" rIns="91425" bIns="91425" anchor="ctr" anchorCtr="0">
+            <a:noAutofit/>
+          </a:bodyPr>
+          <a:lstStyle/>
+          <a:p>
+            <a:endParaRPr/>
+          </a:p>
+        </p:txBody>
+      </p:sp>
+      <p:sp>
+        <p:nvSpPr>
+          <p:cNvPr id="191" name="Shape 191"/>
+          <p:cNvSpPr txBox="1"/>
+          <p:nvPr/>
+        </p:nvSpPr>
+        <p:spPr>
+          <a:xfrm>
+            <a:off x="4437875" y="1360525"/>
+            <a:ext cx="4248900" cy="2997599"/>
           </a:xfrm>
           <a:prstGeom prst="rect">
             <a:avLst/>
           </a:prstGeom>
         </p:spPr>
         <p:txBody>
-          <a:bodyPr lIns="91425" tIns="91425" rIns="91425" bIns="91425" anchor="t" anchorCtr="0">
+          <a:bodyPr lIns="91425" tIns="91425" rIns="91425" bIns="91425" anchor="ctr" anchorCtr="0">
             <a:noAutofit/>
           </a:bodyPr>
           <a:lstStyle/>
@@ -11354,26 +10552,54 @@
               <a:buNone/>
             </a:pPr>
             <a:r>
-              <a:rPr lang="en"/>
-              <a:t>The ray tracing is a technique for generating images from virtual scenes.</a:t>
-            </a:r>
-          </a:p>
-          <a:p>
-            <a:pPr lvl="0" rtl="0">
+              <a:rPr lang="en" sz="2400"/>
+              <a:t>When the network thread receives a new scene or a compute instruction, events are fired to the workers.</a:t>
+            </a:r>
+          </a:p>
+          <a:p>
+            <a:endParaRPr lang="en" sz="2400"/>
+          </a:p>
+          <a:p>
+            <a:pPr>
               <a:buNone/>
             </a:pPr>
             <a:r>
-              <a:rPr lang="en"/>
-              <a:t>It traces the path of a light ray for each pixels of the image and simulates its encounter with virtual objects.</a:t>
-            </a:r>
-          </a:p>
-          <a:p>
-            <a:pPr lvl="0" rtl="0">
+              <a:rPr lang="en" sz="2400"/>
+              <a:t>When a worker finishes, an event is fired back to the network thread</a:t>
+            </a:r>
+          </a:p>
+        </p:txBody>
+      </p:sp>
+      <p:sp>
+        <p:nvSpPr>
+          <p:cNvPr id="192" name="Shape 192"/>
+          <p:cNvSpPr txBox="1"/>
+          <p:nvPr/>
+        </p:nvSpPr>
+        <p:spPr>
+          <a:xfrm>
+            <a:off x="1683300" y="4107026"/>
+            <a:ext cx="1071300" cy="385499"/>
+          </a:xfrm>
+          <a:prstGeom prst="rect">
+            <a:avLst/>
+          </a:prstGeom>
+          <a:ln>
+            <a:noFill/>
+          </a:ln>
+        </p:spPr>
+        <p:txBody>
+          <a:bodyPr lIns="91425" tIns="91425" rIns="91425" bIns="91425" anchor="t" anchorCtr="0">
+            <a:noAutofit/>
+          </a:bodyPr>
+          <a:lstStyle/>
+          <a:p>
+            <a:pPr>
               <a:buNone/>
             </a:pPr>
             <a:r>
               <a:rPr lang="en"/>
-              <a:t>Ray tracing is used for animated movies.</a:t>
+              <a:t>Process</a:t>
             </a:r>
           </a:p>
         </p:txBody>
@@ -11401,7 +10627,7 @@
   <p:cSld>
     <p:spTree>
       <p:nvGrpSpPr>
-        <p:cNvPr id="1" name="Shape 289"/>
+        <p:cNvPr id="1" name="Shape 340"/>
         <p:cNvGrpSpPr/>
         <p:nvPr/>
       </p:nvGrpSpPr>
@@ -11415,18 +10641,18 @@
       </p:grpSpPr>
       <p:sp>
         <p:nvSpPr>
-          <p:cNvPr id="290" name="Shape 290"/>
+          <p:cNvPr id="341" name="Shape 341"/>
           <p:cNvSpPr txBox="1">
             <a:spLocks noGrp="1"/>
           </p:cNvSpPr>
           <p:nvPr>
-            <p:ph type="title"/>
+            <p:ph type="ctrTitle"/>
           </p:nvPr>
         </p:nvSpPr>
         <p:spPr>
           <a:xfrm>
-            <a:off x="457200" y="205978"/>
-            <a:ext cx="8229600" cy="857400"/>
+            <a:off x="685800" y="1728725"/>
+            <a:ext cx="7772400" cy="1227299"/>
           </a:xfrm>
           <a:prstGeom prst="rect">
             <a:avLst/>
@@ -11439,115 +10665,34 @@
           <a:lstStyle/>
           <a:p>
             <a:pPr lvl="0" rtl="0">
+              <a:spcBef>
+                <a:spcPts val="600"/>
+              </a:spcBef>
+              <a:buClr>
+                <a:schemeClr val="dk1"/>
+              </a:buClr>
+              <a:buSzPct val="25000"/>
+              <a:buFont typeface="Arial"/>
               <a:buNone/>
             </a:pPr>
             <a:r>
-              <a:rPr lang="en"/>
-              <a:t>Ray Tracing principle</a:t>
-            </a:r>
-          </a:p>
-        </p:txBody>
-      </p:sp>
-      <p:sp>
-        <p:nvSpPr>
-          <p:cNvPr id="291" name="Shape 291"/>
-          <p:cNvSpPr txBox="1">
-            <a:spLocks noGrp="1"/>
-          </p:cNvSpPr>
-          <p:nvPr>
-            <p:ph type="body" idx="1"/>
-          </p:nvPr>
-        </p:nvSpPr>
-        <p:spPr>
-          <a:xfrm>
-            <a:off x="457200" y="1200150"/>
-            <a:ext cx="4287600" cy="3390300"/>
-          </a:xfrm>
-          <a:prstGeom prst="rect">
-            <a:avLst/>
-          </a:prstGeom>
-        </p:spPr>
-        <p:txBody>
-          <a:bodyPr lIns="91425" tIns="91425" rIns="91425" bIns="91425" anchor="ctr" anchorCtr="0">
-            <a:noAutofit/>
-          </a:bodyPr>
-          <a:lstStyle/>
-          <a:p>
-            <a:pPr lvl="0" rtl="0">
-              <a:buNone/>
-            </a:pPr>
-            <a:r>
-              <a:rPr lang="en" sz="2400"/>
-              <a:t>In real life, light comes</a:t>
-            </a:r>
-          </a:p>
-          <a:p>
-            <a:pPr lvl="0" rtl="0">
-              <a:buNone/>
-            </a:pPr>
-            <a:r>
-              <a:rPr lang="en" sz="2400"/>
-              <a:t>from the light source</a:t>
-            </a:r>
-          </a:p>
-          <a:p>
-            <a:pPr lvl="0" rtl="0">
-              <a:buNone/>
-            </a:pPr>
-            <a:r>
-              <a:rPr lang="en" sz="2400"/>
-              <a:t>and goes to the camera.</a:t>
-            </a:r>
-          </a:p>
-          <a:p>
-            <a:endParaRPr lang="en" sz="2400"/>
-          </a:p>
-          <a:p>
-            <a:pPr lvl="0" rtl="0">
-              <a:buNone/>
-            </a:pPr>
-            <a:r>
-              <a:rPr lang="en" sz="2400"/>
-              <a:t>But it’s the inverse in </a:t>
-            </a:r>
-          </a:p>
-          <a:p>
-            <a:pPr lvl="0" rtl="0">
-              <a:buNone/>
-            </a:pPr>
-            <a:r>
-              <a:rPr lang="en" sz="2400"/>
-              <a:t>ray tracing.</a:t>
-            </a:r>
-          </a:p>
-        </p:txBody>
-      </p:sp>
-      <p:pic>
-        <p:nvPicPr>
-          <p:cNvPr id="292" name="Shape 292"/>
-          <p:cNvPicPr preferRelativeResize="0"/>
-          <p:nvPr/>
-        </p:nvPicPr>
-        <p:blipFill>
-          <a:blip r:embed="rId3"/>
-          <a:stretch>
-            <a:fillRect/>
-          </a:stretch>
-        </p:blipFill>
-        <p:spPr>
-          <a:xfrm>
-            <a:off x="4569825" y="1572787"/>
-            <a:ext cx="4481849" cy="2980424"/>
-          </a:xfrm>
-          <a:prstGeom prst="rect">
-            <a:avLst/>
-          </a:prstGeom>
-          <a:noFill/>
-          <a:ln>
-            <a:noFill/>
-          </a:ln>
-        </p:spPr>
-      </p:pic>
+              <a:rPr lang="en" sz="7200">
+                <a:solidFill>
+                  <a:srgbClr val="FFFFFF"/>
+                </a:solidFill>
+              </a:rPr>
+              <a:t>Let’s see it in action !</a:t>
+            </a:r>
+          </a:p>
+          <a:p>
+            <a:endParaRPr lang="en" sz="7200">
+              <a:solidFill>
+                <a:srgbClr val="FFFFFF"/>
+              </a:solidFill>
+            </a:endParaRPr>
+          </a:p>
+        </p:txBody>
+      </p:sp>
     </p:spTree>
   </p:cSld>
   <p:clrMapOvr>
@@ -11655,12 +10800,26 @@
               <a:buChar char="•"/>
             </a:pPr>
             <a:r>
+              <a:rPr lang="en" sz="2400" dirty="0" smtClean="0"/>
+              <a:t>Distributed System</a:t>
+            </a:r>
+          </a:p>
+          <a:p>
+            <a:pPr marL="457200" indent="-381000">
+              <a:lnSpc>
+                <a:spcPct val="150000"/>
+              </a:lnSpc>
+              <a:buSzPct val="166666"/>
+              <a:buFont typeface="Arial"/>
+              <a:buChar char="•"/>
+            </a:pPr>
+            <a:r>
               <a:rPr lang="en" sz="2400" dirty="0"/>
-              <a:t>Working </a:t>
+              <a:t>Raytracing </a:t>
             </a:r>
             <a:r>
               <a:rPr lang="en" sz="2400" dirty="0" smtClean="0"/>
-              <a:t>methods</a:t>
+              <a:t>principle</a:t>
             </a:r>
             <a:endParaRPr lang="en" sz="2400" dirty="0"/>
           </a:p>
@@ -11677,23 +10836,15 @@
               <a:buChar char="•"/>
             </a:pPr>
             <a:r>
-              <a:rPr lang="en" sz="2400" dirty="0"/>
-              <a:t>Distributed </a:t>
-            </a:r>
-            <a:r>
               <a:rPr lang="en" sz="2400" dirty="0" smtClean="0"/>
-              <a:t>System</a:t>
-            </a:r>
-            <a:endParaRPr lang="en" sz="2400" dirty="0"/>
-          </a:p>
-          <a:p>
-            <a:pPr marL="457200" lvl="0" indent="-381000" rtl="0">
+              <a:t>Client architecture</a:t>
+            </a:r>
+          </a:p>
+          <a:p>
+            <a:pPr marL="457200" indent="-381000">
               <a:lnSpc>
                 <a:spcPct val="150000"/>
               </a:lnSpc>
-              <a:buClr>
-                <a:schemeClr val="dk1"/>
-              </a:buClr>
               <a:buSzPct val="166666"/>
               <a:buFont typeface="Arial"/>
               <a:buChar char="•"/>
@@ -11707,45 +10858,6 @@
               <a:t>architecture</a:t>
             </a:r>
             <a:endParaRPr lang="en" sz="2400" dirty="0"/>
-          </a:p>
-          <a:p>
-            <a:pPr marL="457200" lvl="0" indent="-381000" rtl="0">
-              <a:lnSpc>
-                <a:spcPct val="150000"/>
-              </a:lnSpc>
-              <a:buClr>
-                <a:schemeClr val="dk1"/>
-              </a:buClr>
-              <a:buSzPct val="166666"/>
-              <a:buFont typeface="Arial"/>
-              <a:buChar char="•"/>
-            </a:pPr>
-            <a:r>
-              <a:rPr lang="en" sz="2400" dirty="0"/>
-              <a:t>Client </a:t>
-            </a:r>
-            <a:r>
-              <a:rPr lang="en" sz="2400" dirty="0" smtClean="0"/>
-              <a:t>architecture</a:t>
-            </a:r>
-            <a:endParaRPr lang="en" sz="2400" dirty="0"/>
-          </a:p>
-          <a:p>
-            <a:pPr marL="457200" lvl="0" indent="-381000">
-              <a:lnSpc>
-                <a:spcPct val="150000"/>
-              </a:lnSpc>
-              <a:buClr>
-                <a:schemeClr val="dk1"/>
-              </a:buClr>
-              <a:buSzPct val="166666"/>
-              <a:buFont typeface="Arial"/>
-              <a:buChar char="•"/>
-            </a:pPr>
-            <a:r>
-              <a:rPr lang="en" sz="2400" dirty="0"/>
-              <a:t>Raytracing principle</a:t>
-            </a:r>
           </a:p>
         </p:txBody>
       </p:sp>
@@ -11772,7 +10884,7 @@
   <p:cSld>
     <p:spTree>
       <p:nvGrpSpPr>
-        <p:cNvPr id="1" name="Shape 296"/>
+        <p:cNvPr id="1" name="Shape 345"/>
         <p:cNvGrpSpPr/>
         <p:nvPr/>
       </p:nvGrpSpPr>
@@ -11786,7 +10898,7 @@
       </p:grpSpPr>
       <p:sp>
         <p:nvSpPr>
-          <p:cNvPr id="297" name="Shape 297"/>
+          <p:cNvPr id="346" name="Shape 346"/>
           <p:cNvSpPr txBox="1">
             <a:spLocks noGrp="1"/>
           </p:cNvSpPr>
@@ -11814,37 +10926,29 @@
             </a:pPr>
             <a:r>
               <a:rPr lang="en"/>
-              <a:t>Object : Sphere</a:t>
-            </a:r>
-          </a:p>
-        </p:txBody>
-      </p:sp>
-      <p:sp>
-        <p:nvSpPr>
-          <p:cNvPr id="298" name="Shape 298"/>
-          <p:cNvSpPr/>
-          <p:nvPr/>
-        </p:nvSpPr>
-        <p:spPr>
-          <a:xfrm>
-            <a:off x="4203100" y="2416575"/>
-            <a:ext cx="1484699" cy="1464000"/>
-          </a:xfrm>
-          <a:prstGeom prst="ellipse">
-            <a:avLst/>
-          </a:prstGeom>
-          <a:solidFill>
-            <a:schemeClr val="lt2"/>
-          </a:solidFill>
-          <a:ln w="19050" cap="flat">
-            <a:solidFill>
-              <a:schemeClr val="dk2"/>
-            </a:solidFill>
-            <a:prstDash val="solid"/>
-            <a:round/>
-            <a:headEnd type="none" w="med" len="med"/>
-            <a:tailEnd type="none" w="med" len="med"/>
-          </a:ln>
+              <a:t>Specials thanks</a:t>
+            </a:r>
+          </a:p>
+        </p:txBody>
+      </p:sp>
+      <p:sp>
+        <p:nvSpPr>
+          <p:cNvPr id="347" name="Shape 347"/>
+          <p:cNvSpPr txBox="1">
+            <a:spLocks noGrp="1"/>
+          </p:cNvSpPr>
+          <p:nvPr>
+            <p:ph type="body" idx="1"/>
+          </p:nvPr>
+        </p:nvSpPr>
+        <p:spPr>
+          <a:xfrm>
+            <a:off x="457200" y="1200150"/>
+            <a:ext cx="8229600" cy="3252300"/>
+          </a:xfrm>
+          <a:prstGeom prst="rect">
+            <a:avLst/>
+          </a:prstGeom>
         </p:spPr>
         <p:txBody>
           <a:bodyPr lIns="91425" tIns="91425" rIns="91425" bIns="91425" anchor="ctr" anchorCtr="0">
@@ -11852,372 +10956,76 @@
           </a:bodyPr>
           <a:lstStyle/>
           <a:p>
-            <a:endParaRPr/>
-          </a:p>
-        </p:txBody>
-      </p:sp>
-      <p:cxnSp>
-        <p:nvCxnSpPr>
-          <p:cNvPr id="299" name="Shape 299"/>
-          <p:cNvCxnSpPr/>
-          <p:nvPr/>
-        </p:nvCxnSpPr>
-        <p:spPr>
-          <a:xfrm>
-            <a:off x="1989350" y="2519375"/>
-            <a:ext cx="2231399" cy="471300"/>
-          </a:xfrm>
-          <a:prstGeom prst="straightConnector1">
-            <a:avLst/>
-          </a:prstGeom>
-          <a:noFill/>
-          <a:ln w="19050" cap="flat">
-            <a:solidFill>
-              <a:schemeClr val="dk2"/>
-            </a:solidFill>
-            <a:prstDash val="solid"/>
-            <a:round/>
-            <a:headEnd type="none" w="lg" len="lg"/>
-            <a:tailEnd type="triangle" w="lg" len="lg"/>
-          </a:ln>
-        </p:spPr>
-      </p:cxnSp>
-      <p:cxnSp>
-        <p:nvCxnSpPr>
-          <p:cNvPr id="300" name="Shape 300"/>
-          <p:cNvCxnSpPr/>
-          <p:nvPr/>
-        </p:nvCxnSpPr>
-        <p:spPr>
-          <a:xfrm>
-            <a:off x="3456300" y="2835325"/>
-            <a:ext cx="2231399" cy="471300"/>
-          </a:xfrm>
-          <a:prstGeom prst="straightConnector1">
-            <a:avLst/>
-          </a:prstGeom>
-          <a:noFill/>
-          <a:ln w="19050" cap="flat">
-            <a:solidFill>
-              <a:schemeClr val="dk2"/>
-            </a:solidFill>
-            <a:prstDash val="solid"/>
-            <a:round/>
-            <a:headEnd type="none" w="lg" len="lg"/>
-            <a:tailEnd type="triangle" w="lg" len="lg"/>
-          </a:ln>
-        </p:spPr>
-      </p:cxnSp>
-      <p:sp>
-        <p:nvSpPr>
-          <p:cNvPr id="301" name="Shape 301"/>
-          <p:cNvSpPr txBox="1"/>
-          <p:nvPr/>
-        </p:nvSpPr>
-        <p:spPr>
-          <a:xfrm>
-            <a:off x="6491400" y="2684125"/>
-            <a:ext cx="1956599" cy="773699"/>
-          </a:xfrm>
-          <a:prstGeom prst="rect">
-            <a:avLst/>
-          </a:prstGeom>
-        </p:spPr>
-        <p:txBody>
-          <a:bodyPr lIns="91425" tIns="91425" rIns="91425" bIns="91425" anchor="t" anchorCtr="0">
-            <a:noAutofit/>
-          </a:bodyPr>
-          <a:lstStyle/>
-          <a:p>
-            <a:pPr lvl="0" rtl="0">
-              <a:buNone/>
-            </a:pPr>
-            <a:r>
-              <a:rPr lang="en"/>
-              <a:t>Sphere equation :</a:t>
-            </a:r>
-          </a:p>
-          <a:p>
-            <a:pPr lvl="0" rtl="0">
-              <a:buNone/>
-            </a:pPr>
-            <a:r>
-              <a:rPr lang="en"/>
-              <a:t>r² = x</a:t>
-            </a:r>
-            <a:r>
-              <a:rPr lang="en">
-                <a:solidFill>
-                  <a:schemeClr val="dk1"/>
-                </a:solidFill>
-              </a:rPr>
-              <a:t>² + y² + z²</a:t>
-            </a:r>
-          </a:p>
-        </p:txBody>
-      </p:sp>
-      <p:sp>
-        <p:nvSpPr>
-          <p:cNvPr id="302" name="Shape 302"/>
-          <p:cNvSpPr txBox="1"/>
-          <p:nvPr/>
-        </p:nvSpPr>
-        <p:spPr>
-          <a:xfrm>
-            <a:off x="287950" y="1302225"/>
-            <a:ext cx="6053099" cy="3383099"/>
-          </a:xfrm>
-          <a:prstGeom prst="rect">
-            <a:avLst/>
-          </a:prstGeom>
-        </p:spPr>
-        <p:txBody>
-          <a:bodyPr lIns="91425" tIns="91425" rIns="91425" bIns="91425" anchor="t" anchorCtr="0">
-            <a:noAutofit/>
-          </a:bodyPr>
-          <a:lstStyle/>
-          <a:p>
-            <a:pPr lvl="0" rtl="0">
-              <a:buNone/>
-            </a:pPr>
-            <a:r>
-              <a:rPr lang="en" dirty="0"/>
-              <a:t> a = (ray x)</a:t>
-            </a:r>
-            <a:r>
-              <a:rPr lang="en" dirty="0">
-                <a:solidFill>
-                  <a:schemeClr val="dk1"/>
-                </a:solidFill>
-              </a:rPr>
-              <a:t>²</a:t>
-            </a:r>
-            <a:r>
-              <a:rPr lang="en" dirty="0"/>
-              <a:t> + (ray y)</a:t>
-            </a:r>
-            <a:r>
-              <a:rPr lang="en" dirty="0">
-                <a:solidFill>
-                  <a:schemeClr val="dk1"/>
-                </a:solidFill>
-              </a:rPr>
-              <a:t>²</a:t>
-            </a:r>
-            <a:r>
-              <a:rPr lang="en" dirty="0"/>
-              <a:t> + (ray z)</a:t>
-            </a:r>
-            <a:r>
-              <a:rPr lang="en" dirty="0">
-                <a:solidFill>
-                  <a:schemeClr val="dk1"/>
-                </a:solidFill>
-              </a:rPr>
-              <a:t>²</a:t>
-            </a:r>
-          </a:p>
-          <a:p>
-            <a:pPr lvl="0" rtl="0">
-              <a:buNone/>
-            </a:pPr>
-            <a:r>
-              <a:rPr lang="en" dirty="0"/>
-              <a:t> b = 2 * ((camera x) * (ray x) + (camera y) * (ray y) + (camera z) * (ray z))</a:t>
-            </a:r>
-          </a:p>
-          <a:p>
-            <a:pPr lvl="0" rtl="0">
+            <a:pPr marL="457200" lvl="0" indent="-419100" rtl="0">
               <a:buClr>
                 <a:schemeClr val="dk1"/>
               </a:buClr>
-              <a:buSzPct val="78571"/>
+              <a:buSzPct val="166666"/>
               <a:buFont typeface="Arial"/>
-              <a:buNone/>
+              <a:buChar char="•"/>
             </a:pPr>
             <a:r>
-              <a:rPr lang="en" dirty="0"/>
-              <a:t> c = (camera x)</a:t>
-            </a:r>
-            <a:r>
-              <a:rPr lang="en" dirty="0">
-                <a:solidFill>
-                  <a:schemeClr val="dk1"/>
-                </a:solidFill>
-              </a:rPr>
-              <a:t>²</a:t>
-            </a:r>
-            <a:r>
-              <a:rPr lang="en" dirty="0"/>
-              <a:t> + (camera y)</a:t>
-            </a:r>
-            <a:r>
-              <a:rPr lang="en" dirty="0">
-                <a:solidFill>
-                  <a:schemeClr val="dk1"/>
-                </a:solidFill>
-              </a:rPr>
-              <a:t>²</a:t>
-            </a:r>
-            <a:r>
-              <a:rPr lang="en" dirty="0"/>
-              <a:t> + (camera z)</a:t>
-            </a:r>
-            <a:r>
-              <a:rPr lang="en" dirty="0">
-                <a:solidFill>
-                  <a:schemeClr val="dk1"/>
-                </a:solidFill>
-              </a:rPr>
-              <a:t>²</a:t>
-            </a:r>
-            <a:r>
-              <a:rPr lang="en" dirty="0"/>
-              <a:t> - (sphere r)</a:t>
-            </a:r>
-            <a:r>
-              <a:rPr lang="en" dirty="0">
-                <a:solidFill>
-                  <a:schemeClr val="dk1"/>
-                </a:solidFill>
-              </a:rPr>
-              <a:t>²</a:t>
-            </a:r>
-          </a:p>
-          <a:p>
-            <a:pPr lvl="0" rtl="0">
-              <a:buNone/>
-            </a:pPr>
-            <a:r>
-              <a:rPr lang="en" dirty="0"/>
-              <a:t> d = b</a:t>
-            </a:r>
-            <a:r>
-              <a:rPr lang="en" dirty="0">
-                <a:solidFill>
-                  <a:schemeClr val="dk1"/>
-                </a:solidFill>
-              </a:rPr>
-              <a:t>²</a:t>
-            </a:r>
-            <a:r>
-              <a:rPr lang="en" dirty="0"/>
-              <a:t> - 4 * a * c</a:t>
-            </a:r>
-          </a:p>
-          <a:p>
-            <a:endParaRPr lang="en" dirty="0"/>
-          </a:p>
-          <a:p>
-            <a:endParaRPr lang="en" dirty="0"/>
-          </a:p>
-          <a:p>
-            <a:endParaRPr lang="en" dirty="0"/>
-          </a:p>
-          <a:p>
-            <a:endParaRPr lang="en" dirty="0"/>
-          </a:p>
-          <a:p>
-            <a:endParaRPr lang="en" dirty="0"/>
-          </a:p>
-          <a:p>
-            <a:pPr lvl="0" rtl="0">
+              <a:rPr lang="en"/>
+              <a:t>For his awesomeness</a:t>
+            </a:r>
+          </a:p>
+          <a:p>
+            <a:pPr marL="914400" lvl="1" indent="-381000" rtl="0">
               <a:buClr>
                 <a:schemeClr val="dk1"/>
               </a:buClr>
-              <a:buSzPct val="78571"/>
+              <a:buSzPct val="80000"/>
+              <a:buFont typeface="Courier New"/>
+              <a:buChar char="o"/>
+            </a:pPr>
+            <a:r>
+              <a:rPr lang="en"/>
+              <a:t>Dr. Ahmed Al Jumaili</a:t>
+            </a:r>
+          </a:p>
+          <a:p>
+            <a:endParaRPr lang="en"/>
+          </a:p>
+          <a:p>
+            <a:pPr marL="457200" lvl="0" indent="-419100" rtl="0">
+              <a:buClr>
+                <a:schemeClr val="dk1"/>
+              </a:buClr>
+              <a:buSzPct val="166666"/>
               <a:buFont typeface="Arial"/>
-              <a:buNone/>
+              <a:buChar char="•"/>
             </a:pPr>
             <a:r>
-              <a:rPr lang="en" dirty="0"/>
-              <a:t>k1 = (-b - sqrt(disc)) / (2 * a)</a:t>
-            </a:r>
-          </a:p>
-          <a:p>
-            <a:pPr lvl="0" rtl="0">
-              <a:buNone/>
+              <a:rPr lang="en"/>
+              <a:t>For mathematics advises</a:t>
+            </a:r>
+          </a:p>
+          <a:p>
+            <a:pPr marL="914400" lvl="1" indent="-381000" rtl="0">
+              <a:buClr>
+                <a:schemeClr val="dk1"/>
+              </a:buClr>
+              <a:buSzPct val="80000"/>
+              <a:buFont typeface="Courier New"/>
+              <a:buChar char="o"/>
             </a:pPr>
             <a:r>
-              <a:rPr lang="en" dirty="0"/>
-              <a:t>k2 = (-b + sqrt(disc)) / (2 * a)</a:t>
-            </a:r>
-          </a:p>
-          <a:p>
-            <a:endParaRPr lang="en" dirty="0"/>
-          </a:p>
-          <a:p>
-            <a:endParaRPr lang="en" dirty="0"/>
-          </a:p>
-          <a:p>
-            <a:pPr lvl="0" rtl="0">
-              <a:buNone/>
+              <a:rPr lang="en"/>
+              <a:t>Bastien G.</a:t>
+            </a:r>
+          </a:p>
+          <a:p>
+            <a:pPr marL="914400" lvl="1" indent="-381000" rtl="0">
+              <a:buClr>
+                <a:schemeClr val="dk1"/>
+              </a:buClr>
+              <a:buSzPct val="80000"/>
+              <a:buFont typeface="Courier New"/>
+              <a:buChar char="o"/>
             </a:pPr>
             <a:r>
-              <a:rPr lang="en" dirty="0"/>
-              <a:t>(k =&gt; distance between intersection and camera)</a:t>
-            </a:r>
-          </a:p>
-        </p:txBody>
-      </p:sp>
-      <p:sp>
-        <p:nvSpPr>
-          <p:cNvPr id="303" name="Shape 303"/>
-          <p:cNvSpPr txBox="1"/>
-          <p:nvPr/>
-        </p:nvSpPr>
-        <p:spPr>
-          <a:xfrm>
-            <a:off x="2810600" y="2352600"/>
-            <a:ext cx="588899" cy="438299"/>
-          </a:xfrm>
-          <a:prstGeom prst="rect">
-            <a:avLst/>
-          </a:prstGeom>
-        </p:spPr>
-        <p:txBody>
-          <a:bodyPr lIns="91425" tIns="91425" rIns="91425" bIns="91425" anchor="t" anchorCtr="0">
-            <a:noAutofit/>
-          </a:bodyPr>
-          <a:lstStyle/>
-          <a:p>
-            <a:pPr lvl="0" rtl="0">
-              <a:buNone/>
-            </a:pPr>
-            <a:r>
               <a:rPr lang="en"/>
-              <a:t>k1</a:t>
-            </a:r>
-          </a:p>
-        </p:txBody>
-      </p:sp>
-      <p:sp>
-        <p:nvSpPr>
-          <p:cNvPr id="304" name="Shape 304"/>
-          <p:cNvSpPr txBox="1"/>
-          <p:nvPr/>
-        </p:nvSpPr>
-        <p:spPr>
-          <a:xfrm>
-            <a:off x="4562725" y="2714575"/>
-            <a:ext cx="588899" cy="438299"/>
-          </a:xfrm>
-          <a:prstGeom prst="rect">
-            <a:avLst/>
-          </a:prstGeom>
-        </p:spPr>
-        <p:txBody>
-          <a:bodyPr lIns="91425" tIns="91425" rIns="91425" bIns="91425" anchor="t" anchorCtr="0">
-            <a:noAutofit/>
-          </a:bodyPr>
-          <a:lstStyle/>
-          <a:p>
-            <a:pPr lvl="0" rtl="0">
-              <a:buNone/>
-            </a:pPr>
-            <a:r>
-              <a:rPr lang="en"/>
-              <a:t>k2</a:t>
+              <a:t>Walid B.</a:t>
             </a:r>
           </a:p>
         </p:txBody>
@@ -12245,1117 +11053,6 @@
   <p:cSld>
     <p:spTree>
       <p:nvGrpSpPr>
-        <p:cNvPr id="1" name="Shape 308"/>
-        <p:cNvGrpSpPr/>
-        <p:nvPr/>
-      </p:nvGrpSpPr>
-      <p:grpSpPr>
-        <a:xfrm>
-          <a:off x="0" y="0"/>
-          <a:ext cx="0" cy="0"/>
-          <a:chOff x="0" y="0"/>
-          <a:chExt cx="0" cy="0"/>
-        </a:xfrm>
-      </p:grpSpPr>
-      <p:sp>
-        <p:nvSpPr>
-          <p:cNvPr id="309" name="Shape 309"/>
-          <p:cNvSpPr txBox="1">
-            <a:spLocks noGrp="1"/>
-          </p:cNvSpPr>
-          <p:nvPr>
-            <p:ph type="title"/>
-          </p:nvPr>
-        </p:nvSpPr>
-        <p:spPr>
-          <a:xfrm>
-            <a:off x="457200" y="205978"/>
-            <a:ext cx="8229600" cy="857400"/>
-          </a:xfrm>
-          <a:prstGeom prst="rect">
-            <a:avLst/>
-          </a:prstGeom>
-        </p:spPr>
-        <p:txBody>
-          <a:bodyPr lIns="91425" tIns="91425" rIns="91425" bIns="91425" anchor="ctr" anchorCtr="0">
-            <a:noAutofit/>
-          </a:bodyPr>
-          <a:lstStyle/>
-          <a:p>
-            <a:pPr lvl="0" rtl="0">
-              <a:buNone/>
-            </a:pPr>
-            <a:r>
-              <a:rPr lang="en"/>
-              <a:t>Light</a:t>
-            </a:r>
-          </a:p>
-        </p:txBody>
-      </p:sp>
-      <p:sp>
-        <p:nvSpPr>
-          <p:cNvPr id="310" name="Shape 310"/>
-          <p:cNvSpPr/>
-          <p:nvPr/>
-        </p:nvSpPr>
-        <p:spPr>
-          <a:xfrm>
-            <a:off x="3141075" y="2794250"/>
-            <a:ext cx="1479000" cy="1459200"/>
-          </a:xfrm>
-          <a:prstGeom prst="ellipse">
-            <a:avLst/>
-          </a:prstGeom>
-          <a:solidFill>
-            <a:schemeClr val="lt2"/>
-          </a:solidFill>
-          <a:ln w="19050" cap="flat">
-            <a:solidFill>
-              <a:schemeClr val="dk2"/>
-            </a:solidFill>
-            <a:prstDash val="solid"/>
-            <a:round/>
-            <a:headEnd type="none" w="med" len="med"/>
-            <a:tailEnd type="none" w="med" len="med"/>
-          </a:ln>
-        </p:spPr>
-        <p:txBody>
-          <a:bodyPr lIns="91425" tIns="91425" rIns="91425" bIns="91425" anchor="ctr" anchorCtr="0">
-            <a:noAutofit/>
-          </a:bodyPr>
-          <a:lstStyle/>
-          <a:p>
-            <a:endParaRPr/>
-          </a:p>
-        </p:txBody>
-      </p:sp>
-      <p:cxnSp>
-        <p:nvCxnSpPr>
-          <p:cNvPr id="311" name="Shape 311"/>
-          <p:cNvCxnSpPr/>
-          <p:nvPr/>
-        </p:nvCxnSpPr>
-        <p:spPr>
-          <a:xfrm rot="10800000">
-            <a:off x="2768174" y="2440874"/>
-            <a:ext cx="1105800" cy="1086300"/>
-          </a:xfrm>
-          <a:prstGeom prst="straightConnector1">
-            <a:avLst/>
-          </a:prstGeom>
-          <a:noFill/>
-          <a:ln w="19050" cap="flat">
-            <a:solidFill>
-              <a:schemeClr val="dk2"/>
-            </a:solidFill>
-            <a:prstDash val="solid"/>
-            <a:round/>
-            <a:headEnd type="none" w="lg" len="lg"/>
-            <a:tailEnd type="none" w="lg" len="lg"/>
-          </a:ln>
-        </p:spPr>
-      </p:cxnSp>
-      <p:sp>
-        <p:nvSpPr>
-          <p:cNvPr id="312" name="Shape 312"/>
-          <p:cNvSpPr/>
-          <p:nvPr/>
-        </p:nvSpPr>
-        <p:spPr>
-          <a:xfrm>
-            <a:off x="713275" y="2794250"/>
-            <a:ext cx="196199" cy="202799"/>
-          </a:xfrm>
-          <a:prstGeom prst="sun">
-            <a:avLst>
-              <a:gd name="adj" fmla="val 25000"/>
-            </a:avLst>
-          </a:prstGeom>
-          <a:solidFill>
-            <a:schemeClr val="lt2"/>
-          </a:solidFill>
-          <a:ln w="19050" cap="flat">
-            <a:solidFill>
-              <a:schemeClr val="dk2"/>
-            </a:solidFill>
-            <a:prstDash val="solid"/>
-            <a:round/>
-            <a:headEnd type="none" w="med" len="med"/>
-            <a:tailEnd type="none" w="med" len="med"/>
-          </a:ln>
-        </p:spPr>
-        <p:txBody>
-          <a:bodyPr lIns="91425" tIns="91425" rIns="91425" bIns="91425" anchor="ctr" anchorCtr="0">
-            <a:noAutofit/>
-          </a:bodyPr>
-          <a:lstStyle/>
-          <a:p>
-            <a:endParaRPr/>
-          </a:p>
-        </p:txBody>
-      </p:sp>
-      <p:cxnSp>
-        <p:nvCxnSpPr>
-          <p:cNvPr id="313" name="Shape 313"/>
-          <p:cNvCxnSpPr>
-            <a:stCxn id="312" idx="3"/>
-          </p:cNvCxnSpPr>
-          <p:nvPr/>
-        </p:nvCxnSpPr>
-        <p:spPr>
-          <a:xfrm>
-            <a:off x="909474" y="2895649"/>
-            <a:ext cx="2454000" cy="127500"/>
-          </a:xfrm>
-          <a:prstGeom prst="straightConnector1">
-            <a:avLst/>
-          </a:prstGeom>
-          <a:noFill/>
-          <a:ln w="19050" cap="flat">
-            <a:solidFill>
-              <a:schemeClr val="dk2"/>
-            </a:solidFill>
-            <a:prstDash val="solid"/>
-            <a:round/>
-            <a:headEnd type="none" w="lg" len="lg"/>
-            <a:tailEnd type="none" w="lg" len="lg"/>
-          </a:ln>
-        </p:spPr>
-      </p:cxnSp>
-      <p:sp>
-        <p:nvSpPr>
-          <p:cNvPr id="314" name="Shape 314"/>
-          <p:cNvSpPr/>
-          <p:nvPr/>
-        </p:nvSpPr>
-        <p:spPr>
-          <a:xfrm>
-            <a:off x="2799408" y="2465683"/>
-            <a:ext cx="1128300" cy="1128300"/>
-          </a:xfrm>
-          <a:prstGeom prst="arc">
-            <a:avLst>
-              <a:gd name="adj1" fmla="val 11039373"/>
-              <a:gd name="adj2" fmla="val 13500000"/>
-            </a:avLst>
-          </a:prstGeom>
-          <a:noFill/>
-          <a:ln w="19050" cap="flat">
-            <a:solidFill>
-              <a:schemeClr val="dk2"/>
-            </a:solidFill>
-            <a:prstDash val="solid"/>
-            <a:round/>
-            <a:headEnd type="none" w="med" len="med"/>
-            <a:tailEnd type="none" w="med" len="med"/>
-          </a:ln>
-        </p:spPr>
-        <p:txBody>
-          <a:bodyPr lIns="91425" tIns="91425" rIns="91425" bIns="91425" anchor="ctr" anchorCtr="0">
-            <a:noAutofit/>
-          </a:bodyPr>
-          <a:lstStyle/>
-          <a:p>
-            <a:endParaRPr/>
-          </a:p>
-        </p:txBody>
-      </p:sp>
-      <p:sp>
-        <p:nvSpPr>
-          <p:cNvPr id="315" name="Shape 315"/>
-          <p:cNvSpPr txBox="1"/>
-          <p:nvPr/>
-        </p:nvSpPr>
-        <p:spPr>
-          <a:xfrm>
-            <a:off x="2499750" y="2539050"/>
-            <a:ext cx="228900" cy="202799"/>
-          </a:xfrm>
-          <a:prstGeom prst="rect">
-            <a:avLst/>
-          </a:prstGeom>
-        </p:spPr>
-        <p:txBody>
-          <a:bodyPr lIns="91425" tIns="91425" rIns="91425" bIns="91425" anchor="t" anchorCtr="0">
-            <a:noAutofit/>
-          </a:bodyPr>
-          <a:lstStyle/>
-          <a:p>
-            <a:pPr lvl="0" rtl="0">
-              <a:buNone/>
-            </a:pPr>
-            <a:r>
-              <a:rPr lang="en"/>
-              <a:t>A</a:t>
-            </a:r>
-          </a:p>
-        </p:txBody>
-      </p:sp>
-      <p:sp>
-        <p:nvSpPr>
-          <p:cNvPr id="316" name="Shape 316"/>
-          <p:cNvSpPr txBox="1"/>
-          <p:nvPr/>
-        </p:nvSpPr>
-        <p:spPr>
-          <a:xfrm>
-            <a:off x="556350" y="1642525"/>
-            <a:ext cx="6098999" cy="1727700"/>
-          </a:xfrm>
-          <a:prstGeom prst="rect">
-            <a:avLst/>
-          </a:prstGeom>
-        </p:spPr>
-        <p:txBody>
-          <a:bodyPr lIns="91425" tIns="91425" rIns="91425" bIns="91425" anchor="t" anchorCtr="0">
-            <a:noAutofit/>
-          </a:bodyPr>
-          <a:lstStyle/>
-          <a:p>
-            <a:pPr lvl="0" rtl="0">
-              <a:buNone/>
-            </a:pPr>
-            <a:r>
-              <a:rPr lang="en"/>
-              <a:t>color = (object color) x (cosinus of A) + (spot color) x brightness</a:t>
-            </a:r>
-          </a:p>
-          <a:p>
-            <a:endParaRPr lang="en"/>
-          </a:p>
-        </p:txBody>
-      </p:sp>
-    </p:spTree>
-  </p:cSld>
-  <p:clrMapOvr>
-    <a:masterClrMapping/>
-  </p:clrMapOvr>
-  <p:transition spd="slow">
-    <p:cut/>
-  </p:transition>
-  <p:timing>
-    <p:tnLst>
-      <p:par>
-        <p:cTn id="1" dur="indefinite" restart="never" nodeType="tmRoot"/>
-      </p:par>
-    </p:tnLst>
-  </p:timing>
-</p:sld>
-</file>
-
-<file path=ppt/slides/slide22.xml><?xml version="1.0" encoding="utf-8"?>
-<p:sld xmlns:a="http://schemas.openxmlformats.org/drawingml/2006/main" xmlns:r="http://schemas.openxmlformats.org/officeDocument/2006/relationships" xmlns:p="http://schemas.openxmlformats.org/presentationml/2006/main">
-  <p:cSld>
-    <p:spTree>
-      <p:nvGrpSpPr>
-        <p:cNvPr id="1" name="Shape 320"/>
-        <p:cNvGrpSpPr/>
-        <p:nvPr/>
-      </p:nvGrpSpPr>
-      <p:grpSpPr>
-        <a:xfrm>
-          <a:off x="0" y="0"/>
-          <a:ext cx="0" cy="0"/>
-          <a:chOff x="0" y="0"/>
-          <a:chExt cx="0" cy="0"/>
-        </a:xfrm>
-      </p:grpSpPr>
-      <p:sp>
-        <p:nvSpPr>
-          <p:cNvPr id="321" name="Shape 321"/>
-          <p:cNvSpPr txBox="1">
-            <a:spLocks noGrp="1"/>
-          </p:cNvSpPr>
-          <p:nvPr>
-            <p:ph type="title"/>
-          </p:nvPr>
-        </p:nvSpPr>
-        <p:spPr>
-          <a:xfrm>
-            <a:off x="457200" y="205978"/>
-            <a:ext cx="8229600" cy="857400"/>
-          </a:xfrm>
-          <a:prstGeom prst="rect">
-            <a:avLst/>
-          </a:prstGeom>
-        </p:spPr>
-        <p:txBody>
-          <a:bodyPr lIns="91425" tIns="91425" rIns="91425" bIns="91425" anchor="ctr" anchorCtr="0">
-            <a:noAutofit/>
-          </a:bodyPr>
-          <a:lstStyle/>
-          <a:p>
-            <a:pPr lvl="0" rtl="0">
-              <a:buNone/>
-            </a:pPr>
-            <a:r>
-              <a:rPr lang="en"/>
-              <a:t>Transparency &amp; Reflexion</a:t>
-            </a:r>
-          </a:p>
-        </p:txBody>
-      </p:sp>
-      <p:sp>
-        <p:nvSpPr>
-          <p:cNvPr id="322" name="Shape 322"/>
-          <p:cNvSpPr/>
-          <p:nvPr/>
-        </p:nvSpPr>
-        <p:spPr>
-          <a:xfrm>
-            <a:off x="2519425" y="2676450"/>
-            <a:ext cx="1479000" cy="1459200"/>
-          </a:xfrm>
-          <a:prstGeom prst="ellipse">
-            <a:avLst/>
-          </a:prstGeom>
-          <a:solidFill>
-            <a:schemeClr val="lt2"/>
-          </a:solidFill>
-          <a:ln w="19050" cap="flat">
-            <a:solidFill>
-              <a:schemeClr val="dk2"/>
-            </a:solidFill>
-            <a:prstDash val="solid"/>
-            <a:round/>
-            <a:headEnd type="none" w="med" len="med"/>
-            <a:tailEnd type="none" w="med" len="med"/>
-          </a:ln>
-        </p:spPr>
-        <p:txBody>
-          <a:bodyPr lIns="91425" tIns="91425" rIns="91425" bIns="91425" anchor="ctr" anchorCtr="0">
-            <a:noAutofit/>
-          </a:bodyPr>
-          <a:lstStyle/>
-          <a:p>
-            <a:endParaRPr/>
-          </a:p>
-        </p:txBody>
-      </p:sp>
-      <p:cxnSp>
-        <p:nvCxnSpPr>
-          <p:cNvPr id="323" name="Shape 323"/>
-          <p:cNvCxnSpPr/>
-          <p:nvPr/>
-        </p:nvCxnSpPr>
-        <p:spPr>
-          <a:xfrm rot="10800000">
-            <a:off x="2146524" y="2323074"/>
-            <a:ext cx="1105800" cy="1086300"/>
-          </a:xfrm>
-          <a:prstGeom prst="straightConnector1">
-            <a:avLst/>
-          </a:prstGeom>
-          <a:noFill/>
-          <a:ln w="19050" cap="flat">
-            <a:solidFill>
-              <a:schemeClr val="dk2"/>
-            </a:solidFill>
-            <a:prstDash val="solid"/>
-            <a:round/>
-            <a:headEnd type="none" w="lg" len="lg"/>
-            <a:tailEnd type="none" w="lg" len="lg"/>
-          </a:ln>
-        </p:spPr>
-      </p:cxnSp>
-      <p:cxnSp>
-        <p:nvCxnSpPr>
-          <p:cNvPr id="324" name="Shape 324"/>
-          <p:cNvCxnSpPr/>
-          <p:nvPr/>
-        </p:nvCxnSpPr>
-        <p:spPr>
-          <a:xfrm>
-            <a:off x="287825" y="2777850"/>
-            <a:ext cx="2454000" cy="127500"/>
-          </a:xfrm>
-          <a:prstGeom prst="straightConnector1">
-            <a:avLst/>
-          </a:prstGeom>
-          <a:noFill/>
-          <a:ln w="19050" cap="flat">
-            <a:solidFill>
-              <a:schemeClr val="dk2"/>
-            </a:solidFill>
-            <a:prstDash val="solid"/>
-            <a:round/>
-            <a:headEnd type="none" w="lg" len="lg"/>
-            <a:tailEnd type="none" w="lg" len="lg"/>
-          </a:ln>
-        </p:spPr>
-      </p:cxnSp>
-      <p:sp>
-        <p:nvSpPr>
-          <p:cNvPr id="325" name="Shape 325"/>
-          <p:cNvSpPr/>
-          <p:nvPr/>
-        </p:nvSpPr>
-        <p:spPr>
-          <a:xfrm>
-            <a:off x="2177758" y="2347883"/>
-            <a:ext cx="1128300" cy="1128300"/>
-          </a:xfrm>
-          <a:prstGeom prst="arc">
-            <a:avLst>
-              <a:gd name="adj1" fmla="val 11039373"/>
-              <a:gd name="adj2" fmla="val 15917526"/>
-            </a:avLst>
-          </a:prstGeom>
-          <a:noFill/>
-          <a:ln w="19050" cap="flat">
-            <a:solidFill>
-              <a:schemeClr val="dk2"/>
-            </a:solidFill>
-            <a:prstDash val="solid"/>
-            <a:round/>
-            <a:headEnd type="none" w="med" len="med"/>
-            <a:tailEnd type="none" w="med" len="med"/>
-          </a:ln>
-        </p:spPr>
-        <p:txBody>
-          <a:bodyPr lIns="91425" tIns="91425" rIns="91425" bIns="91425" anchor="ctr" anchorCtr="0">
-            <a:noAutofit/>
-          </a:bodyPr>
-          <a:lstStyle/>
-          <a:p>
-            <a:endParaRPr/>
-          </a:p>
-        </p:txBody>
-      </p:sp>
-      <p:sp>
-        <p:nvSpPr>
-          <p:cNvPr id="326" name="Shape 326"/>
-          <p:cNvSpPr txBox="1"/>
-          <p:nvPr/>
-        </p:nvSpPr>
-        <p:spPr>
-          <a:xfrm>
-            <a:off x="1878100" y="2421250"/>
-            <a:ext cx="228900" cy="202799"/>
-          </a:xfrm>
-          <a:prstGeom prst="rect">
-            <a:avLst/>
-          </a:prstGeom>
-        </p:spPr>
-        <p:txBody>
-          <a:bodyPr lIns="91425" tIns="91425" rIns="91425" bIns="91425" anchor="t" anchorCtr="0">
-            <a:noAutofit/>
-          </a:bodyPr>
-          <a:lstStyle/>
-          <a:p>
-            <a:pPr lvl="0" rtl="0">
-              <a:buNone/>
-            </a:pPr>
-            <a:r>
-              <a:rPr lang="en"/>
-              <a:t>A</a:t>
-            </a:r>
-          </a:p>
-        </p:txBody>
-      </p:sp>
-      <p:cxnSp>
-        <p:nvCxnSpPr>
-          <p:cNvPr id="327" name="Shape 327"/>
-          <p:cNvCxnSpPr>
-            <a:stCxn id="325" idx="1"/>
-          </p:cNvCxnSpPr>
-          <p:nvPr/>
-        </p:nvCxnSpPr>
-        <p:spPr>
-          <a:xfrm rot="10800000">
-            <a:off x="2650408" y="1740532"/>
-            <a:ext cx="91500" cy="1171500"/>
-          </a:xfrm>
-          <a:prstGeom prst="straightConnector1">
-            <a:avLst/>
-          </a:prstGeom>
-          <a:noFill/>
-          <a:ln w="19050" cap="flat">
-            <a:solidFill>
-              <a:schemeClr val="dk2"/>
-            </a:solidFill>
-            <a:prstDash val="dot"/>
-            <a:round/>
-            <a:headEnd type="none" w="lg" len="lg"/>
-            <a:tailEnd type="triangle" w="lg" len="lg"/>
-          </a:ln>
-        </p:spPr>
-      </p:cxnSp>
-      <p:sp>
-        <p:nvSpPr>
-          <p:cNvPr id="328" name="Shape 328"/>
-          <p:cNvSpPr/>
-          <p:nvPr/>
-        </p:nvSpPr>
-        <p:spPr>
-          <a:xfrm>
-            <a:off x="6686000" y="2750325"/>
-            <a:ext cx="1479000" cy="1459200"/>
-          </a:xfrm>
-          <a:prstGeom prst="ellipse">
-            <a:avLst/>
-          </a:prstGeom>
-          <a:solidFill>
-            <a:schemeClr val="lt2"/>
-          </a:solidFill>
-          <a:ln w="19050" cap="flat">
-            <a:solidFill>
-              <a:schemeClr val="dk2"/>
-            </a:solidFill>
-            <a:prstDash val="solid"/>
-            <a:round/>
-            <a:headEnd type="none" w="med" len="med"/>
-            <a:tailEnd type="none" w="med" len="med"/>
-          </a:ln>
-        </p:spPr>
-        <p:txBody>
-          <a:bodyPr lIns="91425" tIns="91425" rIns="91425" bIns="91425" anchor="ctr" anchorCtr="0">
-            <a:noAutofit/>
-          </a:bodyPr>
-          <a:lstStyle/>
-          <a:p>
-            <a:endParaRPr/>
-          </a:p>
-        </p:txBody>
-      </p:sp>
-      <p:cxnSp>
-        <p:nvCxnSpPr>
-          <p:cNvPr id="329" name="Shape 329"/>
-          <p:cNvCxnSpPr>
-            <a:endCxn id="328" idx="1"/>
-          </p:cNvCxnSpPr>
-          <p:nvPr/>
-        </p:nvCxnSpPr>
-        <p:spPr>
-          <a:xfrm>
-            <a:off x="4472294" y="2853019"/>
-            <a:ext cx="2430300" cy="111000"/>
-          </a:xfrm>
-          <a:prstGeom prst="straightConnector1">
-            <a:avLst/>
-          </a:prstGeom>
-          <a:noFill/>
-          <a:ln w="19050" cap="flat">
-            <a:solidFill>
-              <a:schemeClr val="dk2"/>
-            </a:solidFill>
-            <a:prstDash val="solid"/>
-            <a:round/>
-            <a:headEnd type="none" w="lg" len="lg"/>
-            <a:tailEnd type="none" w="lg" len="lg"/>
-          </a:ln>
-        </p:spPr>
-      </p:cxnSp>
-      <p:sp>
-        <p:nvSpPr>
-          <p:cNvPr id="330" name="Shape 330"/>
-          <p:cNvSpPr txBox="1"/>
-          <p:nvPr/>
-        </p:nvSpPr>
-        <p:spPr>
-          <a:xfrm>
-            <a:off x="739475" y="1465825"/>
-            <a:ext cx="2643600" cy="288000"/>
-          </a:xfrm>
-          <a:prstGeom prst="rect">
-            <a:avLst/>
-          </a:prstGeom>
-        </p:spPr>
-        <p:txBody>
-          <a:bodyPr lIns="91425" tIns="91425" rIns="91425" bIns="91425" anchor="t" anchorCtr="0">
-            <a:noAutofit/>
-          </a:bodyPr>
-          <a:lstStyle/>
-          <a:p>
-            <a:pPr lvl="0" rtl="0">
-              <a:buNone/>
-            </a:pPr>
-            <a:r>
-              <a:rPr lang="en" sz="1800" b="1"/>
-              <a:t>Reflexion</a:t>
-            </a:r>
-          </a:p>
-        </p:txBody>
-      </p:sp>
-      <p:sp>
-        <p:nvSpPr>
-          <p:cNvPr id="331" name="Shape 331"/>
-          <p:cNvSpPr txBox="1"/>
-          <p:nvPr/>
-        </p:nvSpPr>
-        <p:spPr>
-          <a:xfrm>
-            <a:off x="5058425" y="1465825"/>
-            <a:ext cx="2584799" cy="248700"/>
-          </a:xfrm>
-          <a:prstGeom prst="rect">
-            <a:avLst/>
-          </a:prstGeom>
-        </p:spPr>
-        <p:txBody>
-          <a:bodyPr lIns="91425" tIns="91425" rIns="91425" bIns="91425" anchor="t" anchorCtr="0">
-            <a:noAutofit/>
-          </a:bodyPr>
-          <a:lstStyle/>
-          <a:p>
-            <a:pPr lvl="0" rtl="0">
-              <a:buNone/>
-            </a:pPr>
-            <a:r>
-              <a:rPr lang="en" sz="1800" b="1"/>
-              <a:t>Transparency</a:t>
-            </a:r>
-          </a:p>
-        </p:txBody>
-      </p:sp>
-      <p:sp>
-        <p:nvSpPr>
-          <p:cNvPr id="332" name="Shape 332"/>
-          <p:cNvSpPr txBox="1"/>
-          <p:nvPr/>
-        </p:nvSpPr>
-        <p:spPr>
-          <a:xfrm>
-            <a:off x="1878100" y="4194525"/>
-            <a:ext cx="5248200" cy="410400"/>
-          </a:xfrm>
-          <a:prstGeom prst="rect">
-            <a:avLst/>
-          </a:prstGeom>
-        </p:spPr>
-        <p:txBody>
-          <a:bodyPr lIns="91425" tIns="91425" rIns="91425" bIns="91425" anchor="t" anchorCtr="0">
-            <a:noAutofit/>
-          </a:bodyPr>
-          <a:lstStyle/>
-          <a:p>
-            <a:pPr lvl="0" rtl="0">
-              <a:buNone/>
-            </a:pPr>
-            <a:r>
-              <a:rPr lang="en"/>
-              <a:t>color = (object 1 color) x (coef) + (object 2 color) x (1 - coef)</a:t>
-            </a:r>
-          </a:p>
-          <a:p>
-            <a:endParaRPr lang="en"/>
-          </a:p>
-        </p:txBody>
-      </p:sp>
-      <p:sp>
-        <p:nvSpPr>
-          <p:cNvPr id="333" name="Shape 333"/>
-          <p:cNvSpPr/>
-          <p:nvPr/>
-        </p:nvSpPr>
-        <p:spPr>
-          <a:xfrm>
-            <a:off x="2224925" y="916125"/>
-            <a:ext cx="824400" cy="824400"/>
-          </a:xfrm>
-          <a:prstGeom prst="arc">
-            <a:avLst>
-              <a:gd name="adj1" fmla="val 149514"/>
-              <a:gd name="adj2" fmla="val 10800000"/>
-            </a:avLst>
-          </a:prstGeom>
-          <a:noFill/>
-          <a:ln w="19050" cap="flat">
-            <a:solidFill>
-              <a:schemeClr val="dk2"/>
-            </a:solidFill>
-            <a:prstDash val="solid"/>
-            <a:round/>
-            <a:headEnd type="none" w="med" len="med"/>
-            <a:tailEnd type="none" w="med" len="med"/>
-          </a:ln>
-        </p:spPr>
-        <p:txBody>
-          <a:bodyPr lIns="91425" tIns="91425" rIns="91425" bIns="91425" anchor="ctr" anchorCtr="0">
-            <a:noAutofit/>
-          </a:bodyPr>
-          <a:lstStyle/>
-          <a:p>
-            <a:endParaRPr/>
-          </a:p>
-        </p:txBody>
-      </p:sp>
-      <p:sp>
-        <p:nvSpPr>
-          <p:cNvPr id="334" name="Shape 334"/>
-          <p:cNvSpPr/>
-          <p:nvPr/>
-        </p:nvSpPr>
-        <p:spPr>
-          <a:xfrm>
-            <a:off x="8581552" y="2715477"/>
-            <a:ext cx="694199" cy="694199"/>
-          </a:xfrm>
-          <a:prstGeom prst="arc">
-            <a:avLst>
-              <a:gd name="adj1" fmla="val 4846167"/>
-              <a:gd name="adj2" fmla="val 16329786"/>
-            </a:avLst>
-          </a:prstGeom>
-          <a:noFill/>
-          <a:ln w="19050" cap="flat">
-            <a:solidFill>
-              <a:schemeClr val="dk2"/>
-            </a:solidFill>
-            <a:prstDash val="solid"/>
-            <a:round/>
-            <a:headEnd type="none" w="med" len="med"/>
-            <a:tailEnd type="none" w="med" len="med"/>
-          </a:ln>
-        </p:spPr>
-        <p:txBody>
-          <a:bodyPr lIns="91425" tIns="91425" rIns="91425" bIns="91425" anchor="ctr" anchorCtr="0">
-            <a:noAutofit/>
-          </a:bodyPr>
-          <a:lstStyle/>
-          <a:p>
-            <a:endParaRPr/>
-          </a:p>
-        </p:txBody>
-      </p:sp>
-      <p:sp>
-        <p:nvSpPr>
-          <p:cNvPr id="335" name="Shape 335"/>
-          <p:cNvSpPr txBox="1"/>
-          <p:nvPr/>
-        </p:nvSpPr>
-        <p:spPr>
-          <a:xfrm>
-            <a:off x="2251250" y="2041750"/>
-            <a:ext cx="228900" cy="202799"/>
-          </a:xfrm>
-          <a:prstGeom prst="rect">
-            <a:avLst/>
-          </a:prstGeom>
-        </p:spPr>
-        <p:txBody>
-          <a:bodyPr lIns="91425" tIns="91425" rIns="91425" bIns="91425" anchor="t" anchorCtr="0">
-            <a:noAutofit/>
-          </a:bodyPr>
-          <a:lstStyle/>
-          <a:p>
-            <a:pPr lvl="0" rtl="0">
-              <a:buNone/>
-            </a:pPr>
-            <a:r>
-              <a:rPr lang="en"/>
-              <a:t>A</a:t>
-            </a:r>
-          </a:p>
-        </p:txBody>
-      </p:sp>
-      <p:cxnSp>
-        <p:nvCxnSpPr>
-          <p:cNvPr id="336" name="Shape 336"/>
-          <p:cNvCxnSpPr/>
-          <p:nvPr/>
-        </p:nvCxnSpPr>
-        <p:spPr>
-          <a:xfrm>
-            <a:off x="6909025" y="2972025"/>
-            <a:ext cx="1662599" cy="88200"/>
-          </a:xfrm>
-          <a:prstGeom prst="straightConnector1">
-            <a:avLst/>
-          </a:prstGeom>
-          <a:noFill/>
-          <a:ln w="19050" cap="flat">
-            <a:solidFill>
-              <a:schemeClr val="dk2"/>
-            </a:solidFill>
-            <a:prstDash val="dot"/>
-            <a:round/>
-            <a:headEnd type="none" w="lg" len="lg"/>
-            <a:tailEnd type="triangle" w="lg" len="lg"/>
-          </a:ln>
-        </p:spPr>
-      </p:cxnSp>
-    </p:spTree>
-  </p:cSld>
-  <p:clrMapOvr>
-    <a:masterClrMapping/>
-  </p:clrMapOvr>
-  <p:transition spd="slow">
-    <p:cut/>
-  </p:transition>
-  <p:timing>
-    <p:tnLst>
-      <p:par>
-        <p:cTn id="1" dur="indefinite" restart="never" nodeType="tmRoot"/>
-      </p:par>
-    </p:tnLst>
-  </p:timing>
-</p:sld>
-</file>
-
-<file path=ppt/slides/slide23.xml><?xml version="1.0" encoding="utf-8"?>
-<p:sld xmlns:a="http://schemas.openxmlformats.org/drawingml/2006/main" xmlns:r="http://schemas.openxmlformats.org/officeDocument/2006/relationships" xmlns:p="http://schemas.openxmlformats.org/presentationml/2006/main">
-  <p:cSld>
-    <p:spTree>
-      <p:nvGrpSpPr>
-        <p:cNvPr id="1" name="Shape 340"/>
-        <p:cNvGrpSpPr/>
-        <p:nvPr/>
-      </p:nvGrpSpPr>
-      <p:grpSpPr>
-        <a:xfrm>
-          <a:off x="0" y="0"/>
-          <a:ext cx="0" cy="0"/>
-          <a:chOff x="0" y="0"/>
-          <a:chExt cx="0" cy="0"/>
-        </a:xfrm>
-      </p:grpSpPr>
-      <p:sp>
-        <p:nvSpPr>
-          <p:cNvPr id="341" name="Shape 341"/>
-          <p:cNvSpPr txBox="1">
-            <a:spLocks noGrp="1"/>
-          </p:cNvSpPr>
-          <p:nvPr>
-            <p:ph type="ctrTitle"/>
-          </p:nvPr>
-        </p:nvSpPr>
-        <p:spPr>
-          <a:xfrm>
-            <a:off x="685800" y="1728725"/>
-            <a:ext cx="7772400" cy="1227299"/>
-          </a:xfrm>
-          <a:prstGeom prst="rect">
-            <a:avLst/>
-          </a:prstGeom>
-        </p:spPr>
-        <p:txBody>
-          <a:bodyPr lIns="91425" tIns="91425" rIns="91425" bIns="91425" anchor="ctr" anchorCtr="0">
-            <a:noAutofit/>
-          </a:bodyPr>
-          <a:lstStyle/>
-          <a:p>
-            <a:pPr lvl="0" rtl="0">
-              <a:spcBef>
-                <a:spcPts val="600"/>
-              </a:spcBef>
-              <a:buClr>
-                <a:schemeClr val="dk1"/>
-              </a:buClr>
-              <a:buSzPct val="25000"/>
-              <a:buFont typeface="Arial"/>
-              <a:buNone/>
-            </a:pPr>
-            <a:r>
-              <a:rPr lang="en" sz="7200">
-                <a:solidFill>
-                  <a:srgbClr val="FFFFFF"/>
-                </a:solidFill>
-              </a:rPr>
-              <a:t>Let’s see it in action !</a:t>
-            </a:r>
-          </a:p>
-          <a:p>
-            <a:endParaRPr lang="en" sz="7200">
-              <a:solidFill>
-                <a:srgbClr val="FFFFFF"/>
-              </a:solidFill>
-            </a:endParaRPr>
-          </a:p>
-        </p:txBody>
-      </p:sp>
-    </p:spTree>
-  </p:cSld>
-  <p:clrMapOvr>
-    <a:masterClrMapping/>
-  </p:clrMapOvr>
-  <p:transition spd="slow">
-    <p:cut/>
-  </p:transition>
-  <p:timing>
-    <p:tnLst>
-      <p:par>
-        <p:cTn id="1" dur="indefinite" restart="never" nodeType="tmRoot"/>
-      </p:par>
-    </p:tnLst>
-  </p:timing>
-</p:sld>
-</file>
-
-<file path=ppt/slides/slide24.xml><?xml version="1.0" encoding="utf-8"?>
-<p:sld xmlns:a="http://schemas.openxmlformats.org/drawingml/2006/main" xmlns:r="http://schemas.openxmlformats.org/officeDocument/2006/relationships" xmlns:p="http://schemas.openxmlformats.org/presentationml/2006/main">
-  <p:cSld>
-    <p:spTree>
-      <p:nvGrpSpPr>
-        <p:cNvPr id="1" name="Shape 345"/>
-        <p:cNvGrpSpPr/>
-        <p:nvPr/>
-      </p:nvGrpSpPr>
-      <p:grpSpPr>
-        <a:xfrm>
-          <a:off x="0" y="0"/>
-          <a:ext cx="0" cy="0"/>
-          <a:chOff x="0" y="0"/>
-          <a:chExt cx="0" cy="0"/>
-        </a:xfrm>
-      </p:grpSpPr>
-      <p:sp>
-        <p:nvSpPr>
-          <p:cNvPr id="346" name="Shape 346"/>
-          <p:cNvSpPr txBox="1">
-            <a:spLocks noGrp="1"/>
-          </p:cNvSpPr>
-          <p:nvPr>
-            <p:ph type="title"/>
-          </p:nvPr>
-        </p:nvSpPr>
-        <p:spPr>
-          <a:xfrm>
-            <a:off x="457200" y="205978"/>
-            <a:ext cx="8229600" cy="857400"/>
-          </a:xfrm>
-          <a:prstGeom prst="rect">
-            <a:avLst/>
-          </a:prstGeom>
-        </p:spPr>
-        <p:txBody>
-          <a:bodyPr lIns="91425" tIns="91425" rIns="91425" bIns="91425" anchor="ctr" anchorCtr="0">
-            <a:noAutofit/>
-          </a:bodyPr>
-          <a:lstStyle/>
-          <a:p>
-            <a:pPr lvl="0" rtl="0">
-              <a:buNone/>
-            </a:pPr>
-            <a:r>
-              <a:rPr lang="en"/>
-              <a:t>Specials thanks</a:t>
-            </a:r>
-          </a:p>
-        </p:txBody>
-      </p:sp>
-      <p:sp>
-        <p:nvSpPr>
-          <p:cNvPr id="347" name="Shape 347"/>
-          <p:cNvSpPr txBox="1">
-            <a:spLocks noGrp="1"/>
-          </p:cNvSpPr>
-          <p:nvPr>
-            <p:ph type="body" idx="1"/>
-          </p:nvPr>
-        </p:nvSpPr>
-        <p:spPr>
-          <a:xfrm>
-            <a:off x="457200" y="1200150"/>
-            <a:ext cx="8229600" cy="3252300"/>
-          </a:xfrm>
-          <a:prstGeom prst="rect">
-            <a:avLst/>
-          </a:prstGeom>
-        </p:spPr>
-        <p:txBody>
-          <a:bodyPr lIns="91425" tIns="91425" rIns="91425" bIns="91425" anchor="ctr" anchorCtr="0">
-            <a:noAutofit/>
-          </a:bodyPr>
-          <a:lstStyle/>
-          <a:p>
-            <a:pPr marL="457200" lvl="0" indent="-419100" rtl="0">
-              <a:buClr>
-                <a:schemeClr val="dk1"/>
-              </a:buClr>
-              <a:buSzPct val="166666"/>
-              <a:buFont typeface="Arial"/>
-              <a:buChar char="•"/>
-            </a:pPr>
-            <a:r>
-              <a:rPr lang="en"/>
-              <a:t>For his awesomeness</a:t>
-            </a:r>
-          </a:p>
-          <a:p>
-            <a:pPr marL="914400" lvl="1" indent="-381000" rtl="0">
-              <a:buClr>
-                <a:schemeClr val="dk1"/>
-              </a:buClr>
-              <a:buSzPct val="80000"/>
-              <a:buFont typeface="Courier New"/>
-              <a:buChar char="o"/>
-            </a:pPr>
-            <a:r>
-              <a:rPr lang="en"/>
-              <a:t>Dr. Ahmed Al Jumaili</a:t>
-            </a:r>
-          </a:p>
-          <a:p>
-            <a:endParaRPr lang="en"/>
-          </a:p>
-          <a:p>
-            <a:pPr marL="457200" lvl="0" indent="-419100" rtl="0">
-              <a:buClr>
-                <a:schemeClr val="dk1"/>
-              </a:buClr>
-              <a:buSzPct val="166666"/>
-              <a:buFont typeface="Arial"/>
-              <a:buChar char="•"/>
-            </a:pPr>
-            <a:r>
-              <a:rPr lang="en"/>
-              <a:t>For mathematics advises</a:t>
-            </a:r>
-          </a:p>
-          <a:p>
-            <a:pPr marL="914400" lvl="1" indent="-381000" rtl="0">
-              <a:buClr>
-                <a:schemeClr val="dk1"/>
-              </a:buClr>
-              <a:buSzPct val="80000"/>
-              <a:buFont typeface="Courier New"/>
-              <a:buChar char="o"/>
-            </a:pPr>
-            <a:r>
-              <a:rPr lang="en"/>
-              <a:t>Bastien G.</a:t>
-            </a:r>
-          </a:p>
-          <a:p>
-            <a:pPr marL="914400" lvl="1" indent="-381000" rtl="0">
-              <a:buClr>
-                <a:schemeClr val="dk1"/>
-              </a:buClr>
-              <a:buSzPct val="80000"/>
-              <a:buFont typeface="Courier New"/>
-              <a:buChar char="o"/>
-            </a:pPr>
-            <a:r>
-              <a:rPr lang="en"/>
-              <a:t>Walid B.</a:t>
-            </a:r>
-          </a:p>
-        </p:txBody>
-      </p:sp>
-    </p:spTree>
-  </p:cSld>
-  <p:clrMapOvr>
-    <a:masterClrMapping/>
-  </p:clrMapOvr>
-  <p:transition spd="slow">
-    <p:cut/>
-  </p:transition>
-  <p:timing>
-    <p:tnLst>
-      <p:par>
-        <p:cTn id="1" dur="indefinite" restart="never" nodeType="tmRoot"/>
-      </p:par>
-    </p:tnLst>
-  </p:timing>
-</p:sld>
-</file>
-
-<file path=ppt/slides/slide25.xml><?xml version="1.0" encoding="utf-8"?>
-<p:sld xmlns:a="http://schemas.openxmlformats.org/drawingml/2006/main" xmlns:r="http://schemas.openxmlformats.org/officeDocument/2006/relationships" xmlns:p="http://schemas.openxmlformats.org/presentationml/2006/main">
-  <p:cSld>
-    <p:spTree>
-      <p:nvGrpSpPr>
         <p:cNvPr id="1" name="Shape 351"/>
         <p:cNvGrpSpPr/>
         <p:nvPr/>
@@ -13469,7 +11166,7 @@
   <p:cSld>
     <p:spTree>
       <p:nvGrpSpPr>
-        <p:cNvPr id="1" name="Shape 57"/>
+        <p:cNvPr id="1" name="Shape 80"/>
         <p:cNvGrpSpPr/>
         <p:nvPr/>
       </p:nvGrpSpPr>
@@ -13483,7 +11180,7 @@
       </p:grpSpPr>
       <p:sp>
         <p:nvSpPr>
-          <p:cNvPr id="58" name="Shape 58"/>
+          <p:cNvPr id="81" name="Shape 81"/>
           <p:cNvSpPr txBox="1">
             <a:spLocks noGrp="1"/>
           </p:cNvSpPr>
@@ -13506,38 +11203,143 @@
           </a:bodyPr>
           <a:lstStyle/>
           <a:p>
-            <a:pPr>
+            <a:pPr lvl="0" rtl="0">
               <a:buNone/>
             </a:pPr>
             <a:r>
               <a:rPr lang="en"/>
-              <a:t>Git - versioning system</a:t>
-            </a:r>
-          </a:p>
-        </p:txBody>
-      </p:sp>
-      <p:sp>
-        <p:nvSpPr>
-          <p:cNvPr id="59" name="Shape 59"/>
+              <a:t>Distributed System</a:t>
+            </a:r>
+          </a:p>
+        </p:txBody>
+      </p:sp>
+      <p:pic>
+        <p:nvPicPr>
+          <p:cNvPr id="82" name="Shape 82"/>
+          <p:cNvPicPr preferRelativeResize="0"/>
+          <p:nvPr/>
+        </p:nvPicPr>
+        <p:blipFill>
+          <a:blip r:embed="rId3"/>
+          <a:stretch>
+            <a:fillRect/>
+          </a:stretch>
+        </p:blipFill>
+        <p:spPr>
+          <a:xfrm>
+            <a:off x="1077573" y="1940350"/>
+            <a:ext cx="712174" cy="1093025"/>
+          </a:xfrm>
+          <a:prstGeom prst="rect">
+            <a:avLst/>
+          </a:prstGeom>
+          <a:noFill/>
+          <a:ln>
+            <a:noFill/>
+          </a:ln>
+        </p:spPr>
+      </p:pic>
+      <p:pic>
+        <p:nvPicPr>
+          <p:cNvPr id="83" name="Shape 83"/>
+          <p:cNvPicPr preferRelativeResize="0"/>
+          <p:nvPr/>
+        </p:nvPicPr>
+        <p:blipFill>
+          <a:blip r:embed="rId3"/>
+          <a:stretch>
+            <a:fillRect/>
+          </a:stretch>
+        </p:blipFill>
+        <p:spPr>
+          <a:xfrm>
+            <a:off x="2117523" y="1940350"/>
+            <a:ext cx="712174" cy="1093025"/>
+          </a:xfrm>
+          <a:prstGeom prst="rect">
+            <a:avLst/>
+          </a:prstGeom>
+          <a:noFill/>
+          <a:ln>
+            <a:noFill/>
+          </a:ln>
+        </p:spPr>
+      </p:pic>
+      <p:pic>
+        <p:nvPicPr>
+          <p:cNvPr id="84" name="Shape 84"/>
+          <p:cNvPicPr preferRelativeResize="0"/>
+          <p:nvPr/>
+        </p:nvPicPr>
+        <p:blipFill>
+          <a:blip r:embed="rId3"/>
+          <a:stretch>
+            <a:fillRect/>
+          </a:stretch>
+        </p:blipFill>
+        <p:spPr>
+          <a:xfrm>
+            <a:off x="2117523" y="3132725"/>
+            <a:ext cx="712174" cy="1093025"/>
+          </a:xfrm>
+          <a:prstGeom prst="rect">
+            <a:avLst/>
+          </a:prstGeom>
+          <a:noFill/>
+          <a:ln>
+            <a:noFill/>
+          </a:ln>
+        </p:spPr>
+      </p:pic>
+      <p:pic>
+        <p:nvPicPr>
+          <p:cNvPr id="85" name="Shape 85"/>
+          <p:cNvPicPr preferRelativeResize="0"/>
+          <p:nvPr/>
+        </p:nvPicPr>
+        <p:blipFill>
+          <a:blip r:embed="rId3"/>
+          <a:stretch>
+            <a:fillRect/>
+          </a:stretch>
+        </p:blipFill>
+        <p:spPr>
+          <a:xfrm>
+            <a:off x="3157473" y="1940350"/>
+            <a:ext cx="712174" cy="1093025"/>
+          </a:xfrm>
+          <a:prstGeom prst="rect">
+            <a:avLst/>
+          </a:prstGeom>
+          <a:noFill/>
+          <a:ln>
+            <a:noFill/>
+          </a:ln>
+        </p:spPr>
+      </p:pic>
+      <p:sp>
+        <p:nvSpPr>
+          <p:cNvPr id="86" name="Shape 86"/>
           <p:cNvSpPr/>
           <p:nvPr/>
         </p:nvSpPr>
         <p:spPr>
           <a:xfrm>
-            <a:off x="174675" y="3441150"/>
-            <a:ext cx="851099" cy="603899"/>
-          </a:xfrm>
-          <a:prstGeom prst="roundRect">
+            <a:off x="1851625" y="2395950"/>
+            <a:ext cx="204000" cy="181800"/>
+          </a:xfrm>
+          <a:prstGeom prst="rightArrow">
             <a:avLst>
-              <a:gd name="adj" fmla="val 16667"/>
+              <a:gd name="adj1" fmla="val 50000"/>
+              <a:gd name="adj2" fmla="val 50000"/>
             </a:avLst>
           </a:prstGeom>
           <a:solidFill>
-            <a:srgbClr val="CFE2F3"/>
+            <a:schemeClr val="lt2"/>
           </a:solidFill>
           <a:ln w="19050" cap="flat">
             <a:solidFill>
-              <a:schemeClr val="accent3"/>
+              <a:schemeClr val="dk2"/>
             </a:solidFill>
             <a:prstDash val="solid"/>
             <a:round/>
@@ -13551,38 +11353,33 @@
           </a:bodyPr>
           <a:lstStyle/>
           <a:p>
-            <a:pPr algn="ctr">
-              <a:buNone/>
-            </a:pPr>
-            <a:r>
-              <a:rPr lang="en"/>
-              <a:t>Master</a:t>
-            </a:r>
-          </a:p>
-        </p:txBody>
-      </p:sp>
-      <p:sp>
-        <p:nvSpPr>
-          <p:cNvPr id="60" name="Shape 60"/>
+            <a:endParaRPr/>
+          </a:p>
+        </p:txBody>
+      </p:sp>
+      <p:sp>
+        <p:nvSpPr>
+          <p:cNvPr id="87" name="Shape 87"/>
           <p:cNvSpPr/>
           <p:nvPr/>
         </p:nvSpPr>
         <p:spPr>
-          <a:xfrm>
-            <a:off x="1486125" y="2043875"/>
-            <a:ext cx="851099" cy="603899"/>
-          </a:xfrm>
-          <a:prstGeom prst="roundRect">
+          <a:xfrm rot="-3055922">
+            <a:off x="2809239" y="3282709"/>
+            <a:ext cx="611670" cy="181930"/>
+          </a:xfrm>
+          <a:prstGeom prst="rightArrow">
             <a:avLst>
-              <a:gd name="adj" fmla="val 16667"/>
+              <a:gd name="adj1" fmla="val 50000"/>
+              <a:gd name="adj2" fmla="val 61853"/>
             </a:avLst>
           </a:prstGeom>
           <a:solidFill>
-            <a:srgbClr val="CFE2F3"/>
+            <a:schemeClr val="lt2"/>
           </a:solidFill>
           <a:ln w="19050" cap="flat">
             <a:solidFill>
-              <a:schemeClr val="accent3"/>
+              <a:schemeClr val="dk2"/>
             </a:solidFill>
             <a:prstDash val="solid"/>
             <a:round/>
@@ -13596,38 +11393,33 @@
           </a:bodyPr>
           <a:lstStyle/>
           <a:p>
-            <a:pPr lvl="0" algn="ctr" rtl="0">
-              <a:buNone/>
-            </a:pPr>
-            <a:r>
-              <a:rPr lang="en"/>
-              <a:t>Server</a:t>
-            </a:r>
-          </a:p>
-        </p:txBody>
-      </p:sp>
-      <p:sp>
-        <p:nvSpPr>
-          <p:cNvPr id="61" name="Shape 61"/>
+            <a:endParaRPr/>
+          </a:p>
+        </p:txBody>
+      </p:sp>
+      <p:sp>
+        <p:nvSpPr>
+          <p:cNvPr id="88" name="Shape 88"/>
           <p:cNvSpPr/>
           <p:nvPr/>
         </p:nvSpPr>
         <p:spPr>
-          <a:xfrm>
-            <a:off x="2565825" y="1337800"/>
-            <a:ext cx="997500" cy="603899"/>
-          </a:xfrm>
-          <a:prstGeom prst="roundRect">
+          <a:xfrm rot="2554829">
+            <a:off x="1523108" y="3304742"/>
+            <a:ext cx="542693" cy="181763"/>
+          </a:xfrm>
+          <a:prstGeom prst="rightArrow">
             <a:avLst>
-              <a:gd name="adj" fmla="val 16667"/>
+              <a:gd name="adj1" fmla="val 50000"/>
+              <a:gd name="adj2" fmla="val 61853"/>
             </a:avLst>
           </a:prstGeom>
           <a:solidFill>
-            <a:srgbClr val="CFE2F3"/>
+            <a:schemeClr val="lt2"/>
           </a:solidFill>
           <a:ln w="19050" cap="flat">
             <a:solidFill>
-              <a:schemeClr val="accent3"/>
+              <a:schemeClr val="dk2"/>
             </a:solidFill>
             <a:prstDash val="solid"/>
             <a:round/>
@@ -13641,38 +11433,130 @@
           </a:bodyPr>
           <a:lstStyle/>
           <a:p>
-            <a:pPr lvl="0" algn="ctr" rtl="0">
-              <a:buNone/>
+            <a:endParaRPr/>
+          </a:p>
+        </p:txBody>
+      </p:sp>
+      <p:sp>
+        <p:nvSpPr>
+          <p:cNvPr id="89" name="Shape 89"/>
+          <p:cNvSpPr txBox="1">
+            <a:spLocks noGrp="1"/>
+          </p:cNvSpPr>
+          <p:nvPr>
+            <p:ph type="body" idx="1"/>
+          </p:nvPr>
+        </p:nvSpPr>
+        <p:spPr>
+          <a:xfrm>
+            <a:off x="3945850" y="1200150"/>
+            <a:ext cx="5049600" cy="3557999"/>
+          </a:xfrm>
+          <a:prstGeom prst="rect">
+            <a:avLst/>
+          </a:prstGeom>
+        </p:spPr>
+        <p:txBody>
+          <a:bodyPr lIns="91425" tIns="91425" rIns="91425" bIns="91425" anchor="ctr" anchorCtr="0">
+            <a:noAutofit/>
+          </a:bodyPr>
+          <a:lstStyle/>
+          <a:p>
+            <a:pPr marL="457200" lvl="0" indent="-381000" rtl="0">
+              <a:buClr>
+                <a:schemeClr val="dk1"/>
+              </a:buClr>
+              <a:buSzPct val="166666"/>
+              <a:buFont typeface="Arial"/>
+              <a:buChar char="•"/>
             </a:pPr>
             <a:r>
-              <a:rPr lang="en"/>
-              <a:t>Calculus</a:t>
-            </a:r>
-          </a:p>
-        </p:txBody>
-      </p:sp>
-      <p:sp>
-        <p:nvSpPr>
-          <p:cNvPr id="62" name="Shape 62"/>
+              <a:rPr lang="en" sz="2400" dirty="0"/>
+              <a:t>Servers are connected in a Peer-to-peer </a:t>
+            </a:r>
+            <a:r>
+              <a:rPr lang="en" sz="2400" dirty="0" smtClean="0"/>
+              <a:t>architecture</a:t>
+            </a:r>
+            <a:endParaRPr lang="en" sz="2400" dirty="0"/>
+          </a:p>
+          <a:p>
+            <a:pPr marL="457200" lvl="0" indent="-381000" rtl="0">
+              <a:buClr>
+                <a:schemeClr val="dk1"/>
+              </a:buClr>
+              <a:buSzPct val="166666"/>
+              <a:buFont typeface="Arial"/>
+              <a:buChar char="•"/>
+            </a:pPr>
+            <a:r>
+              <a:rPr lang="en" sz="2400" dirty="0"/>
+              <a:t>Servers are identified by UID (Unique IDentifier</a:t>
+            </a:r>
+            <a:r>
+              <a:rPr lang="en" sz="2400" dirty="0" smtClean="0"/>
+              <a:t>)</a:t>
+            </a:r>
+            <a:endParaRPr lang="en" sz="2400" dirty="0"/>
+          </a:p>
+          <a:p>
+            <a:pPr marL="457200" lvl="0" indent="-381000" rtl="0">
+              <a:buClr>
+                <a:schemeClr val="dk1"/>
+              </a:buClr>
+              <a:buSzPct val="166666"/>
+              <a:buFont typeface="Arial"/>
+              <a:buChar char="•"/>
+            </a:pPr>
+            <a:r>
+              <a:rPr lang="en" sz="2400" dirty="0"/>
+              <a:t>Servers broadcast informations using Recursive </a:t>
+            </a:r>
+            <a:r>
+              <a:rPr lang="en" sz="2400" dirty="0" smtClean="0"/>
+              <a:t>Strategy</a:t>
+            </a:r>
+            <a:endParaRPr lang="en" sz="2400" dirty="0"/>
+          </a:p>
+          <a:p>
+            <a:pPr marL="457200" lvl="0" indent="-381000" rtl="0">
+              <a:buClr>
+                <a:schemeClr val="dk1"/>
+              </a:buClr>
+              <a:buSzPct val="166666"/>
+              <a:buFont typeface="Arial"/>
+              <a:buChar char="•"/>
+            </a:pPr>
+            <a:r>
+              <a:rPr lang="en" sz="2400" dirty="0"/>
+              <a:t>Clients can connect to any server</a:t>
+            </a:r>
+          </a:p>
+        </p:txBody>
+      </p:sp>
+      <p:sp>
+        <p:nvSpPr>
+          <p:cNvPr id="90" name="Shape 90"/>
           <p:cNvSpPr/>
           <p:nvPr/>
         </p:nvSpPr>
         <p:spPr>
           <a:xfrm>
-            <a:off x="1486125" y="2837250"/>
-            <a:ext cx="851099" cy="603899"/>
-          </a:xfrm>
-          <a:prstGeom prst="roundRect">
+            <a:off x="228600" y="4232350"/>
+            <a:ext cx="204000" cy="181800"/>
+          </a:xfrm>
+          <a:prstGeom prst="rightArrow">
             <a:avLst>
-              <a:gd name="adj" fmla="val 16667"/>
+              <a:gd name="adj1" fmla="val 50000"/>
+              <a:gd name="adj2" fmla="val 50000"/>
             </a:avLst>
           </a:prstGeom>
           <a:solidFill>
-            <a:srgbClr val="CFE2F3"/>
+            <a:schemeClr val="lt2"/>
           </a:solidFill>
           <a:ln w="19050" cap="flat">
             <a:solidFill>
-              <a:schemeClr val="accent3"/>
+              <a:schemeClr val="dk2"/>
             </a:solidFill>
             <a:prstDash val="solid"/>
             <a:round/>
@@ -13686,373 +11570,82 @@
           </a:bodyPr>
           <a:lstStyle/>
           <a:p>
-            <a:pPr lvl="0" algn="ctr" rtl="0">
+            <a:endParaRPr/>
+          </a:p>
+        </p:txBody>
+      </p:sp>
+      <p:sp>
+        <p:nvSpPr>
+          <p:cNvPr id="91" name="Shape 91"/>
+          <p:cNvSpPr txBox="1"/>
+          <p:nvPr/>
+        </p:nvSpPr>
+        <p:spPr>
+          <a:xfrm>
+            <a:off x="416200" y="4127050"/>
+            <a:ext cx="1690499" cy="457200"/>
+          </a:xfrm>
+          <a:prstGeom prst="rect">
+            <a:avLst/>
+          </a:prstGeom>
+        </p:spPr>
+        <p:txBody>
+          <a:bodyPr lIns="91425" tIns="91425" rIns="91425" bIns="91425" anchor="t" anchorCtr="0">
+            <a:noAutofit/>
+          </a:bodyPr>
+          <a:lstStyle/>
+          <a:p>
+            <a:pPr lvl="0" rtl="0">
               <a:buNone/>
             </a:pPr>
             <a:r>
               <a:rPr lang="en"/>
-              <a:t>Client</a:t>
-            </a:r>
-          </a:p>
-        </p:txBody>
-      </p:sp>
-      <p:cxnSp>
-        <p:nvCxnSpPr>
-          <p:cNvPr id="63" name="Shape 63"/>
-          <p:cNvCxnSpPr>
-            <a:stCxn id="59" idx="3"/>
-          </p:cNvCxnSpPr>
+              <a:t>Connection</a:t>
+            </a:r>
+          </a:p>
+        </p:txBody>
+      </p:sp>
+      <p:sp>
+        <p:nvSpPr>
+          <p:cNvPr id="92" name="Shape 92"/>
+          <p:cNvSpPr txBox="1"/>
           <p:nvPr/>
-        </p:nvCxnSpPr>
-        <p:spPr>
-          <a:xfrm>
-            <a:off x="1025774" y="3743099"/>
-            <a:ext cx="3775799" cy="10799"/>
-          </a:xfrm>
-          <a:prstGeom prst="straightConnector1">
-            <a:avLst/>
-          </a:prstGeom>
-          <a:noFill/>
-          <a:ln w="19050" cap="flat">
-            <a:solidFill>
-              <a:schemeClr val="dk2"/>
-            </a:solidFill>
-            <a:prstDash val="dash"/>
-            <a:round/>
-            <a:headEnd type="none" w="lg" len="lg"/>
-            <a:tailEnd type="none" w="lg" len="lg"/>
-          </a:ln>
-        </p:spPr>
-      </p:cxnSp>
-      <p:cxnSp>
-        <p:nvCxnSpPr>
-          <p:cNvPr id="64" name="Shape 64"/>
-          <p:cNvCxnSpPr>
-            <a:endCxn id="62" idx="1"/>
-          </p:cNvCxnSpPr>
-          <p:nvPr/>
-        </p:nvCxnSpPr>
-        <p:spPr>
-          <a:xfrm rot="10800000" flipH="1">
-            <a:off x="1025924" y="3139199"/>
-            <a:ext cx="460200" cy="636600"/>
-          </a:xfrm>
-          <a:prstGeom prst="straightConnector1">
-            <a:avLst/>
-          </a:prstGeom>
-          <a:noFill/>
-          <a:ln w="19050" cap="flat">
-            <a:solidFill>
-              <a:schemeClr val="dk2"/>
-            </a:solidFill>
-            <a:prstDash val="solid"/>
-            <a:round/>
-            <a:headEnd type="none" w="lg" len="lg"/>
-            <a:tailEnd type="triangle" w="lg" len="lg"/>
-          </a:ln>
-        </p:spPr>
-      </p:cxnSp>
-      <p:cxnSp>
-        <p:nvCxnSpPr>
-          <p:cNvPr id="65" name="Shape 65"/>
-          <p:cNvCxnSpPr>
-            <a:stCxn id="59" idx="3"/>
-            <a:endCxn id="60" idx="1"/>
-          </p:cNvCxnSpPr>
-          <p:nvPr/>
-        </p:nvCxnSpPr>
-        <p:spPr>
-          <a:xfrm rot="10800000" flipH="1">
-            <a:off x="1025774" y="2345824"/>
-            <a:ext cx="460350" cy="1397275"/>
-          </a:xfrm>
-          <a:prstGeom prst="straightConnector1">
-            <a:avLst/>
-          </a:prstGeom>
-          <a:noFill/>
-          <a:ln w="19050" cap="flat">
-            <a:solidFill>
-              <a:schemeClr val="dk2"/>
-            </a:solidFill>
-            <a:prstDash val="solid"/>
-            <a:round/>
-            <a:headEnd type="none" w="lg" len="lg"/>
-            <a:tailEnd type="triangle" w="lg" len="lg"/>
-          </a:ln>
-        </p:spPr>
-      </p:cxnSp>
-      <p:cxnSp>
-        <p:nvCxnSpPr>
-          <p:cNvPr id="66" name="Shape 66"/>
-          <p:cNvCxnSpPr>
-            <a:stCxn id="60" idx="3"/>
-            <a:endCxn id="61" idx="1"/>
-          </p:cNvCxnSpPr>
-          <p:nvPr/>
-        </p:nvCxnSpPr>
-        <p:spPr>
-          <a:xfrm rot="10800000" flipH="1">
-            <a:off x="2337224" y="1639749"/>
-            <a:ext cx="228600" cy="706075"/>
-          </a:xfrm>
-          <a:prstGeom prst="straightConnector1">
-            <a:avLst/>
-          </a:prstGeom>
-          <a:noFill/>
-          <a:ln w="19050" cap="flat">
-            <a:solidFill>
-              <a:schemeClr val="dk2"/>
-            </a:solidFill>
-            <a:prstDash val="solid"/>
-            <a:round/>
-            <a:headEnd type="none" w="lg" len="lg"/>
-            <a:tailEnd type="triangle" w="lg" len="lg"/>
-          </a:ln>
-        </p:spPr>
-      </p:cxnSp>
-      <p:cxnSp>
-        <p:nvCxnSpPr>
-          <p:cNvPr id="67" name="Shape 67"/>
-          <p:cNvCxnSpPr>
-            <a:stCxn id="60" idx="3"/>
-          </p:cNvCxnSpPr>
-          <p:nvPr/>
-        </p:nvCxnSpPr>
-        <p:spPr>
-          <a:xfrm rot="10800000" flipH="1">
-            <a:off x="2337224" y="2342824"/>
-            <a:ext cx="1635000" cy="3000"/>
-          </a:xfrm>
-          <a:prstGeom prst="straightConnector1">
-            <a:avLst/>
-          </a:prstGeom>
-          <a:noFill/>
-          <a:ln w="19050" cap="flat">
-            <a:solidFill>
-              <a:schemeClr val="dk2"/>
-            </a:solidFill>
-            <a:prstDash val="dash"/>
-            <a:round/>
-            <a:headEnd type="none" w="lg" len="lg"/>
-            <a:tailEnd type="none" w="lg" len="lg"/>
-          </a:ln>
-        </p:spPr>
-      </p:cxnSp>
-      <p:cxnSp>
-        <p:nvCxnSpPr>
-          <p:cNvPr id="68" name="Shape 68"/>
-          <p:cNvCxnSpPr/>
-          <p:nvPr/>
-        </p:nvCxnSpPr>
-        <p:spPr>
-          <a:xfrm>
-            <a:off x="3935900" y="2335400"/>
-            <a:ext cx="0" cy="1396800"/>
-          </a:xfrm>
-          <a:prstGeom prst="straightConnector1">
-            <a:avLst/>
-          </a:prstGeom>
-          <a:noFill/>
-          <a:ln w="19050" cap="flat">
-            <a:solidFill>
-              <a:schemeClr val="dk2"/>
-            </a:solidFill>
-            <a:prstDash val="solid"/>
-            <a:round/>
-            <a:headEnd type="none" w="lg" len="lg"/>
-            <a:tailEnd type="triangle" w="lg" len="lg"/>
-          </a:ln>
-        </p:spPr>
-      </p:cxnSp>
-      <p:cxnSp>
-        <p:nvCxnSpPr>
-          <p:cNvPr id="69" name="Shape 69"/>
-          <p:cNvCxnSpPr>
-            <a:stCxn id="62" idx="3"/>
-          </p:cNvCxnSpPr>
-          <p:nvPr/>
-        </p:nvCxnSpPr>
-        <p:spPr>
-          <a:xfrm>
-            <a:off x="2337224" y="3139199"/>
-            <a:ext cx="2129700" cy="0"/>
-          </a:xfrm>
-          <a:prstGeom prst="straightConnector1">
-            <a:avLst/>
-          </a:prstGeom>
-          <a:noFill/>
-          <a:ln w="19050" cap="flat">
-            <a:solidFill>
-              <a:schemeClr val="dk2"/>
-            </a:solidFill>
-            <a:prstDash val="dash"/>
-            <a:round/>
-            <a:headEnd type="none" w="lg" len="lg"/>
-            <a:tailEnd type="none" w="lg" len="lg"/>
-          </a:ln>
-        </p:spPr>
-      </p:cxnSp>
-      <p:cxnSp>
-        <p:nvCxnSpPr>
-          <p:cNvPr id="70" name="Shape 70"/>
-          <p:cNvCxnSpPr/>
-          <p:nvPr/>
-        </p:nvCxnSpPr>
-        <p:spPr>
-          <a:xfrm>
-            <a:off x="4408775" y="3142925"/>
-            <a:ext cx="0" cy="611100"/>
-          </a:xfrm>
-          <a:prstGeom prst="straightConnector1">
-            <a:avLst/>
-          </a:prstGeom>
-          <a:noFill/>
-          <a:ln w="19050" cap="flat">
-            <a:solidFill>
-              <a:schemeClr val="dk2"/>
-            </a:solidFill>
-            <a:prstDash val="solid"/>
-            <a:round/>
-            <a:headEnd type="none" w="lg" len="lg"/>
-            <a:tailEnd type="triangle" w="lg" len="lg"/>
-          </a:ln>
-        </p:spPr>
-      </p:cxnSp>
-      <p:cxnSp>
-        <p:nvCxnSpPr>
-          <p:cNvPr id="71" name="Shape 71"/>
-          <p:cNvCxnSpPr>
-            <a:stCxn id="61" idx="3"/>
-          </p:cNvCxnSpPr>
-          <p:nvPr/>
-        </p:nvCxnSpPr>
-        <p:spPr>
-          <a:xfrm>
-            <a:off x="3563325" y="1639749"/>
-            <a:ext cx="183299" cy="0"/>
-          </a:xfrm>
-          <a:prstGeom prst="straightConnector1">
-            <a:avLst/>
-          </a:prstGeom>
-          <a:noFill/>
-          <a:ln w="19050" cap="flat">
-            <a:solidFill>
-              <a:schemeClr val="dk2"/>
-            </a:solidFill>
-            <a:prstDash val="dash"/>
-            <a:round/>
-            <a:headEnd type="none" w="lg" len="lg"/>
-            <a:tailEnd type="none" w="lg" len="lg"/>
-          </a:ln>
-        </p:spPr>
-      </p:cxnSp>
-      <p:cxnSp>
-        <p:nvCxnSpPr>
-          <p:cNvPr id="72" name="Shape 72"/>
-          <p:cNvCxnSpPr/>
-          <p:nvPr/>
-        </p:nvCxnSpPr>
-        <p:spPr>
-          <a:xfrm>
-            <a:off x="3746750" y="1636975"/>
-            <a:ext cx="0" cy="705600"/>
-          </a:xfrm>
-          <a:prstGeom prst="straightConnector1">
-            <a:avLst/>
-          </a:prstGeom>
-          <a:noFill/>
-          <a:ln w="19050" cap="flat">
-            <a:solidFill>
-              <a:schemeClr val="dk2"/>
-            </a:solidFill>
-            <a:prstDash val="solid"/>
-            <a:round/>
-            <a:headEnd type="none" w="lg" len="lg"/>
-            <a:tailEnd type="triangle" w="lg" len="lg"/>
-          </a:ln>
-        </p:spPr>
-      </p:cxnSp>
-      <p:sp>
-        <p:nvSpPr>
-          <p:cNvPr id="73" name="Shape 73"/>
-          <p:cNvSpPr/>
-          <p:nvPr/>
-        </p:nvSpPr>
-        <p:spPr>
-          <a:xfrm>
-            <a:off x="4801575" y="3446550"/>
-            <a:ext cx="851099" cy="603899"/>
-          </a:xfrm>
-          <a:prstGeom prst="roundRect">
-            <a:avLst>
-              <a:gd name="adj" fmla="val 16667"/>
-            </a:avLst>
-          </a:prstGeom>
-          <a:solidFill>
-            <a:srgbClr val="CFE2F3"/>
-          </a:solidFill>
-          <a:ln w="19050" cap="flat">
-            <a:solidFill>
-              <a:schemeClr val="accent3"/>
-            </a:solidFill>
-            <a:prstDash val="solid"/>
-            <a:round/>
-            <a:headEnd type="none" w="med" len="med"/>
-            <a:tailEnd type="none" w="med" len="med"/>
-          </a:ln>
-        </p:spPr>
-        <p:txBody>
-          <a:bodyPr lIns="91425" tIns="91425" rIns="91425" bIns="91425" anchor="ctr" anchorCtr="0">
-            <a:noAutofit/>
-          </a:bodyPr>
-          <a:lstStyle/>
-          <a:p>
-            <a:pPr lvl="0" algn="ctr" rtl="0">
+        </p:nvSpPr>
+        <p:spPr>
+          <a:xfrm>
+            <a:off x="3332050" y="1586050"/>
+            <a:ext cx="334799" cy="354300"/>
+          </a:xfrm>
+          <a:prstGeom prst="rect">
+            <a:avLst/>
+          </a:prstGeom>
+        </p:spPr>
+        <p:txBody>
+          <a:bodyPr lIns="91425" tIns="91425" rIns="91425" bIns="91425" anchor="t" anchorCtr="0">
+            <a:noAutofit/>
+          </a:bodyPr>
+          <a:lstStyle/>
+          <a:p>
+            <a:pPr lvl="0" rtl="0">
               <a:buNone/>
             </a:pPr>
             <a:r>
               <a:rPr lang="en"/>
-              <a:t>Final version</a:t>
-            </a:r>
-          </a:p>
-        </p:txBody>
-      </p:sp>
-      <p:cxnSp>
-        <p:nvCxnSpPr>
-          <p:cNvPr id="74" name="Shape 74"/>
-          <p:cNvCxnSpPr/>
-          <p:nvPr/>
-        </p:nvCxnSpPr>
-        <p:spPr>
-          <a:xfrm>
-            <a:off x="189225" y="4314225"/>
-            <a:ext cx="5965499" cy="0"/>
-          </a:xfrm>
-          <a:prstGeom prst="straightConnector1">
-            <a:avLst/>
-          </a:prstGeom>
-          <a:noFill/>
-          <a:ln w="19050" cap="flat">
-            <a:solidFill>
-              <a:schemeClr val="dk2"/>
-            </a:solidFill>
-            <a:prstDash val="solid"/>
-            <a:round/>
-            <a:headEnd type="none" w="lg" len="lg"/>
-            <a:tailEnd type="triangle" w="lg" len="lg"/>
-          </a:ln>
-        </p:spPr>
-      </p:cxnSp>
-      <p:sp>
-        <p:nvSpPr>
-          <p:cNvPr id="75" name="Shape 75"/>
+              <a:t>1</a:t>
+            </a:r>
+          </a:p>
+        </p:txBody>
+      </p:sp>
+      <p:sp>
+        <p:nvSpPr>
+          <p:cNvPr id="93" name="Shape 93"/>
           <p:cNvSpPr txBox="1"/>
           <p:nvPr/>
         </p:nvSpPr>
         <p:spPr>
           <a:xfrm>
-            <a:off x="5565525" y="4238025"/>
-            <a:ext cx="662099" cy="309000"/>
+            <a:off x="2306212" y="1586050"/>
+            <a:ext cx="334799" cy="354300"/>
           </a:xfrm>
           <a:prstGeom prst="rect">
             <a:avLst/>
@@ -14064,65 +11657,74 @@
           </a:bodyPr>
           <a:lstStyle/>
           <a:p>
-            <a:pPr>
+            <a:pPr lvl="0" rtl="0">
               <a:buNone/>
             </a:pPr>
             <a:r>
               <a:rPr lang="en"/>
-              <a:t>Time</a:t>
-            </a:r>
-          </a:p>
-        </p:txBody>
-      </p:sp>
-      <p:sp>
-        <p:nvSpPr>
-          <p:cNvPr id="76" name="Shape 76"/>
+              <a:t>4</a:t>
+            </a:r>
+          </a:p>
+        </p:txBody>
+      </p:sp>
+      <p:sp>
+        <p:nvSpPr>
+          <p:cNvPr id="94" name="Shape 94"/>
           <p:cNvSpPr txBox="1"/>
           <p:nvPr/>
         </p:nvSpPr>
         <p:spPr>
           <a:xfrm>
-            <a:off x="4779800" y="1426000"/>
-            <a:ext cx="4081499" cy="1833000"/>
+            <a:off x="2306200" y="4255650"/>
+            <a:ext cx="334799" cy="354300"/>
           </a:xfrm>
           <a:prstGeom prst="rect">
             <a:avLst/>
           </a:prstGeom>
         </p:spPr>
         <p:txBody>
-          <a:bodyPr lIns="91425" tIns="91425" rIns="91425" bIns="91425" anchor="ctr" anchorCtr="0">
-            <a:noAutofit/>
-          </a:bodyPr>
-          <a:lstStyle/>
-          <a:p>
-            <a:pPr marL="457200" lvl="0" indent="-342900" rtl="0">
-              <a:buClr>
-                <a:srgbClr val="000000"/>
-              </a:buClr>
-              <a:buSzPct val="100000"/>
-              <a:buFont typeface="Arial"/>
-              <a:buChar char="●"/>
+          <a:bodyPr lIns="91425" tIns="91425" rIns="91425" bIns="91425" anchor="t" anchorCtr="0">
+            <a:noAutofit/>
+          </a:bodyPr>
+          <a:lstStyle/>
+          <a:p>
+            <a:pPr lvl="0" rtl="0">
+              <a:buNone/>
             </a:pPr>
             <a:r>
-              <a:rPr lang="en" sz="1800"/>
-              <a:t>Allow us to work each on a different branch from “stable revision”</a:t>
-            </a:r>
-          </a:p>
-          <a:p>
-            <a:endParaRPr lang="en" sz="1800"/>
-          </a:p>
-          <a:p>
-            <a:pPr marL="457200" lvl="0" indent="-342900" rtl="0">
-              <a:buClr>
-                <a:srgbClr val="000000"/>
-              </a:buClr>
-              <a:buSzPct val="100000"/>
-              <a:buFont typeface="Arial"/>
-              <a:buChar char="●"/>
+              <a:rPr lang="en"/>
+              <a:t>2</a:t>
+            </a:r>
+          </a:p>
+        </p:txBody>
+      </p:sp>
+      <p:sp>
+        <p:nvSpPr>
+          <p:cNvPr id="95" name="Shape 95"/>
+          <p:cNvSpPr txBox="1"/>
+          <p:nvPr/>
+        </p:nvSpPr>
+        <p:spPr>
+          <a:xfrm>
+            <a:off x="1266262" y="1586050"/>
+            <a:ext cx="334799" cy="354300"/>
+          </a:xfrm>
+          <a:prstGeom prst="rect">
+            <a:avLst/>
+          </a:prstGeom>
+        </p:spPr>
+        <p:txBody>
+          <a:bodyPr lIns="91425" tIns="91425" rIns="91425" bIns="91425" anchor="t" anchorCtr="0">
+            <a:noAutofit/>
+          </a:bodyPr>
+          <a:lstStyle/>
+          <a:p>
+            <a:pPr lvl="0" rtl="0">
+              <a:buNone/>
             </a:pPr>
             <a:r>
-              <a:rPr lang="en" sz="1800"/>
-              <a:t>We have a demonstration revision, which is always stable</a:t>
+              <a:rPr lang="en"/>
+              <a:t>3</a:t>
             </a:r>
           </a:p>
         </p:txBody>
@@ -14146,592 +11748,6 @@
 </file>
 
 <file path=ppt/slides/slide4.xml><?xml version="1.0" encoding="utf-8"?>
-<p:sld xmlns:a="http://schemas.openxmlformats.org/drawingml/2006/main" xmlns:r="http://schemas.openxmlformats.org/officeDocument/2006/relationships" xmlns:p="http://schemas.openxmlformats.org/presentationml/2006/main">
-  <p:cSld>
-    <p:spTree>
-      <p:nvGrpSpPr>
-        <p:cNvPr id="1" name="Shape 80"/>
-        <p:cNvGrpSpPr/>
-        <p:nvPr/>
-      </p:nvGrpSpPr>
-      <p:grpSpPr>
-        <a:xfrm>
-          <a:off x="0" y="0"/>
-          <a:ext cx="0" cy="0"/>
-          <a:chOff x="0" y="0"/>
-          <a:chExt cx="0" cy="0"/>
-        </a:xfrm>
-      </p:grpSpPr>
-      <p:sp>
-        <p:nvSpPr>
-          <p:cNvPr id="81" name="Shape 81"/>
-          <p:cNvSpPr txBox="1">
-            <a:spLocks noGrp="1"/>
-          </p:cNvSpPr>
-          <p:nvPr>
-            <p:ph type="title"/>
-          </p:nvPr>
-        </p:nvSpPr>
-        <p:spPr>
-          <a:xfrm>
-            <a:off x="457200" y="205978"/>
-            <a:ext cx="8229600" cy="857400"/>
-          </a:xfrm>
-          <a:prstGeom prst="rect">
-            <a:avLst/>
-          </a:prstGeom>
-        </p:spPr>
-        <p:txBody>
-          <a:bodyPr lIns="91425" tIns="91425" rIns="91425" bIns="91425" anchor="ctr" anchorCtr="0">
-            <a:noAutofit/>
-          </a:bodyPr>
-          <a:lstStyle/>
-          <a:p>
-            <a:pPr lvl="0" rtl="0">
-              <a:buNone/>
-            </a:pPr>
-            <a:r>
-              <a:rPr lang="en"/>
-              <a:t>Distributed System</a:t>
-            </a:r>
-          </a:p>
-        </p:txBody>
-      </p:sp>
-      <p:pic>
-        <p:nvPicPr>
-          <p:cNvPr id="82" name="Shape 82"/>
-          <p:cNvPicPr preferRelativeResize="0"/>
-          <p:nvPr/>
-        </p:nvPicPr>
-        <p:blipFill>
-          <a:blip r:embed="rId3"/>
-          <a:stretch>
-            <a:fillRect/>
-          </a:stretch>
-        </p:blipFill>
-        <p:spPr>
-          <a:xfrm>
-            <a:off x="1077573" y="1940350"/>
-            <a:ext cx="712174" cy="1093025"/>
-          </a:xfrm>
-          <a:prstGeom prst="rect">
-            <a:avLst/>
-          </a:prstGeom>
-          <a:noFill/>
-          <a:ln>
-            <a:noFill/>
-          </a:ln>
-        </p:spPr>
-      </p:pic>
-      <p:pic>
-        <p:nvPicPr>
-          <p:cNvPr id="83" name="Shape 83"/>
-          <p:cNvPicPr preferRelativeResize="0"/>
-          <p:nvPr/>
-        </p:nvPicPr>
-        <p:blipFill>
-          <a:blip r:embed="rId3"/>
-          <a:stretch>
-            <a:fillRect/>
-          </a:stretch>
-        </p:blipFill>
-        <p:spPr>
-          <a:xfrm>
-            <a:off x="2117523" y="1940350"/>
-            <a:ext cx="712174" cy="1093025"/>
-          </a:xfrm>
-          <a:prstGeom prst="rect">
-            <a:avLst/>
-          </a:prstGeom>
-          <a:noFill/>
-          <a:ln>
-            <a:noFill/>
-          </a:ln>
-        </p:spPr>
-      </p:pic>
-      <p:pic>
-        <p:nvPicPr>
-          <p:cNvPr id="84" name="Shape 84"/>
-          <p:cNvPicPr preferRelativeResize="0"/>
-          <p:nvPr/>
-        </p:nvPicPr>
-        <p:blipFill>
-          <a:blip r:embed="rId3"/>
-          <a:stretch>
-            <a:fillRect/>
-          </a:stretch>
-        </p:blipFill>
-        <p:spPr>
-          <a:xfrm>
-            <a:off x="2117523" y="3132725"/>
-            <a:ext cx="712174" cy="1093025"/>
-          </a:xfrm>
-          <a:prstGeom prst="rect">
-            <a:avLst/>
-          </a:prstGeom>
-          <a:noFill/>
-          <a:ln>
-            <a:noFill/>
-          </a:ln>
-        </p:spPr>
-      </p:pic>
-      <p:pic>
-        <p:nvPicPr>
-          <p:cNvPr id="85" name="Shape 85"/>
-          <p:cNvPicPr preferRelativeResize="0"/>
-          <p:nvPr/>
-        </p:nvPicPr>
-        <p:blipFill>
-          <a:blip r:embed="rId3"/>
-          <a:stretch>
-            <a:fillRect/>
-          </a:stretch>
-        </p:blipFill>
-        <p:spPr>
-          <a:xfrm>
-            <a:off x="3157473" y="1940350"/>
-            <a:ext cx="712174" cy="1093025"/>
-          </a:xfrm>
-          <a:prstGeom prst="rect">
-            <a:avLst/>
-          </a:prstGeom>
-          <a:noFill/>
-          <a:ln>
-            <a:noFill/>
-          </a:ln>
-        </p:spPr>
-      </p:pic>
-      <p:sp>
-        <p:nvSpPr>
-          <p:cNvPr id="86" name="Shape 86"/>
-          <p:cNvSpPr/>
-          <p:nvPr/>
-        </p:nvSpPr>
-        <p:spPr>
-          <a:xfrm>
-            <a:off x="1851625" y="2395950"/>
-            <a:ext cx="204000" cy="181800"/>
-          </a:xfrm>
-          <a:prstGeom prst="rightArrow">
-            <a:avLst>
-              <a:gd name="adj1" fmla="val 50000"/>
-              <a:gd name="adj2" fmla="val 50000"/>
-            </a:avLst>
-          </a:prstGeom>
-          <a:solidFill>
-            <a:schemeClr val="lt2"/>
-          </a:solidFill>
-          <a:ln w="19050" cap="flat">
-            <a:solidFill>
-              <a:schemeClr val="dk2"/>
-            </a:solidFill>
-            <a:prstDash val="solid"/>
-            <a:round/>
-            <a:headEnd type="none" w="med" len="med"/>
-            <a:tailEnd type="none" w="med" len="med"/>
-          </a:ln>
-        </p:spPr>
-        <p:txBody>
-          <a:bodyPr lIns="91425" tIns="91425" rIns="91425" bIns="91425" anchor="ctr" anchorCtr="0">
-            <a:noAutofit/>
-          </a:bodyPr>
-          <a:lstStyle/>
-          <a:p>
-            <a:endParaRPr/>
-          </a:p>
-        </p:txBody>
-      </p:sp>
-      <p:sp>
-        <p:nvSpPr>
-          <p:cNvPr id="87" name="Shape 87"/>
-          <p:cNvSpPr/>
-          <p:nvPr/>
-        </p:nvSpPr>
-        <p:spPr>
-          <a:xfrm rot="-3055922">
-            <a:off x="2809239" y="3282709"/>
-            <a:ext cx="611670" cy="181930"/>
-          </a:xfrm>
-          <a:prstGeom prst="rightArrow">
-            <a:avLst>
-              <a:gd name="adj1" fmla="val 50000"/>
-              <a:gd name="adj2" fmla="val 61853"/>
-            </a:avLst>
-          </a:prstGeom>
-          <a:solidFill>
-            <a:schemeClr val="lt2"/>
-          </a:solidFill>
-          <a:ln w="19050" cap="flat">
-            <a:solidFill>
-              <a:schemeClr val="dk2"/>
-            </a:solidFill>
-            <a:prstDash val="solid"/>
-            <a:round/>
-            <a:headEnd type="none" w="med" len="med"/>
-            <a:tailEnd type="none" w="med" len="med"/>
-          </a:ln>
-        </p:spPr>
-        <p:txBody>
-          <a:bodyPr lIns="91425" tIns="91425" rIns="91425" bIns="91425" anchor="ctr" anchorCtr="0">
-            <a:noAutofit/>
-          </a:bodyPr>
-          <a:lstStyle/>
-          <a:p>
-            <a:endParaRPr/>
-          </a:p>
-        </p:txBody>
-      </p:sp>
-      <p:sp>
-        <p:nvSpPr>
-          <p:cNvPr id="88" name="Shape 88"/>
-          <p:cNvSpPr/>
-          <p:nvPr/>
-        </p:nvSpPr>
-        <p:spPr>
-          <a:xfrm rot="2554829">
-            <a:off x="1523108" y="3304742"/>
-            <a:ext cx="542693" cy="181763"/>
-          </a:xfrm>
-          <a:prstGeom prst="rightArrow">
-            <a:avLst>
-              <a:gd name="adj1" fmla="val 50000"/>
-              <a:gd name="adj2" fmla="val 61853"/>
-            </a:avLst>
-          </a:prstGeom>
-          <a:solidFill>
-            <a:schemeClr val="lt2"/>
-          </a:solidFill>
-          <a:ln w="19050" cap="flat">
-            <a:solidFill>
-              <a:schemeClr val="dk2"/>
-            </a:solidFill>
-            <a:prstDash val="solid"/>
-            <a:round/>
-            <a:headEnd type="none" w="med" len="med"/>
-            <a:tailEnd type="none" w="med" len="med"/>
-          </a:ln>
-        </p:spPr>
-        <p:txBody>
-          <a:bodyPr lIns="91425" tIns="91425" rIns="91425" bIns="91425" anchor="ctr" anchorCtr="0">
-            <a:noAutofit/>
-          </a:bodyPr>
-          <a:lstStyle/>
-          <a:p>
-            <a:endParaRPr/>
-          </a:p>
-        </p:txBody>
-      </p:sp>
-      <p:sp>
-        <p:nvSpPr>
-          <p:cNvPr id="89" name="Shape 89"/>
-          <p:cNvSpPr txBox="1">
-            <a:spLocks noGrp="1"/>
-          </p:cNvSpPr>
-          <p:nvPr>
-            <p:ph type="body" idx="1"/>
-          </p:nvPr>
-        </p:nvSpPr>
-        <p:spPr>
-          <a:xfrm>
-            <a:off x="3945850" y="1200150"/>
-            <a:ext cx="5049600" cy="3557999"/>
-          </a:xfrm>
-          <a:prstGeom prst="rect">
-            <a:avLst/>
-          </a:prstGeom>
-        </p:spPr>
-        <p:txBody>
-          <a:bodyPr lIns="91425" tIns="91425" rIns="91425" bIns="91425" anchor="ctr" anchorCtr="0">
-            <a:noAutofit/>
-          </a:bodyPr>
-          <a:lstStyle/>
-          <a:p>
-            <a:pPr marL="457200" lvl="0" indent="-381000" rtl="0">
-              <a:buClr>
-                <a:schemeClr val="dk1"/>
-              </a:buClr>
-              <a:buSzPct val="166666"/>
-              <a:buFont typeface="Arial"/>
-              <a:buChar char="•"/>
-            </a:pPr>
-            <a:r>
-              <a:rPr lang="en" sz="2400" dirty="0"/>
-              <a:t>Servers are connected in a Peer-to-peer </a:t>
-            </a:r>
-            <a:r>
-              <a:rPr lang="en" sz="2400" dirty="0" smtClean="0"/>
-              <a:t>architecture</a:t>
-            </a:r>
-            <a:endParaRPr lang="en" sz="2400" dirty="0"/>
-          </a:p>
-          <a:p>
-            <a:pPr marL="457200" lvl="0" indent="-381000" rtl="0">
-              <a:buClr>
-                <a:schemeClr val="dk1"/>
-              </a:buClr>
-              <a:buSzPct val="166666"/>
-              <a:buFont typeface="Arial"/>
-              <a:buChar char="•"/>
-            </a:pPr>
-            <a:r>
-              <a:rPr lang="en" sz="2400" dirty="0"/>
-              <a:t>Servers are identified by UID (Unique IDentifier</a:t>
-            </a:r>
-            <a:r>
-              <a:rPr lang="en" sz="2400" dirty="0" smtClean="0"/>
-              <a:t>)</a:t>
-            </a:r>
-            <a:endParaRPr lang="en" sz="2400" dirty="0"/>
-          </a:p>
-          <a:p>
-            <a:pPr marL="457200" lvl="0" indent="-381000" rtl="0">
-              <a:buClr>
-                <a:schemeClr val="dk1"/>
-              </a:buClr>
-              <a:buSzPct val="166666"/>
-              <a:buFont typeface="Arial"/>
-              <a:buChar char="•"/>
-            </a:pPr>
-            <a:r>
-              <a:rPr lang="en" sz="2400" dirty="0"/>
-              <a:t>Servers broadcast informations using Recursive </a:t>
-            </a:r>
-            <a:r>
-              <a:rPr lang="en" sz="2400" dirty="0" smtClean="0"/>
-              <a:t>Strategy</a:t>
-            </a:r>
-            <a:endParaRPr lang="en" sz="2400" dirty="0"/>
-          </a:p>
-          <a:p>
-            <a:pPr marL="457200" lvl="0" indent="-381000" rtl="0">
-              <a:buClr>
-                <a:schemeClr val="dk1"/>
-              </a:buClr>
-              <a:buSzPct val="166666"/>
-              <a:buFont typeface="Arial"/>
-              <a:buChar char="•"/>
-            </a:pPr>
-            <a:r>
-              <a:rPr lang="en" sz="2400" dirty="0"/>
-              <a:t>Clients can connect to any server</a:t>
-            </a:r>
-          </a:p>
-        </p:txBody>
-      </p:sp>
-      <p:sp>
-        <p:nvSpPr>
-          <p:cNvPr id="90" name="Shape 90"/>
-          <p:cNvSpPr/>
-          <p:nvPr/>
-        </p:nvSpPr>
-        <p:spPr>
-          <a:xfrm>
-            <a:off x="228600" y="4232350"/>
-            <a:ext cx="204000" cy="181800"/>
-          </a:xfrm>
-          <a:prstGeom prst="rightArrow">
-            <a:avLst>
-              <a:gd name="adj1" fmla="val 50000"/>
-              <a:gd name="adj2" fmla="val 50000"/>
-            </a:avLst>
-          </a:prstGeom>
-          <a:solidFill>
-            <a:schemeClr val="lt2"/>
-          </a:solidFill>
-          <a:ln w="19050" cap="flat">
-            <a:solidFill>
-              <a:schemeClr val="dk2"/>
-            </a:solidFill>
-            <a:prstDash val="solid"/>
-            <a:round/>
-            <a:headEnd type="none" w="med" len="med"/>
-            <a:tailEnd type="none" w="med" len="med"/>
-          </a:ln>
-        </p:spPr>
-        <p:txBody>
-          <a:bodyPr lIns="91425" tIns="91425" rIns="91425" bIns="91425" anchor="ctr" anchorCtr="0">
-            <a:noAutofit/>
-          </a:bodyPr>
-          <a:lstStyle/>
-          <a:p>
-            <a:endParaRPr/>
-          </a:p>
-        </p:txBody>
-      </p:sp>
-      <p:sp>
-        <p:nvSpPr>
-          <p:cNvPr id="91" name="Shape 91"/>
-          <p:cNvSpPr txBox="1"/>
-          <p:nvPr/>
-        </p:nvSpPr>
-        <p:spPr>
-          <a:xfrm>
-            <a:off x="416200" y="4127050"/>
-            <a:ext cx="1690499" cy="457200"/>
-          </a:xfrm>
-          <a:prstGeom prst="rect">
-            <a:avLst/>
-          </a:prstGeom>
-        </p:spPr>
-        <p:txBody>
-          <a:bodyPr lIns="91425" tIns="91425" rIns="91425" bIns="91425" anchor="t" anchorCtr="0">
-            <a:noAutofit/>
-          </a:bodyPr>
-          <a:lstStyle/>
-          <a:p>
-            <a:pPr lvl="0" rtl="0">
-              <a:buNone/>
-            </a:pPr>
-            <a:r>
-              <a:rPr lang="en"/>
-              <a:t>Connection</a:t>
-            </a:r>
-          </a:p>
-        </p:txBody>
-      </p:sp>
-      <p:sp>
-        <p:nvSpPr>
-          <p:cNvPr id="92" name="Shape 92"/>
-          <p:cNvSpPr txBox="1"/>
-          <p:nvPr/>
-        </p:nvSpPr>
-        <p:spPr>
-          <a:xfrm>
-            <a:off x="3332050" y="1586050"/>
-            <a:ext cx="334799" cy="354300"/>
-          </a:xfrm>
-          <a:prstGeom prst="rect">
-            <a:avLst/>
-          </a:prstGeom>
-        </p:spPr>
-        <p:txBody>
-          <a:bodyPr lIns="91425" tIns="91425" rIns="91425" bIns="91425" anchor="t" anchorCtr="0">
-            <a:noAutofit/>
-          </a:bodyPr>
-          <a:lstStyle/>
-          <a:p>
-            <a:pPr lvl="0" rtl="0">
-              <a:buNone/>
-            </a:pPr>
-            <a:r>
-              <a:rPr lang="en"/>
-              <a:t>1</a:t>
-            </a:r>
-          </a:p>
-        </p:txBody>
-      </p:sp>
-      <p:sp>
-        <p:nvSpPr>
-          <p:cNvPr id="93" name="Shape 93"/>
-          <p:cNvSpPr txBox="1"/>
-          <p:nvPr/>
-        </p:nvSpPr>
-        <p:spPr>
-          <a:xfrm>
-            <a:off x="2306212" y="1586050"/>
-            <a:ext cx="334799" cy="354300"/>
-          </a:xfrm>
-          <a:prstGeom prst="rect">
-            <a:avLst/>
-          </a:prstGeom>
-        </p:spPr>
-        <p:txBody>
-          <a:bodyPr lIns="91425" tIns="91425" rIns="91425" bIns="91425" anchor="t" anchorCtr="0">
-            <a:noAutofit/>
-          </a:bodyPr>
-          <a:lstStyle/>
-          <a:p>
-            <a:pPr lvl="0" rtl="0">
-              <a:buNone/>
-            </a:pPr>
-            <a:r>
-              <a:rPr lang="en"/>
-              <a:t>4</a:t>
-            </a:r>
-          </a:p>
-        </p:txBody>
-      </p:sp>
-      <p:sp>
-        <p:nvSpPr>
-          <p:cNvPr id="94" name="Shape 94"/>
-          <p:cNvSpPr txBox="1"/>
-          <p:nvPr/>
-        </p:nvSpPr>
-        <p:spPr>
-          <a:xfrm>
-            <a:off x="2306200" y="4255650"/>
-            <a:ext cx="334799" cy="354300"/>
-          </a:xfrm>
-          <a:prstGeom prst="rect">
-            <a:avLst/>
-          </a:prstGeom>
-        </p:spPr>
-        <p:txBody>
-          <a:bodyPr lIns="91425" tIns="91425" rIns="91425" bIns="91425" anchor="t" anchorCtr="0">
-            <a:noAutofit/>
-          </a:bodyPr>
-          <a:lstStyle/>
-          <a:p>
-            <a:pPr lvl="0" rtl="0">
-              <a:buNone/>
-            </a:pPr>
-            <a:r>
-              <a:rPr lang="en"/>
-              <a:t>2</a:t>
-            </a:r>
-          </a:p>
-        </p:txBody>
-      </p:sp>
-      <p:sp>
-        <p:nvSpPr>
-          <p:cNvPr id="95" name="Shape 95"/>
-          <p:cNvSpPr txBox="1"/>
-          <p:nvPr/>
-        </p:nvSpPr>
-        <p:spPr>
-          <a:xfrm>
-            <a:off x="1266262" y="1586050"/>
-            <a:ext cx="334799" cy="354300"/>
-          </a:xfrm>
-          <a:prstGeom prst="rect">
-            <a:avLst/>
-          </a:prstGeom>
-        </p:spPr>
-        <p:txBody>
-          <a:bodyPr lIns="91425" tIns="91425" rIns="91425" bIns="91425" anchor="t" anchorCtr="0">
-            <a:noAutofit/>
-          </a:bodyPr>
-          <a:lstStyle/>
-          <a:p>
-            <a:pPr lvl="0" rtl="0">
-              <a:buNone/>
-            </a:pPr>
-            <a:r>
-              <a:rPr lang="en"/>
-              <a:t>3</a:t>
-            </a:r>
-          </a:p>
-        </p:txBody>
-      </p:sp>
-    </p:spTree>
-  </p:cSld>
-  <p:clrMapOvr>
-    <a:masterClrMapping/>
-  </p:clrMapOvr>
-  <p:transition spd="slow">
-    <p:cut/>
-  </p:transition>
-  <p:timing>
-    <p:tnLst>
-      <p:par>
-        <p:cTn id="1" dur="indefinite" restart="never" nodeType="tmRoot"/>
-      </p:par>
-    </p:tnLst>
-  </p:timing>
-</p:sld>
-</file>
-
-<file path=ppt/slides/slide5.xml><?xml version="1.0" encoding="utf-8"?>
 <p:sld xmlns:a="http://schemas.openxmlformats.org/drawingml/2006/main" xmlns:r="http://schemas.openxmlformats.org/officeDocument/2006/relationships" xmlns:p="http://schemas.openxmlformats.org/presentationml/2006/main">
   <p:cSld>
     <p:spTree>
@@ -15357,103 +12373,7 @@
 </p:sld>
 </file>
 
-<file path=ppt/slides/slide6.xml><?xml version="1.0" encoding="utf-8"?>
-<p:sld xmlns:a="http://schemas.openxmlformats.org/drawingml/2006/main" xmlns:r="http://schemas.openxmlformats.org/officeDocument/2006/relationships" xmlns:p="http://schemas.openxmlformats.org/presentationml/2006/main">
-  <p:cSld>
-    <p:spTree>
-      <p:nvGrpSpPr>
-        <p:cNvPr id="1" name="Shape 111"/>
-        <p:cNvGrpSpPr/>
-        <p:nvPr/>
-      </p:nvGrpSpPr>
-      <p:grpSpPr>
-        <a:xfrm>
-          <a:off x="0" y="0"/>
-          <a:ext cx="0" cy="0"/>
-          <a:chOff x="0" y="0"/>
-          <a:chExt cx="0" cy="0"/>
-        </a:xfrm>
-      </p:grpSpPr>
-      <p:sp>
-        <p:nvSpPr>
-          <p:cNvPr id="112" name="Shape 112"/>
-          <p:cNvSpPr txBox="1">
-            <a:spLocks noGrp="1"/>
-          </p:cNvSpPr>
-          <p:nvPr>
-            <p:ph type="title"/>
-          </p:nvPr>
-        </p:nvSpPr>
-        <p:spPr>
-          <a:xfrm>
-            <a:off x="457200" y="205978"/>
-            <a:ext cx="8229600" cy="857400"/>
-          </a:xfrm>
-          <a:prstGeom prst="rect">
-            <a:avLst/>
-          </a:prstGeom>
-        </p:spPr>
-        <p:txBody>
-          <a:bodyPr lIns="91425" tIns="91425" rIns="91425" bIns="91425" anchor="ctr" anchorCtr="0">
-            <a:noAutofit/>
-          </a:bodyPr>
-          <a:lstStyle/>
-          <a:p>
-            <a:pPr>
-              <a:buNone/>
-            </a:pPr>
-            <a:r>
-              <a:rPr lang="en"/>
-              <a:t>DS: Recursive data transfer</a:t>
-            </a:r>
-          </a:p>
-        </p:txBody>
-      </p:sp>
-      <p:pic>
-        <p:nvPicPr>
-          <p:cNvPr id="113" name="Shape 113"/>
-          <p:cNvPicPr preferRelativeResize="0"/>
-          <p:nvPr/>
-        </p:nvPicPr>
-        <p:blipFill>
-          <a:blip r:embed="rId3"/>
-          <a:stretch>
-            <a:fillRect/>
-          </a:stretch>
-        </p:blipFill>
-        <p:spPr>
-          <a:xfrm>
-            <a:off x="854725" y="1301950"/>
-            <a:ext cx="7117775" cy="3309250"/>
-          </a:xfrm>
-          <a:prstGeom prst="rect">
-            <a:avLst/>
-          </a:prstGeom>
-          <a:noFill/>
-          <a:ln>
-            <a:noFill/>
-          </a:ln>
-        </p:spPr>
-      </p:pic>
-    </p:spTree>
-  </p:cSld>
-  <p:clrMapOvr>
-    <a:masterClrMapping/>
-  </p:clrMapOvr>
-  <p:transition spd="slow">
-    <p:cut/>
-  </p:transition>
-  <p:timing>
-    <p:tnLst>
-      <p:par>
-        <p:cTn id="1" dur="indefinite" restart="never" nodeType="tmRoot"/>
-      </p:par>
-    </p:tnLst>
-  </p:timing>
-</p:sld>
-</file>
-
-<file path=ppt/slides/slide7.xml><?xml version="1.0" encoding="utf-8"?>
+<file path=ppt/slides/slide5.xml><?xml version="1.0" encoding="utf-8"?>
 <p:sld xmlns:a="http://schemas.openxmlformats.org/drawingml/2006/main" xmlns:r="http://schemas.openxmlformats.org/officeDocument/2006/relationships" xmlns:p="http://schemas.openxmlformats.org/presentationml/2006/main">
   <p:cSld>
     <p:spTree>
@@ -16337,12 +13257,12 @@
 </p:sld>
 </file>
 
-<file path=ppt/slides/slide8.xml><?xml version="1.0" encoding="utf-8"?>
+<file path=ppt/slides/slide6.xml><?xml version="1.0" encoding="utf-8"?>
 <p:sld xmlns:a="http://schemas.openxmlformats.org/drawingml/2006/main" xmlns:r="http://schemas.openxmlformats.org/officeDocument/2006/relationships" xmlns:p="http://schemas.openxmlformats.org/presentationml/2006/main">
   <p:cSld>
     <p:spTree>
       <p:nvGrpSpPr>
-        <p:cNvPr id="1" name="Shape 140"/>
+        <p:cNvPr id="1" name=""/>
         <p:cNvGrpSpPr/>
         <p:nvPr/>
       </p:nvGrpSpPr>
@@ -16356,7 +13276,124 @@
       </p:grpSpPr>
       <p:sp>
         <p:nvSpPr>
-          <p:cNvPr id="141" name="Shape 141"/>
+          <p:cNvPr id="2" name="Title 1"/>
+          <p:cNvSpPr>
+            <a:spLocks noGrp="1"/>
+          </p:cNvSpPr>
+          <p:nvPr>
+            <p:ph type="title"/>
+          </p:nvPr>
+        </p:nvSpPr>
+        <p:spPr/>
+        <p:txBody>
+          <a:bodyPr/>
+          <a:lstStyle/>
+          <a:p>
+            <a:r>
+              <a:rPr lang="en-US" dirty="0" smtClean="0"/>
+              <a:t>Server: Task scheduling</a:t>
+            </a:r>
+            <a:endParaRPr lang="fr-FR" dirty="0"/>
+          </a:p>
+        </p:txBody>
+      </p:sp>
+      <p:sp>
+        <p:nvSpPr>
+          <p:cNvPr id="3" name="Text Placeholder 2"/>
+          <p:cNvSpPr>
+            <a:spLocks noGrp="1"/>
+          </p:cNvSpPr>
+          <p:nvPr>
+            <p:ph type="body" idx="1"/>
+          </p:nvPr>
+        </p:nvSpPr>
+        <p:spPr/>
+        <p:txBody>
+          <a:bodyPr anchor="ctr"/>
+          <a:lstStyle/>
+          <a:p>
+            <a:pPr marL="647700" indent="-457200">
+              <a:buFont typeface="Arial" panose="020B0604020202020204" pitchFamily="34" charset="0"/>
+              <a:buChar char="•"/>
+            </a:pPr>
+            <a:r>
+              <a:rPr lang="en-US" dirty="0" smtClean="0"/>
+              <a:t>FJF</a:t>
+            </a:r>
+          </a:p>
+          <a:p>
+            <a:pPr marL="647700" indent="-457200">
+              <a:buFont typeface="Arial" panose="020B0604020202020204" pitchFamily="34" charset="0"/>
+              <a:buChar char="•"/>
+            </a:pPr>
+            <a:r>
+              <a:rPr lang="en-US" dirty="0" smtClean="0"/>
+              <a:t>Works by chunks</a:t>
+            </a:r>
+          </a:p>
+          <a:p>
+            <a:pPr marL="647700" indent="-457200">
+              <a:buFont typeface="Arial" panose="020B0604020202020204" pitchFamily="34" charset="0"/>
+              <a:buChar char="•"/>
+            </a:pPr>
+            <a:r>
+              <a:rPr lang="en-US" dirty="0" smtClean="0"/>
+              <a:t>Distributes chunks to every peers available</a:t>
+            </a:r>
+          </a:p>
+          <a:p>
+            <a:pPr marL="647700" indent="-457200">
+              <a:buFont typeface="Arial" panose="020B0604020202020204" pitchFamily="34" charset="0"/>
+              <a:buChar char="•"/>
+            </a:pPr>
+            <a:r>
+              <a:rPr lang="en-US" dirty="0" smtClean="0"/>
+              <a:t>Manages peer disconnection</a:t>
+            </a:r>
+            <a:endParaRPr lang="fr-FR" dirty="0"/>
+          </a:p>
+        </p:txBody>
+      </p:sp>
+    </p:spTree>
+    <p:extLst>
+      <p:ext uri="{BB962C8B-B14F-4D97-AF65-F5344CB8AC3E}">
+        <p14:creationId xmlns:p14="http://schemas.microsoft.com/office/powerpoint/2010/main" val="3491994824"/>
+      </p:ext>
+    </p:extLst>
+  </p:cSld>
+  <p:clrMapOvr>
+    <a:masterClrMapping/>
+  </p:clrMapOvr>
+  <p:timing>
+    <p:tnLst>
+      <p:par>
+        <p:cTn id="1" dur="indefinite" restart="never" nodeType="tmRoot"/>
+      </p:par>
+    </p:tnLst>
+  </p:timing>
+</p:sld>
+</file>
+
+<file path=ppt/slides/slide7.xml><?xml version="1.0" encoding="utf-8"?>
+<p:sld xmlns:a="http://schemas.openxmlformats.org/drawingml/2006/main" xmlns:r="http://schemas.openxmlformats.org/officeDocument/2006/relationships" xmlns:p="http://schemas.openxmlformats.org/presentationml/2006/main">
+  <p:cSld>
+    <p:spTree>
+      <p:nvGrpSpPr>
+        <p:cNvPr id="1" name="Shape 283"/>
+        <p:cNvGrpSpPr/>
+        <p:nvPr/>
+      </p:nvGrpSpPr>
+      <p:grpSpPr>
+        <a:xfrm>
+          <a:off x="0" y="0"/>
+          <a:ext cx="0" cy="0"/>
+          <a:chOff x="0" y="0"/>
+          <a:chExt cx="0" cy="0"/>
+        </a:xfrm>
+      </p:grpSpPr>
+      <p:sp>
+        <p:nvSpPr>
+          <p:cNvPr id="284" name="Shape 284"/>
           <p:cNvSpPr txBox="1">
             <a:spLocks noGrp="1"/>
           </p:cNvSpPr>
@@ -16384,14 +13421,14 @@
             </a:pPr>
             <a:r>
               <a:rPr lang="en"/>
-              <a:t>Server architecture</a:t>
-            </a:r>
-          </a:p>
-        </p:txBody>
-      </p:sp>
-      <p:sp>
-        <p:nvSpPr>
-          <p:cNvPr id="142" name="Shape 142"/>
+              <a:t>Ray Tracing principle</a:t>
+            </a:r>
+          </a:p>
+        </p:txBody>
+      </p:sp>
+      <p:sp>
+        <p:nvSpPr>
+          <p:cNvPr id="285" name="Shape 285"/>
           <p:cNvSpPr txBox="1">
             <a:spLocks noGrp="1"/>
           </p:cNvSpPr>
@@ -16402,14 +13439,14 @@
         <p:spPr>
           <a:xfrm>
             <a:off x="457200" y="1200150"/>
-            <a:ext cx="8229600" cy="3172199"/>
+            <a:ext cx="8229600" cy="3725699"/>
           </a:xfrm>
           <a:prstGeom prst="rect">
             <a:avLst/>
           </a:prstGeom>
         </p:spPr>
         <p:txBody>
-          <a:bodyPr lIns="91425" tIns="91425" rIns="91425" bIns="91425" anchor="ctr" anchorCtr="0">
+          <a:bodyPr lIns="91425" tIns="91425" rIns="91425" bIns="91425" anchor="t" anchorCtr="0">
             <a:noAutofit/>
           </a:bodyPr>
           <a:lstStyle/>
@@ -16418,69 +13455,154 @@
               <a:buNone/>
             </a:pPr>
             <a:r>
-              <a:rPr lang="en" dirty="0"/>
-              <a:t>The server is:</a:t>
-            </a:r>
-          </a:p>
-          <a:p>
-            <a:endParaRPr lang="en" sz="1050" dirty="0"/>
-          </a:p>
-          <a:p>
-            <a:pPr marL="457200" lvl="0" indent="-381000" rtl="0">
-              <a:lnSpc>
-                <a:spcPct val="150000"/>
-              </a:lnSpc>
-              <a:buClr>
-                <a:schemeClr val="dk1"/>
-              </a:buClr>
-              <a:buSzPct val="166666"/>
-              <a:buFont typeface="Arial"/>
-              <a:buChar char="•"/>
+              <a:rPr lang="en"/>
+              <a:t>The ray tracing is a technique for generating images from virtual scenes.</a:t>
+            </a:r>
+          </a:p>
+          <a:p>
+            <a:pPr lvl="0" rtl="0">
+              <a:buNone/>
             </a:pPr>
             <a:r>
+              <a:rPr lang="en"/>
+              <a:t>It traces the path of a light ray for each pixels of the image and simulates its encounter with virtual objects.</a:t>
+            </a:r>
+          </a:p>
+          <a:p>
+            <a:pPr lvl="0" rtl="0">
+              <a:buNone/>
+            </a:pPr>
+            <a:r>
+              <a:rPr lang="en"/>
+              <a:t>Ray tracing is used for animated movies.</a:t>
+            </a:r>
+          </a:p>
+        </p:txBody>
+      </p:sp>
+    </p:spTree>
+  </p:cSld>
+  <p:clrMapOvr>
+    <a:masterClrMapping/>
+  </p:clrMapOvr>
+  <p:transition spd="slow">
+    <p:cut/>
+  </p:transition>
+  <p:timing>
+    <p:tnLst>
+      <p:par>
+        <p:cTn id="1" dur="indefinite" restart="never" nodeType="tmRoot"/>
+      </p:par>
+    </p:tnLst>
+  </p:timing>
+</p:sld>
+</file>
+
+<file path=ppt/slides/slide8.xml><?xml version="1.0" encoding="utf-8"?>
+<p:sld xmlns:a="http://schemas.openxmlformats.org/drawingml/2006/main" xmlns:r="http://schemas.openxmlformats.org/officeDocument/2006/relationships" xmlns:p="http://schemas.openxmlformats.org/presentationml/2006/main">
+  <p:cSld>
+    <p:spTree>
+      <p:nvGrpSpPr>
+        <p:cNvPr id="1" name="Shape 289"/>
+        <p:cNvGrpSpPr/>
+        <p:nvPr/>
+      </p:nvGrpSpPr>
+      <p:grpSpPr>
+        <a:xfrm>
+          <a:off x="0" y="0"/>
+          <a:ext cx="0" cy="0"/>
+          <a:chOff x="0" y="0"/>
+          <a:chExt cx="0" cy="0"/>
+        </a:xfrm>
+      </p:grpSpPr>
+      <p:sp>
+        <p:nvSpPr>
+          <p:cNvPr id="290" name="Shape 290"/>
+          <p:cNvSpPr txBox="1">
+            <a:spLocks noGrp="1"/>
+          </p:cNvSpPr>
+          <p:nvPr>
+            <p:ph type="title"/>
+          </p:nvPr>
+        </p:nvSpPr>
+        <p:spPr>
+          <a:xfrm>
+            <a:off x="457200" y="205978"/>
+            <a:ext cx="8229600" cy="857400"/>
+          </a:xfrm>
+          <a:prstGeom prst="rect">
+            <a:avLst/>
+          </a:prstGeom>
+        </p:spPr>
+        <p:txBody>
+          <a:bodyPr lIns="91425" tIns="91425" rIns="91425" bIns="91425" anchor="ctr" anchorCtr="0">
+            <a:noAutofit/>
+          </a:bodyPr>
+          <a:lstStyle/>
+          <a:p>
+            <a:pPr lvl="0" rtl="0">
+              <a:buNone/>
+            </a:pPr>
+            <a:r>
+              <a:rPr lang="en"/>
+              <a:t>Ray Tracing principle</a:t>
+            </a:r>
+          </a:p>
+        </p:txBody>
+      </p:sp>
+      <p:sp>
+        <p:nvSpPr>
+          <p:cNvPr id="2" name="TextBox 1"/>
+          <p:cNvSpPr txBox="1"/>
+          <p:nvPr/>
+        </p:nvSpPr>
+        <p:spPr>
+          <a:xfrm>
+            <a:off x="457199" y="1872691"/>
+            <a:ext cx="7794347" cy="2154436"/>
+          </a:xfrm>
+          <a:prstGeom prst="rect">
+            <a:avLst/>
+          </a:prstGeom>
+          <a:noFill/>
+        </p:spPr>
+        <p:txBody>
+          <a:bodyPr wrap="square" rtlCol="0">
+            <a:spAutoFit/>
+          </a:bodyPr>
+          <a:lstStyle/>
+          <a:p>
+            <a:r>
+              <a:rPr lang="en-US" sz="2400" dirty="0"/>
+              <a:t>In real life, light comes from the light source and goes to the camera</a:t>
+            </a:r>
+            <a:r>
+              <a:rPr lang="en-US" sz="2400" dirty="0" smtClean="0"/>
+              <a:t>.</a:t>
+            </a:r>
+          </a:p>
+          <a:p>
+            <a:endParaRPr lang="en-US" sz="2400" dirty="0"/>
+          </a:p>
+          <a:p>
+            <a:pPr lvl="0"/>
+            <a:r>
               <a:rPr lang="en" sz="2400" dirty="0"/>
-              <a:t>Using config </a:t>
+              <a:t>But it’s the inverse in </a:t>
             </a:r>
             <a:r>
               <a:rPr lang="en" sz="2400" dirty="0" smtClean="0"/>
-              <a:t>file</a:t>
-            </a:r>
-            <a:endParaRPr lang="en" sz="2400" dirty="0"/>
-          </a:p>
-          <a:p>
-            <a:pPr marL="457200" lvl="0" indent="-381000" rtl="0">
-              <a:lnSpc>
-                <a:spcPct val="150000"/>
-              </a:lnSpc>
-              <a:buClr>
-                <a:schemeClr val="dk1"/>
-              </a:buClr>
-              <a:buSzPct val="166666"/>
-              <a:buFont typeface="Arial"/>
-              <a:buChar char="•"/>
-            </a:pPr>
-            <a:r>
-              <a:rPr lang="en" sz="2400" dirty="0" smtClean="0"/>
-              <a:t>Modular</a:t>
-            </a:r>
-            <a:endParaRPr lang="en" sz="2400" dirty="0"/>
-          </a:p>
-          <a:p>
-            <a:pPr marL="457200" lvl="0" indent="-381000" rtl="0">
-              <a:lnSpc>
-                <a:spcPct val="150000"/>
-              </a:lnSpc>
-              <a:buClr>
-                <a:schemeClr val="dk1"/>
-              </a:buClr>
-              <a:buSzPct val="166666"/>
-              <a:buFont typeface="Arial"/>
-              <a:buChar char="•"/>
-            </a:pPr>
+              <a:t>ray </a:t>
+            </a:r>
             <a:r>
               <a:rPr lang="en" sz="2400" dirty="0"/>
-              <a:t>Using threads</a:t>
-            </a:r>
+              <a:t>tracing.</a:t>
+            </a:r>
+          </a:p>
+          <a:p>
+            <a:endParaRPr lang="en-US" sz="2400" dirty="0"/>
+          </a:p>
+          <a:p>
+            <a:endParaRPr lang="fr-FR" dirty="0"/>
           </a:p>
         </p:txBody>
       </p:sp>
@@ -16507,7 +13629,7 @@
   <p:cSld>
     <p:spTree>
       <p:nvGrpSpPr>
-        <p:cNvPr id="1" name="Shape 146"/>
+        <p:cNvPr id="1" name="Shape 296"/>
         <p:cNvGrpSpPr/>
         <p:nvPr/>
       </p:nvGrpSpPr>
@@ -16521,7 +13643,7 @@
       </p:grpSpPr>
       <p:sp>
         <p:nvSpPr>
-          <p:cNvPr id="147" name="Shape 147"/>
+          <p:cNvPr id="297" name="Shape 297"/>
           <p:cNvSpPr txBox="1">
             <a:spLocks noGrp="1"/>
           </p:cNvSpPr>
@@ -16549,457 +13671,117 @@
             </a:pPr>
             <a:r>
               <a:rPr lang="en"/>
-              <a:t>Server: Config files</a:t>
-            </a:r>
-          </a:p>
-        </p:txBody>
-      </p:sp>
-      <p:sp>
-        <p:nvSpPr>
-          <p:cNvPr id="148" name="Shape 148"/>
-          <p:cNvSpPr txBox="1">
-            <a:spLocks noGrp="1"/>
-          </p:cNvSpPr>
-          <p:nvPr>
-            <p:ph type="body" idx="1"/>
-          </p:nvPr>
-        </p:nvSpPr>
-        <p:spPr>
-          <a:xfrm>
-            <a:off x="296029" y="1200150"/>
-            <a:ext cx="3493140" cy="3441599"/>
+              <a:t>Object : Sphere</a:t>
+            </a:r>
+          </a:p>
+        </p:txBody>
+      </p:sp>
+      <p:sp>
+        <p:nvSpPr>
+          <p:cNvPr id="298" name="Shape 298"/>
+          <p:cNvSpPr/>
+          <p:nvPr/>
+        </p:nvSpPr>
+        <p:spPr>
+          <a:xfrm>
+            <a:off x="4203100" y="2416575"/>
+            <a:ext cx="1484699" cy="1464000"/>
+          </a:xfrm>
+          <a:prstGeom prst="ellipse">
+            <a:avLst/>
+          </a:prstGeom>
+          <a:solidFill>
+            <a:schemeClr val="lt2"/>
+          </a:solidFill>
+          <a:ln w="19050" cap="flat">
+            <a:solidFill>
+              <a:schemeClr val="dk2"/>
+            </a:solidFill>
+            <a:prstDash val="solid"/>
+            <a:round/>
+            <a:headEnd type="none" w="med" len="med"/>
+            <a:tailEnd type="none" w="med" len="med"/>
+          </a:ln>
+        </p:spPr>
+        <p:txBody>
+          <a:bodyPr lIns="91425" tIns="91425" rIns="91425" bIns="91425" anchor="ctr" anchorCtr="0">
+            <a:noAutofit/>
+          </a:bodyPr>
+          <a:lstStyle/>
+          <a:p>
+            <a:endParaRPr/>
+          </a:p>
+        </p:txBody>
+      </p:sp>
+      <p:cxnSp>
+        <p:nvCxnSpPr>
+          <p:cNvPr id="299" name="Shape 299"/>
+          <p:cNvCxnSpPr/>
+          <p:nvPr/>
+        </p:nvCxnSpPr>
+        <p:spPr>
+          <a:xfrm>
+            <a:off x="1989350" y="2519375"/>
+            <a:ext cx="2231399" cy="471300"/>
+          </a:xfrm>
+          <a:prstGeom prst="straightConnector1">
+            <a:avLst/>
+          </a:prstGeom>
+          <a:noFill/>
+          <a:ln w="19050" cap="flat">
+            <a:solidFill>
+              <a:schemeClr val="dk2"/>
+            </a:solidFill>
+            <a:prstDash val="solid"/>
+            <a:round/>
+            <a:headEnd type="none" w="lg" len="lg"/>
+            <a:tailEnd type="triangle" w="lg" len="lg"/>
+          </a:ln>
+        </p:spPr>
+      </p:cxnSp>
+      <p:cxnSp>
+        <p:nvCxnSpPr>
+          <p:cNvPr id="300" name="Shape 300"/>
+          <p:cNvCxnSpPr/>
+          <p:nvPr/>
+        </p:nvCxnSpPr>
+        <p:spPr>
+          <a:xfrm>
+            <a:off x="1989350" y="2508125"/>
+            <a:ext cx="3698349" cy="798500"/>
+          </a:xfrm>
+          <a:prstGeom prst="straightConnector1">
+            <a:avLst/>
+          </a:prstGeom>
+          <a:noFill/>
+          <a:ln w="19050" cap="flat">
+            <a:solidFill>
+              <a:schemeClr val="dk2"/>
+            </a:solidFill>
+            <a:prstDash val="solid"/>
+            <a:round/>
+            <a:headEnd type="none" w="lg" len="lg"/>
+            <a:tailEnd type="triangle" w="lg" len="lg"/>
+          </a:ln>
+        </p:spPr>
+      </p:cxnSp>
+      <p:sp>
+        <p:nvSpPr>
+          <p:cNvPr id="301" name="Shape 301"/>
+          <p:cNvSpPr txBox="1"/>
+          <p:nvPr/>
+        </p:nvSpPr>
+        <p:spPr>
+          <a:xfrm>
+            <a:off x="6664147" y="1302225"/>
+            <a:ext cx="1656676" cy="773699"/>
           </a:xfrm>
           <a:prstGeom prst="rect">
             <a:avLst/>
           </a:prstGeom>
         </p:spPr>
         <p:txBody>
-          <a:bodyPr lIns="91425" tIns="91425" rIns="91425" bIns="91425" anchor="ctr" anchorCtr="0">
-            <a:noAutofit/>
-          </a:bodyPr>
-          <a:lstStyle/>
-          <a:p>
-            <a:pPr lvl="0" rtl="0">
-              <a:spcBef>
-                <a:spcPts val="0"/>
-              </a:spcBef>
-              <a:buNone/>
-            </a:pPr>
-            <a:r>
-              <a:rPr lang="en" sz="1800" dirty="0">
-                <a:solidFill>
-                  <a:srgbClr val="FF9900"/>
-                </a:solidFill>
-                <a:latin typeface="Arial"/>
-                <a:ea typeface="Arial"/>
-                <a:cs typeface="Arial"/>
-                <a:sym typeface="Arial"/>
-              </a:rPr>
-              <a:t>[</a:t>
-            </a:r>
-            <a:r>
-              <a:rPr lang="en" sz="1800" dirty="0">
-                <a:solidFill>
-                  <a:srgbClr val="0000FF"/>
-                </a:solidFill>
-                <a:latin typeface="Arial"/>
-                <a:ea typeface="Arial"/>
-                <a:cs typeface="Arial"/>
-                <a:sym typeface="Arial"/>
-              </a:rPr>
-              <a:t>peers</a:t>
-            </a:r>
-            <a:r>
-              <a:rPr lang="en" sz="1800" dirty="0" smtClean="0">
-                <a:solidFill>
-                  <a:srgbClr val="FF9900"/>
-                </a:solidFill>
-                <a:latin typeface="Arial"/>
-                <a:ea typeface="Arial"/>
-                <a:cs typeface="Arial"/>
-                <a:sym typeface="Arial"/>
-              </a:rPr>
-              <a:t>]</a:t>
-            </a:r>
-          </a:p>
-          <a:p>
-            <a:pPr lvl="0" rtl="0">
-              <a:spcBef>
-                <a:spcPts val="0"/>
-              </a:spcBef>
-              <a:buNone/>
-            </a:pPr>
-            <a:r>
-              <a:rPr lang="en" sz="1800" dirty="0" smtClean="0">
-                <a:solidFill>
-                  <a:srgbClr val="0000FF"/>
-                </a:solidFill>
-                <a:latin typeface="Arial"/>
-                <a:ea typeface="Arial"/>
-                <a:cs typeface="Arial"/>
-                <a:sym typeface="Arial"/>
-              </a:rPr>
-              <a:t>Server </a:t>
-            </a:r>
-            <a:r>
-              <a:rPr lang="en" sz="1800" dirty="0" smtClean="0">
-                <a:solidFill>
-                  <a:srgbClr val="9900FF"/>
-                </a:solidFill>
-                <a:latin typeface="Arial"/>
-                <a:ea typeface="Arial"/>
-                <a:cs typeface="Arial"/>
-                <a:sym typeface="Arial"/>
-              </a:rPr>
-              <a:t>192.168.0.15:42414</a:t>
-            </a:r>
-          </a:p>
-          <a:p>
-            <a:pPr lvl="0" rtl="0">
-              <a:spcBef>
-                <a:spcPts val="0"/>
-              </a:spcBef>
-              <a:buNone/>
-            </a:pPr>
-            <a:r>
-              <a:rPr lang="en" sz="1800" dirty="0" smtClean="0">
-                <a:solidFill>
-                  <a:srgbClr val="0000FF"/>
-                </a:solidFill>
-                <a:latin typeface="Arial"/>
-                <a:ea typeface="Arial"/>
-                <a:cs typeface="Arial"/>
-                <a:sym typeface="Arial"/>
-              </a:rPr>
-              <a:t>Server </a:t>
-            </a:r>
-            <a:r>
-              <a:rPr lang="en" sz="1800" dirty="0" smtClean="0">
-                <a:solidFill>
-                  <a:srgbClr val="9900FF"/>
-                </a:solidFill>
-                <a:latin typeface="Arial"/>
-                <a:ea typeface="Arial"/>
-                <a:cs typeface="Arial"/>
-                <a:sym typeface="Arial"/>
-              </a:rPr>
-              <a:t>192.168.0.16:42414</a:t>
-            </a:r>
-          </a:p>
-          <a:p>
-            <a:pPr lvl="0" rtl="0">
-              <a:spcBef>
-                <a:spcPts val="0"/>
-              </a:spcBef>
-              <a:buNone/>
-            </a:pPr>
-            <a:r>
-              <a:rPr lang="en" sz="1800" dirty="0" smtClean="0">
-                <a:solidFill>
-                  <a:srgbClr val="38761D"/>
-                </a:solidFill>
-                <a:latin typeface="Arial"/>
-                <a:ea typeface="Arial"/>
-                <a:cs typeface="Arial"/>
-                <a:sym typeface="Arial"/>
-              </a:rPr>
-              <a:t>#</a:t>
-            </a:r>
-            <a:r>
-              <a:rPr lang="en" sz="1800" dirty="0">
-                <a:solidFill>
-                  <a:srgbClr val="38761D"/>
-                </a:solidFill>
-                <a:latin typeface="Arial"/>
-                <a:ea typeface="Arial"/>
-                <a:cs typeface="Arial"/>
-                <a:sym typeface="Arial"/>
-              </a:rPr>
-              <a:t>Server </a:t>
-            </a:r>
-            <a:r>
-              <a:rPr lang="en" sz="1800" dirty="0" smtClean="0">
-                <a:solidFill>
-                  <a:srgbClr val="38761D"/>
-                </a:solidFill>
-                <a:latin typeface="Arial"/>
-                <a:ea typeface="Arial"/>
-                <a:cs typeface="Arial"/>
-                <a:sym typeface="Arial"/>
-              </a:rPr>
-              <a:t>192.168.0.16:42419</a:t>
-            </a:r>
-          </a:p>
-          <a:p>
-            <a:pPr lvl="0" rtl="0">
-              <a:spcBef>
-                <a:spcPts val="0"/>
-              </a:spcBef>
-              <a:buNone/>
-            </a:pPr>
-            <a:endParaRPr lang="en" sz="1800" dirty="0" smtClean="0">
-              <a:solidFill>
-                <a:srgbClr val="FF9900"/>
-              </a:solidFill>
-              <a:latin typeface="Arial"/>
-              <a:ea typeface="Arial"/>
-              <a:cs typeface="Arial"/>
-              <a:sym typeface="Arial"/>
-            </a:endParaRPr>
-          </a:p>
-          <a:p>
-            <a:pPr lvl="0" rtl="0">
-              <a:spcBef>
-                <a:spcPts val="0"/>
-              </a:spcBef>
-              <a:buNone/>
-            </a:pPr>
-            <a:r>
-              <a:rPr lang="en" sz="1800" dirty="0" smtClean="0">
-                <a:solidFill>
-                  <a:srgbClr val="FF9900"/>
-                </a:solidFill>
-                <a:latin typeface="Arial"/>
-                <a:ea typeface="Arial"/>
-                <a:cs typeface="Arial"/>
-                <a:sym typeface="Arial"/>
-              </a:rPr>
-              <a:t>[</a:t>
-            </a:r>
-            <a:r>
-              <a:rPr lang="en" sz="1800" dirty="0">
-                <a:solidFill>
-                  <a:srgbClr val="0000FF"/>
-                </a:solidFill>
-                <a:latin typeface="Arial"/>
-                <a:ea typeface="Arial"/>
-                <a:cs typeface="Arial"/>
-                <a:sym typeface="Arial"/>
-              </a:rPr>
-              <a:t>server</a:t>
-            </a:r>
-            <a:r>
-              <a:rPr lang="en" sz="1800" dirty="0" smtClean="0">
-                <a:solidFill>
-                  <a:srgbClr val="FF9900"/>
-                </a:solidFill>
-                <a:latin typeface="Arial"/>
-                <a:ea typeface="Arial"/>
-                <a:cs typeface="Arial"/>
-                <a:sym typeface="Arial"/>
-              </a:rPr>
-              <a:t>]</a:t>
-            </a:r>
-          </a:p>
-          <a:p>
-            <a:pPr lvl="0" rtl="0">
-              <a:spcBef>
-                <a:spcPts val="0"/>
-              </a:spcBef>
-              <a:buNone/>
-            </a:pPr>
-            <a:r>
-              <a:rPr lang="en" sz="1800" dirty="0" smtClean="0">
-                <a:solidFill>
-                  <a:srgbClr val="38761D"/>
-                </a:solidFill>
-                <a:latin typeface="Arial"/>
-                <a:ea typeface="Arial"/>
-                <a:cs typeface="Arial"/>
-                <a:sym typeface="Arial"/>
-              </a:rPr>
-              <a:t>#NoListen</a:t>
-            </a:r>
-          </a:p>
-          <a:p>
-            <a:pPr lvl="0" rtl="0">
-              <a:spcBef>
-                <a:spcPts val="0"/>
-              </a:spcBef>
-              <a:buNone/>
-            </a:pPr>
-            <a:r>
-              <a:rPr lang="en" sz="1800" dirty="0" smtClean="0">
-                <a:solidFill>
-                  <a:srgbClr val="0000FF"/>
-                </a:solidFill>
-                <a:latin typeface="Arial"/>
-                <a:ea typeface="Arial"/>
-                <a:cs typeface="Arial"/>
-                <a:sym typeface="Arial"/>
-              </a:rPr>
-              <a:t>Listen</a:t>
-            </a:r>
-            <a:r>
-              <a:rPr lang="en" sz="1800" dirty="0" smtClean="0">
-                <a:latin typeface="Arial"/>
-                <a:ea typeface="Arial"/>
-                <a:cs typeface="Arial"/>
-                <a:sym typeface="Arial"/>
-              </a:rPr>
-              <a:t> </a:t>
-            </a:r>
-            <a:r>
-              <a:rPr lang="en" sz="1800" dirty="0" smtClean="0">
-                <a:solidFill>
-                  <a:srgbClr val="9900FF"/>
-                </a:solidFill>
-                <a:latin typeface="Arial"/>
-                <a:ea typeface="Arial"/>
-                <a:cs typeface="Arial"/>
-                <a:sym typeface="Arial"/>
-              </a:rPr>
-              <a:t>8040</a:t>
-            </a:r>
-          </a:p>
-          <a:p>
-            <a:pPr lvl="0" rtl="0">
-              <a:spcBef>
-                <a:spcPts val="0"/>
-              </a:spcBef>
-              <a:buNone/>
-            </a:pPr>
-            <a:r>
-              <a:rPr lang="en" sz="1800" dirty="0" smtClean="0">
-                <a:solidFill>
-                  <a:srgbClr val="0000FF"/>
-                </a:solidFill>
-                <a:latin typeface="Arial"/>
-                <a:ea typeface="Arial"/>
-                <a:cs typeface="Arial"/>
-                <a:sym typeface="Arial"/>
-              </a:rPr>
-              <a:t>MaxClient </a:t>
-            </a:r>
-            <a:r>
-              <a:rPr lang="en" sz="1800" dirty="0" smtClean="0">
-                <a:solidFill>
-                  <a:srgbClr val="9900FF"/>
-                </a:solidFill>
-                <a:latin typeface="Arial"/>
-                <a:ea typeface="Arial"/>
-                <a:cs typeface="Arial"/>
-                <a:sym typeface="Arial"/>
-              </a:rPr>
-              <a:t>unlimited</a:t>
-            </a:r>
-          </a:p>
-          <a:p>
-            <a:pPr lvl="0" rtl="0">
-              <a:spcBef>
-                <a:spcPts val="0"/>
-              </a:spcBef>
-              <a:buNone/>
-            </a:pPr>
-            <a:endParaRPr lang="en" sz="1800" dirty="0">
-              <a:solidFill>
-                <a:srgbClr val="9900FF"/>
-              </a:solidFill>
-              <a:latin typeface="Arial"/>
-              <a:ea typeface="Arial"/>
-              <a:cs typeface="Arial"/>
-              <a:sym typeface="Arial"/>
-            </a:endParaRPr>
-          </a:p>
-          <a:p>
-            <a:pPr lvl="0" rtl="0">
-              <a:spcBef>
-                <a:spcPts val="0"/>
-              </a:spcBef>
-              <a:buNone/>
-            </a:pPr>
-            <a:r>
-              <a:rPr lang="en" sz="1800" dirty="0" smtClean="0">
-                <a:solidFill>
-                  <a:srgbClr val="FF9900"/>
-                </a:solidFill>
-                <a:latin typeface="Arial"/>
-                <a:ea typeface="Arial"/>
-                <a:cs typeface="Arial"/>
-                <a:sym typeface="Arial"/>
-              </a:rPr>
-              <a:t>[</a:t>
-            </a:r>
-            <a:r>
-              <a:rPr lang="en" sz="1800" dirty="0">
-                <a:solidFill>
-                  <a:srgbClr val="0000FF"/>
-                </a:solidFill>
-                <a:latin typeface="Arial"/>
-                <a:ea typeface="Arial"/>
-                <a:cs typeface="Arial"/>
-                <a:sym typeface="Arial"/>
-              </a:rPr>
-              <a:t>worker</a:t>
-            </a:r>
-            <a:r>
-              <a:rPr lang="en" sz="1800" dirty="0" smtClean="0">
-                <a:solidFill>
-                  <a:srgbClr val="FF9900"/>
-                </a:solidFill>
-                <a:latin typeface="Arial"/>
-                <a:ea typeface="Arial"/>
-                <a:cs typeface="Arial"/>
-                <a:sym typeface="Arial"/>
-              </a:rPr>
-              <a:t>]</a:t>
-            </a:r>
-          </a:p>
-          <a:p>
-            <a:pPr lvl="0" rtl="0">
-              <a:spcBef>
-                <a:spcPts val="0"/>
-              </a:spcBef>
-              <a:buNone/>
-            </a:pPr>
-            <a:r>
-              <a:rPr lang="en" sz="1800" dirty="0" smtClean="0">
-                <a:solidFill>
-                  <a:srgbClr val="0000FF"/>
-                </a:solidFill>
-                <a:latin typeface="Arial"/>
-                <a:ea typeface="Arial"/>
-                <a:cs typeface="Arial"/>
-                <a:sym typeface="Arial"/>
-              </a:rPr>
-              <a:t>MaxThreads </a:t>
-            </a:r>
-            <a:r>
-              <a:rPr lang="en" sz="1800" dirty="0">
-                <a:solidFill>
-                  <a:srgbClr val="9900FF"/>
-                </a:solidFill>
-                <a:latin typeface="Arial"/>
-                <a:ea typeface="Arial"/>
-                <a:cs typeface="Arial"/>
-                <a:sym typeface="Arial"/>
-              </a:rPr>
-              <a:t>2</a:t>
-            </a:r>
-          </a:p>
-        </p:txBody>
-      </p:sp>
-      <p:sp>
-        <p:nvSpPr>
-          <p:cNvPr id="149" name="Shape 149"/>
-          <p:cNvSpPr txBox="1">
-            <a:spLocks noGrp="1"/>
-          </p:cNvSpPr>
-          <p:nvPr>
-            <p:ph type="body" idx="2"/>
-          </p:nvPr>
-        </p:nvSpPr>
-        <p:spPr>
-          <a:xfrm>
-            <a:off x="3789169" y="1200150"/>
-            <a:ext cx="5013856" cy="3725699"/>
-          </a:xfrm>
-          <a:prstGeom prst="rect">
-            <a:avLst/>
-          </a:prstGeom>
-        </p:spPr>
-        <p:txBody>
-          <a:bodyPr lIns="91425" tIns="91425" rIns="91425" bIns="91425" anchor="ctr" anchorCtr="0">
+          <a:bodyPr lIns="91425" tIns="91425" rIns="91425" bIns="91425" anchor="t" anchorCtr="0">
             <a:noAutofit/>
           </a:bodyPr>
           <a:lstStyle/>
@@ -17008,64 +13790,308 @@
               <a:buNone/>
             </a:pPr>
             <a:r>
-              <a:rPr lang="en" sz="2400" dirty="0"/>
-              <a:t>Homemade Config file interpreter</a:t>
-            </a:r>
-          </a:p>
-          <a:p>
-            <a:endParaRPr lang="en" sz="2400" dirty="0"/>
-          </a:p>
-          <a:p>
-            <a:pPr marL="457200" lvl="0" indent="-381000" rtl="0">
+              <a:rPr lang="en" dirty="0"/>
+              <a:t>Sphere equation :</a:t>
+            </a:r>
+          </a:p>
+          <a:p>
+            <a:pPr lvl="0" rtl="0">
+              <a:buNone/>
+            </a:pPr>
+            <a:r>
+              <a:rPr lang="en" dirty="0"/>
+              <a:t>r² = x</a:t>
+            </a:r>
+            <a:r>
+              <a:rPr lang="en" dirty="0">
+                <a:solidFill>
+                  <a:schemeClr val="dk1"/>
+                </a:solidFill>
+              </a:rPr>
+              <a:t>² + y² + z²</a:t>
+            </a:r>
+          </a:p>
+        </p:txBody>
+      </p:sp>
+      <p:sp>
+        <p:nvSpPr>
+          <p:cNvPr id="302" name="Shape 302"/>
+          <p:cNvSpPr txBox="1"/>
+          <p:nvPr/>
+        </p:nvSpPr>
+        <p:spPr>
+          <a:xfrm>
+            <a:off x="287950" y="1302225"/>
+            <a:ext cx="6076274" cy="1050375"/>
+          </a:xfrm>
+          <a:prstGeom prst="rect">
+            <a:avLst/>
+          </a:prstGeom>
+        </p:spPr>
+        <p:txBody>
+          <a:bodyPr lIns="91425" tIns="91425" rIns="91425" bIns="91425" anchor="t" anchorCtr="0">
+            <a:noAutofit/>
+          </a:bodyPr>
+          <a:lstStyle/>
+          <a:p>
+            <a:pPr lvl="0" rtl="0">
+              <a:buNone/>
+            </a:pPr>
+            <a:r>
+              <a:rPr lang="en" dirty="0"/>
+              <a:t> a = (ray x)</a:t>
+            </a:r>
+            <a:r>
+              <a:rPr lang="en" dirty="0">
+                <a:solidFill>
+                  <a:schemeClr val="dk1"/>
+                </a:solidFill>
+              </a:rPr>
+              <a:t>²</a:t>
+            </a:r>
+            <a:r>
+              <a:rPr lang="en" dirty="0"/>
+              <a:t> + (ray y)</a:t>
+            </a:r>
+            <a:r>
+              <a:rPr lang="en" dirty="0">
+                <a:solidFill>
+                  <a:schemeClr val="dk1"/>
+                </a:solidFill>
+              </a:rPr>
+              <a:t>²</a:t>
+            </a:r>
+            <a:r>
+              <a:rPr lang="en" dirty="0"/>
+              <a:t> + (ray z)</a:t>
+            </a:r>
+            <a:r>
+              <a:rPr lang="en" dirty="0">
+                <a:solidFill>
+                  <a:schemeClr val="dk1"/>
+                </a:solidFill>
+              </a:rPr>
+              <a:t>²</a:t>
+            </a:r>
+          </a:p>
+          <a:p>
+            <a:pPr lvl="0" rtl="0">
+              <a:buNone/>
+            </a:pPr>
+            <a:r>
+              <a:rPr lang="en" dirty="0"/>
+              <a:t> b = 2 * ((camera x) * (ray x) + (camera y) * (ray y) + (camera z) * (ray z))</a:t>
+            </a:r>
+          </a:p>
+          <a:p>
+            <a:pPr lvl="0" rtl="0">
               <a:buClr>
                 <a:schemeClr val="dk1"/>
               </a:buClr>
-              <a:buSzPct val="166666"/>
+              <a:buSzPct val="78571"/>
               <a:buFont typeface="Arial"/>
-              <a:buChar char="•"/>
+              <a:buNone/>
             </a:pPr>
             <a:r>
-              <a:rPr lang="en" sz="2400" dirty="0"/>
-              <a:t>Common syntax in Unix </a:t>
-            </a:r>
-            <a:r>
-              <a:rPr lang="en" sz="2400" dirty="0" smtClean="0"/>
-              <a:t>system</a:t>
-            </a:r>
-            <a:endParaRPr lang="en" sz="2400" dirty="0"/>
-          </a:p>
-          <a:p>
-            <a:pPr marL="457200" lvl="0" indent="-381000" rtl="0">
+              <a:rPr lang="en" dirty="0"/>
+              <a:t> c = (camera x)</a:t>
+            </a:r>
+            <a:r>
+              <a:rPr lang="en" dirty="0">
+                <a:solidFill>
+                  <a:schemeClr val="dk1"/>
+                </a:solidFill>
+              </a:rPr>
+              <a:t>²</a:t>
+            </a:r>
+            <a:r>
+              <a:rPr lang="en" dirty="0"/>
+              <a:t> + (camera y)</a:t>
+            </a:r>
+            <a:r>
+              <a:rPr lang="en" dirty="0">
+                <a:solidFill>
+                  <a:schemeClr val="dk1"/>
+                </a:solidFill>
+              </a:rPr>
+              <a:t>²</a:t>
+            </a:r>
+            <a:r>
+              <a:rPr lang="en" dirty="0"/>
+              <a:t> + (camera z)</a:t>
+            </a:r>
+            <a:r>
+              <a:rPr lang="en" dirty="0">
+                <a:solidFill>
+                  <a:schemeClr val="dk1"/>
+                </a:solidFill>
+              </a:rPr>
+              <a:t>²</a:t>
+            </a:r>
+            <a:r>
+              <a:rPr lang="en" dirty="0"/>
+              <a:t> - (sphere r)</a:t>
+            </a:r>
+            <a:r>
+              <a:rPr lang="en" dirty="0">
+                <a:solidFill>
+                  <a:schemeClr val="dk1"/>
+                </a:solidFill>
+              </a:rPr>
+              <a:t>²</a:t>
+            </a:r>
+          </a:p>
+          <a:p>
+            <a:pPr lvl="0" rtl="0">
+              <a:buNone/>
+            </a:pPr>
+            <a:r>
+              <a:rPr lang="en" dirty="0"/>
+              <a:t> d = b</a:t>
+            </a:r>
+            <a:r>
+              <a:rPr lang="en" dirty="0">
+                <a:solidFill>
+                  <a:schemeClr val="dk1"/>
+                </a:solidFill>
+              </a:rPr>
+              <a:t>²</a:t>
+            </a:r>
+            <a:r>
+              <a:rPr lang="en" dirty="0"/>
+              <a:t> - 4 * a * </a:t>
+            </a:r>
+            <a:r>
+              <a:rPr lang="en" dirty="0" smtClean="0"/>
+              <a:t>c</a:t>
+            </a:r>
+            <a:endParaRPr lang="en" dirty="0"/>
+          </a:p>
+          <a:p>
+            <a:endParaRPr lang="en" dirty="0"/>
+          </a:p>
+          <a:p>
+            <a:endParaRPr lang="en" dirty="0"/>
+          </a:p>
+        </p:txBody>
+      </p:sp>
+      <p:sp>
+        <p:nvSpPr>
+          <p:cNvPr id="303" name="Shape 303"/>
+          <p:cNvSpPr txBox="1"/>
+          <p:nvPr/>
+        </p:nvSpPr>
+        <p:spPr>
+          <a:xfrm>
+            <a:off x="2810600" y="2352600"/>
+            <a:ext cx="588899" cy="438299"/>
+          </a:xfrm>
+          <a:prstGeom prst="rect">
+            <a:avLst/>
+          </a:prstGeom>
+        </p:spPr>
+        <p:txBody>
+          <a:bodyPr lIns="91425" tIns="91425" rIns="91425" bIns="91425" anchor="t" anchorCtr="0">
+            <a:noAutofit/>
+          </a:bodyPr>
+          <a:lstStyle/>
+          <a:p>
+            <a:pPr lvl="0" rtl="0">
+              <a:buNone/>
+            </a:pPr>
+            <a:r>
+              <a:rPr lang="en" dirty="0"/>
+              <a:t>k1</a:t>
+            </a:r>
+          </a:p>
+        </p:txBody>
+      </p:sp>
+      <p:sp>
+        <p:nvSpPr>
+          <p:cNvPr id="304" name="Shape 304"/>
+          <p:cNvSpPr txBox="1"/>
+          <p:nvPr/>
+        </p:nvSpPr>
+        <p:spPr>
+          <a:xfrm>
+            <a:off x="5077228" y="2851824"/>
+            <a:ext cx="588899" cy="438299"/>
+          </a:xfrm>
+          <a:prstGeom prst="rect">
+            <a:avLst/>
+          </a:prstGeom>
+        </p:spPr>
+        <p:txBody>
+          <a:bodyPr lIns="91425" tIns="91425" rIns="91425" bIns="91425" anchor="t" anchorCtr="0">
+            <a:noAutofit/>
+          </a:bodyPr>
+          <a:lstStyle/>
+          <a:p>
+            <a:pPr lvl="0" rtl="0">
+              <a:buNone/>
+            </a:pPr>
+            <a:r>
+              <a:rPr lang="en" dirty="0"/>
+              <a:t>k2</a:t>
+            </a:r>
+          </a:p>
+        </p:txBody>
+      </p:sp>
+      <p:sp>
+        <p:nvSpPr>
+          <p:cNvPr id="2" name="TextBox 1"/>
+          <p:cNvSpPr txBox="1"/>
+          <p:nvPr/>
+        </p:nvSpPr>
+        <p:spPr>
+          <a:xfrm>
+            <a:off x="287950" y="3070974"/>
+            <a:ext cx="4052713" cy="1384995"/>
+          </a:xfrm>
+          <a:prstGeom prst="rect">
+            <a:avLst/>
+          </a:prstGeom>
+          <a:noFill/>
+        </p:spPr>
+        <p:txBody>
+          <a:bodyPr wrap="none" rtlCol="0">
+            <a:spAutoFit/>
+          </a:bodyPr>
+          <a:lstStyle/>
+          <a:p>
+            <a:pPr lvl="0">
               <a:buClr>
                 <a:schemeClr val="dk1"/>
               </a:buClr>
-              <a:buSzPct val="166666"/>
-              <a:buFont typeface="Arial"/>
-              <a:buChar char="•"/>
+              <a:buSzPct val="78571"/>
             </a:pPr>
             <a:r>
-              <a:rPr lang="en" sz="2400" dirty="0"/>
-              <a:t>Easy to read for a </a:t>
-            </a:r>
-            <a:r>
-              <a:rPr lang="en" sz="2400" dirty="0" smtClean="0"/>
-              <a:t>human</a:t>
-            </a:r>
-            <a:endParaRPr lang="en" sz="2400" dirty="0"/>
-          </a:p>
-          <a:p>
-            <a:pPr marL="457200" lvl="0" indent="-381000" rtl="0">
-              <a:buClr>
-                <a:schemeClr val="dk1"/>
-              </a:buClr>
-              <a:buSzPct val="166666"/>
-              <a:buFont typeface="Arial"/>
-              <a:buChar char="•"/>
-            </a:pPr>
-            <a:r>
-              <a:rPr lang="en" sz="2400" dirty="0"/>
-              <a:t>Easy to understand</a:t>
-            </a:r>
+              <a:rPr lang="en" dirty="0"/>
+              <a:t>k1 = (-b - sqrt(disc)) / (2 * a)</a:t>
+            </a:r>
+          </a:p>
+          <a:p>
+            <a:pPr lvl="0"/>
+            <a:r>
+              <a:rPr lang="en" dirty="0"/>
+              <a:t>k2 = (-b + sqrt(disc)) / (2 * a)</a:t>
+            </a:r>
+          </a:p>
+          <a:p>
+            <a:endParaRPr lang="en" dirty="0"/>
+          </a:p>
+          <a:p>
+            <a:endParaRPr lang="en" dirty="0"/>
+          </a:p>
+          <a:p>
+            <a:pPr lvl="0"/>
+            <a:r>
+              <a:rPr lang="en" dirty="0"/>
+              <a:t>(k =&gt; distance between intersection and camera)</a:t>
+            </a:r>
+          </a:p>
+          <a:p>
+            <a:endParaRPr lang="fr-FR" dirty="0"/>
           </a:p>
         </p:txBody>
       </p:sp>

--- a/Presentation DS - drt.pptx
+++ b/Presentation DS - drt.pptx
@@ -5,7 +5,7 @@
     <p:sldMasterId id="2147483654" r:id="rId1"/>
   </p:sldMasterIdLst>
   <p:notesMasterIdLst>
-    <p:notesMasterId r:id="rId28"/>
+    <p:notesMasterId r:id="rId29"/>
   </p:notesMasterIdLst>
   <p:sldIdLst>
     <p:sldId id="256" r:id="rId2"/>
@@ -24,16 +24,17 @@
     <p:sldId id="276" r:id="rId15"/>
     <p:sldId id="287" r:id="rId16"/>
     <p:sldId id="268" r:id="rId17"/>
-    <p:sldId id="270" r:id="rId18"/>
-    <p:sldId id="272" r:id="rId19"/>
-    <p:sldId id="288" r:id="rId20"/>
-    <p:sldId id="263" r:id="rId21"/>
-    <p:sldId id="281" r:id="rId22"/>
-    <p:sldId id="267" r:id="rId23"/>
-    <p:sldId id="265" r:id="rId24"/>
-    <p:sldId id="278" r:id="rId25"/>
-    <p:sldId id="279" r:id="rId26"/>
-    <p:sldId id="280" r:id="rId27"/>
+    <p:sldId id="289" r:id="rId18"/>
+    <p:sldId id="270" r:id="rId19"/>
+    <p:sldId id="272" r:id="rId20"/>
+    <p:sldId id="288" r:id="rId21"/>
+    <p:sldId id="263" r:id="rId22"/>
+    <p:sldId id="281" r:id="rId23"/>
+    <p:sldId id="267" r:id="rId24"/>
+    <p:sldId id="265" r:id="rId25"/>
+    <p:sldId id="278" r:id="rId26"/>
+    <p:sldId id="279" r:id="rId27"/>
+    <p:sldId id="280" r:id="rId28"/>
   </p:sldIdLst>
   <p:sldSz cx="9144000" cy="5143500" type="screen16x9"/>
   <p:notesSz cx="6858000" cy="9144000"/>
@@ -1210,6 +1211,57 @@
           </a:bodyPr>
           <a:lstStyle/>
           <a:p>
+            <a:r>
+              <a:rPr lang="en-US" dirty="0" smtClean="0"/>
+              <a:t>Principe</a:t>
+            </a:r>
+            <a:r>
+              <a:rPr lang="en-US" baseline="0" dirty="0" smtClean="0"/>
+              <a:t> du </a:t>
+            </a:r>
+            <a:r>
+              <a:rPr lang="en-US" baseline="0" dirty="0" err="1" smtClean="0"/>
+              <a:t>renvoi</a:t>
+            </a:r>
+            <a:r>
+              <a:rPr lang="en-US" baseline="0" dirty="0" smtClean="0"/>
+              <a:t> de rayon, application de post-</a:t>
+            </a:r>
+            <a:r>
+              <a:rPr lang="en-US" baseline="0" dirty="0" err="1" smtClean="0"/>
+              <a:t>traitement</a:t>
+            </a:r>
+            <a:endParaRPr lang="en-US" baseline="0" dirty="0" smtClean="0"/>
+          </a:p>
+          <a:p>
+            <a:r>
+              <a:rPr lang="en-US" baseline="0" dirty="0" smtClean="0"/>
+              <a:t>Bastien =&gt;</a:t>
+            </a:r>
+            <a:r>
+              <a:rPr lang="en-US" baseline="0" dirty="0" err="1" smtClean="0"/>
+              <a:t>diaporama</a:t>
+            </a:r>
+            <a:r>
+              <a:rPr lang="en-US" baseline="0" dirty="0" smtClean="0"/>
+              <a:t> </a:t>
+            </a:r>
+            <a:r>
+              <a:rPr lang="en-US" baseline="0" dirty="0" err="1" smtClean="0"/>
+              <a:t>sur</a:t>
+            </a:r>
+            <a:r>
+              <a:rPr lang="en-US" baseline="0" dirty="0" smtClean="0"/>
+              <a:t> </a:t>
+            </a:r>
+            <a:r>
+              <a:rPr lang="en-US" baseline="0" dirty="0" err="1" smtClean="0"/>
+              <a:t>ecran</a:t>
+            </a:r>
+            <a:r>
+              <a:rPr lang="en-US" baseline="0" dirty="0" smtClean="0"/>
+              <a:t> 2</a:t>
+            </a:r>
             <a:endParaRPr dirty="0"/>
           </a:p>
         </p:txBody>
@@ -1418,7 +1470,13 @@
               <a:rPr lang="en-US" baseline="0" dirty="0" smtClean="0"/>
               <a:t> DE NEWTON !</a:t>
             </a:r>
-            <a:endParaRPr dirty="0"/>
+          </a:p>
+          <a:p>
+            <a:r>
+              <a:rPr lang="en-US" baseline="0" dirty="0" err="1" smtClean="0"/>
+              <a:t>Archi</a:t>
+            </a:r>
+            <a:endParaRPr lang="en-US" baseline="0" dirty="0" smtClean="0"/>
           </a:p>
         </p:txBody>
       </p:sp>
@@ -1436,6 +1494,153 @@
 </file>
 
 <file path=ppt/notesSlides/notesSlide17.xml><?xml version="1.0" encoding="utf-8"?>
+<p:notes xmlns:a="http://schemas.openxmlformats.org/drawingml/2006/main" xmlns:r="http://schemas.openxmlformats.org/officeDocument/2006/relationships" xmlns:p="http://schemas.openxmlformats.org/presentationml/2006/main">
+  <p:cSld>
+    <p:spTree>
+      <p:nvGrpSpPr>
+        <p:cNvPr id="1" name=""/>
+        <p:cNvGrpSpPr/>
+        <p:nvPr/>
+      </p:nvGrpSpPr>
+      <p:grpSpPr>
+        <a:xfrm>
+          <a:off x="0" y="0"/>
+          <a:ext cx="0" cy="0"/>
+          <a:chOff x="0" y="0"/>
+          <a:chExt cx="0" cy="0"/>
+        </a:xfrm>
+      </p:grpSpPr>
+      <p:sp>
+        <p:nvSpPr>
+          <p:cNvPr id="2" name="Slide Image Placeholder 1"/>
+          <p:cNvSpPr>
+            <a:spLocks noGrp="1" noRot="1" noChangeAspect="1"/>
+          </p:cNvSpPr>
+          <p:nvPr>
+            <p:ph type="sldImg"/>
+          </p:nvPr>
+        </p:nvSpPr>
+        <p:spPr/>
+      </p:sp>
+      <p:sp>
+        <p:nvSpPr>
+          <p:cNvPr id="3" name="Notes Placeholder 2"/>
+          <p:cNvSpPr>
+            <a:spLocks noGrp="1"/>
+          </p:cNvSpPr>
+          <p:nvPr>
+            <p:ph type="body" idx="1"/>
+          </p:nvPr>
+        </p:nvSpPr>
+        <p:spPr/>
+        <p:txBody>
+          <a:bodyPr/>
+          <a:lstStyle/>
+          <a:p>
+            <a:pPr marL="0" marR="0" indent="0" algn="l" defTabSz="914400" rtl="0" eaLnBrk="1" fontAlgn="auto" latinLnBrk="0" hangingPunct="1">
+              <a:lnSpc>
+                <a:spcPct val="100000"/>
+              </a:lnSpc>
+              <a:spcBef>
+                <a:spcPts val="0"/>
+              </a:spcBef>
+              <a:spcAft>
+                <a:spcPts val="0"/>
+              </a:spcAft>
+              <a:buClrTx/>
+              <a:buSzTx/>
+              <a:buFontTx/>
+              <a:buNone/>
+              <a:tabLst/>
+              <a:defRPr/>
+            </a:pPr>
+            <a:r>
+              <a:rPr lang="en-US" baseline="0" dirty="0" err="1" smtClean="0"/>
+              <a:t>Manip</a:t>
+            </a:r>
+            <a:r>
+              <a:rPr lang="en-US" baseline="0" dirty="0" smtClean="0"/>
+              <a:t> du client</a:t>
+            </a:r>
+          </a:p>
+          <a:p>
+            <a:pPr marL="0" marR="0" indent="0" algn="l" defTabSz="914400" rtl="0" eaLnBrk="1" fontAlgn="auto" latinLnBrk="0" hangingPunct="1">
+              <a:lnSpc>
+                <a:spcPct val="100000"/>
+              </a:lnSpc>
+              <a:spcBef>
+                <a:spcPts val="0"/>
+              </a:spcBef>
+              <a:spcAft>
+                <a:spcPts val="0"/>
+              </a:spcAft>
+              <a:buClrTx/>
+              <a:buSzTx/>
+              <a:buFontTx/>
+              <a:buNone/>
+              <a:tabLst/>
+              <a:defRPr/>
+            </a:pPr>
+            <a:r>
+              <a:rPr lang="en-US" baseline="0" dirty="0" smtClean="0"/>
+              <a:t>Notion de scene</a:t>
+            </a:r>
+          </a:p>
+          <a:p>
+            <a:pPr marL="0" marR="0" indent="0" algn="l" defTabSz="914400" rtl="0" eaLnBrk="1" fontAlgn="auto" latinLnBrk="0" hangingPunct="1">
+              <a:lnSpc>
+                <a:spcPct val="100000"/>
+              </a:lnSpc>
+              <a:spcBef>
+                <a:spcPts val="0"/>
+              </a:spcBef>
+              <a:spcAft>
+                <a:spcPts val="0"/>
+              </a:spcAft>
+              <a:buClrTx/>
+              <a:buSzTx/>
+              <a:buFontTx/>
+              <a:buNone/>
+              <a:tabLst/>
+              <a:defRPr/>
+            </a:pPr>
+            <a:r>
+              <a:rPr lang="en-US" baseline="0" dirty="0" smtClean="0"/>
+              <a:t>Scene </a:t>
+            </a:r>
+            <a:r>
+              <a:rPr lang="en-US" baseline="0" dirty="0" err="1" smtClean="0"/>
+              <a:t>depuis</a:t>
+            </a:r>
+            <a:r>
+              <a:rPr lang="en-US" baseline="0" dirty="0" smtClean="0"/>
+              <a:t> save (</a:t>
+            </a:r>
+            <a:r>
+              <a:rPr lang="en-US" baseline="0" dirty="0" err="1" smtClean="0"/>
+              <a:t>pokemon</a:t>
+            </a:r>
+            <a:r>
+              <a:rPr lang="en-US" baseline="0" dirty="0" smtClean="0"/>
+              <a:t>)</a:t>
+            </a:r>
+          </a:p>
+        </p:txBody>
+      </p:sp>
+    </p:spTree>
+    <p:extLst>
+      <p:ext uri="{BB962C8B-B14F-4D97-AF65-F5344CB8AC3E}">
+        <p14:creationId xmlns:p14="http://schemas.microsoft.com/office/powerpoint/2010/main" val="933422179"/>
+      </p:ext>
+    </p:extLst>
+  </p:cSld>
+  <p:clrMapOvr>
+    <a:masterClrMapping/>
+  </p:clrMapOvr>
+</p:notes>
+</file>
+
+<file path=ppt/notesSlides/notesSlide18.xml><?xml version="1.0" encoding="utf-8"?>
 <p:notes xmlns:a="http://schemas.openxmlformats.org/drawingml/2006/main" xmlns:r="http://schemas.openxmlformats.org/officeDocument/2006/relationships" xmlns:p="http://schemas.openxmlformats.org/presentationml/2006/main" showMasterSp="0" showMasterPhAnim="0">
   <p:cSld>
     <p:spTree>
@@ -1518,7 +1723,11 @@
           </a:bodyPr>
           <a:lstStyle/>
           <a:p>
-            <a:endParaRPr/>
+            <a:r>
+              <a:rPr lang="en-US" dirty="0" smtClean="0"/>
+              <a:t>Server mapping</a:t>
+            </a:r>
+            <a:endParaRPr dirty="0"/>
           </a:p>
         </p:txBody>
       </p:sp>
@@ -1535,7 +1744,7 @@
 </p:notes>
 </file>
 
-<file path=ppt/notesSlides/notesSlide18.xml><?xml version="1.0" encoding="utf-8"?>
+<file path=ppt/notesSlides/notesSlide19.xml><?xml version="1.0" encoding="utf-8"?>
 <p:notes xmlns:a="http://schemas.openxmlformats.org/drawingml/2006/main" xmlns:r="http://schemas.openxmlformats.org/officeDocument/2006/relationships" xmlns:p="http://schemas.openxmlformats.org/presentationml/2006/main" showMasterSp="0" showMasterPhAnim="0">
   <p:cSld>
     <p:spTree>
@@ -1618,7 +1827,21 @@
           </a:bodyPr>
           <a:lstStyle/>
           <a:p>
-            <a:endParaRPr/>
+            <a:r>
+              <a:rPr lang="en-US" dirty="0" err="1" smtClean="0"/>
+              <a:t>Berceau</a:t>
+            </a:r>
+            <a:r>
+              <a:rPr lang="en-US" dirty="0" smtClean="0"/>
+              <a:t> de newton =&gt; end ?</a:t>
+            </a:r>
+          </a:p>
+          <a:p>
+            <a:r>
+              <a:rPr lang="en-US" dirty="0" smtClean="0"/>
+              <a:t>Umbrella</a:t>
+            </a:r>
+            <a:endParaRPr dirty="0"/>
           </a:p>
         </p:txBody>
       </p:sp>
@@ -1626,106 +1849,6 @@
     <p:extLst>
       <p:ext uri="{BB962C8B-B14F-4D97-AF65-F5344CB8AC3E}">
         <p14:creationId xmlns:p14="http://schemas.microsoft.com/office/powerpoint/2010/main" val="714751750"/>
-      </p:ext>
-    </p:extLst>
-  </p:cSld>
-  <p:clrMapOvr>
-    <a:masterClrMapping/>
-  </p:clrMapOvr>
-</p:notes>
-</file>
-
-<file path=ppt/notesSlides/notesSlide19.xml><?xml version="1.0" encoding="utf-8"?>
-<p:notes xmlns:a="http://schemas.openxmlformats.org/drawingml/2006/main" xmlns:r="http://schemas.openxmlformats.org/officeDocument/2006/relationships" xmlns:p="http://schemas.openxmlformats.org/presentationml/2006/main" showMasterSp="0" showMasterPhAnim="0">
-  <p:cSld>
-    <p:spTree>
-      <p:nvGrpSpPr>
-        <p:cNvPr id="1" name="Shape 54"/>
-        <p:cNvGrpSpPr/>
-        <p:nvPr/>
-      </p:nvGrpSpPr>
-      <p:grpSpPr>
-        <a:xfrm>
-          <a:off x="0" y="0"/>
-          <a:ext cx="0" cy="0"/>
-          <a:chOff x="0" y="0"/>
-          <a:chExt cx="0" cy="0"/>
-        </a:xfrm>
-      </p:grpSpPr>
-      <p:sp>
-        <p:nvSpPr>
-          <p:cNvPr id="55" name="Shape 55"/>
-          <p:cNvSpPr>
-            <a:spLocks noGrp="1" noRot="1" noChangeAspect="1"/>
-          </p:cNvSpPr>
-          <p:nvPr>
-            <p:ph type="sldImg" idx="2"/>
-          </p:nvPr>
-        </p:nvSpPr>
-        <p:spPr>
-          <a:xfrm>
-            <a:off x="381000" y="685800"/>
-            <a:ext cx="6096000" cy="3429000"/>
-          </a:xfrm>
-          <a:custGeom>
-            <a:avLst/>
-            <a:gdLst/>
-            <a:ahLst/>
-            <a:cxnLst/>
-            <a:rect l="0" t="0" r="0" b="0"/>
-            <a:pathLst>
-              <a:path w="120000" h="120000" extrusionOk="0">
-                <a:moveTo>
-                  <a:pt x="0" y="0"/>
-                </a:moveTo>
-                <a:lnTo>
-                  <a:pt x="120000" y="0"/>
-                </a:lnTo>
-                <a:lnTo>
-                  <a:pt x="120000" y="120000"/>
-                </a:lnTo>
-                <a:lnTo>
-                  <a:pt x="0" y="120000"/>
-                </a:lnTo>
-                <a:close/>
-              </a:path>
-            </a:pathLst>
-          </a:custGeom>
-        </p:spPr>
-      </p:sp>
-      <p:sp>
-        <p:nvSpPr>
-          <p:cNvPr id="56" name="Shape 56"/>
-          <p:cNvSpPr txBox="1">
-            <a:spLocks noGrp="1"/>
-          </p:cNvSpPr>
-          <p:nvPr>
-            <p:ph type="body" idx="1"/>
-          </p:nvPr>
-        </p:nvSpPr>
-        <p:spPr>
-          <a:xfrm>
-            <a:off x="685800" y="4343400"/>
-            <a:ext cx="5486399" cy="4114800"/>
-          </a:xfrm>
-          <a:prstGeom prst="rect">
-            <a:avLst/>
-          </a:prstGeom>
-        </p:spPr>
-        <p:txBody>
-          <a:bodyPr lIns="91425" tIns="91425" rIns="91425" bIns="91425" anchor="t" anchorCtr="0">
-            <a:noAutofit/>
-          </a:bodyPr>
-          <a:lstStyle/>
-          <a:p>
-            <a:endParaRPr dirty="0"/>
-          </a:p>
-        </p:txBody>
-      </p:sp>
-    </p:spTree>
-    <p:extLst>
-      <p:ext uri="{BB962C8B-B14F-4D97-AF65-F5344CB8AC3E}">
-        <p14:creationId xmlns:p14="http://schemas.microsoft.com/office/powerpoint/2010/main" val="1888195084"/>
       </p:ext>
     </p:extLst>
   </p:cSld>
@@ -1889,7 +2012,7 @@
   <p:cSld>
     <p:spTree>
       <p:nvGrpSpPr>
-        <p:cNvPr id="1" name="Shape 143"/>
+        <p:cNvPr id="1" name="Shape 54"/>
         <p:cNvGrpSpPr/>
         <p:nvPr/>
       </p:nvGrpSpPr>
@@ -1903,7 +2026,7 @@
       </p:grpSpPr>
       <p:sp>
         <p:nvSpPr>
-          <p:cNvPr id="144" name="Shape 144"/>
+          <p:cNvPr id="55" name="Shape 55"/>
           <p:cNvSpPr>
             <a:spLocks noGrp="1" noRot="1" noChangeAspect="1"/>
           </p:cNvSpPr>
@@ -1944,7 +2067,7 @@
       </p:sp>
       <p:sp>
         <p:nvSpPr>
-          <p:cNvPr id="145" name="Shape 145"/>
+          <p:cNvPr id="56" name="Shape 56"/>
           <p:cNvSpPr txBox="1">
             <a:spLocks noGrp="1"/>
           </p:cNvSpPr>
@@ -1967,14 +2090,14 @@
           </a:bodyPr>
           <a:lstStyle/>
           <a:p>
-            <a:endParaRPr/>
+            <a:endParaRPr dirty="0"/>
           </a:p>
         </p:txBody>
       </p:sp>
     </p:spTree>
     <p:extLst>
       <p:ext uri="{BB962C8B-B14F-4D97-AF65-F5344CB8AC3E}">
-        <p14:creationId xmlns:p14="http://schemas.microsoft.com/office/powerpoint/2010/main" val="2985260490"/>
+        <p14:creationId xmlns:p14="http://schemas.microsoft.com/office/powerpoint/2010/main" val="1888195084"/>
       </p:ext>
     </p:extLst>
   </p:cSld>
@@ -1985,11 +2108,11 @@
 </file>
 
 <file path=ppt/notesSlides/notesSlide21.xml><?xml version="1.0" encoding="utf-8"?>
-<p:notes xmlns:a="http://schemas.openxmlformats.org/drawingml/2006/main" xmlns:r="http://schemas.openxmlformats.org/officeDocument/2006/relationships" xmlns:p="http://schemas.openxmlformats.org/presentationml/2006/main">
+<p:notes xmlns:a="http://schemas.openxmlformats.org/drawingml/2006/main" xmlns:r="http://schemas.openxmlformats.org/officeDocument/2006/relationships" xmlns:p="http://schemas.openxmlformats.org/presentationml/2006/main" showMasterSp="0" showMasterPhAnim="0">
   <p:cSld>
     <p:spTree>
       <p:nvGrpSpPr>
-        <p:cNvPr id="1" name=""/>
+        <p:cNvPr id="1" name="Shape 143"/>
         <p:cNvGrpSpPr/>
         <p:nvPr/>
       </p:nvGrpSpPr>
@@ -2003,77 +2126,7 @@
       </p:grpSpPr>
       <p:sp>
         <p:nvSpPr>
-          <p:cNvPr id="2" name="Slide Image Placeholder 1"/>
-          <p:cNvSpPr>
-            <a:spLocks noGrp="1" noRot="1" noChangeAspect="1"/>
-          </p:cNvSpPr>
-          <p:nvPr>
-            <p:ph type="sldImg"/>
-          </p:nvPr>
-        </p:nvSpPr>
-        <p:spPr>
-          <a:xfrm>
-            <a:off x="381000" y="685800"/>
-            <a:ext cx="6096000" cy="3429000"/>
-          </a:xfrm>
-        </p:spPr>
-      </p:sp>
-      <p:sp>
-        <p:nvSpPr>
-          <p:cNvPr id="3" name="Notes Placeholder 2"/>
-          <p:cNvSpPr>
-            <a:spLocks noGrp="1"/>
-          </p:cNvSpPr>
-          <p:nvPr>
-            <p:ph type="body" idx="1"/>
-          </p:nvPr>
-        </p:nvSpPr>
-        <p:spPr/>
-        <p:txBody>
-          <a:bodyPr/>
-          <a:lstStyle/>
-          <a:p>
-            <a:r>
-              <a:rPr lang="en-US" dirty="0" smtClean="0"/>
-              <a:t>Definition FJF</a:t>
-            </a:r>
-            <a:endParaRPr lang="fr-FR" dirty="0"/>
-          </a:p>
-        </p:txBody>
-      </p:sp>
-    </p:spTree>
-    <p:extLst>
-      <p:ext uri="{BB962C8B-B14F-4D97-AF65-F5344CB8AC3E}">
-        <p14:creationId xmlns:p14="http://schemas.microsoft.com/office/powerpoint/2010/main" val="3063469759"/>
-      </p:ext>
-    </p:extLst>
-  </p:cSld>
-  <p:clrMapOvr>
-    <a:masterClrMapping/>
-  </p:clrMapOvr>
-</p:notes>
-</file>
-
-<file path=ppt/notesSlides/notesSlide22.xml><?xml version="1.0" encoding="utf-8"?>
-<p:notes xmlns:a="http://schemas.openxmlformats.org/drawingml/2006/main" xmlns:r="http://schemas.openxmlformats.org/officeDocument/2006/relationships" xmlns:p="http://schemas.openxmlformats.org/presentationml/2006/main" showMasterSp="0" showMasterPhAnim="0">
-  <p:cSld>
-    <p:spTree>
-      <p:nvGrpSpPr>
-        <p:cNvPr id="1" name="Shape 193"/>
-        <p:cNvGrpSpPr/>
-        <p:nvPr/>
-      </p:nvGrpSpPr>
-      <p:grpSpPr>
-        <a:xfrm>
-          <a:off x="0" y="0"/>
-          <a:ext cx="0" cy="0"/>
-          <a:chOff x="0" y="0"/>
-          <a:chExt cx="0" cy="0"/>
-        </a:xfrm>
-      </p:grpSpPr>
-      <p:sp>
-        <p:nvSpPr>
-          <p:cNvPr id="194" name="Shape 194"/>
+          <p:cNvPr id="144" name="Shape 144"/>
           <p:cNvSpPr>
             <a:spLocks noGrp="1" noRot="1" noChangeAspect="1"/>
           </p:cNvSpPr>
@@ -2114,7 +2167,7 @@
       </p:sp>
       <p:sp>
         <p:nvSpPr>
-          <p:cNvPr id="195" name="Shape 195"/>
+          <p:cNvPr id="145" name="Shape 145"/>
           <p:cNvSpPr txBox="1">
             <a:spLocks noGrp="1"/>
           </p:cNvSpPr>
@@ -2137,51 +2190,84 @@
           </a:bodyPr>
           <a:lstStyle/>
           <a:p>
-            <a:r>
-              <a:rPr lang="en-US" dirty="0" smtClean="0"/>
-              <a:t>Definition</a:t>
-            </a:r>
-            <a:r>
-              <a:rPr lang="en-US" baseline="0" dirty="0" smtClean="0"/>
-              <a:t> Thread</a:t>
-            </a:r>
-            <a:endParaRPr lang="en-US" dirty="0" smtClean="0"/>
-          </a:p>
-          <a:p>
-            <a:endParaRPr lang="en-US" dirty="0" smtClean="0"/>
-          </a:p>
-          <a:p>
-            <a:r>
-              <a:rPr lang="en-US" dirty="0" smtClean="0"/>
-              <a:t>Worker manager -&gt; event bus</a:t>
-            </a:r>
-          </a:p>
-          <a:p>
-            <a:r>
-              <a:rPr lang="en-US" dirty="0" smtClean="0"/>
-              <a:t>(architecture event)</a:t>
-            </a:r>
-          </a:p>
-          <a:p>
-            <a:endParaRPr lang="en-US" dirty="0" smtClean="0"/>
-          </a:p>
-          <a:p>
-            <a:r>
-              <a:rPr lang="en-US" dirty="0" smtClean="0"/>
-              <a:t>For calculus,</a:t>
-            </a:r>
-            <a:r>
-              <a:rPr lang="en-US" baseline="0" dirty="0" smtClean="0"/>
-              <a:t> =&gt; next slide</a:t>
-            </a:r>
-            <a:endParaRPr dirty="0"/>
+            <a:endParaRPr/>
           </a:p>
         </p:txBody>
       </p:sp>
     </p:spTree>
     <p:extLst>
       <p:ext uri="{BB962C8B-B14F-4D97-AF65-F5344CB8AC3E}">
-        <p14:creationId xmlns:p14="http://schemas.microsoft.com/office/powerpoint/2010/main" val="1033013205"/>
+        <p14:creationId xmlns:p14="http://schemas.microsoft.com/office/powerpoint/2010/main" val="2985260490"/>
+      </p:ext>
+    </p:extLst>
+  </p:cSld>
+  <p:clrMapOvr>
+    <a:masterClrMapping/>
+  </p:clrMapOvr>
+</p:notes>
+</file>
+
+<file path=ppt/notesSlides/notesSlide22.xml><?xml version="1.0" encoding="utf-8"?>
+<p:notes xmlns:a="http://schemas.openxmlformats.org/drawingml/2006/main" xmlns:r="http://schemas.openxmlformats.org/officeDocument/2006/relationships" xmlns:p="http://schemas.openxmlformats.org/presentationml/2006/main">
+  <p:cSld>
+    <p:spTree>
+      <p:nvGrpSpPr>
+        <p:cNvPr id="1" name=""/>
+        <p:cNvGrpSpPr/>
+        <p:nvPr/>
+      </p:nvGrpSpPr>
+      <p:grpSpPr>
+        <a:xfrm>
+          <a:off x="0" y="0"/>
+          <a:ext cx="0" cy="0"/>
+          <a:chOff x="0" y="0"/>
+          <a:chExt cx="0" cy="0"/>
+        </a:xfrm>
+      </p:grpSpPr>
+      <p:sp>
+        <p:nvSpPr>
+          <p:cNvPr id="2" name="Slide Image Placeholder 1"/>
+          <p:cNvSpPr>
+            <a:spLocks noGrp="1" noRot="1" noChangeAspect="1"/>
+          </p:cNvSpPr>
+          <p:nvPr>
+            <p:ph type="sldImg"/>
+          </p:nvPr>
+        </p:nvSpPr>
+        <p:spPr>
+          <a:xfrm>
+            <a:off x="381000" y="685800"/>
+            <a:ext cx="6096000" cy="3429000"/>
+          </a:xfrm>
+        </p:spPr>
+      </p:sp>
+      <p:sp>
+        <p:nvSpPr>
+          <p:cNvPr id="3" name="Notes Placeholder 2"/>
+          <p:cNvSpPr>
+            <a:spLocks noGrp="1"/>
+          </p:cNvSpPr>
+          <p:nvPr>
+            <p:ph type="body" idx="1"/>
+          </p:nvPr>
+        </p:nvSpPr>
+        <p:spPr/>
+        <p:txBody>
+          <a:bodyPr/>
+          <a:lstStyle/>
+          <a:p>
+            <a:r>
+              <a:rPr lang="en-US" dirty="0" smtClean="0"/>
+              <a:t>Definition FJF</a:t>
+            </a:r>
+            <a:endParaRPr lang="fr-FR" dirty="0"/>
+          </a:p>
+        </p:txBody>
+      </p:sp>
+    </p:spTree>
+    <p:extLst>
+      <p:ext uri="{BB962C8B-B14F-4D97-AF65-F5344CB8AC3E}">
+        <p14:creationId xmlns:p14="http://schemas.microsoft.com/office/powerpoint/2010/main" val="3063469759"/>
       </p:ext>
     </p:extLst>
   </p:cSld>
@@ -2196,7 +2282,7 @@
   <p:cSld>
     <p:spTree>
       <p:nvGrpSpPr>
-        <p:cNvPr id="1" name="Shape 168"/>
+        <p:cNvPr id="1" name="Shape 193"/>
         <p:cNvGrpSpPr/>
         <p:nvPr/>
       </p:nvGrpSpPr>
@@ -2210,7 +2296,7 @@
       </p:grpSpPr>
       <p:sp>
         <p:nvSpPr>
-          <p:cNvPr id="169" name="Shape 169"/>
+          <p:cNvPr id="194" name="Shape 194"/>
           <p:cNvSpPr>
             <a:spLocks noGrp="1" noRot="1" noChangeAspect="1"/>
           </p:cNvSpPr>
@@ -2251,7 +2337,7 @@
       </p:sp>
       <p:sp>
         <p:nvSpPr>
-          <p:cNvPr id="170" name="Shape 170"/>
+          <p:cNvPr id="195" name="Shape 195"/>
           <p:cNvSpPr txBox="1">
             <a:spLocks noGrp="1"/>
           </p:cNvSpPr>
@@ -2276,11 +2362,40 @@
           <a:p>
             <a:r>
               <a:rPr lang="en-US" dirty="0" smtClean="0"/>
-              <a:t>After calculus,</a:t>
+              <a:t>Definition</a:t>
             </a:r>
             <a:r>
               <a:rPr lang="en-US" baseline="0" dirty="0" smtClean="0"/>
-              <a:t> send all colors to clients in a row</a:t>
+              <a:t> Thread</a:t>
+            </a:r>
+            <a:endParaRPr lang="en-US" dirty="0" smtClean="0"/>
+          </a:p>
+          <a:p>
+            <a:endParaRPr lang="en-US" dirty="0" smtClean="0"/>
+          </a:p>
+          <a:p>
+            <a:r>
+              <a:rPr lang="en-US" dirty="0" smtClean="0"/>
+              <a:t>Worker manager -&gt; event bus</a:t>
+            </a:r>
+          </a:p>
+          <a:p>
+            <a:r>
+              <a:rPr lang="en-US" dirty="0" smtClean="0"/>
+              <a:t>(architecture event)</a:t>
+            </a:r>
+          </a:p>
+          <a:p>
+            <a:endParaRPr lang="en-US" dirty="0" smtClean="0"/>
+          </a:p>
+          <a:p>
+            <a:r>
+              <a:rPr lang="en-US" dirty="0" smtClean="0"/>
+              <a:t>For calculus,</a:t>
+            </a:r>
+            <a:r>
+              <a:rPr lang="en-US" baseline="0" dirty="0" smtClean="0"/>
+              <a:t> =&gt; next slide</a:t>
             </a:r>
             <a:endParaRPr dirty="0"/>
           </a:p>
@@ -2289,7 +2404,7 @@
     </p:spTree>
     <p:extLst>
       <p:ext uri="{BB962C8B-B14F-4D97-AF65-F5344CB8AC3E}">
-        <p14:creationId xmlns:p14="http://schemas.microsoft.com/office/powerpoint/2010/main" val="1253420605"/>
+        <p14:creationId xmlns:p14="http://schemas.microsoft.com/office/powerpoint/2010/main" val="1033013205"/>
       </p:ext>
     </p:extLst>
   </p:cSld>
@@ -2304,7 +2419,7 @@
   <p:cSld>
     <p:spTree>
       <p:nvGrpSpPr>
-        <p:cNvPr id="1" name="Shape 342"/>
+        <p:cNvPr id="1" name="Shape 168"/>
         <p:cNvGrpSpPr/>
         <p:nvPr/>
       </p:nvGrpSpPr>
@@ -2318,7 +2433,7 @@
       </p:grpSpPr>
       <p:sp>
         <p:nvSpPr>
-          <p:cNvPr id="343" name="Shape 343"/>
+          <p:cNvPr id="169" name="Shape 169"/>
           <p:cNvSpPr>
             <a:spLocks noGrp="1" noRot="1" noChangeAspect="1"/>
           </p:cNvSpPr>
@@ -2328,8 +2443,8 @@
         </p:nvSpPr>
         <p:spPr>
           <a:xfrm>
-            <a:off x="381187" y="685800"/>
-            <a:ext cx="6096299" cy="3429000"/>
+            <a:off x="381000" y="685800"/>
+            <a:ext cx="6096000" cy="3429000"/>
           </a:xfrm>
           <a:custGeom>
             <a:avLst/>
@@ -2359,7 +2474,7 @@
       </p:sp>
       <p:sp>
         <p:nvSpPr>
-          <p:cNvPr id="344" name="Shape 344"/>
+          <p:cNvPr id="170" name="Shape 170"/>
           <p:cNvSpPr txBox="1">
             <a:spLocks noGrp="1"/>
           </p:cNvSpPr>
@@ -2384,15 +2499,11 @@
           <a:p>
             <a:r>
               <a:rPr lang="en-US" dirty="0" smtClean="0"/>
-              <a:t>Navigation</a:t>
+              <a:t>After calculus,</a:t>
             </a:r>
             <a:r>
               <a:rPr lang="en-US" baseline="0" dirty="0" smtClean="0"/>
-              <a:t> pour exposer des gif / </a:t>
-            </a:r>
-            <a:r>
-              <a:rPr lang="en-US" baseline="0" dirty="0" err="1" smtClean="0"/>
-              <a:t>rendus</a:t>
+              <a:t> send all colors to clients in a row</a:t>
             </a:r>
             <a:endParaRPr dirty="0"/>
           </a:p>
@@ -2401,7 +2512,7 @@
     </p:spTree>
     <p:extLst>
       <p:ext uri="{BB962C8B-B14F-4D97-AF65-F5344CB8AC3E}">
-        <p14:creationId xmlns:p14="http://schemas.microsoft.com/office/powerpoint/2010/main" val="225962873"/>
+        <p14:creationId xmlns:p14="http://schemas.microsoft.com/office/powerpoint/2010/main" val="1253420605"/>
       </p:ext>
     </p:extLst>
   </p:cSld>
@@ -2416,7 +2527,7 @@
   <p:cSld>
     <p:spTree>
       <p:nvGrpSpPr>
-        <p:cNvPr id="1" name="Shape 348"/>
+        <p:cNvPr id="1" name="Shape 342"/>
         <p:cNvGrpSpPr/>
         <p:nvPr/>
       </p:nvGrpSpPr>
@@ -2430,7 +2541,7 @@
       </p:grpSpPr>
       <p:sp>
         <p:nvSpPr>
-          <p:cNvPr id="349" name="Shape 349"/>
+          <p:cNvPr id="343" name="Shape 343"/>
           <p:cNvSpPr>
             <a:spLocks noGrp="1" noRot="1" noChangeAspect="1"/>
           </p:cNvSpPr>
@@ -2471,6 +2582,118 @@
       </p:sp>
       <p:sp>
         <p:nvSpPr>
+          <p:cNvPr id="344" name="Shape 344"/>
+          <p:cNvSpPr txBox="1">
+            <a:spLocks noGrp="1"/>
+          </p:cNvSpPr>
+          <p:nvPr>
+            <p:ph type="body" idx="1"/>
+          </p:nvPr>
+        </p:nvSpPr>
+        <p:spPr>
+          <a:xfrm>
+            <a:off x="685800" y="4343400"/>
+            <a:ext cx="5486399" cy="4114800"/>
+          </a:xfrm>
+          <a:prstGeom prst="rect">
+            <a:avLst/>
+          </a:prstGeom>
+        </p:spPr>
+        <p:txBody>
+          <a:bodyPr lIns="91425" tIns="91425" rIns="91425" bIns="91425" anchor="t" anchorCtr="0">
+            <a:noAutofit/>
+          </a:bodyPr>
+          <a:lstStyle/>
+          <a:p>
+            <a:r>
+              <a:rPr lang="en-US" dirty="0" smtClean="0"/>
+              <a:t>Navigation</a:t>
+            </a:r>
+            <a:r>
+              <a:rPr lang="en-US" baseline="0" dirty="0" smtClean="0"/>
+              <a:t> pour exposer des gif / </a:t>
+            </a:r>
+            <a:r>
+              <a:rPr lang="en-US" baseline="0" dirty="0" err="1" smtClean="0"/>
+              <a:t>rendus</a:t>
+            </a:r>
+            <a:endParaRPr dirty="0"/>
+          </a:p>
+        </p:txBody>
+      </p:sp>
+    </p:spTree>
+    <p:extLst>
+      <p:ext uri="{BB962C8B-B14F-4D97-AF65-F5344CB8AC3E}">
+        <p14:creationId xmlns:p14="http://schemas.microsoft.com/office/powerpoint/2010/main" val="225962873"/>
+      </p:ext>
+    </p:extLst>
+  </p:cSld>
+  <p:clrMapOvr>
+    <a:masterClrMapping/>
+  </p:clrMapOvr>
+</p:notes>
+</file>
+
+<file path=ppt/notesSlides/notesSlide26.xml><?xml version="1.0" encoding="utf-8"?>
+<p:notes xmlns:a="http://schemas.openxmlformats.org/drawingml/2006/main" xmlns:r="http://schemas.openxmlformats.org/officeDocument/2006/relationships" xmlns:p="http://schemas.openxmlformats.org/presentationml/2006/main" showMasterSp="0" showMasterPhAnim="0">
+  <p:cSld>
+    <p:spTree>
+      <p:nvGrpSpPr>
+        <p:cNvPr id="1" name="Shape 348"/>
+        <p:cNvGrpSpPr/>
+        <p:nvPr/>
+      </p:nvGrpSpPr>
+      <p:grpSpPr>
+        <a:xfrm>
+          <a:off x="0" y="0"/>
+          <a:ext cx="0" cy="0"/>
+          <a:chOff x="0" y="0"/>
+          <a:chExt cx="0" cy="0"/>
+        </a:xfrm>
+      </p:grpSpPr>
+      <p:sp>
+        <p:nvSpPr>
+          <p:cNvPr id="349" name="Shape 349"/>
+          <p:cNvSpPr>
+            <a:spLocks noGrp="1" noRot="1" noChangeAspect="1"/>
+          </p:cNvSpPr>
+          <p:nvPr>
+            <p:ph type="sldImg" idx="2"/>
+          </p:nvPr>
+        </p:nvSpPr>
+        <p:spPr>
+          <a:xfrm>
+            <a:off x="381187" y="685800"/>
+            <a:ext cx="6096299" cy="3429000"/>
+          </a:xfrm>
+          <a:custGeom>
+            <a:avLst/>
+            <a:gdLst/>
+            <a:ahLst/>
+            <a:cxnLst/>
+            <a:rect l="0" t="0" r="0" b="0"/>
+            <a:pathLst>
+              <a:path w="120000" h="120000" extrusionOk="0">
+                <a:moveTo>
+                  <a:pt x="0" y="0"/>
+                </a:moveTo>
+                <a:lnTo>
+                  <a:pt x="120000" y="0"/>
+                </a:lnTo>
+                <a:lnTo>
+                  <a:pt x="120000" y="120000"/>
+                </a:lnTo>
+                <a:lnTo>
+                  <a:pt x="0" y="120000"/>
+                </a:lnTo>
+                <a:close/>
+              </a:path>
+            </a:pathLst>
+          </a:custGeom>
+        </p:spPr>
+      </p:sp>
+      <p:sp>
+        <p:nvSpPr>
           <p:cNvPr id="350" name="Shape 350"/>
           <p:cNvSpPr txBox="1">
             <a:spLocks noGrp="1"/>
@@ -2511,7 +2734,7 @@
 </p:notes>
 </file>
 
-<file path=ppt/notesSlides/notesSlide26.xml><?xml version="1.0" encoding="utf-8"?>
+<file path=ppt/notesSlides/notesSlide27.xml><?xml version="1.0" encoding="utf-8"?>
 <p:notes xmlns:a="http://schemas.openxmlformats.org/drawingml/2006/main" xmlns:r="http://schemas.openxmlformats.org/officeDocument/2006/relationships" xmlns:p="http://schemas.openxmlformats.org/presentationml/2006/main" showMasterSp="0" showMasterPhAnim="0">
   <p:cSld>
     <p:spTree>
@@ -3001,8 +3224,8 @@
         </p:nvSpPr>
         <p:spPr>
           <a:xfrm>
-            <a:off x="381187" y="685800"/>
-            <a:ext cx="6096299" cy="3429000"/>
+            <a:off x="381000" y="685800"/>
+            <a:ext cx="6096000" cy="3429000"/>
           </a:xfrm>
           <a:custGeom>
             <a:avLst/>
@@ -8589,6 +8812,66 @@
   <p:cSld>
     <p:spTree>
       <p:nvGrpSpPr>
+        <p:cNvPr id="1" name=""/>
+        <p:cNvGrpSpPr/>
+        <p:nvPr/>
+      </p:nvGrpSpPr>
+      <p:grpSpPr>
+        <a:xfrm>
+          <a:off x="0" y="0"/>
+          <a:ext cx="0" cy="0"/>
+          <a:chOff x="0" y="0"/>
+          <a:chExt cx="0" cy="0"/>
+        </a:xfrm>
+      </p:grpSpPr>
+      <p:sp>
+        <p:nvSpPr>
+          <p:cNvPr id="5" name="Title 4"/>
+          <p:cNvSpPr>
+            <a:spLocks noGrp="1"/>
+          </p:cNvSpPr>
+          <p:nvPr>
+            <p:ph type="ctrTitle"/>
+          </p:nvPr>
+        </p:nvSpPr>
+        <p:spPr/>
+        <p:txBody>
+          <a:bodyPr/>
+          <a:lstStyle/>
+          <a:p>
+            <a:r>
+              <a:rPr lang="en-US" dirty="0" smtClean="0"/>
+              <a:t>The client in action</a:t>
+            </a:r>
+            <a:endParaRPr lang="fr-FR" dirty="0"/>
+          </a:p>
+        </p:txBody>
+      </p:sp>
+    </p:spTree>
+    <p:extLst>
+      <p:ext uri="{BB962C8B-B14F-4D97-AF65-F5344CB8AC3E}">
+        <p14:creationId xmlns:p14="http://schemas.microsoft.com/office/powerpoint/2010/main" val="1918854796"/>
+      </p:ext>
+    </p:extLst>
+  </p:cSld>
+  <p:clrMapOvr>
+    <a:masterClrMapping/>
+  </p:clrMapOvr>
+  <p:timing>
+    <p:tnLst>
+      <p:par>
+        <p:cTn id="1" dur="indefinite" restart="never" nodeType="tmRoot"/>
+      </p:par>
+    </p:tnLst>
+  </p:timing>
+</p:sld>
+</file>
+
+<file path=ppt/slides/slide18.xml><?xml version="1.0" encoding="utf-8"?>
+<p:sld xmlns:a="http://schemas.openxmlformats.org/drawingml/2006/main" xmlns:r="http://schemas.openxmlformats.org/officeDocument/2006/relationships" xmlns:p="http://schemas.openxmlformats.org/presentationml/2006/main">
+  <p:cSld>
+    <p:spTree>
+      <p:nvGrpSpPr>
         <p:cNvPr id="1" name="Shape 223"/>
         <p:cNvGrpSpPr/>
         <p:nvPr/>
@@ -8897,7 +9180,7 @@
 </p:sld>
 </file>
 
-<file path=ppt/slides/slide18.xml><?xml version="1.0" encoding="utf-8"?>
+<file path=ppt/slides/slide19.xml><?xml version="1.0" encoding="utf-8"?>
 <p:sld xmlns:a="http://schemas.openxmlformats.org/drawingml/2006/main" xmlns:r="http://schemas.openxmlformats.org/officeDocument/2006/relationships" xmlns:p="http://schemas.openxmlformats.org/presentationml/2006/main">
   <p:cSld>
     <p:spTree>
@@ -9029,125 +9312,6 @@
         </p:txBody>
       </p:sp>
     </p:spTree>
-  </p:cSld>
-  <p:clrMapOvr>
-    <a:masterClrMapping/>
-  </p:clrMapOvr>
-  <p:transition spd="slow">
-    <p:cut/>
-  </p:transition>
-  <p:timing>
-    <p:tnLst>
-      <p:par>
-        <p:cTn id="1" dur="indefinite" restart="never" nodeType="tmRoot"/>
-      </p:par>
-    </p:tnLst>
-  </p:timing>
-</p:sld>
-</file>
-
-<file path=ppt/slides/slide19.xml><?xml version="1.0" encoding="utf-8"?>
-<p:sld xmlns:a="http://schemas.openxmlformats.org/drawingml/2006/main" xmlns:r="http://schemas.openxmlformats.org/officeDocument/2006/relationships" xmlns:p="http://schemas.openxmlformats.org/presentationml/2006/main">
-  <p:cSld>
-    <p:spTree>
-      <p:nvGrpSpPr>
-        <p:cNvPr id="1" name="Shape 51"/>
-        <p:cNvGrpSpPr/>
-        <p:nvPr/>
-      </p:nvGrpSpPr>
-      <p:grpSpPr>
-        <a:xfrm>
-          <a:off x="0" y="0"/>
-          <a:ext cx="0" cy="0"/>
-          <a:chOff x="0" y="0"/>
-          <a:chExt cx="0" cy="0"/>
-        </a:xfrm>
-      </p:grpSpPr>
-      <p:sp>
-        <p:nvSpPr>
-          <p:cNvPr id="2" name="Rectangle 1"/>
-          <p:cNvSpPr/>
-          <p:nvPr/>
-        </p:nvSpPr>
-        <p:spPr>
-          <a:xfrm>
-            <a:off x="4864609" y="241402"/>
-            <a:ext cx="3766728" cy="4508927"/>
-          </a:xfrm>
-          <a:prstGeom prst="rect">
-            <a:avLst/>
-          </a:prstGeom>
-          <a:noFill/>
-        </p:spPr>
-        <p:txBody>
-          <a:bodyPr wrap="square" lIns="91440" tIns="45720" rIns="91440" bIns="45720">
-            <a:spAutoFit/>
-          </a:bodyPr>
-          <a:lstStyle/>
-          <a:p>
-            <a:pPr algn="ctr"/>
-            <a:r>
-              <a:rPr lang="en-US" sz="28700" b="0" cap="none" spc="0" dirty="0" smtClean="0">
-                <a:ln w="0"/>
-                <a:solidFill>
-                  <a:srgbClr val="CFE2F3"/>
-                </a:solidFill>
-                <a:effectLst/>
-              </a:rPr>
-              <a:t>?</a:t>
-            </a:r>
-            <a:endParaRPr lang="en-US" sz="5400" b="0" cap="none" spc="0" dirty="0">
-              <a:ln w="0"/>
-              <a:solidFill>
-                <a:srgbClr val="CFE2F3"/>
-              </a:solidFill>
-              <a:effectLst/>
-            </a:endParaRPr>
-          </a:p>
-        </p:txBody>
-      </p:sp>
-      <p:sp>
-        <p:nvSpPr>
-          <p:cNvPr id="52" name="Shape 52"/>
-          <p:cNvSpPr txBox="1">
-            <a:spLocks noGrp="1"/>
-          </p:cNvSpPr>
-          <p:nvPr>
-            <p:ph type="ctrTitle" idx="4294967295"/>
-          </p:nvPr>
-        </p:nvSpPr>
-        <p:spPr>
-          <a:xfrm>
-            <a:off x="0" y="972922"/>
-            <a:ext cx="9144000" cy="3343046"/>
-          </a:xfrm>
-          <a:prstGeom prst="rect">
-            <a:avLst/>
-          </a:prstGeom>
-        </p:spPr>
-        <p:txBody>
-          <a:bodyPr lIns="91425" tIns="91425" rIns="91425" bIns="91425" anchor="ctr" anchorCtr="0">
-            <a:noAutofit/>
-          </a:bodyPr>
-          <a:lstStyle/>
-          <a:p>
-            <a:pPr marL="342900" indent="0">
-              <a:buNone/>
-            </a:pPr>
-            <a:r>
-              <a:rPr lang="en" dirty="0" smtClean="0"/>
-              <a:t>How is the task distributed among the different servers</a:t>
-            </a:r>
-            <a:endParaRPr lang="en" dirty="0"/>
-          </a:p>
-        </p:txBody>
-      </p:sp>
-    </p:spTree>
-    <p:extLst>
-      <p:ext uri="{BB962C8B-B14F-4D97-AF65-F5344CB8AC3E}">
-        <p14:creationId xmlns:p14="http://schemas.microsoft.com/office/powerpoint/2010/main" val="3476999096"/>
-      </p:ext>
-    </p:extLst>
   </p:cSld>
   <p:clrMapOvr>
     <a:masterClrMapping/>
@@ -9241,7 +9405,7 @@
   <p:cSld>
     <p:spTree>
       <p:nvGrpSpPr>
-        <p:cNvPr id="1" name="Shape 140"/>
+        <p:cNvPr id="1" name="Shape 51"/>
         <p:cNvGrpSpPr/>
         <p:nvPr/>
       </p:nvGrpSpPr>
@@ -9255,18 +9419,61 @@
       </p:grpSpPr>
       <p:sp>
         <p:nvSpPr>
-          <p:cNvPr id="141" name="Shape 141"/>
+          <p:cNvPr id="2" name="Rectangle 1"/>
+          <p:cNvSpPr/>
+          <p:nvPr/>
+        </p:nvSpPr>
+        <p:spPr>
+          <a:xfrm>
+            <a:off x="4864609" y="241402"/>
+            <a:ext cx="3766728" cy="4508927"/>
+          </a:xfrm>
+          <a:prstGeom prst="rect">
+            <a:avLst/>
+          </a:prstGeom>
+          <a:noFill/>
+        </p:spPr>
+        <p:txBody>
+          <a:bodyPr wrap="square" lIns="91440" tIns="45720" rIns="91440" bIns="45720">
+            <a:spAutoFit/>
+          </a:bodyPr>
+          <a:lstStyle/>
+          <a:p>
+            <a:pPr algn="ctr"/>
+            <a:r>
+              <a:rPr lang="en-US" sz="28700" b="0" cap="none" spc="0" dirty="0" smtClean="0">
+                <a:ln w="0"/>
+                <a:solidFill>
+                  <a:srgbClr val="CFE2F3"/>
+                </a:solidFill>
+                <a:effectLst/>
+              </a:rPr>
+              <a:t>?</a:t>
+            </a:r>
+            <a:endParaRPr lang="en-US" sz="5400" b="0" cap="none" spc="0" dirty="0">
+              <a:ln w="0"/>
+              <a:solidFill>
+                <a:srgbClr val="CFE2F3"/>
+              </a:solidFill>
+              <a:effectLst/>
+            </a:endParaRPr>
+          </a:p>
+        </p:txBody>
+      </p:sp>
+      <p:sp>
+        <p:nvSpPr>
+          <p:cNvPr id="52" name="Shape 52"/>
           <p:cNvSpPr txBox="1">
             <a:spLocks noGrp="1"/>
           </p:cNvSpPr>
           <p:nvPr>
-            <p:ph type="title"/>
+            <p:ph type="ctrTitle" idx="4294967295"/>
           </p:nvPr>
         </p:nvSpPr>
         <p:spPr>
           <a:xfrm>
-            <a:off x="457200" y="205978"/>
-            <a:ext cx="8229600" cy="857400"/>
+            <a:off x="0" y="972922"/>
+            <a:ext cx="9144000" cy="3343046"/>
           </a:xfrm>
           <a:prstGeom prst="rect">
             <a:avLst/>
@@ -9278,111 +9485,23 @@
           </a:bodyPr>
           <a:lstStyle/>
           <a:p>
-            <a:pPr lvl="0" rtl="0">
+            <a:pPr marL="342900" indent="0">
               <a:buNone/>
             </a:pPr>
             <a:r>
-              <a:rPr lang="en" dirty="0"/>
-              <a:t>Server </a:t>
-            </a:r>
-            <a:r>
               <a:rPr lang="en" dirty="0" smtClean="0"/>
-              <a:t>structure</a:t>
+              <a:t>How is the task distributed among the different servers</a:t>
             </a:r>
             <a:endParaRPr lang="en" dirty="0"/>
           </a:p>
         </p:txBody>
       </p:sp>
-      <p:sp>
-        <p:nvSpPr>
-          <p:cNvPr id="142" name="Shape 142"/>
-          <p:cNvSpPr txBox="1">
-            <a:spLocks noGrp="1"/>
-          </p:cNvSpPr>
-          <p:nvPr>
-            <p:ph type="body" idx="1"/>
-          </p:nvPr>
-        </p:nvSpPr>
-        <p:spPr>
-          <a:xfrm>
-            <a:off x="457200" y="1200150"/>
-            <a:ext cx="8229600" cy="3172199"/>
-          </a:xfrm>
-          <a:prstGeom prst="rect">
-            <a:avLst/>
-          </a:prstGeom>
-        </p:spPr>
-        <p:txBody>
-          <a:bodyPr lIns="91425" tIns="91425" rIns="91425" bIns="91425" anchor="ctr" anchorCtr="0">
-            <a:noAutofit/>
-          </a:bodyPr>
-          <a:lstStyle/>
-          <a:p>
-            <a:pPr lvl="0" rtl="0">
-              <a:buNone/>
-            </a:pPr>
-            <a:r>
-              <a:rPr lang="en" dirty="0"/>
-              <a:t>The server is:</a:t>
-            </a:r>
-          </a:p>
-          <a:p>
-            <a:pPr lvl="0"/>
-            <a:endParaRPr lang="en" sz="1050" dirty="0"/>
-          </a:p>
-          <a:p>
-            <a:pPr marL="457200" indent="-381000">
-              <a:lnSpc>
-                <a:spcPct val="150000"/>
-              </a:lnSpc>
-              <a:buSzPct val="166666"/>
-              <a:buFont typeface="Arial"/>
-              <a:buChar char="•"/>
-            </a:pPr>
-            <a:r>
-              <a:rPr lang="en" sz="2400" dirty="0"/>
-              <a:t>Using </a:t>
-            </a:r>
-            <a:r>
-              <a:rPr lang="en" sz="2400" dirty="0" smtClean="0"/>
-              <a:t>other servers</a:t>
-            </a:r>
-          </a:p>
-          <a:p>
-            <a:pPr marL="457200" indent="-381000">
-              <a:lnSpc>
-                <a:spcPct val="150000"/>
-              </a:lnSpc>
-              <a:buSzPct val="166666"/>
-              <a:buFont typeface="Arial"/>
-              <a:buChar char="•"/>
-            </a:pPr>
-            <a:r>
-              <a:rPr lang="en" sz="2400" dirty="0" smtClean="0"/>
-              <a:t>Using threads</a:t>
-            </a:r>
-          </a:p>
-          <a:p>
-            <a:pPr marL="457200" lvl="0" indent="-381000" rtl="0">
-              <a:lnSpc>
-                <a:spcPct val="150000"/>
-              </a:lnSpc>
-              <a:buClr>
-                <a:schemeClr val="dk1"/>
-              </a:buClr>
-              <a:buSzPct val="166666"/>
-              <a:buFont typeface="Arial"/>
-              <a:buChar char="•"/>
-            </a:pPr>
-            <a:r>
-              <a:rPr lang="en" sz="2400" dirty="0" smtClean="0"/>
-              <a:t>Modular</a:t>
-            </a:r>
-            <a:endParaRPr lang="en" sz="2400" dirty="0"/>
-          </a:p>
-        </p:txBody>
-      </p:sp>
     </p:spTree>
+    <p:extLst>
+      <p:ext uri="{BB962C8B-B14F-4D97-AF65-F5344CB8AC3E}">
+        <p14:creationId xmlns:p14="http://schemas.microsoft.com/office/powerpoint/2010/main" val="3476999096"/>
+      </p:ext>
+    </p:extLst>
   </p:cSld>
   <p:clrMapOvr>
     <a:masterClrMapping/>
@@ -9405,6 +9524,170 @@
   <p:cSld>
     <p:spTree>
       <p:nvGrpSpPr>
+        <p:cNvPr id="1" name="Shape 140"/>
+        <p:cNvGrpSpPr/>
+        <p:nvPr/>
+      </p:nvGrpSpPr>
+      <p:grpSpPr>
+        <a:xfrm>
+          <a:off x="0" y="0"/>
+          <a:ext cx="0" cy="0"/>
+          <a:chOff x="0" y="0"/>
+          <a:chExt cx="0" cy="0"/>
+        </a:xfrm>
+      </p:grpSpPr>
+      <p:sp>
+        <p:nvSpPr>
+          <p:cNvPr id="141" name="Shape 141"/>
+          <p:cNvSpPr txBox="1">
+            <a:spLocks noGrp="1"/>
+          </p:cNvSpPr>
+          <p:nvPr>
+            <p:ph type="title"/>
+          </p:nvPr>
+        </p:nvSpPr>
+        <p:spPr>
+          <a:xfrm>
+            <a:off x="457200" y="205978"/>
+            <a:ext cx="8229600" cy="857400"/>
+          </a:xfrm>
+          <a:prstGeom prst="rect">
+            <a:avLst/>
+          </a:prstGeom>
+        </p:spPr>
+        <p:txBody>
+          <a:bodyPr lIns="91425" tIns="91425" rIns="91425" bIns="91425" anchor="ctr" anchorCtr="0">
+            <a:noAutofit/>
+          </a:bodyPr>
+          <a:lstStyle/>
+          <a:p>
+            <a:pPr lvl="0" rtl="0">
+              <a:buNone/>
+            </a:pPr>
+            <a:r>
+              <a:rPr lang="en" dirty="0"/>
+              <a:t>Server </a:t>
+            </a:r>
+            <a:r>
+              <a:rPr lang="en" dirty="0" smtClean="0"/>
+              <a:t>structure</a:t>
+            </a:r>
+            <a:endParaRPr lang="en" dirty="0"/>
+          </a:p>
+        </p:txBody>
+      </p:sp>
+      <p:sp>
+        <p:nvSpPr>
+          <p:cNvPr id="142" name="Shape 142"/>
+          <p:cNvSpPr txBox="1">
+            <a:spLocks noGrp="1"/>
+          </p:cNvSpPr>
+          <p:nvPr>
+            <p:ph type="body" idx="1"/>
+          </p:nvPr>
+        </p:nvSpPr>
+        <p:spPr>
+          <a:xfrm>
+            <a:off x="457200" y="1200150"/>
+            <a:ext cx="8229600" cy="3172199"/>
+          </a:xfrm>
+          <a:prstGeom prst="rect">
+            <a:avLst/>
+          </a:prstGeom>
+        </p:spPr>
+        <p:txBody>
+          <a:bodyPr lIns="91425" tIns="91425" rIns="91425" bIns="91425" anchor="ctr" anchorCtr="0">
+            <a:noAutofit/>
+          </a:bodyPr>
+          <a:lstStyle/>
+          <a:p>
+            <a:pPr lvl="0" rtl="0">
+              <a:buNone/>
+            </a:pPr>
+            <a:r>
+              <a:rPr lang="en" dirty="0"/>
+              <a:t>The server is:</a:t>
+            </a:r>
+          </a:p>
+          <a:p>
+            <a:pPr lvl="0"/>
+            <a:endParaRPr lang="en" sz="1050" dirty="0"/>
+          </a:p>
+          <a:p>
+            <a:pPr marL="457200" indent="-381000">
+              <a:lnSpc>
+                <a:spcPct val="150000"/>
+              </a:lnSpc>
+              <a:buSzPct val="166666"/>
+              <a:buFont typeface="Arial"/>
+              <a:buChar char="•"/>
+            </a:pPr>
+            <a:r>
+              <a:rPr lang="en" sz="2400" dirty="0"/>
+              <a:t>Using </a:t>
+            </a:r>
+            <a:r>
+              <a:rPr lang="en" sz="2400" dirty="0" smtClean="0"/>
+              <a:t>other servers</a:t>
+            </a:r>
+          </a:p>
+          <a:p>
+            <a:pPr marL="457200" indent="-381000">
+              <a:lnSpc>
+                <a:spcPct val="150000"/>
+              </a:lnSpc>
+              <a:buSzPct val="166666"/>
+              <a:buFont typeface="Arial"/>
+              <a:buChar char="•"/>
+            </a:pPr>
+            <a:r>
+              <a:rPr lang="en" sz="2400" dirty="0" smtClean="0"/>
+              <a:t>Using threads</a:t>
+            </a:r>
+          </a:p>
+          <a:p>
+            <a:pPr marL="457200" lvl="0" indent="-381000" rtl="0">
+              <a:lnSpc>
+                <a:spcPct val="150000"/>
+              </a:lnSpc>
+              <a:buClr>
+                <a:schemeClr val="dk1"/>
+              </a:buClr>
+              <a:buSzPct val="166666"/>
+              <a:buFont typeface="Arial"/>
+              <a:buChar char="•"/>
+            </a:pPr>
+            <a:r>
+              <a:rPr lang="en" sz="2400" dirty="0" smtClean="0"/>
+              <a:t>Modular</a:t>
+            </a:r>
+            <a:endParaRPr lang="en" sz="2400" dirty="0"/>
+          </a:p>
+        </p:txBody>
+      </p:sp>
+    </p:spTree>
+  </p:cSld>
+  <p:clrMapOvr>
+    <a:masterClrMapping/>
+  </p:clrMapOvr>
+  <p:transition spd="slow">
+    <p:cut/>
+  </p:transition>
+  <p:timing>
+    <p:tnLst>
+      <p:par>
+        <p:cTn id="1" dur="indefinite" restart="never" nodeType="tmRoot"/>
+      </p:par>
+    </p:tnLst>
+  </p:timing>
+</p:sld>
+</file>
+
+<file path=ppt/slides/slide22.xml><?xml version="1.0" encoding="utf-8"?>
+<p:sld xmlns:a="http://schemas.openxmlformats.org/drawingml/2006/main" xmlns:r="http://schemas.openxmlformats.org/officeDocument/2006/relationships" xmlns:p="http://schemas.openxmlformats.org/presentationml/2006/main">
+  <p:cSld>
+    <p:spTree>
+      <p:nvGrpSpPr>
         <p:cNvPr id="1" name=""/>
         <p:cNvGrpSpPr/>
         <p:nvPr/>
@@ -9531,7 +9814,7 @@
 </p:sld>
 </file>
 
-<file path=ppt/slides/slide22.xml><?xml version="1.0" encoding="utf-8"?>
+<file path=ppt/slides/slide23.xml><?xml version="1.0" encoding="utf-8"?>
 <p:sld xmlns:a="http://schemas.openxmlformats.org/drawingml/2006/main" xmlns:r="http://schemas.openxmlformats.org/officeDocument/2006/relationships" xmlns:p="http://schemas.openxmlformats.org/presentationml/2006/main">
   <p:cSld>
     <p:spTree>
@@ -10085,560 +10368,6 @@
           </a:p>
         </p:txBody>
       </p:sp>
-    </p:spTree>
-  </p:cSld>
-  <p:clrMapOvr>
-    <a:masterClrMapping/>
-  </p:clrMapOvr>
-  <p:transition spd="slow">
-    <p:cut/>
-  </p:transition>
-  <p:timing>
-    <p:tnLst>
-      <p:par>
-        <p:cTn id="1" dur="indefinite" restart="never" nodeType="tmRoot"/>
-      </p:par>
-    </p:tnLst>
-  </p:timing>
-</p:sld>
-</file>
-
-<file path=ppt/slides/slide23.xml><?xml version="1.0" encoding="utf-8"?>
-<p:sld xmlns:a="http://schemas.openxmlformats.org/drawingml/2006/main" xmlns:r="http://schemas.openxmlformats.org/officeDocument/2006/relationships" xmlns:p="http://schemas.openxmlformats.org/presentationml/2006/main">
-  <p:cSld>
-    <p:spTree>
-      <p:nvGrpSpPr>
-        <p:cNvPr id="1" name="Shape 153"/>
-        <p:cNvGrpSpPr/>
-        <p:nvPr/>
-      </p:nvGrpSpPr>
-      <p:grpSpPr>
-        <a:xfrm>
-          <a:off x="0" y="0"/>
-          <a:ext cx="0" cy="0"/>
-          <a:chOff x="0" y="0"/>
-          <a:chExt cx="0" cy="0"/>
-        </a:xfrm>
-      </p:grpSpPr>
-      <p:sp>
-        <p:nvSpPr>
-          <p:cNvPr id="154" name="Shape 154"/>
-          <p:cNvSpPr txBox="1">
-            <a:spLocks noGrp="1"/>
-          </p:cNvSpPr>
-          <p:nvPr>
-            <p:ph type="title"/>
-          </p:nvPr>
-        </p:nvSpPr>
-        <p:spPr>
-          <a:xfrm>
-            <a:off x="457200" y="205978"/>
-            <a:ext cx="8229600" cy="857400"/>
-          </a:xfrm>
-          <a:prstGeom prst="rect">
-            <a:avLst/>
-          </a:prstGeom>
-        </p:spPr>
-        <p:txBody>
-          <a:bodyPr lIns="91425" tIns="91425" rIns="91425" bIns="91425" anchor="ctr" anchorCtr="0">
-            <a:noAutofit/>
-          </a:bodyPr>
-          <a:lstStyle/>
-          <a:p>
-            <a:pPr lvl="0" rtl="0">
-              <a:buNone/>
-            </a:pPr>
-            <a:r>
-              <a:rPr lang="en"/>
-              <a:t>Server: Modular</a:t>
-            </a:r>
-          </a:p>
-        </p:txBody>
-      </p:sp>
-      <p:sp>
-        <p:nvSpPr>
-          <p:cNvPr id="155" name="Shape 155"/>
-          <p:cNvSpPr txBox="1">
-            <a:spLocks noGrp="1"/>
-          </p:cNvSpPr>
-          <p:nvPr>
-            <p:ph type="body" idx="1"/>
-          </p:nvPr>
-        </p:nvSpPr>
-        <p:spPr>
-          <a:xfrm>
-            <a:off x="3757100" y="1200150"/>
-            <a:ext cx="5158200" cy="3201300"/>
-          </a:xfrm>
-          <a:prstGeom prst="rect">
-            <a:avLst/>
-          </a:prstGeom>
-        </p:spPr>
-        <p:txBody>
-          <a:bodyPr lIns="91425" tIns="91425" rIns="91425" bIns="91425" anchor="ctr" anchorCtr="0">
-            <a:noAutofit/>
-          </a:bodyPr>
-          <a:lstStyle/>
-          <a:p>
-            <a:pPr lvl="0" rtl="0">
-              <a:buNone/>
-            </a:pPr>
-            <a:r>
-              <a:rPr lang="en" sz="1800" dirty="0" smtClean="0"/>
-              <a:t>At start, </a:t>
-            </a:r>
-            <a:r>
-              <a:rPr lang="en" sz="1800" dirty="0"/>
-              <a:t>the server  will search for all </a:t>
-            </a:r>
-            <a:r>
-              <a:rPr lang="en" sz="1800" dirty="0" smtClean="0"/>
-              <a:t>modules, </a:t>
-            </a:r>
-            <a:r>
-              <a:rPr lang="en" sz="1800" dirty="0"/>
-              <a:t>and try to </a:t>
-            </a:r>
-            <a:r>
-              <a:rPr lang="en" sz="1800" dirty="0" smtClean="0"/>
-              <a:t>load </a:t>
-            </a:r>
-            <a:r>
-              <a:rPr lang="en" sz="1800" dirty="0"/>
-              <a:t>them.</a:t>
-            </a:r>
-          </a:p>
-          <a:p>
-            <a:endParaRPr lang="en" sz="1800" dirty="0"/>
-          </a:p>
-          <a:p>
-            <a:pPr lvl="0" rtl="0">
-              <a:buNone/>
-            </a:pPr>
-            <a:r>
-              <a:rPr lang="en" sz="1800" dirty="0"/>
-              <a:t>These modules include features such as :</a:t>
-            </a:r>
-          </a:p>
-          <a:p>
-            <a:pPr marL="457200" lvl="0" indent="-342900" rtl="0">
-              <a:buClr>
-                <a:schemeClr val="dk1"/>
-              </a:buClr>
-              <a:buSzPct val="166666"/>
-              <a:buFont typeface="Arial"/>
-              <a:buChar char="•"/>
-            </a:pPr>
-            <a:r>
-              <a:rPr lang="en" sz="1800" dirty="0"/>
-              <a:t>3D objects, like sphere or cylinder</a:t>
-            </a:r>
-          </a:p>
-          <a:p>
-            <a:pPr marL="457200" lvl="0" indent="-342900" rtl="0">
-              <a:buClr>
-                <a:schemeClr val="dk1"/>
-              </a:buClr>
-              <a:buSzPct val="166666"/>
-              <a:buFont typeface="Arial"/>
-              <a:buChar char="•"/>
-            </a:pPr>
-            <a:r>
-              <a:rPr lang="en" sz="1800" dirty="0"/>
-              <a:t>Transformations, like translation or rotation</a:t>
-            </a:r>
-          </a:p>
-          <a:p>
-            <a:pPr marL="457200" lvl="0" indent="-342900" rtl="0">
-              <a:buClr>
-                <a:schemeClr val="dk1"/>
-              </a:buClr>
-              <a:buSzPct val="166666"/>
-              <a:buFont typeface="Arial"/>
-              <a:buChar char="•"/>
-            </a:pPr>
-            <a:r>
-              <a:rPr lang="en" sz="1800" dirty="0"/>
-              <a:t>Shaders, like opacity or </a:t>
-            </a:r>
-            <a:r>
-              <a:rPr lang="en" sz="1800" dirty="0" smtClean="0"/>
-              <a:t>reflection</a:t>
-            </a:r>
-            <a:endParaRPr lang="en" sz="1800" dirty="0"/>
-          </a:p>
-        </p:txBody>
-      </p:sp>
-      <p:pic>
-        <p:nvPicPr>
-          <p:cNvPr id="156" name="Shape 156"/>
-          <p:cNvPicPr preferRelativeResize="0"/>
-          <p:nvPr/>
-        </p:nvPicPr>
-        <p:blipFill>
-          <a:blip r:embed="rId3"/>
-          <a:stretch>
-            <a:fillRect/>
-          </a:stretch>
-        </p:blipFill>
-        <p:spPr>
-          <a:xfrm>
-            <a:off x="457200" y="1386450"/>
-            <a:ext cx="400391" cy="371133"/>
-          </a:xfrm>
-          <a:prstGeom prst="rect">
-            <a:avLst/>
-          </a:prstGeom>
-          <a:noFill/>
-          <a:ln>
-            <a:noFill/>
-          </a:ln>
-        </p:spPr>
-      </p:pic>
-      <p:pic>
-        <p:nvPicPr>
-          <p:cNvPr id="157" name="Shape 157"/>
-          <p:cNvPicPr preferRelativeResize="0"/>
-          <p:nvPr/>
-        </p:nvPicPr>
-        <p:blipFill>
-          <a:blip r:embed="rId4"/>
-          <a:stretch>
-            <a:fillRect/>
-          </a:stretch>
-        </p:blipFill>
-        <p:spPr>
-          <a:xfrm>
-            <a:off x="861083" y="1858779"/>
-            <a:ext cx="400391" cy="491065"/>
-          </a:xfrm>
-          <a:prstGeom prst="rect">
-            <a:avLst/>
-          </a:prstGeom>
-          <a:noFill/>
-          <a:ln>
-            <a:noFill/>
-          </a:ln>
-        </p:spPr>
-      </p:pic>
-      <p:pic>
-        <p:nvPicPr>
-          <p:cNvPr id="158" name="Shape 158"/>
-          <p:cNvPicPr preferRelativeResize="0"/>
-          <p:nvPr/>
-        </p:nvPicPr>
-        <p:blipFill>
-          <a:blip r:embed="rId4"/>
-          <a:stretch>
-            <a:fillRect/>
-          </a:stretch>
-        </p:blipFill>
-        <p:spPr>
-          <a:xfrm>
-            <a:off x="861083" y="2451049"/>
-            <a:ext cx="400391" cy="491065"/>
-          </a:xfrm>
-          <a:prstGeom prst="rect">
-            <a:avLst/>
-          </a:prstGeom>
-          <a:noFill/>
-          <a:ln>
-            <a:noFill/>
-          </a:ln>
-        </p:spPr>
-      </p:pic>
-      <p:pic>
-        <p:nvPicPr>
-          <p:cNvPr id="159" name="Shape 159"/>
-          <p:cNvPicPr preferRelativeResize="0"/>
-          <p:nvPr/>
-        </p:nvPicPr>
-        <p:blipFill>
-          <a:blip r:embed="rId4"/>
-          <a:stretch>
-            <a:fillRect/>
-          </a:stretch>
-        </p:blipFill>
-        <p:spPr>
-          <a:xfrm>
-            <a:off x="861083" y="3043298"/>
-            <a:ext cx="400391" cy="491065"/>
-          </a:xfrm>
-          <a:prstGeom prst="rect">
-            <a:avLst/>
-          </a:prstGeom>
-          <a:noFill/>
-          <a:ln>
-            <a:noFill/>
-          </a:ln>
-        </p:spPr>
-      </p:pic>
-      <p:pic>
-        <p:nvPicPr>
-          <p:cNvPr id="160" name="Shape 160"/>
-          <p:cNvPicPr preferRelativeResize="0"/>
-          <p:nvPr/>
-        </p:nvPicPr>
-        <p:blipFill>
-          <a:blip r:embed="rId4"/>
-          <a:stretch>
-            <a:fillRect/>
-          </a:stretch>
-        </p:blipFill>
-        <p:spPr>
-          <a:xfrm>
-            <a:off x="861083" y="3635559"/>
-            <a:ext cx="400391" cy="491065"/>
-          </a:xfrm>
-          <a:prstGeom prst="rect">
-            <a:avLst/>
-          </a:prstGeom>
-          <a:noFill/>
-          <a:ln>
-            <a:noFill/>
-          </a:ln>
-        </p:spPr>
-      </p:pic>
-      <p:sp>
-        <p:nvSpPr>
-          <p:cNvPr id="161" name="Shape 161"/>
-          <p:cNvSpPr txBox="1"/>
-          <p:nvPr/>
-        </p:nvSpPr>
-        <p:spPr>
-          <a:xfrm>
-            <a:off x="1054725" y="1326475"/>
-            <a:ext cx="989699" cy="491099"/>
-          </a:xfrm>
-          <a:prstGeom prst="rect">
-            <a:avLst/>
-          </a:prstGeom>
-        </p:spPr>
-        <p:txBody>
-          <a:bodyPr lIns="91425" tIns="91425" rIns="91425" bIns="91425" anchor="ctr" anchorCtr="0">
-            <a:noAutofit/>
-          </a:bodyPr>
-          <a:lstStyle/>
-          <a:p>
-            <a:pPr lvl="0" rtl="0">
-              <a:buNone/>
-            </a:pPr>
-            <a:r>
-              <a:rPr lang="en"/>
-              <a:t>Modules/</a:t>
-            </a:r>
-          </a:p>
-        </p:txBody>
-      </p:sp>
-      <p:sp>
-        <p:nvSpPr>
-          <p:cNvPr id="162" name="Shape 162"/>
-          <p:cNvSpPr txBox="1"/>
-          <p:nvPr/>
-        </p:nvSpPr>
-        <p:spPr>
-          <a:xfrm>
-            <a:off x="1341525" y="1898525"/>
-            <a:ext cx="1841099" cy="2169899"/>
-          </a:xfrm>
-          <a:prstGeom prst="rect">
-            <a:avLst/>
-          </a:prstGeom>
-        </p:spPr>
-        <p:txBody>
-          <a:bodyPr lIns="91425" tIns="91425" rIns="91425" bIns="91425" anchor="t" anchorCtr="0">
-            <a:noAutofit/>
-          </a:bodyPr>
-          <a:lstStyle/>
-          <a:p>
-            <a:pPr lvl="0" rtl="0">
-              <a:buNone/>
-            </a:pPr>
-            <a:r>
-              <a:rPr lang="en" dirty="0" smtClean="0"/>
-              <a:t>BasicLight.so</a:t>
-            </a:r>
-            <a:endParaRPr lang="en" dirty="0"/>
-          </a:p>
-          <a:p>
-            <a:endParaRPr lang="en" dirty="0"/>
-          </a:p>
-          <a:p>
-            <a:endParaRPr lang="en" dirty="0"/>
-          </a:p>
-          <a:p>
-            <a:pPr lvl="0" rtl="0">
-              <a:buNone/>
-            </a:pPr>
-            <a:r>
-              <a:rPr lang="en" dirty="0"/>
-              <a:t>BasicObject.so</a:t>
-            </a:r>
-          </a:p>
-          <a:p>
-            <a:endParaRPr lang="en" dirty="0"/>
-          </a:p>
-          <a:p>
-            <a:endParaRPr lang="en" dirty="0"/>
-          </a:p>
-          <a:p>
-            <a:pPr lvl="0" rtl="0">
-              <a:buNone/>
-            </a:pPr>
-            <a:r>
-              <a:rPr lang="en" dirty="0"/>
-              <a:t>BasicTransform.so</a:t>
-            </a:r>
-          </a:p>
-          <a:p>
-            <a:endParaRPr lang="en" dirty="0"/>
-          </a:p>
-          <a:p>
-            <a:endParaRPr lang="en" dirty="0"/>
-          </a:p>
-          <a:p>
-            <a:pPr lvl="0" rtl="0">
-              <a:buNone/>
-            </a:pPr>
-            <a:r>
-              <a:rPr lang="en" dirty="0"/>
-              <a:t>AdvancedLight.so</a:t>
-            </a:r>
-          </a:p>
-        </p:txBody>
-      </p:sp>
-      <p:cxnSp>
-        <p:nvCxnSpPr>
-          <p:cNvPr id="163" name="Shape 163"/>
-          <p:cNvCxnSpPr/>
-          <p:nvPr/>
-        </p:nvCxnSpPr>
-        <p:spPr>
-          <a:xfrm>
-            <a:off x="676650" y="1767925"/>
-            <a:ext cx="0" cy="2109899"/>
-          </a:xfrm>
-          <a:prstGeom prst="straightConnector1">
-            <a:avLst/>
-          </a:prstGeom>
-          <a:noFill/>
-          <a:ln w="28575" cap="flat">
-            <a:solidFill>
-              <a:schemeClr val="dk2"/>
-            </a:solidFill>
-            <a:prstDash val="dot"/>
-            <a:round/>
-            <a:headEnd type="none" w="lg" len="lg"/>
-            <a:tailEnd type="none" w="lg" len="lg"/>
-          </a:ln>
-        </p:spPr>
-      </p:cxnSp>
-      <p:cxnSp>
-        <p:nvCxnSpPr>
-          <p:cNvPr id="164" name="Shape 164"/>
-          <p:cNvCxnSpPr>
-            <a:stCxn id="157" idx="1"/>
-          </p:cNvCxnSpPr>
-          <p:nvPr/>
-        </p:nvCxnSpPr>
-        <p:spPr>
-          <a:xfrm rot="10800000">
-            <a:off x="676583" y="2104312"/>
-            <a:ext cx="184500" cy="0"/>
-          </a:xfrm>
-          <a:prstGeom prst="straightConnector1">
-            <a:avLst/>
-          </a:prstGeom>
-          <a:noFill/>
-          <a:ln w="19050" cap="flat">
-            <a:solidFill>
-              <a:schemeClr val="dk2"/>
-            </a:solidFill>
-            <a:prstDash val="solid"/>
-            <a:round/>
-            <a:headEnd type="none" w="lg" len="lg"/>
-            <a:tailEnd type="none" w="lg" len="lg"/>
-          </a:ln>
-        </p:spPr>
-      </p:cxnSp>
-      <p:cxnSp>
-        <p:nvCxnSpPr>
-          <p:cNvPr id="165" name="Shape 165"/>
-          <p:cNvCxnSpPr/>
-          <p:nvPr/>
-        </p:nvCxnSpPr>
-        <p:spPr>
-          <a:xfrm rot="10800000">
-            <a:off x="676583" y="2713912"/>
-            <a:ext cx="184500" cy="0"/>
-          </a:xfrm>
-          <a:prstGeom prst="straightConnector1">
-            <a:avLst/>
-          </a:prstGeom>
-          <a:noFill/>
-          <a:ln w="19050" cap="flat">
-            <a:solidFill>
-              <a:schemeClr val="dk2"/>
-            </a:solidFill>
-            <a:prstDash val="solid"/>
-            <a:round/>
-            <a:headEnd type="none" w="lg" len="lg"/>
-            <a:tailEnd type="none" w="lg" len="lg"/>
-          </a:ln>
-        </p:spPr>
-      </p:cxnSp>
-      <p:cxnSp>
-        <p:nvCxnSpPr>
-          <p:cNvPr id="166" name="Shape 166"/>
-          <p:cNvCxnSpPr/>
-          <p:nvPr/>
-        </p:nvCxnSpPr>
-        <p:spPr>
-          <a:xfrm rot="10800000">
-            <a:off x="676583" y="3323512"/>
-            <a:ext cx="184500" cy="0"/>
-          </a:xfrm>
-          <a:prstGeom prst="straightConnector1">
-            <a:avLst/>
-          </a:prstGeom>
-          <a:noFill/>
-          <a:ln w="19050" cap="flat">
-            <a:solidFill>
-              <a:schemeClr val="dk2"/>
-            </a:solidFill>
-            <a:prstDash val="solid"/>
-            <a:round/>
-            <a:headEnd type="none" w="lg" len="lg"/>
-            <a:tailEnd type="none" w="lg" len="lg"/>
-          </a:ln>
-        </p:spPr>
-      </p:cxnSp>
-      <p:cxnSp>
-        <p:nvCxnSpPr>
-          <p:cNvPr id="167" name="Shape 167"/>
-          <p:cNvCxnSpPr/>
-          <p:nvPr/>
-        </p:nvCxnSpPr>
-        <p:spPr>
-          <a:xfrm rot="10800000">
-            <a:off x="676583" y="3856912"/>
-            <a:ext cx="184500" cy="0"/>
-          </a:xfrm>
-          <a:prstGeom prst="straightConnector1">
-            <a:avLst/>
-          </a:prstGeom>
-          <a:noFill/>
-          <a:ln w="19050" cap="flat">
-            <a:solidFill>
-              <a:schemeClr val="dk2"/>
-            </a:solidFill>
-            <a:prstDash val="solid"/>
-            <a:round/>
-            <a:headEnd type="none" w="lg" len="lg"/>
-            <a:tailEnd type="none" w="lg" len="lg"/>
-          </a:ln>
-        </p:spPr>
-      </p:cxnSp>
     </p:spTree>
   </p:cSld>
   <p:clrMapOvr>
@@ -10662,7 +10391,7 @@
   <p:cSld>
     <p:spTree>
       <p:nvGrpSpPr>
-        <p:cNvPr id="1" name="Shape 340"/>
+        <p:cNvPr id="1" name="Shape 153"/>
         <p:cNvGrpSpPr/>
         <p:nvPr/>
       </p:nvGrpSpPr>
@@ -10676,18 +10405,18 @@
       </p:grpSpPr>
       <p:sp>
         <p:nvSpPr>
-          <p:cNvPr id="341" name="Shape 341"/>
+          <p:cNvPr id="154" name="Shape 154"/>
           <p:cNvSpPr txBox="1">
             <a:spLocks noGrp="1"/>
           </p:cNvSpPr>
           <p:nvPr>
-            <p:ph type="ctrTitle"/>
+            <p:ph type="title"/>
           </p:nvPr>
         </p:nvSpPr>
         <p:spPr>
           <a:xfrm>
-            <a:off x="685800" y="1728725"/>
-            <a:ext cx="7772400" cy="1227299"/>
+            <a:off x="457200" y="205978"/>
+            <a:ext cx="8229600" cy="857400"/>
           </a:xfrm>
           <a:prstGeom prst="rect">
             <a:avLst/>
@@ -10700,34 +10429,499 @@
           <a:lstStyle/>
           <a:p>
             <a:pPr lvl="0" rtl="0">
-              <a:spcBef>
-                <a:spcPts val="600"/>
-              </a:spcBef>
+              <a:buNone/>
+            </a:pPr>
+            <a:r>
+              <a:rPr lang="en"/>
+              <a:t>Server: Modular</a:t>
+            </a:r>
+          </a:p>
+        </p:txBody>
+      </p:sp>
+      <p:sp>
+        <p:nvSpPr>
+          <p:cNvPr id="155" name="Shape 155"/>
+          <p:cNvSpPr txBox="1">
+            <a:spLocks noGrp="1"/>
+          </p:cNvSpPr>
+          <p:nvPr>
+            <p:ph type="body" idx="1"/>
+          </p:nvPr>
+        </p:nvSpPr>
+        <p:spPr>
+          <a:xfrm>
+            <a:off x="3757100" y="1200150"/>
+            <a:ext cx="5158200" cy="3201300"/>
+          </a:xfrm>
+          <a:prstGeom prst="rect">
+            <a:avLst/>
+          </a:prstGeom>
+        </p:spPr>
+        <p:txBody>
+          <a:bodyPr lIns="91425" tIns="91425" rIns="91425" bIns="91425" anchor="ctr" anchorCtr="0">
+            <a:noAutofit/>
+          </a:bodyPr>
+          <a:lstStyle/>
+          <a:p>
+            <a:pPr lvl="0" rtl="0">
+              <a:buNone/>
+            </a:pPr>
+            <a:r>
+              <a:rPr lang="en" sz="1800" dirty="0" smtClean="0"/>
+              <a:t>At start, </a:t>
+            </a:r>
+            <a:r>
+              <a:rPr lang="en" sz="1800" dirty="0"/>
+              <a:t>the server  will search for all </a:t>
+            </a:r>
+            <a:r>
+              <a:rPr lang="en" sz="1800" dirty="0" smtClean="0"/>
+              <a:t>modules, </a:t>
+            </a:r>
+            <a:r>
+              <a:rPr lang="en" sz="1800" dirty="0"/>
+              <a:t>and try to </a:t>
+            </a:r>
+            <a:r>
+              <a:rPr lang="en" sz="1800" dirty="0" smtClean="0"/>
+              <a:t>load </a:t>
+            </a:r>
+            <a:r>
+              <a:rPr lang="en" sz="1800" dirty="0"/>
+              <a:t>them.</a:t>
+            </a:r>
+          </a:p>
+          <a:p>
+            <a:endParaRPr lang="en" sz="1800" dirty="0"/>
+          </a:p>
+          <a:p>
+            <a:pPr lvl="0" rtl="0">
+              <a:buNone/>
+            </a:pPr>
+            <a:r>
+              <a:rPr lang="en" sz="1800" dirty="0"/>
+              <a:t>These modules include features such as :</a:t>
+            </a:r>
+          </a:p>
+          <a:p>
+            <a:pPr marL="457200" lvl="0" indent="-342900" rtl="0">
               <a:buClr>
                 <a:schemeClr val="dk1"/>
               </a:buClr>
-              <a:buSzPct val="25000"/>
+              <a:buSzPct val="166666"/>
               <a:buFont typeface="Arial"/>
+              <a:buChar char="•"/>
+            </a:pPr>
+            <a:r>
+              <a:rPr lang="en" sz="1800" dirty="0"/>
+              <a:t>3D objects, like sphere or cylinder</a:t>
+            </a:r>
+          </a:p>
+          <a:p>
+            <a:pPr marL="457200" lvl="0" indent="-342900" rtl="0">
+              <a:buClr>
+                <a:schemeClr val="dk1"/>
+              </a:buClr>
+              <a:buSzPct val="166666"/>
+              <a:buFont typeface="Arial"/>
+              <a:buChar char="•"/>
+            </a:pPr>
+            <a:r>
+              <a:rPr lang="en" sz="1800" dirty="0"/>
+              <a:t>Transformations, like translation or rotation</a:t>
+            </a:r>
+          </a:p>
+          <a:p>
+            <a:pPr marL="457200" lvl="0" indent="-342900" rtl="0">
+              <a:buClr>
+                <a:schemeClr val="dk1"/>
+              </a:buClr>
+              <a:buSzPct val="166666"/>
+              <a:buFont typeface="Arial"/>
+              <a:buChar char="•"/>
+            </a:pPr>
+            <a:r>
+              <a:rPr lang="en" sz="1800" dirty="0"/>
+              <a:t>Shaders, like opacity or </a:t>
+            </a:r>
+            <a:r>
+              <a:rPr lang="en" sz="1800" dirty="0" smtClean="0"/>
+              <a:t>reflection</a:t>
+            </a:r>
+            <a:endParaRPr lang="en" sz="1800" dirty="0"/>
+          </a:p>
+        </p:txBody>
+      </p:sp>
+      <p:pic>
+        <p:nvPicPr>
+          <p:cNvPr id="156" name="Shape 156"/>
+          <p:cNvPicPr preferRelativeResize="0"/>
+          <p:nvPr/>
+        </p:nvPicPr>
+        <p:blipFill>
+          <a:blip r:embed="rId3"/>
+          <a:stretch>
+            <a:fillRect/>
+          </a:stretch>
+        </p:blipFill>
+        <p:spPr>
+          <a:xfrm>
+            <a:off x="457200" y="1386450"/>
+            <a:ext cx="400391" cy="371133"/>
+          </a:xfrm>
+          <a:prstGeom prst="rect">
+            <a:avLst/>
+          </a:prstGeom>
+          <a:noFill/>
+          <a:ln>
+            <a:noFill/>
+          </a:ln>
+        </p:spPr>
+      </p:pic>
+      <p:pic>
+        <p:nvPicPr>
+          <p:cNvPr id="157" name="Shape 157"/>
+          <p:cNvPicPr preferRelativeResize="0"/>
+          <p:nvPr/>
+        </p:nvPicPr>
+        <p:blipFill>
+          <a:blip r:embed="rId4"/>
+          <a:stretch>
+            <a:fillRect/>
+          </a:stretch>
+        </p:blipFill>
+        <p:spPr>
+          <a:xfrm>
+            <a:off x="861083" y="1858779"/>
+            <a:ext cx="400391" cy="491065"/>
+          </a:xfrm>
+          <a:prstGeom prst="rect">
+            <a:avLst/>
+          </a:prstGeom>
+          <a:noFill/>
+          <a:ln>
+            <a:noFill/>
+          </a:ln>
+        </p:spPr>
+      </p:pic>
+      <p:pic>
+        <p:nvPicPr>
+          <p:cNvPr id="158" name="Shape 158"/>
+          <p:cNvPicPr preferRelativeResize="0"/>
+          <p:nvPr/>
+        </p:nvPicPr>
+        <p:blipFill>
+          <a:blip r:embed="rId4"/>
+          <a:stretch>
+            <a:fillRect/>
+          </a:stretch>
+        </p:blipFill>
+        <p:spPr>
+          <a:xfrm>
+            <a:off x="861083" y="2451049"/>
+            <a:ext cx="400391" cy="491065"/>
+          </a:xfrm>
+          <a:prstGeom prst="rect">
+            <a:avLst/>
+          </a:prstGeom>
+          <a:noFill/>
+          <a:ln>
+            <a:noFill/>
+          </a:ln>
+        </p:spPr>
+      </p:pic>
+      <p:pic>
+        <p:nvPicPr>
+          <p:cNvPr id="159" name="Shape 159"/>
+          <p:cNvPicPr preferRelativeResize="0"/>
+          <p:nvPr/>
+        </p:nvPicPr>
+        <p:blipFill>
+          <a:blip r:embed="rId4"/>
+          <a:stretch>
+            <a:fillRect/>
+          </a:stretch>
+        </p:blipFill>
+        <p:spPr>
+          <a:xfrm>
+            <a:off x="861083" y="3043298"/>
+            <a:ext cx="400391" cy="491065"/>
+          </a:xfrm>
+          <a:prstGeom prst="rect">
+            <a:avLst/>
+          </a:prstGeom>
+          <a:noFill/>
+          <a:ln>
+            <a:noFill/>
+          </a:ln>
+        </p:spPr>
+      </p:pic>
+      <p:pic>
+        <p:nvPicPr>
+          <p:cNvPr id="160" name="Shape 160"/>
+          <p:cNvPicPr preferRelativeResize="0"/>
+          <p:nvPr/>
+        </p:nvPicPr>
+        <p:blipFill>
+          <a:blip r:embed="rId4"/>
+          <a:stretch>
+            <a:fillRect/>
+          </a:stretch>
+        </p:blipFill>
+        <p:spPr>
+          <a:xfrm>
+            <a:off x="861083" y="3635559"/>
+            <a:ext cx="400391" cy="491065"/>
+          </a:xfrm>
+          <a:prstGeom prst="rect">
+            <a:avLst/>
+          </a:prstGeom>
+          <a:noFill/>
+          <a:ln>
+            <a:noFill/>
+          </a:ln>
+        </p:spPr>
+      </p:pic>
+      <p:sp>
+        <p:nvSpPr>
+          <p:cNvPr id="161" name="Shape 161"/>
+          <p:cNvSpPr txBox="1"/>
+          <p:nvPr/>
+        </p:nvSpPr>
+        <p:spPr>
+          <a:xfrm>
+            <a:off x="1054725" y="1326475"/>
+            <a:ext cx="989699" cy="491099"/>
+          </a:xfrm>
+          <a:prstGeom prst="rect">
+            <a:avLst/>
+          </a:prstGeom>
+        </p:spPr>
+        <p:txBody>
+          <a:bodyPr lIns="91425" tIns="91425" rIns="91425" bIns="91425" anchor="ctr" anchorCtr="0">
+            <a:noAutofit/>
+          </a:bodyPr>
+          <a:lstStyle/>
+          <a:p>
+            <a:pPr lvl="0" rtl="0">
               <a:buNone/>
             </a:pPr>
             <a:r>
-              <a:rPr lang="en" sz="7200">
-                <a:solidFill>
-                  <a:srgbClr val="FFFFFF"/>
-                </a:solidFill>
-              </a:rPr>
-              <a:t>Let’s see it in action !</a:t>
-            </a:r>
-          </a:p>
-          <a:p>
-            <a:endParaRPr lang="en" sz="7200">
-              <a:solidFill>
-                <a:srgbClr val="FFFFFF"/>
-              </a:solidFill>
-            </a:endParaRPr>
-          </a:p>
-        </p:txBody>
-      </p:sp>
+              <a:rPr lang="en"/>
+              <a:t>Modules/</a:t>
+            </a:r>
+          </a:p>
+        </p:txBody>
+      </p:sp>
+      <p:sp>
+        <p:nvSpPr>
+          <p:cNvPr id="162" name="Shape 162"/>
+          <p:cNvSpPr txBox="1"/>
+          <p:nvPr/>
+        </p:nvSpPr>
+        <p:spPr>
+          <a:xfrm>
+            <a:off x="1341525" y="1898525"/>
+            <a:ext cx="1841099" cy="2169899"/>
+          </a:xfrm>
+          <a:prstGeom prst="rect">
+            <a:avLst/>
+          </a:prstGeom>
+        </p:spPr>
+        <p:txBody>
+          <a:bodyPr lIns="91425" tIns="91425" rIns="91425" bIns="91425" anchor="t" anchorCtr="0">
+            <a:noAutofit/>
+          </a:bodyPr>
+          <a:lstStyle/>
+          <a:p>
+            <a:pPr lvl="0" rtl="0">
+              <a:buNone/>
+            </a:pPr>
+            <a:r>
+              <a:rPr lang="en" dirty="0" smtClean="0"/>
+              <a:t>BasicLight.so</a:t>
+            </a:r>
+            <a:endParaRPr lang="en" dirty="0"/>
+          </a:p>
+          <a:p>
+            <a:endParaRPr lang="en" dirty="0"/>
+          </a:p>
+          <a:p>
+            <a:endParaRPr lang="en" dirty="0"/>
+          </a:p>
+          <a:p>
+            <a:pPr lvl="0" rtl="0">
+              <a:buNone/>
+            </a:pPr>
+            <a:r>
+              <a:rPr lang="en" dirty="0"/>
+              <a:t>BasicObject.so</a:t>
+            </a:r>
+          </a:p>
+          <a:p>
+            <a:endParaRPr lang="en" dirty="0"/>
+          </a:p>
+          <a:p>
+            <a:endParaRPr lang="en" dirty="0"/>
+          </a:p>
+          <a:p>
+            <a:pPr lvl="0" rtl="0">
+              <a:buNone/>
+            </a:pPr>
+            <a:r>
+              <a:rPr lang="en" dirty="0"/>
+              <a:t>BasicTransform.so</a:t>
+            </a:r>
+          </a:p>
+          <a:p>
+            <a:endParaRPr lang="en" dirty="0"/>
+          </a:p>
+          <a:p>
+            <a:endParaRPr lang="en" dirty="0"/>
+          </a:p>
+          <a:p>
+            <a:pPr lvl="0" rtl="0">
+              <a:buNone/>
+            </a:pPr>
+            <a:r>
+              <a:rPr lang="en" dirty="0"/>
+              <a:t>AdvancedLight.so</a:t>
+            </a:r>
+          </a:p>
+        </p:txBody>
+      </p:sp>
+      <p:cxnSp>
+        <p:nvCxnSpPr>
+          <p:cNvPr id="163" name="Shape 163"/>
+          <p:cNvCxnSpPr/>
+          <p:nvPr/>
+        </p:nvCxnSpPr>
+        <p:spPr>
+          <a:xfrm>
+            <a:off x="676650" y="1767925"/>
+            <a:ext cx="0" cy="2109899"/>
+          </a:xfrm>
+          <a:prstGeom prst="straightConnector1">
+            <a:avLst/>
+          </a:prstGeom>
+          <a:noFill/>
+          <a:ln w="28575" cap="flat">
+            <a:solidFill>
+              <a:schemeClr val="dk2"/>
+            </a:solidFill>
+            <a:prstDash val="dot"/>
+            <a:round/>
+            <a:headEnd type="none" w="lg" len="lg"/>
+            <a:tailEnd type="none" w="lg" len="lg"/>
+          </a:ln>
+        </p:spPr>
+      </p:cxnSp>
+      <p:cxnSp>
+        <p:nvCxnSpPr>
+          <p:cNvPr id="164" name="Shape 164"/>
+          <p:cNvCxnSpPr>
+            <a:stCxn id="157" idx="1"/>
+          </p:cNvCxnSpPr>
+          <p:nvPr/>
+        </p:nvCxnSpPr>
+        <p:spPr>
+          <a:xfrm rot="10800000">
+            <a:off x="676583" y="2104312"/>
+            <a:ext cx="184500" cy="0"/>
+          </a:xfrm>
+          <a:prstGeom prst="straightConnector1">
+            <a:avLst/>
+          </a:prstGeom>
+          <a:noFill/>
+          <a:ln w="19050" cap="flat">
+            <a:solidFill>
+              <a:schemeClr val="dk2"/>
+            </a:solidFill>
+            <a:prstDash val="solid"/>
+            <a:round/>
+            <a:headEnd type="none" w="lg" len="lg"/>
+            <a:tailEnd type="none" w="lg" len="lg"/>
+          </a:ln>
+        </p:spPr>
+      </p:cxnSp>
+      <p:cxnSp>
+        <p:nvCxnSpPr>
+          <p:cNvPr id="165" name="Shape 165"/>
+          <p:cNvCxnSpPr/>
+          <p:nvPr/>
+        </p:nvCxnSpPr>
+        <p:spPr>
+          <a:xfrm rot="10800000">
+            <a:off x="676583" y="2713912"/>
+            <a:ext cx="184500" cy="0"/>
+          </a:xfrm>
+          <a:prstGeom prst="straightConnector1">
+            <a:avLst/>
+          </a:prstGeom>
+          <a:noFill/>
+          <a:ln w="19050" cap="flat">
+            <a:solidFill>
+              <a:schemeClr val="dk2"/>
+            </a:solidFill>
+            <a:prstDash val="solid"/>
+            <a:round/>
+            <a:headEnd type="none" w="lg" len="lg"/>
+            <a:tailEnd type="none" w="lg" len="lg"/>
+          </a:ln>
+        </p:spPr>
+      </p:cxnSp>
+      <p:cxnSp>
+        <p:nvCxnSpPr>
+          <p:cNvPr id="166" name="Shape 166"/>
+          <p:cNvCxnSpPr/>
+          <p:nvPr/>
+        </p:nvCxnSpPr>
+        <p:spPr>
+          <a:xfrm rot="10800000">
+            <a:off x="676583" y="3323512"/>
+            <a:ext cx="184500" cy="0"/>
+          </a:xfrm>
+          <a:prstGeom prst="straightConnector1">
+            <a:avLst/>
+          </a:prstGeom>
+          <a:noFill/>
+          <a:ln w="19050" cap="flat">
+            <a:solidFill>
+              <a:schemeClr val="dk2"/>
+            </a:solidFill>
+            <a:prstDash val="solid"/>
+            <a:round/>
+            <a:headEnd type="none" w="lg" len="lg"/>
+            <a:tailEnd type="none" w="lg" len="lg"/>
+          </a:ln>
+        </p:spPr>
+      </p:cxnSp>
+      <p:cxnSp>
+        <p:nvCxnSpPr>
+          <p:cNvPr id="167" name="Shape 167"/>
+          <p:cNvCxnSpPr/>
+          <p:nvPr/>
+        </p:nvCxnSpPr>
+        <p:spPr>
+          <a:xfrm rot="10800000">
+            <a:off x="676583" y="3856912"/>
+            <a:ext cx="184500" cy="0"/>
+          </a:xfrm>
+          <a:prstGeom prst="straightConnector1">
+            <a:avLst/>
+          </a:prstGeom>
+          <a:noFill/>
+          <a:ln w="19050" cap="flat">
+            <a:solidFill>
+              <a:schemeClr val="dk2"/>
+            </a:solidFill>
+            <a:prstDash val="solid"/>
+            <a:round/>
+            <a:headEnd type="none" w="lg" len="lg"/>
+            <a:tailEnd type="none" w="lg" len="lg"/>
+          </a:ln>
+        </p:spPr>
+      </p:cxnSp>
     </p:spTree>
   </p:cSld>
   <p:clrMapOvr>
@@ -10751,7 +10945,7 @@
   <p:cSld>
     <p:spTree>
       <p:nvGrpSpPr>
-        <p:cNvPr id="1" name="Shape 345"/>
+        <p:cNvPr id="1" name="Shape 340"/>
         <p:cNvGrpSpPr/>
         <p:nvPr/>
       </p:nvGrpSpPr>
@@ -10765,18 +10959,18 @@
       </p:grpSpPr>
       <p:sp>
         <p:nvSpPr>
-          <p:cNvPr id="346" name="Shape 346"/>
+          <p:cNvPr id="341" name="Shape 341"/>
           <p:cNvSpPr txBox="1">
             <a:spLocks noGrp="1"/>
           </p:cNvSpPr>
           <p:nvPr>
-            <p:ph type="title"/>
+            <p:ph type="ctrTitle"/>
           </p:nvPr>
         </p:nvSpPr>
         <p:spPr>
           <a:xfrm>
-            <a:off x="457200" y="205978"/>
-            <a:ext cx="8229600" cy="857400"/>
+            <a:off x="685800" y="1728725"/>
+            <a:ext cx="7772400" cy="1227299"/>
           </a:xfrm>
           <a:prstGeom prst="rect">
             <a:avLst/>
@@ -10789,111 +10983,31 @@
           <a:lstStyle/>
           <a:p>
             <a:pPr lvl="0" rtl="0">
-              <a:buNone/>
-            </a:pPr>
-            <a:r>
-              <a:rPr lang="en"/>
-              <a:t>Specials thanks</a:t>
-            </a:r>
-          </a:p>
-        </p:txBody>
-      </p:sp>
-      <p:sp>
-        <p:nvSpPr>
-          <p:cNvPr id="347" name="Shape 347"/>
-          <p:cNvSpPr txBox="1">
-            <a:spLocks noGrp="1"/>
-          </p:cNvSpPr>
-          <p:nvPr>
-            <p:ph type="body" idx="1"/>
-          </p:nvPr>
-        </p:nvSpPr>
-        <p:spPr>
-          <a:xfrm>
-            <a:off x="457200" y="1200150"/>
-            <a:ext cx="8229600" cy="3252300"/>
-          </a:xfrm>
-          <a:prstGeom prst="rect">
-            <a:avLst/>
-          </a:prstGeom>
-        </p:spPr>
-        <p:txBody>
-          <a:bodyPr lIns="91425" tIns="91425" rIns="91425" bIns="91425" anchor="ctr" anchorCtr="0">
-            <a:noAutofit/>
-          </a:bodyPr>
-          <a:lstStyle/>
-          <a:p>
-            <a:pPr marL="457200" lvl="0" indent="-419100" rtl="0">
+              <a:spcBef>
+                <a:spcPts val="600"/>
+              </a:spcBef>
               <a:buClr>
                 <a:schemeClr val="dk1"/>
               </a:buClr>
-              <a:buSzPct val="166666"/>
+              <a:buSzPct val="25000"/>
               <a:buFont typeface="Arial"/>
-              <a:buChar char="•"/>
+              <a:buNone/>
             </a:pPr>
             <a:r>
-              <a:rPr lang="en" dirty="0"/>
-              <a:t>For his awesomeness</a:t>
-            </a:r>
-          </a:p>
-          <a:p>
-            <a:pPr marL="914400" lvl="1" indent="-381000" rtl="0">
-              <a:buClr>
-                <a:schemeClr val="dk1"/>
-              </a:buClr>
-              <a:buSzPct val="80000"/>
-              <a:buFont typeface="Courier New"/>
-              <a:buChar char="o"/>
-            </a:pPr>
-            <a:r>
-              <a:rPr lang="en" dirty="0"/>
-              <a:t>Dr. Ahmed Al Jumaili</a:t>
-            </a:r>
-          </a:p>
-          <a:p>
-            <a:endParaRPr lang="en" dirty="0"/>
-          </a:p>
-          <a:p>
-            <a:pPr marL="457200" lvl="0" indent="-419100" rtl="0">
-              <a:buClr>
-                <a:schemeClr val="dk1"/>
-              </a:buClr>
-              <a:buSzPct val="166666"/>
-              <a:buFont typeface="Arial"/>
-              <a:buChar char="•"/>
-            </a:pPr>
-            <a:r>
-              <a:rPr lang="en" dirty="0"/>
-              <a:t>For mathematics advises</a:t>
-            </a:r>
-          </a:p>
-          <a:p>
-            <a:pPr marL="914400" lvl="1" indent="-381000" rtl="0">
-              <a:buClr>
-                <a:schemeClr val="dk1"/>
-              </a:buClr>
-              <a:buSzPct val="80000"/>
-              <a:buFont typeface="Courier New"/>
-              <a:buChar char="o"/>
-            </a:pPr>
-            <a:r>
-              <a:rPr lang="en" dirty="0"/>
-              <a:t>Bastien G.</a:t>
-            </a:r>
-          </a:p>
-          <a:p>
-            <a:pPr marL="914400" lvl="1" indent="-381000" rtl="0">
-              <a:buClr>
-                <a:schemeClr val="dk1"/>
-              </a:buClr>
-              <a:buSzPct val="80000"/>
-              <a:buFont typeface="Courier New"/>
-              <a:buChar char="o"/>
-            </a:pPr>
-            <a:r>
-              <a:rPr lang="en" dirty="0"/>
-              <a:t>Walid B.</a:t>
-            </a:r>
+              <a:rPr lang="en" sz="7200">
+                <a:solidFill>
+                  <a:srgbClr val="FFFFFF"/>
+                </a:solidFill>
+              </a:rPr>
+              <a:t>Let’s see it in action !</a:t>
+            </a:r>
+          </a:p>
+          <a:p>
+            <a:endParaRPr lang="en" sz="7200">
+              <a:solidFill>
+                <a:srgbClr val="FFFFFF"/>
+              </a:solidFill>
+            </a:endParaRPr>
           </a:p>
         </p:txBody>
       </p:sp>
@@ -10916,6 +11030,175 @@
 </file>
 
 <file path=ppt/slides/slide26.xml><?xml version="1.0" encoding="utf-8"?>
+<p:sld xmlns:a="http://schemas.openxmlformats.org/drawingml/2006/main" xmlns:r="http://schemas.openxmlformats.org/officeDocument/2006/relationships" xmlns:p="http://schemas.openxmlformats.org/presentationml/2006/main">
+  <p:cSld>
+    <p:spTree>
+      <p:nvGrpSpPr>
+        <p:cNvPr id="1" name="Shape 345"/>
+        <p:cNvGrpSpPr/>
+        <p:nvPr/>
+      </p:nvGrpSpPr>
+      <p:grpSpPr>
+        <a:xfrm>
+          <a:off x="0" y="0"/>
+          <a:ext cx="0" cy="0"/>
+          <a:chOff x="0" y="0"/>
+          <a:chExt cx="0" cy="0"/>
+        </a:xfrm>
+      </p:grpSpPr>
+      <p:sp>
+        <p:nvSpPr>
+          <p:cNvPr id="346" name="Shape 346"/>
+          <p:cNvSpPr txBox="1">
+            <a:spLocks noGrp="1"/>
+          </p:cNvSpPr>
+          <p:nvPr>
+            <p:ph type="title"/>
+          </p:nvPr>
+        </p:nvSpPr>
+        <p:spPr>
+          <a:xfrm>
+            <a:off x="457200" y="205978"/>
+            <a:ext cx="8229600" cy="857400"/>
+          </a:xfrm>
+          <a:prstGeom prst="rect">
+            <a:avLst/>
+          </a:prstGeom>
+        </p:spPr>
+        <p:txBody>
+          <a:bodyPr lIns="91425" tIns="91425" rIns="91425" bIns="91425" anchor="ctr" anchorCtr="0">
+            <a:noAutofit/>
+          </a:bodyPr>
+          <a:lstStyle/>
+          <a:p>
+            <a:pPr lvl="0" rtl="0">
+              <a:buNone/>
+            </a:pPr>
+            <a:r>
+              <a:rPr lang="en"/>
+              <a:t>Specials thanks</a:t>
+            </a:r>
+          </a:p>
+        </p:txBody>
+      </p:sp>
+      <p:sp>
+        <p:nvSpPr>
+          <p:cNvPr id="347" name="Shape 347"/>
+          <p:cNvSpPr txBox="1">
+            <a:spLocks noGrp="1"/>
+          </p:cNvSpPr>
+          <p:nvPr>
+            <p:ph type="body" idx="1"/>
+          </p:nvPr>
+        </p:nvSpPr>
+        <p:spPr>
+          <a:xfrm>
+            <a:off x="457200" y="1200150"/>
+            <a:ext cx="8229600" cy="3252300"/>
+          </a:xfrm>
+          <a:prstGeom prst="rect">
+            <a:avLst/>
+          </a:prstGeom>
+        </p:spPr>
+        <p:txBody>
+          <a:bodyPr lIns="91425" tIns="91425" rIns="91425" bIns="91425" anchor="ctr" anchorCtr="0">
+            <a:noAutofit/>
+          </a:bodyPr>
+          <a:lstStyle/>
+          <a:p>
+            <a:pPr marL="457200" lvl="0" indent="-419100" rtl="0">
+              <a:buClr>
+                <a:schemeClr val="dk1"/>
+              </a:buClr>
+              <a:buSzPct val="166666"/>
+              <a:buFont typeface="Arial"/>
+              <a:buChar char="•"/>
+            </a:pPr>
+            <a:r>
+              <a:rPr lang="en" dirty="0"/>
+              <a:t>For his awesomeness</a:t>
+            </a:r>
+          </a:p>
+          <a:p>
+            <a:pPr marL="914400" lvl="1" indent="-381000" rtl="0">
+              <a:buClr>
+                <a:schemeClr val="dk1"/>
+              </a:buClr>
+              <a:buSzPct val="80000"/>
+              <a:buFont typeface="Courier New"/>
+              <a:buChar char="o"/>
+            </a:pPr>
+            <a:r>
+              <a:rPr lang="en" dirty="0"/>
+              <a:t>Dr. Ahmed Al Jumaili</a:t>
+            </a:r>
+          </a:p>
+          <a:p>
+            <a:endParaRPr lang="en" dirty="0"/>
+          </a:p>
+          <a:p>
+            <a:pPr marL="457200" lvl="0" indent="-419100" rtl="0">
+              <a:buClr>
+                <a:schemeClr val="dk1"/>
+              </a:buClr>
+              <a:buSzPct val="166666"/>
+              <a:buFont typeface="Arial"/>
+              <a:buChar char="•"/>
+            </a:pPr>
+            <a:r>
+              <a:rPr lang="en" dirty="0"/>
+              <a:t>For mathematics advises</a:t>
+            </a:r>
+          </a:p>
+          <a:p>
+            <a:pPr marL="914400" lvl="1" indent="-381000" rtl="0">
+              <a:buClr>
+                <a:schemeClr val="dk1"/>
+              </a:buClr>
+              <a:buSzPct val="80000"/>
+              <a:buFont typeface="Courier New"/>
+              <a:buChar char="o"/>
+            </a:pPr>
+            <a:r>
+              <a:rPr lang="en" dirty="0"/>
+              <a:t>Bastien G.</a:t>
+            </a:r>
+          </a:p>
+          <a:p>
+            <a:pPr marL="914400" lvl="1" indent="-381000" rtl="0">
+              <a:buClr>
+                <a:schemeClr val="dk1"/>
+              </a:buClr>
+              <a:buSzPct val="80000"/>
+              <a:buFont typeface="Courier New"/>
+              <a:buChar char="o"/>
+            </a:pPr>
+            <a:r>
+              <a:rPr lang="en" dirty="0"/>
+              <a:t>Walid B.</a:t>
+            </a:r>
+          </a:p>
+        </p:txBody>
+      </p:sp>
+    </p:spTree>
+  </p:cSld>
+  <p:clrMapOvr>
+    <a:masterClrMapping/>
+  </p:clrMapOvr>
+  <p:transition spd="slow">
+    <p:cut/>
+  </p:transition>
+  <p:timing>
+    <p:tnLst>
+      <p:par>
+        <p:cTn id="1" dur="indefinite" restart="never" nodeType="tmRoot"/>
+      </p:par>
+    </p:tnLst>
+  </p:timing>
+</p:sld>
+</file>
+
+<file path=ppt/slides/slide27.xml><?xml version="1.0" encoding="utf-8"?>
 <p:sld xmlns:a="http://schemas.openxmlformats.org/drawingml/2006/main" xmlns:r="http://schemas.openxmlformats.org/officeDocument/2006/relationships" xmlns:p="http://schemas.openxmlformats.org/presentationml/2006/main">
   <p:cSld>
     <p:spTree>
@@ -12302,7 +12585,7 @@
                         <a:buNone/>
                       </a:pPr>
                       <a:r>
-                        <a:rPr lang="en"/>
+                        <a:rPr lang="en" dirty="0"/>
                         <a:t>B</a:t>
                       </a:r>
                     </a:p>
@@ -12342,7 +12625,7 @@
                         <a:buNone/>
                       </a:pPr>
                       <a:r>
-                        <a:rPr lang="en"/>
+                        <a:rPr lang="en" dirty="0"/>
                         <a:t>Your Id is “4”</a:t>
                       </a:r>
                     </a:p>
@@ -12364,7 +12647,7 @@
                         <a:buNone/>
                       </a:pPr>
                       <a:r>
-                        <a:rPr lang="en"/>
+                        <a:rPr lang="en" dirty="0"/>
                         <a:t>B</a:t>
                       </a:r>
                     </a:p>
@@ -12380,7 +12663,7 @@
                         <a:buNone/>
                       </a:pPr>
                       <a:r>
-                        <a:rPr lang="en"/>
+                        <a:rPr lang="en" dirty="0"/>
                         <a:t>A</a:t>
                       </a:r>
                     </a:p>
@@ -12396,7 +12679,7 @@
                         <a:buNone/>
                       </a:pPr>
                       <a:r>
-                        <a:rPr lang="en"/>
+                        <a:rPr lang="en" dirty="0"/>
                         <a:t>I confirm, your id is “4”</a:t>
                       </a:r>
                     </a:p>
@@ -12714,6 +12997,236 @@
           </a:p>
         </p:txBody>
       </p:sp>
+      <p:sp>
+        <p:nvSpPr>
+          <p:cNvPr id="2" name="Rectangle 1"/>
+          <p:cNvSpPr/>
+          <p:nvPr/>
+        </p:nvSpPr>
+        <p:spPr>
+          <a:xfrm>
+            <a:off x="168250" y="2483197"/>
+            <a:ext cx="8236915" cy="411480"/>
+          </a:xfrm>
+          <a:prstGeom prst="rect">
+            <a:avLst/>
+          </a:prstGeom>
+          <a:solidFill>
+            <a:schemeClr val="bg1"/>
+          </a:solidFill>
+          <a:ln>
+            <a:noFill/>
+          </a:ln>
+        </p:spPr>
+        <p:style>
+          <a:lnRef idx="2">
+            <a:schemeClr val="accent1">
+              <a:shade val="50000"/>
+            </a:schemeClr>
+          </a:lnRef>
+          <a:fillRef idx="1">
+            <a:schemeClr val="accent1"/>
+          </a:fillRef>
+          <a:effectRef idx="0">
+            <a:schemeClr val="accent1"/>
+          </a:effectRef>
+          <a:fontRef idx="minor">
+            <a:schemeClr val="lt1"/>
+          </a:fontRef>
+        </p:style>
+        <p:txBody>
+          <a:bodyPr rtlCol="0" anchor="ctr"/>
+          <a:lstStyle/>
+          <a:p>
+            <a:pPr algn="ctr"/>
+            <a:endParaRPr lang="fr-FR"/>
+          </a:p>
+        </p:txBody>
+      </p:sp>
+      <p:sp>
+        <p:nvSpPr>
+          <p:cNvPr id="19" name="Rectangle 18"/>
+          <p:cNvSpPr/>
+          <p:nvPr/>
+        </p:nvSpPr>
+        <p:spPr>
+          <a:xfrm>
+            <a:off x="307950" y="2894677"/>
+            <a:ext cx="8236915" cy="411480"/>
+          </a:xfrm>
+          <a:prstGeom prst="rect">
+            <a:avLst/>
+          </a:prstGeom>
+          <a:solidFill>
+            <a:schemeClr val="bg1"/>
+          </a:solidFill>
+          <a:ln>
+            <a:noFill/>
+          </a:ln>
+        </p:spPr>
+        <p:style>
+          <a:lnRef idx="2">
+            <a:schemeClr val="accent1">
+              <a:shade val="50000"/>
+            </a:schemeClr>
+          </a:lnRef>
+          <a:fillRef idx="1">
+            <a:schemeClr val="accent1"/>
+          </a:fillRef>
+          <a:effectRef idx="0">
+            <a:schemeClr val="accent1"/>
+          </a:effectRef>
+          <a:fontRef idx="minor">
+            <a:schemeClr val="lt1"/>
+          </a:fontRef>
+        </p:style>
+        <p:txBody>
+          <a:bodyPr rtlCol="0" anchor="ctr"/>
+          <a:lstStyle/>
+          <a:p>
+            <a:pPr algn="ctr"/>
+            <a:endParaRPr lang="fr-FR"/>
+          </a:p>
+        </p:txBody>
+      </p:sp>
+      <p:sp>
+        <p:nvSpPr>
+          <p:cNvPr id="20" name="Rectangle 19"/>
+          <p:cNvSpPr/>
+          <p:nvPr/>
+        </p:nvSpPr>
+        <p:spPr>
+          <a:xfrm>
+            <a:off x="307949" y="3300472"/>
+            <a:ext cx="8236915" cy="411480"/>
+          </a:xfrm>
+          <a:prstGeom prst="rect">
+            <a:avLst/>
+          </a:prstGeom>
+          <a:solidFill>
+            <a:schemeClr val="bg1"/>
+          </a:solidFill>
+          <a:ln>
+            <a:noFill/>
+          </a:ln>
+        </p:spPr>
+        <p:style>
+          <a:lnRef idx="2">
+            <a:schemeClr val="accent1">
+              <a:shade val="50000"/>
+            </a:schemeClr>
+          </a:lnRef>
+          <a:fillRef idx="1">
+            <a:schemeClr val="accent1"/>
+          </a:fillRef>
+          <a:effectRef idx="0">
+            <a:schemeClr val="accent1"/>
+          </a:effectRef>
+          <a:fontRef idx="minor">
+            <a:schemeClr val="lt1"/>
+          </a:fontRef>
+        </p:style>
+        <p:txBody>
+          <a:bodyPr rtlCol="0" anchor="ctr"/>
+          <a:lstStyle/>
+          <a:p>
+            <a:pPr algn="ctr"/>
+            <a:endParaRPr lang="fr-FR"/>
+          </a:p>
+        </p:txBody>
+      </p:sp>
+      <p:sp>
+        <p:nvSpPr>
+          <p:cNvPr id="21" name="Rectangle 20"/>
+          <p:cNvSpPr/>
+          <p:nvPr/>
+        </p:nvSpPr>
+        <p:spPr>
+          <a:xfrm>
+            <a:off x="327455" y="3708648"/>
+            <a:ext cx="8236915" cy="411480"/>
+          </a:xfrm>
+          <a:prstGeom prst="rect">
+            <a:avLst/>
+          </a:prstGeom>
+          <a:solidFill>
+            <a:schemeClr val="bg1"/>
+          </a:solidFill>
+          <a:ln>
+            <a:noFill/>
+          </a:ln>
+        </p:spPr>
+        <p:style>
+          <a:lnRef idx="2">
+            <a:schemeClr val="accent1">
+              <a:shade val="50000"/>
+            </a:schemeClr>
+          </a:lnRef>
+          <a:fillRef idx="1">
+            <a:schemeClr val="accent1"/>
+          </a:fillRef>
+          <a:effectRef idx="0">
+            <a:schemeClr val="accent1"/>
+          </a:effectRef>
+          <a:fontRef idx="minor">
+            <a:schemeClr val="lt1"/>
+          </a:fontRef>
+        </p:style>
+        <p:txBody>
+          <a:bodyPr rtlCol="0" anchor="ctr"/>
+          <a:lstStyle/>
+          <a:p>
+            <a:pPr algn="ctr"/>
+            <a:endParaRPr lang="fr-FR"/>
+          </a:p>
+        </p:txBody>
+      </p:sp>
+      <p:sp>
+        <p:nvSpPr>
+          <p:cNvPr id="22" name="Rectangle 21"/>
+          <p:cNvSpPr/>
+          <p:nvPr/>
+        </p:nvSpPr>
+        <p:spPr>
+          <a:xfrm>
+            <a:off x="327455" y="4116824"/>
+            <a:ext cx="8236915" cy="411480"/>
+          </a:xfrm>
+          <a:prstGeom prst="rect">
+            <a:avLst/>
+          </a:prstGeom>
+          <a:solidFill>
+            <a:schemeClr val="bg1"/>
+          </a:solidFill>
+          <a:ln>
+            <a:noFill/>
+          </a:ln>
+        </p:spPr>
+        <p:style>
+          <a:lnRef idx="2">
+            <a:schemeClr val="accent1">
+              <a:shade val="50000"/>
+            </a:schemeClr>
+          </a:lnRef>
+          <a:fillRef idx="1">
+            <a:schemeClr val="accent1"/>
+          </a:fillRef>
+          <a:effectRef idx="0">
+            <a:schemeClr val="accent1"/>
+          </a:effectRef>
+          <a:fontRef idx="minor">
+            <a:schemeClr val="lt1"/>
+          </a:fontRef>
+        </p:style>
+        <p:txBody>
+          <a:bodyPr rtlCol="0" anchor="ctr"/>
+          <a:lstStyle/>
+          <a:p>
+            <a:pPr algn="ctr"/>
+            <a:endParaRPr lang="fr-FR"/>
+          </a:p>
+        </p:txBody>
+      </p:sp>
     </p:spTree>
   </p:cSld>
   <p:clrMapOvr>
@@ -12725,9 +13238,304 @@
   <p:timing>
     <p:tnLst>
       <p:par>
-        <p:cTn id="1" dur="indefinite" restart="never" nodeType="tmRoot"/>
+        <p:cTn id="1" dur="indefinite" restart="never" nodeType="tmRoot">
+          <p:childTnLst>
+            <p:seq concurrent="1" nextAc="seek">
+              <p:cTn id="2" dur="indefinite" nodeType="mainSeq">
+                <p:childTnLst>
+                  <p:par>
+                    <p:cTn id="3" fill="hold">
+                      <p:stCondLst>
+                        <p:cond delay="indefinite"/>
+                      </p:stCondLst>
+                      <p:childTnLst>
+                        <p:par>
+                          <p:cTn id="4" fill="hold">
+                            <p:stCondLst>
+                              <p:cond delay="0"/>
+                            </p:stCondLst>
+                            <p:childTnLst>
+                              <p:par>
+                                <p:cTn id="5" presetID="10" presetClass="exit" presetSubtype="0" fill="hold" grpId="0" nodeType="clickEffect">
+                                  <p:stCondLst>
+                                    <p:cond delay="0"/>
+                                  </p:stCondLst>
+                                  <p:childTnLst>
+                                    <p:animEffect transition="out" filter="fade">
+                                      <p:cBhvr>
+                                        <p:cTn id="6" dur="500"/>
+                                        <p:tgtEl>
+                                          <p:spTgt spid="2"/>
+                                        </p:tgtEl>
+                                      </p:cBhvr>
+                                    </p:animEffect>
+                                    <p:set>
+                                      <p:cBhvr>
+                                        <p:cTn id="7" dur="1" fill="hold">
+                                          <p:stCondLst>
+                                            <p:cond delay="499"/>
+                                          </p:stCondLst>
+                                        </p:cTn>
+                                        <p:tgtEl>
+                                          <p:spTgt spid="2"/>
+                                        </p:tgtEl>
+                                        <p:attrNameLst>
+                                          <p:attrName>style.visibility</p:attrName>
+                                        </p:attrNameLst>
+                                      </p:cBhvr>
+                                      <p:to>
+                                        <p:strVal val="hidden"/>
+                                      </p:to>
+                                    </p:set>
+                                  </p:childTnLst>
+                                </p:cTn>
+                              </p:par>
+                            </p:childTnLst>
+                          </p:cTn>
+                        </p:par>
+                      </p:childTnLst>
+                    </p:cTn>
+                  </p:par>
+                  <p:par>
+                    <p:cTn id="8" fill="hold">
+                      <p:stCondLst>
+                        <p:cond delay="indefinite"/>
+                      </p:stCondLst>
+                      <p:childTnLst>
+                        <p:par>
+                          <p:cTn id="9" fill="hold">
+                            <p:stCondLst>
+                              <p:cond delay="0"/>
+                            </p:stCondLst>
+                            <p:childTnLst>
+                              <p:par>
+                                <p:cTn id="10" presetID="10" presetClass="exit" presetSubtype="0" fill="hold" grpId="0" nodeType="clickEffect">
+                                  <p:stCondLst>
+                                    <p:cond delay="0"/>
+                                  </p:stCondLst>
+                                  <p:childTnLst>
+                                    <p:animEffect transition="out" filter="fade">
+                                      <p:cBhvr>
+                                        <p:cTn id="11" dur="500"/>
+                                        <p:tgtEl>
+                                          <p:spTgt spid="19"/>
+                                        </p:tgtEl>
+                                      </p:cBhvr>
+                                    </p:animEffect>
+                                    <p:set>
+                                      <p:cBhvr>
+                                        <p:cTn id="12" dur="1" fill="hold">
+                                          <p:stCondLst>
+                                            <p:cond delay="499"/>
+                                          </p:stCondLst>
+                                        </p:cTn>
+                                        <p:tgtEl>
+                                          <p:spTgt spid="19"/>
+                                        </p:tgtEl>
+                                        <p:attrNameLst>
+                                          <p:attrName>style.visibility</p:attrName>
+                                        </p:attrNameLst>
+                                      </p:cBhvr>
+                                      <p:to>
+                                        <p:strVal val="hidden"/>
+                                      </p:to>
+                                    </p:set>
+                                  </p:childTnLst>
+                                </p:cTn>
+                              </p:par>
+                            </p:childTnLst>
+                          </p:cTn>
+                        </p:par>
+                      </p:childTnLst>
+                    </p:cTn>
+                  </p:par>
+                  <p:par>
+                    <p:cTn id="13" fill="hold">
+                      <p:stCondLst>
+                        <p:cond delay="indefinite"/>
+                      </p:stCondLst>
+                      <p:childTnLst>
+                        <p:par>
+                          <p:cTn id="14" fill="hold">
+                            <p:stCondLst>
+                              <p:cond delay="0"/>
+                            </p:stCondLst>
+                            <p:childTnLst>
+                              <p:par>
+                                <p:cTn id="15" presetID="10" presetClass="exit" presetSubtype="0" fill="hold" grpId="0" nodeType="clickEffect">
+                                  <p:stCondLst>
+                                    <p:cond delay="0"/>
+                                  </p:stCondLst>
+                                  <p:childTnLst>
+                                    <p:animEffect transition="out" filter="fade">
+                                      <p:cBhvr>
+                                        <p:cTn id="16" dur="500"/>
+                                        <p:tgtEl>
+                                          <p:spTgt spid="20"/>
+                                        </p:tgtEl>
+                                      </p:cBhvr>
+                                    </p:animEffect>
+                                    <p:set>
+                                      <p:cBhvr>
+                                        <p:cTn id="17" dur="1" fill="hold">
+                                          <p:stCondLst>
+                                            <p:cond delay="499"/>
+                                          </p:stCondLst>
+                                        </p:cTn>
+                                        <p:tgtEl>
+                                          <p:spTgt spid="20"/>
+                                        </p:tgtEl>
+                                        <p:attrNameLst>
+                                          <p:attrName>style.visibility</p:attrName>
+                                        </p:attrNameLst>
+                                      </p:cBhvr>
+                                      <p:to>
+                                        <p:strVal val="hidden"/>
+                                      </p:to>
+                                    </p:set>
+                                  </p:childTnLst>
+                                </p:cTn>
+                              </p:par>
+                            </p:childTnLst>
+                          </p:cTn>
+                        </p:par>
+                      </p:childTnLst>
+                    </p:cTn>
+                  </p:par>
+                  <p:par>
+                    <p:cTn id="18" fill="hold">
+                      <p:stCondLst>
+                        <p:cond delay="indefinite"/>
+                      </p:stCondLst>
+                      <p:childTnLst>
+                        <p:par>
+                          <p:cTn id="19" fill="hold">
+                            <p:stCondLst>
+                              <p:cond delay="0"/>
+                            </p:stCondLst>
+                            <p:childTnLst>
+                              <p:par>
+                                <p:cTn id="20" presetID="10" presetClass="exit" presetSubtype="0" fill="hold" grpId="0" nodeType="clickEffect">
+                                  <p:stCondLst>
+                                    <p:cond delay="0"/>
+                                  </p:stCondLst>
+                                  <p:childTnLst>
+                                    <p:animEffect transition="out" filter="fade">
+                                      <p:cBhvr>
+                                        <p:cTn id="21" dur="500"/>
+                                        <p:tgtEl>
+                                          <p:spTgt spid="21"/>
+                                        </p:tgtEl>
+                                      </p:cBhvr>
+                                    </p:animEffect>
+                                    <p:set>
+                                      <p:cBhvr>
+                                        <p:cTn id="22" dur="1" fill="hold">
+                                          <p:stCondLst>
+                                            <p:cond delay="499"/>
+                                          </p:stCondLst>
+                                        </p:cTn>
+                                        <p:tgtEl>
+                                          <p:spTgt spid="21"/>
+                                        </p:tgtEl>
+                                        <p:attrNameLst>
+                                          <p:attrName>style.visibility</p:attrName>
+                                        </p:attrNameLst>
+                                      </p:cBhvr>
+                                      <p:to>
+                                        <p:strVal val="hidden"/>
+                                      </p:to>
+                                    </p:set>
+                                  </p:childTnLst>
+                                </p:cTn>
+                              </p:par>
+                            </p:childTnLst>
+                          </p:cTn>
+                        </p:par>
+                      </p:childTnLst>
+                    </p:cTn>
+                  </p:par>
+                  <p:par>
+                    <p:cTn id="23" fill="hold">
+                      <p:stCondLst>
+                        <p:cond delay="indefinite"/>
+                      </p:stCondLst>
+                      <p:childTnLst>
+                        <p:par>
+                          <p:cTn id="24" fill="hold">
+                            <p:stCondLst>
+                              <p:cond delay="0"/>
+                            </p:stCondLst>
+                            <p:childTnLst>
+                              <p:par>
+                                <p:cTn id="25" presetID="10" presetClass="exit" presetSubtype="0" fill="hold" grpId="0" nodeType="clickEffect">
+                                  <p:stCondLst>
+                                    <p:cond delay="0"/>
+                                  </p:stCondLst>
+                                  <p:childTnLst>
+                                    <p:animEffect transition="out" filter="fade">
+                                      <p:cBhvr>
+                                        <p:cTn id="26" dur="500"/>
+                                        <p:tgtEl>
+                                          <p:spTgt spid="22"/>
+                                        </p:tgtEl>
+                                      </p:cBhvr>
+                                    </p:animEffect>
+                                    <p:set>
+                                      <p:cBhvr>
+                                        <p:cTn id="27" dur="1" fill="hold">
+                                          <p:stCondLst>
+                                            <p:cond delay="499"/>
+                                          </p:stCondLst>
+                                        </p:cTn>
+                                        <p:tgtEl>
+                                          <p:spTgt spid="22"/>
+                                        </p:tgtEl>
+                                        <p:attrNameLst>
+                                          <p:attrName>style.visibility</p:attrName>
+                                        </p:attrNameLst>
+                                      </p:cBhvr>
+                                      <p:to>
+                                        <p:strVal val="hidden"/>
+                                      </p:to>
+                                    </p:set>
+                                  </p:childTnLst>
+                                </p:cTn>
+                              </p:par>
+                            </p:childTnLst>
+                          </p:cTn>
+                        </p:par>
+                      </p:childTnLst>
+                    </p:cTn>
+                  </p:par>
+                </p:childTnLst>
+              </p:cTn>
+              <p:prevCondLst>
+                <p:cond evt="onPrev" delay="0">
+                  <p:tgtEl>
+                    <p:sldTgt/>
+                  </p:tgtEl>
+                </p:cond>
+              </p:prevCondLst>
+              <p:nextCondLst>
+                <p:cond evt="onNext" delay="0">
+                  <p:tgtEl>
+                    <p:sldTgt/>
+                  </p:tgtEl>
+                </p:cond>
+              </p:nextCondLst>
+            </p:seq>
+          </p:childTnLst>
+        </p:cTn>
       </p:par>
     </p:tnLst>
+    <p:bldLst>
+      <p:bldP spid="2" grpId="0" animBg="1"/>
+      <p:bldP spid="19" grpId="0" animBg="1"/>
+      <p:bldP spid="20" grpId="0" animBg="1"/>
+      <p:bldP spid="21" grpId="0" animBg="1"/>
+      <p:bldP spid="22" grpId="0" animBg="1"/>
+    </p:bldLst>
   </p:timing>
 </p:sld>
 </file>
